--- a/Final_Docs/Case-Study-Approach.pptx
+++ b/Final_Docs/Case-Study-Approach.pptx
@@ -5,7 +5,14 @@
     <p:sldMasterId id="2147483648" r:id="rId5"/>
   </p:sldMasterIdLst>
   <p:sldIdLst>
-    <p:sldId id="256" r:id="rId6"/>
+    <p:sldId id="259" r:id="rId6"/>
+    <p:sldId id="257" r:id="rId7"/>
+    <p:sldId id="256" r:id="rId8"/>
+    <p:sldId id="258" r:id="rId9"/>
+    <p:sldId id="260" r:id="rId10"/>
+    <p:sldId id="261" r:id="rId11"/>
+    <p:sldId id="262" r:id="rId12"/>
+    <p:sldId id="263" r:id="rId13"/>
   </p:sldIdLst>
   <p:sldSz cx="12192000" cy="6858000"/>
   <p:notesSz cx="6858000" cy="12192000"/>
@@ -236,7 +243,7 @@
             <a:spLocks noGrp="1" noChangeArrowheads="1"/>
             <a:extLst>
               <a:ext uri="smNativeData">
-                <pr:smNativeData xmlns:pr="smNativeData" xmlns="smNativeData" val="SMDATA_15_lFoOZxMAAAAlAAAAZAAAAA8BAAAAkAAAAEgAAACQAAAASAAAAAAAAAABAAAAAAAAAAEAAABQAAAAAAAAAAAA4D8AAAAAAADgPwAAAAAAAOA/AAAAAAAA4D8AAAAAAADgPwAAAAAAAOA/AAAAAAAA4D8AAAAAAADgPwAAAAAAAOA/AAAAAAAA4D8CAAAAjAAAAAAAAAAAAAAAu+DjDP///wgAAAAAAAAAAAAAAAAAAAAAAAAAAAAAAAAAAAAAZAAAAAEAAABAAAAAAAAAAAAAAAAAAAAAAAAAAAAAAAAAAAAAAAAAAAAAAAAAAAAAAAAAAAAAAAAAAAAAAAAAAAAAAAAAAAAAAAAAAAAAAAAAAAAAAAAAAAAAAAAAAAAAFAAAADwAAAAAAAAAAAAAAAAAAAkUAAAAAQAAABQAAAAUAAAAFAAAAAEAAAAAAAAAZAAAAGQAAAAAAAAAZAAAAGQAAAAVAAAAYAAAAAAAAAAAAAAADwAAACADAAAAAAAAAAAAAAEAAACgMgAAVgcAAKr4//8BAAAAf39/AAEAAABkAAAAAAAAABQAAABAHwAAAAAAACYAAAAAAAAAwOD//wAAAAAmAAAAZAAAABYAAABMAAAAAAAAAAAAAAAEAAAAAAAAAAEAAACAgIAKAAAAACgAAAAoAAAAZAAAAGQAAAAAAAAAzMzMAAAAAABQAAAAUAAAAGQAAABkAAAAAAAAABcAAAAUAAAAAAAAAAAAAAD/fwAA/38AAAAAAAAJAAAABAAAAAAAAAAeAAAAaAAAAAAAAAAAAAAAAAAAAAAAAAAAAAAAECcAABAnAAAAAAAAAAAAAAAAAAAAAAAAAAAAAAAAAAAAAAAAAAAAABQAAAAAAAAAwMD/AAAAAABkAAAAMgAAAAAAAABkAAAAAAAAAH9/fwAKAAAAIgAAABgAAAAAAAAAAAAAAAAAAAAAAAAAAAAAAAAAAAAkAAAAJAAAAAAAAAAHAAAAAAAAAAAAAAAAAAAAAAAAAAAAAAAAAAAAf39/ACUAAABYAAAAAAAAAAAAAAAAAAAAAAAAAAAAAAAAAAAAAAAAAAAAAAAAAAAAAAAAAAAAAAA/AAAAAAAAAKCGAQAAAAAAAAAAAAAAAAAMAAAAAQAAAAAAAAAAAAAAAAAAAB8AAABUAAAAAAAABQAAAAEAAAAAAAAAAAAAAAAAAAAAAAAAAAAAAAAAAAAAAAAAAAAAAAJ/f38AAAAAA8zMzADAwP8Af39/AAAAAAAAAAAAAAAAAAAAAAAAAAAAIQAAABgAAAAUAAAAoAUAABoNAABgRQAAJhYAABAAAAAmAAAACAAAAAEAAAAAAAAA"/>
+                <pr:smNativeData xmlns:pr="smNativeData" xmlns="smNativeData" val="SMDATA_15_ZjATZxMAAAAlAAAAZAAAAA8BAAAAkAAAAEgAAACQAAAASAAAAAAAAAABAAAAAAAAAAEAAABQAAAAAAAAAAAA4D8AAAAAAADgPwAAAAAAAOA/AAAAAAAA4D8AAAAAAADgPwAAAAAAAOA/AAAAAAAA4D8AAAAAAADgPwAAAAAAAOA/AAAAAAAA4D8CAAAAjAAAAAAAAAAAAAAAu+DjDP///wgAAAAAAAAAAAAAAAAAAAAAAAAAAAAAAAAAAAAAZAAAAAEAAABAAAAAAAAAAAAAAAAAAAAAAAAAAAAAAAAAAAAAAAAAAAAAAAAAAAAAAAAAAAAAAAAAAAAAAAAAAAAAAAAAAAAAAAAAAAAAAAAAAAAAAAAAAAAAAAAAAAAAFAAAADwAAAAAAAAAAAAAAAAAAAkUAAAAAQAAABQAAAAUAAAAFAAAAAEAAAAAAAAAZAAAAGQAAAAAAAAAZAAAAGQAAAAVAAAAYAAAAAAAAAAAAAAADwAAACADAAAAAAAAAAAAAAEAAACgMgAAVgcAAKr4//8BAAAAf39/AAEAAABkAAAAAAAAABQAAABAHwAAAAAAACYAAAAAAAAAwOD//wAAAAAmAAAAZAAAABYAAABMAAAAAAAAAAAAAAAEAAAAAAAAAAEAAACAgIAKAAAAACgAAAAoAAAAZAAAAGQAAAAAAAAAzMzMAAAAAABQAAAAUAAAAGQAAABkAAAAAAAAABcAAAAUAAAAAAAAAAAAAAD/fwAA/38AAAAAAAAJAAAABAAAAAAAAAAeAAAAaAAAAAAAAAAAAAAAAAAAAAAAAAAAAAAAECcAABAnAAAAAAAAAAAAAAAAAAAAAAAAAAAAAAAAAAAAAAAAAAAAABQAAAAAAAAAwMD/AAAAAABkAAAAMgAAAAAAAABkAAAAAAAAAH9/fwAKAAAAIgAAABgAAAAAAAAAAAAAAAAAAAAAAAAAAAAAAAAAAAAkAAAAJAAAAAAAAAAHAAAAAAAAAAAAAAAAAAAAAAAAAAAAAAAAAAAAf39/ACUAAABYAAAAAAAAAAAAAAAAAAAAAAAAAAAAAAAAAAAAAAAAAAAAAAAAAAAAAAAAAAAAAAA/AAAAAAAAAKCGAQAAAAAAAAAAAAAAAAAMAAAAAQAAAAAAAAAAAAAAAAAAAB8AAABUAAAAAAAABQAAAAEAAAAAAAAAAAAAAAAAAAAAAAAAAAAAAAAAAAAAAAAAAAAAAAJ/f38AAAAAA8zMzADAwP8Af39/AAAAAAAAAAAAAAAAAAAAAAAAAAAAIQAAABgAAAAUAAAAoAUAABoNAABgRQAAJhYAABAAAAAmAAAACAAAAAEAAAAAAAAA"/>
               </a:ext>
             </a:extLst>
           </p:cNvSpPr>
@@ -268,7 +275,7 @@
             <a:spLocks noGrp="1" noChangeArrowheads="1"/>
             <a:extLst>
               <a:ext uri="smNativeData">
-                <pr:smNativeData xmlns:pr="smNativeData" xmlns="smNativeData" val="SMDATA_15_lFoOZxMAAAAlAAAAZAAAAA8BAAAAkAAAAEgAAACQAAAASAAAAAAAAAAAAAAAAAAAAAEAAABQAAAAAAAAAAAA4D8AAAAAAADgPwAAAAAAAOA/AAAAAAAA4D8AAAAAAADgPwAAAAAAAOA/AAAAAAAA4D8AAAAAAADgPwAAAAAAAOA/AAAAAAAA4D8CAAAAjAAAAAAAAAAAAAAAu+DjDP///wgAAAAAAAAAAAAAAAAAAAAAAAAAAAAAAAAAAAAAZAAAAAEAAABAAAAAAAAAAAAAAAAAAAAAAAAAAAAAAAAAAAAAAAAAAAAAAAAAAAAAAAAAAAAAAAAAAAAAAAAAAAAAAAAAAAAAAAAAAAAAAAAAAAAAAAAAAAAAAAAAAAAAFAAAADwAAAAAAAAAAAAAAAAAAAkUAAAAAQAAABQAAAAUAAAAFAAAAAEAAAAAAAAAZAAAAGQAAAAAAAAAZAAAAGQAAAAVAAAAYAAAAAAAAAAAAAAADwAAACADAAAAAAAAAAAAAAEAAACgMgAAVgcAAKr4//8BAAAAf39/AAEAAABkAAAAAAAAABQAAABAHwAAAAAAACYAAAAAAAAAwOD//wAAAAAmAAAAZAAAABYAAABMAAAAAAAAAAAAAAAEAAAAAAAAAAEAAACAgIAKAAAAACgAAAAoAAAAZAAAAGQAAAAAAAAAzMzMAAAAAABQAAAAUAAAAGQAAABkAAAAAAAAABcAAAAUAAAAAAAAAAAAAAD/fwAA/38AAAAAAAAJAAAABAAAAAAAAAAeAAAAaAAAAAAAAAAAAAAAAAAAAAAAAAAAAAAAECcAABAnAAAAAAAAAAAAAAAAAAAAAAAAAAAAAAAAAAAAAAAAAAAAABQAAAAAAAAAwMD/AAAAAABkAAAAMgAAAAAAAABkAAAAAAAAAH9/fwAKAAAAIgAAABgAAAAAAAAAAAAAAAAAAAAAAAAAAAAAAAAAAAAkAAAAJAAAAAAAAAAHAAAAAAAAAAAAAAAAAAAAAAAAAAAAAAAAAAAAf39/ACUAAABYAAAAAAAAAAAAAAAAAAAAAAAAAAAAAAAAAAAAAAAAAAAAAAAAAAAAAAAAAAAAAAA/AAAAAAAAAKCGAQAAAAAAAAAAAAAAAAAMAAAAAQAAAAAAAAAAAAAAAAAAAB8AAABUAAAAAAAABQAAAAEAAAAAAAAAAAAAAAAAAAAAAAAAAAAAAAAAAAAAAAAAAAAAAAJ/f38AAAAAA8zMzADAwP8Af39/AAAAAAAAAAAAAAAAAAAAAAAAAAAAIQAAABgAAAAUAAAAQAsAAOgXAADAPwAAsCIAABAAAAAmAAAACAAAAAGAAAAAAAAA"/>
+                <pr:smNativeData xmlns:pr="smNativeData" xmlns="smNativeData" val="SMDATA_15_ZjATZxMAAAAlAAAAZAAAAA8BAAAAkAAAAEgAAACQAAAASAAAAAAAAAAAAAAAAAAAAAEAAABQAAAAAAAAAAAA4D8AAAAAAADgPwAAAAAAAOA/AAAAAAAA4D8AAAAAAADgPwAAAAAAAOA/AAAAAAAA4D8AAAAAAADgPwAAAAAAAOA/AAAAAAAA4D8CAAAAjAAAAAAAAAAAAAAAu+DjDP///wgAAAAAAAAAAAAAAAAAAAAAAAAAAAAAAAAAAAAAZAAAAAEAAABAAAAAAAAAAAAAAAAAAAAAAAAAAAAAAAAAAAAAAAAAAAAAAAAAAAAAAAAAAAAAAAAAAAAAAAAAAAAAAAAAAAAAAAAAAAAAAAAAAAAAAAAAAAAAAAAAAAAAFAAAADwAAAAAAAAAAAAAAAAAAAkUAAAAAQAAABQAAAAUAAAAFAAAAAEAAAAAAAAAZAAAAGQAAAAAAAAAZAAAAGQAAAAVAAAAYAAAAAAAAAAAAAAADwAAACADAAAAAAAAAAAAAAEAAACgMgAAVgcAAKr4//8BAAAAf39/AAEAAABkAAAAAAAAABQAAABAHwAAAAAAACYAAAAAAAAAwOD//wAAAAAmAAAAZAAAABYAAABMAAAAAAAAAAAAAAAEAAAAAAAAAAEAAACAgIAKAAAAACgAAAAoAAAAZAAAAGQAAAAAAAAAzMzMAAAAAABQAAAAUAAAAGQAAABkAAAAAAAAABcAAAAUAAAAAAAAAAAAAAD/fwAA/38AAAAAAAAJAAAABAAAAAAAAAAeAAAAaAAAAAAAAAAAAAAAAAAAAAAAAAAAAAAAECcAABAnAAAAAAAAAAAAAAAAAAAAAAAAAAAAAAAAAAAAAAAAAAAAABQAAAAAAAAAwMD/AAAAAABkAAAAMgAAAAAAAABkAAAAAAAAAH9/fwAKAAAAIgAAABgAAAAAAAAAAAAAAAAAAAAAAAAAAAAAAAAAAAAkAAAAJAAAAAAAAAAHAAAAAAAAAAAAAAAAAAAAAAAAAAAAAAAAAAAAf39/ACUAAABYAAAAAAAAAAAAAAAAAAAAAAAAAAAAAAAAAAAAAAAAAAAAAAAAAAAAAAAAAAAAAAA/AAAAAAAAAKCGAQAAAAAAAAAAAAAAAAAMAAAAAQAAAAAAAAAAAAAAAAAAAB8AAABUAAAAAAAABQAAAAEAAAAAAAAAAAAAAAAAAAAAAAAAAAAAAAAAAAAAAAAAAAAAAAJ/f38AAAAAA8zMzADAwP8Af39/AAAAAAAAAAAAAAAAAAAAAAAAAAAAIQAAABgAAAAUAAAAQAsAAOgXAADAPwAAsCIAABAAAAAmAAAACAAAAAGAAAAAAAAA"/>
               </a:ext>
             </a:extLst>
           </p:cNvSpPr>
@@ -328,7 +335,7 @@
             <a:spLocks noGrp="1" noChangeArrowheads="1"/>
             <a:extLst>
               <a:ext uri="smNativeData">
-                <pr:smNativeData xmlns:pr="smNativeData" xmlns="smNativeData" val="SMDATA_15_lFoOZxMAAAAlAAAAZAAAAA8BAAAAkAAAAEgAAACQAAAASAAAAAAAAAABAAAAAAAAAAEAAABQAAAAAAAAAAAA4D8AAAAAAADgPwAAAAAAAOA/AAAAAAAA4D8AAAAAAADgPwAAAAAAAOA/AAAAAAAA4D8AAAAAAADgPwAAAAAAAOA/AAAAAAAA4D8CAAAAjAAAAAAAAAAAAAAAu+DjDP///wgAAAAAAAAAAAAAAAAAAAAAAAAAAAAAAAAAAAAAZAAAAAEAAABAAAAAAAAAAAAAAAAAAAAAAAAAAAAAAAAAAAAAAAAAAAAAAAAAAAAAAAAAAAAAAAAAAAAAAAAAAAAAAAAAAAAAAAAAAAAAAAAAAAAAAAAAAAAAAAAAAAAAFAAAADwAAAAAAAAAAAAAAAAAAAkUAAAAAQAAABQAAAAUAAAAFAAAAAEAAAAAAAAAZAAAAGQAAAAAAAAAZAAAAGQAAAAVAAAAYAAAAAAAAAAAAAAADwAAACADAAAAAAAAAAAAAAEAAACgMgAAVgcAAKr4//8BAAAAf39/AAEAAABkAAAAAAAAABQAAABAHwAAAAAAACYAAAAAAAAAwOD//wAAAAAmAAAAZAAAABYAAABMAAAAAAAAAAAAAAAEAAAAAAAAAAEAAACAgIAKAAAAACgAAAAoAAAAZAAAAGQAAAAAAAAAzMzMAAAAAABQAAAAUAAAAGQAAABkAAAAAAAAABcAAAAUAAAAAAAAAAAAAAD/fwAA/38AAAAAAAAJAAAABAAAAAAAAAAeAAAAaAAAAAAAAAAAAAAAAAAAAAAAAAAAAAAAECcAABAnAAAAAAAAAAAAAAAAAAAAAAAAAAAAAAAAAAAAAAAAAAAAABQAAAAAAAAAwMD/AAAAAABkAAAAMgAAAAAAAABkAAAAAAAAAH9/fwAKAAAAIgAAABgAAAAAAAAAAAAAAAAAAAAAAAAAAAAAAAAAAAAkAAAAJAAAAAAAAAAHAAAAAAAAAAAAAAAAAAAAAAAAAAAAAAAAAAAAf39/ACUAAABYAAAAAAAAAAAAAAAAAAAAAAAAAAAAAAAAAAAAAAAAAAAAAAAAAAAAAAAAAAAAAAA/AAAAAAAAAKCGAQAAAAAAAAAAAAAAAAAMAAAAAQAAAAAAAAAAAAAAAAAAAB8AAABUAAAAAAAABQAAAAEAAAAAAAAAAAAAAAAAAAAAAAAAAAAAAAAAAAAAAAAAAAAAAAJ/f38AAAAAA8zMzADAwP8Af39/AAAAAAAAAAAAAAAAAAAAAAAAAAAAIQAAABgAAAAUAAAAwAMAABsnAAA/FQAAWSkAABAAAAAmAAAACAAAAAAAAAAAAAAA"/>
+                <pr:smNativeData xmlns:pr="smNativeData" xmlns="smNativeData" val="SMDATA_15_ZjATZxMAAAAlAAAAZAAAAA8BAAAAkAAAAEgAAACQAAAASAAAAAAAAAABAAAAAAAAAAEAAABQAAAAAAAAAAAA4D8AAAAAAADgPwAAAAAAAOA/AAAAAAAA4D8AAAAAAADgPwAAAAAAAOA/AAAAAAAA4D8AAAAAAADgPwAAAAAAAOA/AAAAAAAA4D8CAAAAjAAAAAAAAAAAAAAAu+DjDP///wgAAAAAAAAAAAAAAAAAAAAAAAAAAAAAAAAAAAAAZAAAAAEAAABAAAAAAAAAAAAAAAAAAAAAAAAAAAAAAAAAAAAAAAAAAAAAAAAAAAAAAAAAAAAAAAAAAAAAAAAAAAAAAAAAAAAAAAAAAAAAAAAAAAAAAAAAAAAAAAAAAAAAFAAAADwAAAAAAAAAAAAAAAAAAAkUAAAAAQAAABQAAAAUAAAAFAAAAAEAAAAAAAAAZAAAAGQAAAAAAAAAZAAAAGQAAAAVAAAAYAAAAAAAAAAAAAAADwAAACADAAAAAAAAAAAAAAEAAACgMgAAVgcAAKr4//8BAAAAf39/AAEAAABkAAAAAAAAABQAAABAHwAAAAAAACYAAAAAAAAAwOD//wAAAAAmAAAAZAAAABYAAABMAAAAAAAAAAAAAAAEAAAAAAAAAAEAAACAgIAKAAAAACgAAAAoAAAAZAAAAGQAAAAAAAAAzMzMAAAAAABQAAAAUAAAAGQAAABkAAAAAAAAABcAAAAUAAAAAAAAAAAAAAD/fwAA/38AAAAAAAAJAAAABAAAAAAAAAAeAAAAaAAAAAAAAAAAAAAAAAAAAAAAAAAAAAAAECcAABAnAAAAAAAAAAAAAAAAAAAAAAAAAAAAAAAAAAAAAAAAAAAAABQAAAAAAAAAwMD/AAAAAABkAAAAMgAAAAAAAABkAAAAAAAAAH9/fwAKAAAAIgAAABgAAAAAAAAAAAAAAAAAAAAAAAAAAAAAAAAAAAAkAAAAJAAAAAAAAAAHAAAAAAAAAAAAAAAAAAAAAAAAAAAAAAAAAAAAf39/ACUAAABYAAAAAAAAAAAAAAAAAAAAAAAAAAAAAAAAAAAAAAAAAAAAAAAAAAAAAAAAAAAAAAA/AAAAAAAAAKCGAQAAAAAAAAAAAAAAAAAMAAAAAQAAAAAAAAAAAAAAAAAAAB8AAABUAAAAAAAABQAAAAEAAAAAAAAAAAAAAAAAAAAAAAAAAAAAAAAAAAAAAAAAAAAAAAJ/f38AAAAAA8zMzADAwP8Af39/AAAAAAAAAAAAAAAAAAAAAAAAAAAAIQAAABgAAAAUAAAAwAMAABsnAAA/FQAAWSkAABAAAAAmAAAACAAAAAAAAAAAAAAA"/>
               </a:ext>
             </a:extLst>
           </p:cNvSpPr>
@@ -342,7 +349,7 @@
           <a:lstStyle/>
           <a:p>
             <a:pPr/>
-            <a:fld id="{57571E7C-32BA-02E8-F4EF-C4BD50A10291}" type="datetime1">
+            <a:fld id="{76554863-2D9B-00BE-D5ED-DBEB06A3238E}" type="datetime1">
               <a:t/>
             </a:fld>
           </a:p>
@@ -355,7 +362,7 @@
             <a:spLocks noGrp="1" noChangeArrowheads="1"/>
             <a:extLst>
               <a:ext uri="smNativeData">
-                <pr:smNativeData xmlns:pr="smNativeData" xmlns="smNativeData" val="SMDATA_15_lFoOZxMAAAAlAAAAZAAAAA8BAAAAkAAAAEgAAACQAAAASAAAAAAAAAABAAAAAAAAAAEAAABQAAAAAAAAAAAA4D8AAAAAAADgPwAAAAAAAOA/AAAAAAAA4D8AAAAAAADgPwAAAAAAAOA/AAAAAAAA4D8AAAAAAADgPwAAAAAAAOA/AAAAAAAA4D8CAAAAjAAAAAAAAAAAAAAAu+DjDP///wgAAAAAAAAAAAAAAAAAAAAAAAAAAAAAAAAAAAAAZAAAAAEAAABAAAAAAAAAAAAAAAAAAAAAAAAAAAAAAAAAAAAAAAAAAAAAAAAAAAAAAAAAAAAAAAAAAAAAAAAAAAAAAAAAAAAAAAAAAAAAAAAAAAAAAAAAAAAAAAAAAAAAFAAAADwAAAAAAAAAAAAAAAAAAAkUAAAAAQAAABQAAAAUAAAAFAAAAAEAAAAAAAAAZAAAAGQAAAAAAAAAZAAAAGQAAAAVAAAAYAAAAAAAAAAAAAAADwAAACADAAAAAAAAAAAAAAEAAACgMgAAVgcAAKr4//8BAAAAf39/AAEAAABkAAAAAAAAABQAAABAHwAAAAAAACYAAAAAAAAAwOD//wAAAAAmAAAAZAAAABYAAABMAAAAAAAAAAAAAAAEAAAAAAAAAAEAAACAgIAKAAAAACgAAAAoAAAAZAAAAGQAAAAAAAAAzMzMAAAAAABQAAAAUAAAAGQAAABkAAAAAAAAABcAAAAUAAAAAAAAAAAAAAD/fwAA/38AAAAAAAAJAAAABAAAAAAAAAAeAAAAaAAAAAAAAAAAAAAAAAAAAAAAAAAAAAAAECcAABAnAAAAAAAAAAAAAAAAAAAAAAAAAAAAAAAAAAAAAAAAAAAAABQAAAAAAAAAwMD/AAAAAABkAAAAMgAAAAAAAABkAAAAAAAAAH9/fwAKAAAAIgAAABgAAAAAAAAAAAAAAAAAAAAAAAAAAAAAAAAAAAAkAAAAJAAAAAAAAAAHAAAAAAAAAAAAAAAAAAAAAAAAAAAAAAAAAAAAf39/ACUAAABYAAAAAAAAAAAAAAAAAAAAAAAAAAAAAAAAAAAAAAAAAAAAAAAAAAAAAAAAAAAAAAA/AAAAAAAAAKCGAQAAAAAAAAAAAAAAAAAMAAAAAQAAAAAAAAAAAAAAAAAAAB8AAABUAAAAAAAABQAAAAEAAAAAAAAAAAAAAAAAAAAAAAAAAAAAAAAAAAAAAAAAAAAAAAJ/f38AAAAAA8zMzADAwP8Af39/AAAAAAAAAAAAAAAAAAAAAAAAAAAAIQAAABgAAAAUAAAAoRkAABsnAABfMQAAWSkAABAAAAAmAAAACAAAAAAAAAAAAAAA"/>
+                <pr:smNativeData xmlns:pr="smNativeData" xmlns="smNativeData" val="SMDATA_15_ZjATZxMAAAAlAAAAZAAAAA8BAAAAkAAAAEgAAACQAAAASAAAAAAAAAABAAAAAAAAAAEAAABQAAAAAAAAAAAA4D8AAAAAAADgPwAAAAAAAOA/AAAAAAAA4D8AAAAAAADgPwAAAAAAAOA/AAAAAAAA4D8AAAAAAADgPwAAAAAAAOA/AAAAAAAA4D8CAAAAjAAAAAAAAAAAAAAAu+DjDP///wgAAAAAAAAAAAAAAAAAAAAAAAAAAAAAAAAAAAAAZAAAAAEAAABAAAAAAAAAAAAAAAAAAAAAAAAAAAAAAAAAAAAAAAAAAAAAAAAAAAAAAAAAAAAAAAAAAAAAAAAAAAAAAAAAAAAAAAAAAAAAAAAAAAAAAAAAAAAAAAAAAAAAFAAAADwAAAAAAAAAAAAAAAAAAAkUAAAAAQAAABQAAAAUAAAAFAAAAAEAAAAAAAAAZAAAAGQAAAAAAAAAZAAAAGQAAAAVAAAAYAAAAAAAAAAAAAAADwAAACADAAAAAAAAAAAAAAEAAACgMgAAVgcAAKr4//8BAAAAf39/AAEAAABkAAAAAAAAABQAAABAHwAAAAAAACYAAAAAAAAAwOD//wAAAAAmAAAAZAAAABYAAABMAAAAAAAAAAAAAAAEAAAAAAAAAAEAAACAgIAKAAAAACgAAAAoAAAAZAAAAGQAAAAAAAAAzMzMAAAAAABQAAAAUAAAAGQAAABkAAAAAAAAABcAAAAUAAAAAAAAAAAAAAD/fwAA/38AAAAAAAAJAAAABAAAAAAAAAAeAAAAaAAAAAAAAAAAAAAAAAAAAAAAAAAAAAAAECcAABAnAAAAAAAAAAAAAAAAAAAAAAAAAAAAAAAAAAAAAAAAAAAAABQAAAAAAAAAwMD/AAAAAABkAAAAMgAAAAAAAABkAAAAAAAAAH9/fwAKAAAAIgAAABgAAAAAAAAAAAAAAAAAAAAAAAAAAAAAAAAAAAAkAAAAJAAAAAAAAAAHAAAAAAAAAAAAAAAAAAAAAAAAAAAAAAAAAAAAf39/ACUAAABYAAAAAAAAAAAAAAAAAAAAAAAAAAAAAAAAAAAAAAAAAAAAAAAAAAAAAAAAAAAAAAA/AAAAAAAAAKCGAQAAAAAAAAAAAAAAAAAMAAAAAQAAAAAAAAAAAAAAAAAAAB8AAABUAAAAAAAABQAAAAEAAAAAAAAAAAAAAAAAAAAAAAAAAAAAAAAAAAAAAAAAAAAAAAJ/f38AAAAAA8zMzADAwP8Af39/AAAAAAAAAAAAAAAAAAAAAAAAAAAAIQAAABgAAAAUAAAAoRkAABsnAABfMQAAWSkAABAAAAAmAAAACAAAAAAAAAAAAAAA"/>
               </a:ext>
             </a:extLst>
           </p:cNvSpPr>
@@ -379,7 +386,7 @@
             <a:spLocks noGrp="1" noChangeArrowheads="1"/>
             <a:extLst>
               <a:ext uri="smNativeData">
-                <pr:smNativeData xmlns:pr="smNativeData" xmlns="smNativeData" val="SMDATA_15_lFoOZxMAAAAlAAAAZAAAAA8BAAAAkAAAAEgAAACQAAAASAAAAAAAAAABAAAAAAAAAAEAAABQAAAAAAAAAAAA4D8AAAAAAADgPwAAAAAAAOA/AAAAAAAA4D8AAAAAAADgPwAAAAAAAOA/AAAAAAAA4D8AAAAAAADgPwAAAAAAAOA/AAAAAAAA4D8CAAAAjAAAAAAAAAAAAAAAu+DjDP///wgAAAAAAAAAAAAAAAAAAAAAAAAAAAAAAAAAAAAAZAAAAAEAAABAAAAAAAAAAAAAAAAAAAAAAAAAAAAAAAAAAAAAAAAAAAAAAAAAAAAAAAAAAAAAAAAAAAAAAAAAAAAAAAAAAAAAAAAAAAAAAAAAAAAAAAAAAAAAAAAAAAAAFAAAADwAAAAAAAAAAAAAAAAAAAkUAAAAAQAAABQAAAAUAAAAFAAAAAEAAAAAAAAAZAAAAGQAAAAAAAAAZAAAAGQAAAAVAAAAYAAAAAAAAAAAAAAADwAAACADAAAAAAAAAAAAAAEAAACgMgAAVgcAAKr4//8BAAAAf39/AAEAAABkAAAAAAAAABQAAABAHwAAAAAAACYAAAAAAAAAwOD//wAAAAAmAAAAZAAAABYAAABMAAAAAAAAAAAAAAAEAAAAAAAAAAEAAACAgIAKAAAAACgAAAAoAAAAZAAAAGQAAAAAAAAAzMzMAAAAAABQAAAAUAAAAGQAAABkAAAAAAAAABcAAAAUAAAAAAAAAAAAAAD/fwAA/38AAAAAAAAJAAAABAAAAHsAfAAeAAAAaAAAAAAAAAAAAAAAAAAAAAAAAAAAAAAAECcAABAnAAAAAAAAAAAAAAAAAAAAAAAAAAAAAAAAAAAAAAAAAAAAABQAAAAAAAAAwMD/AAAAAABkAAAAMgAAAAAAAABkAAAAAAAAAH9/fwAKAAAAIgAAABgAAAAAAAAAAAAAAAAAAAAAAAAAAAAAAAAAAAAkAAAAJAAAAAAAAAAHAAAAAAAAAAAAAAAAAAAAAAAAAAAAAAAAAAAAf39/ACUAAABYAAAAAAAAAAAAAAAAAAAAAAAAAAAAAAAAAAAAAAAAAAAAAAAAAAAAAAAAAAAAAAA/AAAAAAAAAKCGAQAAAAAAAAAAAAAAAAAMAAAAAQAAAAAAAAAAAAAAAAAAAB8AAABUAAAAAAAABQAAAAEAAAAAAAAAAAAAAAAAAAAAAAAAAAAAAAAAAAAAAAAAAAAAAAJ/f38AAAAAA8zMzADAwP8Af39/AAAAAAAAAAAAAAAAAAAAAAAAAAAAIQAAABgAAAAUAAAAwTUAABsnAABARwAAWSkAABAAAAAmAAAACAAAAAAAAAAAAAAA"/>
+                <pr:smNativeData xmlns:pr="smNativeData" xmlns="smNativeData" val="SMDATA_15_ZjATZxMAAAAlAAAAZAAAAA8BAAAAkAAAAEgAAACQAAAASAAAAAAAAAABAAAAAAAAAAEAAABQAAAAAAAAAAAA4D8AAAAAAADgPwAAAAAAAOA/AAAAAAAA4D8AAAAAAADgPwAAAAAAAOA/AAAAAAAA4D8AAAAAAADgPwAAAAAAAOA/AAAAAAAA4D8CAAAAjAAAAAAAAAAAAAAAu+DjDP///wgAAAAAAAAAAAAAAAAAAAAAAAAAAAAAAAAAAAAAZAAAAAEAAABAAAAAAAAAAAAAAAAAAAAAAAAAAAAAAAAAAAAAAAAAAAAAAAAAAAAAAAAAAAAAAAAAAAAAAAAAAAAAAAAAAAAAAAAAAAAAAAAAAAAAAAAAAAAAAAAAAAAAFAAAADwAAAAAAAAAAAAAAAAAAAkUAAAAAQAAABQAAAAUAAAAFAAAAAEAAAAAAAAAZAAAAGQAAAAAAAAAZAAAAGQAAAAVAAAAYAAAAAAAAAAAAAAADwAAACADAAAAAAAAAAAAAAEAAACgMgAAVgcAAKr4//8BAAAAf39/AAEAAABkAAAAAAAAABQAAABAHwAAAAAAACYAAAAAAAAAwOD//wAAAAAmAAAAZAAAABYAAABMAAAAAAAAAAAAAAAEAAAAAAAAAAEAAACAgIAKAAAAACgAAAAoAAAAZAAAAGQAAAAAAAAAzMzMAAAAAABQAAAAUAAAAGQAAABkAAAAAAAAABcAAAAUAAAAAAAAAAAAAAD/fwAA/38AAAAAAAAJAAAABAAAAHsAfAAeAAAAaAAAAAAAAAAAAAAAAAAAAAAAAAAAAAAAECcAABAnAAAAAAAAAAAAAAAAAAAAAAAAAAAAAAAAAAAAAAAAAAAAABQAAAAAAAAAwMD/AAAAAABkAAAAMgAAAAAAAABkAAAAAAAAAH9/fwAKAAAAIgAAABgAAAAAAAAAAAAAAAAAAAAAAAAAAAAAAAAAAAAkAAAAJAAAAAAAAAAHAAAAAAAAAAAAAAAAAAAAAAAAAAAAAAAAAAAAf39/ACUAAABYAAAAAAAAAAAAAAAAAAAAAAAAAAAAAAAAAAAAAAAAAAAAAAAAAAAAAAAAAAAAAAA/AAAAAAAAAKCGAQAAAAAAAAAAAAAAAAAMAAAAAQAAAAAAAAAAAAAAAAAAAB8AAABUAAAAAAAABQAAAAEAAAAAAAAAAAAAAAAAAAAAAAAAAAAAAAAAAAAAAAAAAAAAAAJ/f38AAAAAA8zMzADAwP8Af39/AAAAAAAAAAAAAAAAAAAAAAAAAAAAIQAAABgAAAAUAAAAwTUAABsnAABARwAAWSkAABAAAAAmAAAACAAAAAAAAAAAAAAA"/>
               </a:ext>
             </a:extLst>
           </p:cNvSpPr>
@@ -393,7 +400,7 @@
           <a:lstStyle/>
           <a:p>
             <a:pPr/>
-            <a:fld id="{67C02A07-498A-95DC-C478-BF89643632EA}" type="slidenum">
+            <a:fld id="{19121627-69F4-47E0-BAAA-9FB558E44CCA}" type="slidenum">
               <a:t/>
             </a:fld>
           </a:p>
@@ -432,7 +439,7 @@
             <a:spLocks noGrp="1" noChangeArrowheads="1"/>
             <a:extLst>
               <a:ext uri="smNativeData">
-                <pr:smNativeData xmlns:pr="smNativeData" xmlns="smNativeData" val="SMDATA_15_lFoOZxMAAAAlAAAAZAAAAA8BAAAAkAAAAEgAAACQAAAASAAAAAAAAAABAAAAAAAAAAEAAABQAAAAAAAAAAAA4D8AAAAAAADgPwAAAAAAAOA/AAAAAAAA4D8AAAAAAADgPwAAAAAAAOA/AAAAAAAA4D8AAAAAAADgPwAAAAAAAOA/AAAAAAAA4D8CAAAAjAAAAAAAAAAAAAAAu+DjDP///wgAAAAAAAAAAAAAAAAAAAAAAAAAAAAAAAAAAAAAZAAAAAEAAABAAAAAAAAAAAAAAAAAAAAAAAAAAAAAAAAAAAAAAAAAAAAAAAAAAAAAAAAAAAAAAAAAAAAAAAAAAAAAAAAAAAAAAAAAAAAAAAAAAAAAAAAAAAAAAAAAAAAAFAAAADwAAAAAAAAAAAAAAAAAAAkUAAAAAQAAABQAAAAUAAAAFAAAAAEAAAAAAAAAZAAAAGQAAAAAAAAAZAAAAGQAAAAVAAAAYAAAAAAAAAAAAAAADwAAACADAAAAAAAAAAAAAAEAAACgMgAAVgcAAKr4//8BAAAAf39/AAEAAABkAAAAAAAAABQAAABAHwAAAAAAACYAAAAAAAAAwOD//wAAAAAmAAAAZAAAABYAAABMAAAAAAAAAAAAAAAEAAAAAAAAAAEAAACAgIAKAAAAACgAAAAoAAAAZAAAAGQAAAAAAAAAzMzMAAAAAABQAAAAUAAAAGQAAABkAAAAAAAAABcAAAAUAAAAAAAAAAAAAAD/fwAA/38AAAAAAAAJAAAABAAAAG49IjEeAAAAaAAAAAAAAAAAAAAAAAAAAAAAAAAAAAAAECcAABAnAAAAAAAAAAAAAAAAAAAAAAAAAAAAAAAAAAAAAAAAAAAAABQAAAAAAAAAwMD/AAAAAABkAAAAMgAAAAAAAABkAAAAAAAAAH9/fwAKAAAAIgAAABgAAAAAAAAAAAAAAAAAAAAAAAAAAAAAAAAAAAAkAAAAJAAAAAAAAAAHAAAAAAAAAAAAAAAAAAAAAAAAAAAAAAAAAAAAf39/ACUAAABYAAAAAAAAAAAAAAAAAAAAAAAAAAAAAAAAAAAAAAAAAAAAAAAAAAAAAAAAAAAAAAA/AAAAAAAAAKCGAQAAAAAAAAAAAAAAAAAMAAAAAQAAAAAAAAAAAAAAAAAAAB8AAABUAAAAAAAABQAAAAEAAAAAAAAAAAAAAAAAAAAAAAAAAAAAAAAAAAAAAAAAAAAAAAJ/f38AAAAAA8zMzADAwP8Af39/AAAAAAAAAAAAAAAAAAAAAAAAAAAAIQAAABgAAAAUAAAAwAMAALABAABARwAAuAgAABAAAAAmAAAACAAAAAAAAAAAAAAA"/>
+                <pr:smNativeData xmlns:pr="smNativeData" xmlns="smNativeData" val="SMDATA_15_ZjATZxMAAAAlAAAAZAAAAA8BAAAAkAAAAEgAAACQAAAASAAAAAAAAAABAAAAAAAAAAEAAABQAAAAAAAAAAAA4D8AAAAAAADgPwAAAAAAAOA/AAAAAAAA4D8AAAAAAADgPwAAAAAAAOA/AAAAAAAA4D8AAAAAAADgPwAAAAAAAOA/AAAAAAAA4D8CAAAAjAAAAAAAAAAAAAAAu+DjDP///wgAAAAAAAAAAAAAAAAAAAAAAAAAAAAAAAAAAAAAZAAAAAEAAABAAAAAAAAAAAAAAAAAAAAAAAAAAAAAAAAAAAAAAAAAAAAAAAAAAAAAAAAAAAAAAAAAAAAAAAAAAAAAAAAAAAAAAAAAAAAAAAAAAAAAAAAAAAAAAAAAAAAAFAAAADwAAAAAAAAAAAAAAAAAAAkUAAAAAQAAABQAAAAUAAAAFAAAAAEAAAAAAAAAZAAAAGQAAAAAAAAAZAAAAGQAAAAVAAAAYAAAAAAAAAAAAAAADwAAACADAAAAAAAAAAAAAAEAAACgMgAAVgcAAKr4//8BAAAAf39/AAEAAABkAAAAAAAAABQAAABAHwAAAAAAACYAAAAAAAAAwOD//wAAAAAmAAAAZAAAABYAAABMAAAAAAAAAAAAAAAEAAAAAAAAAAEAAACAgIAKAAAAACgAAAAoAAAAZAAAAGQAAAAAAAAAzMzMAAAAAABQAAAAUAAAAGQAAABkAAAAAAAAABcAAAAUAAAAAAAAAAAAAAD/fwAA/38AAAAAAAAJAAAABAAAAG49IjEeAAAAaAAAAAAAAAAAAAAAAAAAAAAAAAAAAAAAECcAABAnAAAAAAAAAAAAAAAAAAAAAAAAAAAAAAAAAAAAAAAAAAAAABQAAAAAAAAAwMD/AAAAAABkAAAAMgAAAAAAAABkAAAAAAAAAH9/fwAKAAAAIgAAABgAAAAAAAAAAAAAAAAAAAAAAAAAAAAAAAAAAAAkAAAAJAAAAAAAAAAHAAAAAAAAAAAAAAAAAAAAAAAAAAAAAAAAAAAAf39/ACUAAABYAAAAAAAAAAAAAAAAAAAAAAAAAAAAAAAAAAAAAAAAAAAAAAAAAAAAAAAAAAAAAAA/AAAAAAAAAKCGAQAAAAAAAAAAAAAAAAAMAAAAAQAAAAAAAAAAAAAAAAAAAB8AAABUAAAAAAAABQAAAAEAAAAAAAAAAAAAAAAAAAAAAAAAAAAAAAAAAAAAAAAAAAAAAAJ/f38AAAAAA8zMzADAwP8Af39/AAAAAAAAAAAAAAAAAAAAAAAAAAAAIQAAABgAAAAUAAAAwAMAALABAABARwAAuAgAABAAAAAmAAAACAAAAAAAAAAAAAAA"/>
               </a:ext>
             </a:extLst>
           </p:cNvSpPr>
@@ -459,7 +466,7 @@
             <a:spLocks noGrp="1" noChangeArrowheads="1"/>
             <a:extLst>
               <a:ext uri="smNativeData">
-                <pr:smNativeData xmlns:pr="smNativeData" xmlns="smNativeData" val="SMDATA_15_lFoOZxMAAAAlAAAAZAAAAA8BAAAAkAAAAEgAAACQAAAASAAAAAAAAAAAAAAAAQAAAAEAAABQAAAAAAAAAAAA4D8AAAAAAADgPwAAAAAAAOA/AAAAAAAA4D8AAAAAAADgPwAAAAAAAOA/AAAAAAAA4D8AAAAAAADgPwAAAAAAAOA/AAAAAAAA4D8CAAAAjAAAAAAAAAAAAAAAu+DjDP///wgAAAAAAAAAAAAAAAAAAAAAAAAAAAAAAAAAAAAAZAAAAAEAAABAAAAAAAAAAAAAAAAAAAAAAAAAAAAAAAAAAAAAAAAAAAAAAAAAAAAAAAAAAAAAAAAAAAAAAAAAAAAAAAAAAAAAAAAAAAAAAAAAAAAAAAAAAAAAAAAAAAAAFAAAADwAAAAAAAAAAAAAAAAAAAkUAAAAAQAAABQAAAAUAAAAFAAAAAEAAAAAAAAAZAAAAGQAAAAAAAAAZAAAAGQAAAAVAAAAYAAAAAAAAAAAAAAADwAAACADAAAAAAAAAAAAAAEAAACgMgAAVgcAAKr4//8BAAAAf39/AAEAAABkAAAAAAAAABQAAABAHwAAAAAAACYAAAAAAAAAwOD//wAAAAAmAAAAZAAAABYAAABMAAAAAAAAAAAAAAAEAAAAAAAAAAEAAACAgIAKAAAAACgAAAAoAAAAZAAAAGQAAAAAAAAAzMzMAAAAAABQAAAAUAAAAGQAAABkAAAAAAAAABcAAAAUAAAAAAAAAAAAAAD/fwAA/38AAAAAAAAJAAAABAAAAAAAAAAeAAAAaAAAAAAAAAAAAAAAAAAAAAAAAAAAAAAAECcAABAnAAAAAAAAAAAAAAAAAAAAAAAAAAAAAAAAAAAAAAAAAAAAABQAAAAAAAAAwMD/AAAAAABkAAAAMgAAAAAAAABkAAAAAAAAAH9/fwAKAAAAIgAAABgAAAAAAAAAAAAAAAAAAAAAAAAAAAAAAAAAAAAkAAAAJAAAAAAAAAAHAAAAAAAAAAAAAAAAAAAAAAAAAAAAAAAAAAAAf39/ACUAAABYAAAAAAAAAAAAAAAAAAAAAAAAAAAAAAAAAAAAAAAAAAAAAAAAAAAAAAAAAAAAAAA/AAAAAAAAAKCGAQAAAAAAAAAAAAAAAAAMAAAAAQAAAAAAAAAAAAAAAAAAAB8AAABUAAAAAAAABQAAAAEAAAAAAAAAAAAAAAAAAAAAAAAAAAAAAAAAAAAAAAAAAAAAAAJ/f38AAAAAA8zMzADAwP8Af39/AAAAAAAAAAAAAAAAAAAAAAAAAAAAIQAAABgAAAAUAAAAwAMAANgJAABARwAAsCUAABAAAAAmAAAACAAAAAIAAAAAAAAA"/>
+                <pr:smNativeData xmlns:pr="smNativeData" xmlns="smNativeData" val="SMDATA_15_ZjATZxMAAAAlAAAAZAAAAA8BAAAAkAAAAEgAAACQAAAASAAAAAAAAAAAAAAAAQAAAAEAAABQAAAAAAAAAAAA4D8AAAAAAADgPwAAAAAAAOA/AAAAAAAA4D8AAAAAAADgPwAAAAAAAOA/AAAAAAAA4D8AAAAAAADgPwAAAAAAAOA/AAAAAAAA4D8CAAAAjAAAAAAAAAAAAAAAu+DjDP///wgAAAAAAAAAAAAAAAAAAAAAAAAAAAAAAAAAAAAAZAAAAAEAAABAAAAAAAAAAAAAAAAAAAAAAAAAAAAAAAAAAAAAAAAAAAAAAAAAAAAAAAAAAAAAAAAAAAAAAAAAAAAAAAAAAAAAAAAAAAAAAAAAAAAAAAAAAAAAAAAAAAAAFAAAADwAAAAAAAAAAAAAAAAAAAkUAAAAAQAAABQAAAAUAAAAFAAAAAEAAAAAAAAAZAAAAGQAAAAAAAAAZAAAAGQAAAAVAAAAYAAAAAAAAAAAAAAADwAAACADAAAAAAAAAAAAAAEAAACgMgAAVgcAAKr4//8BAAAAf39/AAEAAABkAAAAAAAAABQAAABAHwAAAAAAACYAAAAAAAAAwOD//wAAAAAmAAAAZAAAABYAAABMAAAAAAAAAAAAAAAEAAAAAAAAAAEAAACAgIAKAAAAACgAAAAoAAAAZAAAAGQAAAAAAAAAzMzMAAAAAABQAAAAUAAAAGQAAABkAAAAAAAAABcAAAAUAAAAAAAAAAAAAAD/fwAA/38AAAAAAAAJAAAABAAAAAAAAAAeAAAAaAAAAAAAAAAAAAAAAAAAAAAAAAAAAAAAECcAABAnAAAAAAAAAAAAAAAAAAAAAAAAAAAAAAAAAAAAAAAAAAAAABQAAAAAAAAAwMD/AAAAAABkAAAAMgAAAAAAAABkAAAAAAAAAH9/fwAKAAAAIgAAABgAAAAAAAAAAAAAAAAAAAAAAAAAAAAAAAAAAAAkAAAAJAAAAAAAAAAHAAAAAAAAAAAAAAAAAAAAAAAAAAAAAAAAAAAAf39/ACUAAABYAAAAAAAAAAAAAAAAAAAAAAAAAAAAAAAAAAAAAAAAAAAAAAAAAAAAAAAAAAAAAAA/AAAAAAAAAKCGAQAAAAAAAAAAAAAAAAAMAAAAAQAAAAAAAAAAAAAAAAAAAB8AAABUAAAAAAAABQAAAAEAAAAAAAAAAAAAAAAAAAAAAAAAAAAAAAAAAAAAAAAAAAAAAAJ/f38AAAAAA8zMzADAwP8Af39/AAAAAAAAAAAAAAAAAAAAAAAAAAAAIQAAABgAAAAUAAAAwAMAANgJAABARwAAsCUAABAAAAAmAAAACAAAAAIAAAAAAAAA"/>
               </a:ext>
             </a:extLst>
           </p:cNvSpPr>
@@ -514,7 +521,7 @@
             <a:spLocks noGrp="1" noChangeArrowheads="1"/>
             <a:extLst>
               <a:ext uri="smNativeData">
-                <pr:smNativeData xmlns:pr="smNativeData" xmlns="smNativeData" val="SMDATA_15_lFoOZxMAAAAlAAAAZAAAAA8BAAAAkAAAAEgAAACQAAAASAAAAAAAAAABAAAAAAAAAAEAAABQAAAAAAAAAAAA4D8AAAAAAADgPwAAAAAAAOA/AAAAAAAA4D8AAAAAAADgPwAAAAAAAOA/AAAAAAAA4D8AAAAAAADgPwAAAAAAAOA/AAAAAAAA4D8CAAAAjAAAAAAAAAAAAAAAu+DjDP///wgAAAAAAAAAAAAAAAAAAAAAAAAAAAAAAAAAAAAAZAAAAAEAAABAAAAAAAAAAAAAAAAAAAAAAAAAAAAAAAAAAAAAAAAAAAAAAAAAAAAAAAAAAAAAAAAAAAAAAAAAAAAAAAAAAAAAAAAAAAAAAAAAAAAAAAAAAAAAAAAAAAAAFAAAADwAAAAAAAAAAAAAAAAAAAkUAAAAAQAAABQAAAAUAAAAFAAAAAEAAAAAAAAAZAAAAGQAAAAAAAAAZAAAAGQAAAAVAAAAYAAAAAAAAAAAAAAADwAAACADAAAAAAAAAAAAAAEAAACgMgAAVgcAAKr4//8BAAAAf39/AAEAAABkAAAAAAAAABQAAABAHwAAAAAAACYAAAAAAAAAwOD//wAAAAAmAAAAZAAAABYAAABMAAAAAAAAAAAAAAAEAAAAAAAAAAEAAACAgIAKAAAAACgAAAAoAAAAZAAAAGQAAAAAAAAAzMzMAAAAAABQAAAAUAAAAGQAAABkAAAAAAAAABcAAAAUAAAAAAAAAAAAAAD/fwAA/38AAAAAAAAJAAAABAAAAAAAAAAeAAAAaAAAAAAAAAAAAAAAAAAAAAAAAAAAAAAAECcAABAnAAAAAAAAAAAAAAAAAAAAAAAAAAAAAAAAAAAAAAAAAAAAABQAAAAAAAAAwMD/AAAAAABkAAAAMgAAAAAAAABkAAAAAAAAAH9/fwAKAAAAIgAAABgAAAAAAAAAAAAAAAAAAAAAAAAAAAAAAAAAAAAkAAAAJAAAAAAAAAAHAAAAAAAAAAAAAAAAAAAAAAAAAAAAAAAAAAAAf39/ACUAAABYAAAAAAAAAAAAAAAAAAAAAAAAAAAAAAAAAAAAAAAAAAAAAAAAAAAAAAAAAAAAAAA/AAAAAAAAAKCGAQAAAAAAAAAAAAAAAAAMAAAAAQAAAAAAAAAAAAAAAAAAAB8AAABUAAAAAAAABQAAAAEAAAAAAAAAAAAAAAAAAAAAAAAAAAAAAAAAAAAAAAAAAAAAAAJ/f38AAAAAA8zMzADAwP8Af39/AAAAAAAAAAAAAAAAAAAAAAAAAAAAIQAAABgAAAAUAAAAwAMAABsnAAA/FQAAWSkAABAAAAAmAAAACAAAAAAAAAAAAAAA"/>
+                <pr:smNativeData xmlns:pr="smNativeData" xmlns="smNativeData" val="SMDATA_15_ZjATZxMAAAAlAAAAZAAAAA8BAAAAkAAAAEgAAACQAAAASAAAAAAAAAABAAAAAAAAAAEAAABQAAAAAAAAAAAA4D8AAAAAAADgPwAAAAAAAOA/AAAAAAAA4D8AAAAAAADgPwAAAAAAAOA/AAAAAAAA4D8AAAAAAADgPwAAAAAAAOA/AAAAAAAA4D8CAAAAjAAAAAAAAAAAAAAAu+DjDP///wgAAAAAAAAAAAAAAAAAAAAAAAAAAAAAAAAAAAAAZAAAAAEAAABAAAAAAAAAAAAAAAAAAAAAAAAAAAAAAAAAAAAAAAAAAAAAAAAAAAAAAAAAAAAAAAAAAAAAAAAAAAAAAAAAAAAAAAAAAAAAAAAAAAAAAAAAAAAAAAAAAAAAFAAAADwAAAAAAAAAAAAAAAAAAAkUAAAAAQAAABQAAAAUAAAAFAAAAAEAAAAAAAAAZAAAAGQAAAAAAAAAZAAAAGQAAAAVAAAAYAAAAAAAAAAAAAAADwAAACADAAAAAAAAAAAAAAEAAACgMgAAVgcAAKr4//8BAAAAf39/AAEAAABkAAAAAAAAABQAAABAHwAAAAAAACYAAAAAAAAAwOD//wAAAAAmAAAAZAAAABYAAABMAAAAAAAAAAAAAAAEAAAAAAAAAAEAAACAgIAKAAAAACgAAAAoAAAAZAAAAGQAAAAAAAAAzMzMAAAAAABQAAAAUAAAAGQAAABkAAAAAAAAABcAAAAUAAAAAAAAAAAAAAD/fwAA/38AAAAAAAAJAAAABAAAAAAAAAAeAAAAaAAAAAAAAAAAAAAAAAAAAAAAAAAAAAAAECcAABAnAAAAAAAAAAAAAAAAAAAAAAAAAAAAAAAAAAAAAAAAAAAAABQAAAAAAAAAwMD/AAAAAABkAAAAMgAAAAAAAABkAAAAAAAAAH9/fwAKAAAAIgAAABgAAAAAAAAAAAAAAAAAAAAAAAAAAAAAAAAAAAAkAAAAJAAAAAAAAAAHAAAAAAAAAAAAAAAAAAAAAAAAAAAAAAAAAAAAf39/ACUAAABYAAAAAAAAAAAAAAAAAAAAAAAAAAAAAAAAAAAAAAAAAAAAAAAAAAAAAAAAAAAAAAA/AAAAAAAAAKCGAQAAAAAAAAAAAAAAAAAMAAAAAQAAAAAAAAAAAAAAAAAAAB8AAABUAAAAAAAABQAAAAEAAAAAAAAAAAAAAAAAAAAAAAAAAAAAAAAAAAAAAAAAAAAAAAJ/f38AAAAAA8zMzADAwP8Af39/AAAAAAAAAAAAAAAAAAAAAAAAAAAAIQAAABgAAAAUAAAAwAMAABsnAAA/FQAAWSkAABAAAAAmAAAACAAAAAAAAAAAAAAA"/>
               </a:ext>
             </a:extLst>
           </p:cNvSpPr>
@@ -528,7 +535,7 @@
           <a:lstStyle/>
           <a:p>
             <a:pPr/>
-            <a:fld id="{2520FCAF-E1C8-750A-8698-175FB2D67042}" type="datetime1">
+            <a:fld id="{04ADEA5D-13E9-F81C-A715-E549A45B51B0}" type="datetime1">
               <a:t/>
             </a:fld>
           </a:p>
@@ -541,7 +548,7 @@
             <a:spLocks noGrp="1" noChangeArrowheads="1"/>
             <a:extLst>
               <a:ext uri="smNativeData">
-                <pr:smNativeData xmlns:pr="smNativeData" xmlns="smNativeData" val="SMDATA_15_lFoOZxMAAAAlAAAAZAAAAA8BAAAAkAAAAEgAAACQAAAASAAAAAAAAAABAAAAAAAAAAEAAABQAAAAAAAAAAAA4D8AAAAAAADgPwAAAAAAAOA/AAAAAAAA4D8AAAAAAADgPwAAAAAAAOA/AAAAAAAA4D8AAAAAAADgPwAAAAAAAOA/AAAAAAAA4D8CAAAAjAAAAAAAAAAAAAAAu+DjDP///wgAAAAAAAAAAAAAAAAAAAAAAAAAAAAAAAAAAAAAZAAAAAEAAABAAAAAAAAAAAAAAAAAAAAAAAAAAAAAAAAAAAAAAAAAAAAAAAAAAAAAAAAAAAAAAAAAAAAAAAAAAAAAAAAAAAAAAAAAAAAAAAAAAAAAAAAAAAAAAAAAAAAAFAAAADwAAAAAAAAAAAAAAAAAAAkUAAAAAQAAABQAAAAUAAAAFAAAAAEAAAAAAAAAZAAAAGQAAAAAAAAAZAAAAGQAAAAVAAAAYAAAAAAAAAAAAAAADwAAACADAAAAAAAAAAAAAAEAAACgMgAAVgcAAKr4//8BAAAAf39/AAEAAABkAAAAAAAAABQAAABAHwAAAAAAACYAAAAAAAAAwOD//wAAAAAmAAAAZAAAABYAAABMAAAAAAAAAAAAAAAEAAAAAAAAAAEAAACAgIAKAAAAACgAAAAoAAAAZAAAAGQAAAAAAAAAzMzMAAAAAABQAAAAUAAAAGQAAABkAAAAAAAAABcAAAAUAAAAAAAAAAAAAAD/fwAA/38AAAAAAAAJAAAABAAAAGE6c3AeAAAAaAAAAAAAAAAAAAAAAAAAAAAAAAAAAAAAECcAABAnAAAAAAAAAAAAAAAAAAAAAAAAAAAAAAAAAAAAAAAAAAAAABQAAAAAAAAAwMD/AAAAAABkAAAAMgAAAAAAAABkAAAAAAAAAH9/fwAKAAAAIgAAABgAAAAAAAAAAAAAAAAAAAAAAAAAAAAAAAAAAAAkAAAAJAAAAAAAAAAHAAAAAAAAAAAAAAAAAAAAAAAAAAAAAAAAAAAAf39/ACUAAABYAAAAAAAAAAAAAAAAAAAAAAAAAAAAAAAAAAAAAAAAAAAAAAAAAAAAAAAAAAAAAAA/AAAAAAAAAKCGAQAAAAAAAAAAAAAAAAAMAAAAAQAAAAAAAAAAAAAAAAAAAB8AAABUAAAAAAAABQAAAAEAAAAAAAAAAAAAAAAAAAAAAAAAAAAAAAAAAAAAAAAAAAAAAAJ/f38AAAAAA8zMzADAwP8Af39/AAAAAAAAAAAAAAAAAAAAAAAAAAAAIQAAABgAAAAUAAAAoRkAABsnAABfMQAAWSkAABAAAAAmAAAACAAAAAAAAAAAAAAA"/>
+                <pr:smNativeData xmlns:pr="smNativeData" xmlns="smNativeData" val="SMDATA_15_ZjATZxMAAAAlAAAAZAAAAA8BAAAAkAAAAEgAAACQAAAASAAAAAAAAAABAAAAAAAAAAEAAABQAAAAAAAAAAAA4D8AAAAAAADgPwAAAAAAAOA/AAAAAAAA4D8AAAAAAADgPwAAAAAAAOA/AAAAAAAA4D8AAAAAAADgPwAAAAAAAOA/AAAAAAAA4D8CAAAAjAAAAAAAAAAAAAAAu+DjDP///wgAAAAAAAAAAAAAAAAAAAAAAAAAAAAAAAAAAAAAZAAAAAEAAABAAAAAAAAAAAAAAAAAAAAAAAAAAAAAAAAAAAAAAAAAAAAAAAAAAAAAAAAAAAAAAAAAAAAAAAAAAAAAAAAAAAAAAAAAAAAAAAAAAAAAAAAAAAAAAAAAAAAAFAAAADwAAAAAAAAAAAAAAAAAAAkUAAAAAQAAABQAAAAUAAAAFAAAAAEAAAAAAAAAZAAAAGQAAAAAAAAAZAAAAGQAAAAVAAAAYAAAAAAAAAAAAAAADwAAACADAAAAAAAAAAAAAAEAAACgMgAAVgcAAKr4//8BAAAAf39/AAEAAABkAAAAAAAAABQAAABAHwAAAAAAACYAAAAAAAAAwOD//wAAAAAmAAAAZAAAABYAAABMAAAAAAAAAAAAAAAEAAAAAAAAAAEAAACAgIAKAAAAACgAAAAoAAAAZAAAAGQAAAAAAAAAzMzMAAAAAABQAAAAUAAAAGQAAABkAAAAAAAAABcAAAAUAAAAAAAAAAAAAAD/fwAA/38AAAAAAAAJAAAABAAAAGE6c3AeAAAAaAAAAAAAAAAAAAAAAAAAAAAAAAAAAAAAECcAABAnAAAAAAAAAAAAAAAAAAAAAAAAAAAAAAAAAAAAAAAAAAAAABQAAAAAAAAAwMD/AAAAAABkAAAAMgAAAAAAAABkAAAAAAAAAH9/fwAKAAAAIgAAABgAAAAAAAAAAAAAAAAAAAAAAAAAAAAAAAAAAAAkAAAAJAAAAAAAAAAHAAAAAAAAAAAAAAAAAAAAAAAAAAAAAAAAAAAAf39/ACUAAABYAAAAAAAAAAAAAAAAAAAAAAAAAAAAAAAAAAAAAAAAAAAAAAAAAAAAAAAAAAAAAAA/AAAAAAAAAKCGAQAAAAAAAAAAAAAAAAAMAAAAAQAAAAAAAAAAAAAAAAAAAB8AAABUAAAAAAAABQAAAAEAAAAAAAAAAAAAAAAAAAAAAAAAAAAAAAAAAAAAAAAAAAAAAAJ/f38AAAAAA8zMzADAwP8Af39/AAAAAAAAAAAAAAAAAAAAAAAAAAAAIQAAABgAAAAUAAAAoRkAABsnAABfMQAAWSkAABAAAAAmAAAACAAAAAAAAAAAAAAA"/>
               </a:ext>
             </a:extLst>
           </p:cNvSpPr>
@@ -565,7 +572,7 @@
             <a:spLocks noGrp="1" noChangeArrowheads="1"/>
             <a:extLst>
               <a:ext uri="smNativeData">
-                <pr:smNativeData xmlns:pr="smNativeData" xmlns="smNativeData" val="SMDATA_15_lFoOZxMAAAAlAAAAZAAAAA8BAAAAkAAAAEgAAACQAAAASAAAAAAAAAABAAAAAAAAAAEAAABQAAAAAAAAAAAA4D8AAAAAAADgPwAAAAAAAOA/AAAAAAAA4D8AAAAAAADgPwAAAAAAAOA/AAAAAAAA4D8AAAAAAADgPwAAAAAAAOA/AAAAAAAA4D8CAAAAjAAAAAAAAAAAAAAAu+DjDP///wgAAAAAAAAAAAAAAAAAAAAAAAAAAAAAAAAAAAAAZAAAAAEAAABAAAAAAAAAAAAAAAAAAAAAAAAAAAAAAAAAAAAAAAAAAAAAAAAAAAAAAAAAAAAAAAAAAAAAAAAAAAAAAAAAAAAAAAAAAAAAAAAAAAAAAAAAAAAAAAAAAAAAFAAAADwAAAAAAAAAAAAAAAAAAAkUAAAAAQAAABQAAAAUAAAAFAAAAAEAAAAAAAAAZAAAAGQAAAAAAAAAZAAAAGQAAAAVAAAAYAAAAAAAAAAAAAAADwAAACADAAAAAAAAAAAAAAEAAACgMgAAVgcAAKr4//8BAAAAf39/AAEAAABkAAAAAAAAABQAAABAHwAAAAAAACYAAAAAAAAAwOD//wAAAAAmAAAAZAAAABYAAABMAAAAAAAAAAAAAAAEAAAAAAAAAAEAAACAgIAKAAAAACgAAAAoAAAAZAAAAGQAAAAAAAAAzMzMAAAAAABQAAAAUAAAAGQAAABkAAAAAAAAABcAAAAUAAAAAAAAAAAAAAD/fwAA/38AAAAAAAAJAAAABAAAAAAAAAAeAAAAaAAAAAAAAAAAAAAAAAAAAAAAAAAAAAAAECcAABAnAAAAAAAAAAAAAAAAAAAAAAAAAAAAAAAAAAAAAAAAAAAAABQAAAAAAAAAwMD/AAAAAABkAAAAMgAAAAAAAABkAAAAAAAAAH9/fwAKAAAAIgAAABgAAAAAAAAAAAAAAAAAAAAAAAAAAAAAAAAAAAAkAAAAJAAAAAAAAAAHAAAAAAAAAAAAAAAAAAAAAAAAAAAAAAAAAAAAf39/ACUAAABYAAAAAAAAAAAAAAAAAAAAAAAAAAAAAAAAAAAAAAAAAAAAAAAAAAAAAAAAAAAAAAA/AAAAAAAAAKCGAQAAAAAAAAAAAAAAAAAMAAAAAQAAAAAAAAAAAAAAAAAAAB8AAABUAAAAAAAABQAAAAEAAAAAAAAAAAAAAAAAAAAAAAAAAAAAAAAAAAAAAAAAAAAAAAJ/f38AAAAAA8zMzADAwP8Af39/AAAAAAAAAAAAAAAAAAAAAAAAAAAAIQAAABgAAAAUAAAAwTUAABsnAABARwAAWSkAABAAAAAmAAAACAAAAAAAAAAAAAAA"/>
+                <pr:smNativeData xmlns:pr="smNativeData" xmlns="smNativeData" val="SMDATA_15_ZjATZxMAAAAlAAAAZAAAAA8BAAAAkAAAAEgAAACQAAAASAAAAAAAAAABAAAAAAAAAAEAAABQAAAAAAAAAAAA4D8AAAAAAADgPwAAAAAAAOA/AAAAAAAA4D8AAAAAAADgPwAAAAAAAOA/AAAAAAAA4D8AAAAAAADgPwAAAAAAAOA/AAAAAAAA4D8CAAAAjAAAAAAAAAAAAAAAu+DjDP///wgAAAAAAAAAAAAAAAAAAAAAAAAAAAAAAAAAAAAAZAAAAAEAAABAAAAAAAAAAAAAAAAAAAAAAAAAAAAAAAAAAAAAAAAAAAAAAAAAAAAAAAAAAAAAAAAAAAAAAAAAAAAAAAAAAAAAAAAAAAAAAAAAAAAAAAAAAAAAAAAAAAAAFAAAADwAAAAAAAAAAAAAAAAAAAkUAAAAAQAAABQAAAAUAAAAFAAAAAEAAAAAAAAAZAAAAGQAAAAAAAAAZAAAAGQAAAAVAAAAYAAAAAAAAAAAAAAADwAAACADAAAAAAAAAAAAAAEAAACgMgAAVgcAAKr4//8BAAAAf39/AAEAAABkAAAAAAAAABQAAABAHwAAAAAAACYAAAAAAAAAwOD//wAAAAAmAAAAZAAAABYAAABMAAAAAAAAAAAAAAAEAAAAAAAAAAEAAACAgIAKAAAAACgAAAAoAAAAZAAAAGQAAAAAAAAAzMzMAAAAAABQAAAAUAAAAGQAAABkAAAAAAAAABcAAAAUAAAAAAAAAAAAAAD/fwAA/38AAAAAAAAJAAAABAAAAAAAAAAeAAAAaAAAAAAAAAAAAAAAAAAAAAAAAAAAAAAAECcAABAnAAAAAAAAAAAAAAAAAAAAAAAAAAAAAAAAAAAAAAAAAAAAABQAAAAAAAAAwMD/AAAAAABkAAAAMgAAAAAAAABkAAAAAAAAAH9/fwAKAAAAIgAAABgAAAAAAAAAAAAAAAAAAAAAAAAAAAAAAAAAAAAkAAAAJAAAAAAAAAAHAAAAAAAAAAAAAAAAAAAAAAAAAAAAAAAAAAAAf39/ACUAAABYAAAAAAAAAAAAAAAAAAAAAAAAAAAAAAAAAAAAAAAAAAAAAAAAAAAAAAAAAAAAAAA/AAAAAAAAAKCGAQAAAAAAAAAAAAAAAAAMAAAAAQAAAAAAAAAAAAAAAAAAAB8AAABUAAAAAAAABQAAAAEAAAAAAAAAAAAAAAAAAAAAAAAAAAAAAAAAAAAAAAAAAAAAAAJ/f38AAAAAA8zMzADAwP8Af39/AAAAAAAAAAAAAAAAAAAAAAAAAAAAIQAAABgAAAAUAAAAwTUAABsnAABARwAAWSkAABAAAAAmAAAACAAAAAAAAAAAAAAA"/>
               </a:ext>
             </a:extLst>
           </p:cNvSpPr>
@@ -579,7 +586,7 @@
           <a:lstStyle/>
           <a:p>
             <a:pPr/>
-            <a:fld id="{594A20C4-8AB4-1FD6-FAF2-7C836EBC0C29}" type="slidenum">
+            <a:fld id="{2CEFA185-CBC1-BA57-8F57-3D02EF197968}" type="slidenum">
               <a:t/>
             </a:fld>
           </a:p>
@@ -618,7 +625,7 @@
             <a:spLocks noGrp="1" noChangeArrowheads="1"/>
             <a:extLst>
               <a:ext uri="smNativeData">
-                <pr:smNativeData xmlns:pr="smNativeData" xmlns="smNativeData" val="SMDATA_15_lFoOZxMAAAAlAAAAZAAAAA8BAAAAkAAAAEgAAACQAAAASAAAAAAAAAACAAAAAQAAAAEAAABQAAAAAAAAAAAA4D8AAAAAAADgPwAAAAAAAOA/AAAAAAAA4D8AAAAAAADgPwAAAAAAAOA/AAAAAAAA4D8AAAAAAADgPwAAAAAAAOA/AAAAAAAA4D8CAAAAjAAAAAAAAAAAAAAAu+DjDP///wgAAAAAAAAAAAAAAAAAAAAAAAAAAAAAAAAAAAAAZAAAAAEAAABAAAAAAAAAAAAAAAAAAAAAAAAAAAAAAAAAAAAAAAAAAAAAAAAAAAAAAAAAAAAAAAAAAAAAAAAAAAAAAAAAAAAAAAAAAAAAAAAAAAAAAAAAAAAAAAAAAAAAFAAAADwAAAAAAAAAAAAAAAAAAAkUAAAAAQAAABQAAAAUAAAAFAAAAAEAAAAAAAAAZAAAAGQAAAAAAAAAZAAAAGQAAAAVAAAAYAAAAAAAAAAAAAAADwAAACADAAAAAAAAAAAAAAEAAACgMgAAVgcAAKr4//8BAAAAf39/AAEAAABkAAAAAAAAABQAAABAHwAAAAAAACYAAAAAAAAAwOD//wAAAAAmAAAAZAAAABYAAABMAAAAAAAAAAAAAAAEAAAAAAAAAAEAAACAgIAKAAAAACgAAAAoAAAAZAAAAGQAAAAAAAAAzMzMAAAAAABQAAAAUAAAAGQAAABkAAAAAAAAABcAAAAUAAAAAAAAAAAAAAD/fwAA/38AAAAAAAAJAAAABAAAAAAAAAAeAAAAaAAAAAAAAAAAAAAAAAAAAAAAAAAAAAAAECcAABAnAAAAAAAAAAAAAAAAAAAAAAAAAAAAAAAAAAAAAAAAAAAAABQAAAAAAAAAwMD/AAAAAABkAAAAMgAAAAAAAABkAAAAAAAAAH9/fwAKAAAAIgAAABgAAAAAAAAAAAAAAAAAAAAAAAAAAAAAAAAAAAAkAAAAJAAAAAAAAAAHAAAAAAAAAAAAAAAAAAAAAAAAAAAAAAAAAAAAf39/ACUAAABYAAAAAAAAAAAAAAAAAAAAAAAAAAAAAAAAAAAAAAAAAAAAAAAAAAAAAAAAAAAAAAA/AAAAAAAAAKCGAQAAAAAAAAAAAAAAAAAMAAAAAQAAAAAAAAAAAAAAAAAAAB8AAABUAAAAAAAABQAAAAEAAAAAAAAAAAAAAAAAAAAAAAAAAAAAAAAAAAAAAAAAAAAAAAJ/f38AAAAAA8zMzADAwP8Af39/AAAAAAAAAAAAAAAAAAAAAAAAAAAAIQAAABgAAAAUAAAAYDYAALABAABARwAAsCUAABAAAAAmAAAACAAAAIMAAAAAAAAA"/>
+                <pr:smNativeData xmlns:pr="smNativeData" xmlns="smNativeData" val="SMDATA_15_ZjATZxMAAAAlAAAAZAAAAA8BAAAAkAAAAEgAAACQAAAASAAAAAAAAAACAAAAAQAAAAEAAABQAAAAAAAAAAAA4D8AAAAAAADgPwAAAAAAAOA/AAAAAAAA4D8AAAAAAADgPwAAAAAAAOA/AAAAAAAA4D8AAAAAAADgPwAAAAAAAOA/AAAAAAAA4D8CAAAAjAAAAAAAAAAAAAAAu+DjDP///wgAAAAAAAAAAAAAAAAAAAAAAAAAAAAAAAAAAAAAZAAAAAEAAABAAAAAAAAAAAAAAAAAAAAAAAAAAAAAAAAAAAAAAAAAAAAAAAAAAAAAAAAAAAAAAAAAAAAAAAAAAAAAAAAAAAAAAAAAAAAAAAAAAAAAAAAAAAAAAAAAAAAAFAAAADwAAAAAAAAAAAAAAAAAAAkUAAAAAQAAABQAAAAUAAAAFAAAAAEAAAAAAAAAZAAAAGQAAAAAAAAAZAAAAGQAAAAVAAAAYAAAAAAAAAAAAAAADwAAACADAAAAAAAAAAAAAAEAAACgMgAAVgcAAKr4//8BAAAAf39/AAEAAABkAAAAAAAAABQAAABAHwAAAAAAACYAAAAAAAAAwOD//wAAAAAmAAAAZAAAABYAAABMAAAAAAAAAAAAAAAEAAAAAAAAAAEAAACAgIAKAAAAACgAAAAoAAAAZAAAAGQAAAAAAAAAzMzMAAAAAABQAAAAUAAAAGQAAABkAAAAAAAAABcAAAAUAAAAAAAAAAAAAAD/fwAA/38AAAAAAAAJAAAABAAAAAAAAAAeAAAAaAAAAAAAAAAAAAAAAAAAAAAAAAAAAAAAECcAABAnAAAAAAAAAAAAAAAAAAAAAAAAAAAAAAAAAAAAAAAAAAAAABQAAAAAAAAAwMD/AAAAAABkAAAAMgAAAAAAAABkAAAAAAAAAH9/fwAKAAAAIgAAABgAAAAAAAAAAAAAAAAAAAAAAAAAAAAAAAAAAAAkAAAAJAAAAAAAAAAHAAAAAAAAAAAAAAAAAAAAAAAAAAAAAAAAAAAAf39/ACUAAABYAAAAAAAAAAAAAAAAAAAAAAAAAAAAAAAAAAAAAAAAAAAAAAAAAAAAAAAAAAAAAAA/AAAAAAAAAKCGAQAAAAAAAAAAAAAAAAAMAAAAAQAAAAAAAAAAAAAAAAAAAB8AAABUAAAAAAAABQAAAAEAAAAAAAAAAAAAAAAAAAAAAAAAAAAAAAAAAAAAAAAAAAAAAAJ/f38AAAAAA8zMzADAwP8Af39/AAAAAAAAAAAAAAAAAAAAAAAAAAAAIQAAABgAAAAUAAAAYDYAALABAABARwAAsCUAABAAAAAmAAAACAAAAIMAAAAAAAAA"/>
               </a:ext>
             </a:extLst>
           </p:cNvSpPr>
@@ -654,7 +661,7 @@
             <a:spLocks noGrp="1" noChangeArrowheads="1"/>
             <a:extLst>
               <a:ext uri="smNativeData">
-                <pr:smNativeData xmlns:pr="smNativeData" xmlns="smNativeData" val="SMDATA_15_lFoOZxMAAAAlAAAAZAAAAA8BAAAAkAAAAEgAAACQAAAASAAAAAAAAAAAAAAAAQAAAAEAAABQAAAAAAAAAAAA4D8AAAAAAADgPwAAAAAAAOA/AAAAAAAA4D8AAAAAAADgPwAAAAAAAOA/AAAAAAAA4D8AAAAAAADgPwAAAAAAAOA/AAAAAAAA4D8CAAAAjAAAAAAAAAAAAAAAu+DjDP///wgAAAAAAAAAAAAAAAAAAAAAAAAAAAAAAAAAAAAAZAAAAAEAAABAAAAAAAAAAAAAAAAAAAAAAAAAAAAAAAAAAAAAAAAAAAAAAAAAAAAAAAAAAAAAAAAAAAAAAAAAAAAAAAAAAAAAAAAAAAAAAAAAAAAAAAAAAAAAAAAAAAAAFAAAADwAAAAAAAAAAAAAAAAAAAkUAAAAAQAAABQAAAAUAAAAFAAAAAEAAAAAAAAAZAAAAGQAAAAAAAAAZAAAAGQAAAAVAAAAYAAAAAAAAAAAAAAADwAAACADAAAAAAAAAAAAAAEAAACgMgAAVgcAAKr4//8BAAAAf39/AAEAAABkAAAAAAAAABQAAABAHwAAAAAAACYAAAAAAAAAwOD//wAAAAAmAAAAZAAAABYAAABMAAAAAAAAAAAAAAAEAAAAAAAAAAEAAACAgIAKAAAAACgAAAAoAAAAZAAAAGQAAAAAAAAAzMzMAAAAAABQAAAAUAAAAGQAAABkAAAAAAAAABcAAAAUAAAAAAAAAAAAAAD/fwAA/38AAAAAAAAJAAAABAAAAAAAAAAeAAAAaAAAAAAAAAAAAAAAAAAAAAAAAAAAAAAAECcAABAnAAAAAAAAAAAAAAAAAAAAAAAAAAAAAAAAAAAAAAAAAAAAABQAAAAAAAAAwMD/AAAAAABkAAAAMgAAAAAAAABkAAAAAAAAAH9/fwAKAAAAIgAAABgAAAAAAAAAAAAAAAAAAAAAAAAAAAAAAAAAAAAkAAAAJAAAAAAAAAAHAAAAAAAAAAAAAAAAAAAAAAAAAAAAAAAAAAAAf39/ACUAAABYAAAAAAAAAAAAAAAAAAAAAAAAAAAAAAAAAAAAAAAAAAAAAAAAAAAAAAAAAAAAAAA/AAAAAAAAAKCGAQAAAAAAAAAAAAAAAAAMAAAAAQAAAAAAAAAAAAAAAAAAAB8AAABUAAAAAAAABQAAAAEAAAAAAAAAAAAAAAAAAAAAAAAAAAAAAAAAAAAAAAAAAAAAAAJ/f38AAAAAA8zMzADAwP8Af39/AAAAAAAAAAAAAAAAAAAAAAAAAAAAIQAAABgAAAAUAAAAwAMAALABAAAfNQAAsCUAABAAAAAmAAAACAAAAAMAAAAAAAAA"/>
+                <pr:smNativeData xmlns:pr="smNativeData" xmlns="smNativeData" val="SMDATA_15_ZjATZxMAAAAlAAAAZAAAAA8BAAAAkAAAAEgAAACQAAAASAAAAAAAAAAAAAAAAQAAAAEAAABQAAAAAAAAAAAA4D8AAAAAAADgPwAAAAAAAOA/AAAAAAAA4D8AAAAAAADgPwAAAAAAAOA/AAAAAAAA4D8AAAAAAADgPwAAAAAAAOA/AAAAAAAA4D8CAAAAjAAAAAAAAAAAAAAAu+DjDP///wgAAAAAAAAAAAAAAAAAAAAAAAAAAAAAAAAAAAAAZAAAAAEAAABAAAAAAAAAAAAAAAAAAAAAAAAAAAAAAAAAAAAAAAAAAAAAAAAAAAAAAAAAAAAAAAAAAAAAAAAAAAAAAAAAAAAAAAAAAAAAAAAAAAAAAAAAAAAAAAAAAAAAFAAAADwAAAAAAAAAAAAAAAAAAAkUAAAAAQAAABQAAAAUAAAAFAAAAAEAAAAAAAAAZAAAAGQAAAAAAAAAZAAAAGQAAAAVAAAAYAAAAAAAAAAAAAAADwAAACADAAAAAAAAAAAAAAEAAACgMgAAVgcAAKr4//8BAAAAf39/AAEAAABkAAAAAAAAABQAAABAHwAAAAAAACYAAAAAAAAAwOD//wAAAAAmAAAAZAAAABYAAABMAAAAAAAAAAAAAAAEAAAAAAAAAAEAAACAgIAKAAAAACgAAAAoAAAAZAAAAGQAAAAAAAAAzMzMAAAAAABQAAAAUAAAAGQAAABkAAAAAAAAABcAAAAUAAAAAAAAAAAAAAD/fwAA/38AAAAAAAAJAAAABAAAAAAAAAAeAAAAaAAAAAAAAAAAAAAAAAAAAAAAAAAAAAAAECcAABAnAAAAAAAAAAAAAAAAAAAAAAAAAAAAAAAAAAAAAAAAAAAAABQAAAAAAAAAwMD/AAAAAABkAAAAMgAAAAAAAABkAAAAAAAAAH9/fwAKAAAAIgAAABgAAAAAAAAAAAAAAAAAAAAAAAAAAAAAAAAAAAAkAAAAJAAAAAAAAAAHAAAAAAAAAAAAAAAAAAAAAAAAAAAAAAAAAAAAf39/ACUAAABYAAAAAAAAAAAAAAAAAAAAAAAAAAAAAAAAAAAAAAAAAAAAAAAAAAAAAAAAAAAAAAA/AAAAAAAAAKCGAQAAAAAAAAAAAAAAAAAMAAAAAQAAAAAAAAAAAAAAAAAAAB8AAABUAAAAAAAABQAAAAEAAAAAAAAAAAAAAAAAAAAAAAAAAAAAAAAAAAAAAAAAAAAAAAJ/f38AAAAAA8zMzADAwP8Af39/AAAAAAAAAAAAAAAAAAAAAAAAAAAAIQAAABgAAAAUAAAAwAMAALABAAAfNQAAsCUAABAAAAAmAAAACAAAAAMAAAAAAAAA"/>
               </a:ext>
             </a:extLst>
           </p:cNvSpPr>
@@ -714,7 +721,7 @@
             <a:spLocks noGrp="1" noChangeArrowheads="1"/>
             <a:extLst>
               <a:ext uri="smNativeData">
-                <pr:smNativeData xmlns:pr="smNativeData" xmlns="smNativeData" val="SMDATA_15_lFoOZxMAAAAlAAAAZAAAAA8BAAAAkAAAAEgAAACQAAAASAAAAAAAAAABAAAAAAAAAAEAAABQAAAAAAAAAAAA4D8AAAAAAADgPwAAAAAAAOA/AAAAAAAA4D8AAAAAAADgPwAAAAAAAOA/AAAAAAAA4D8AAAAAAADgPwAAAAAAAOA/AAAAAAAA4D8CAAAAjAAAAAAAAAAAAAAAu+DjDP///wgAAAAAAAAAAAAAAAAAAAAAAAAAAAAAAAAAAAAAZAAAAAEAAABAAAAAAAAAAAAAAAAAAAAAAAAAAAAAAAAAAAAAAAAAAAAAAAAAAAAAAAAAAAAAAAAAAAAAAAAAAAAAAAAAAAAAAAAAAAAAAAAAAAAAAAAAAAAAAAAAAAAAFAAAADwAAAAAAAAAAAAAAAAAAAkUAAAAAQAAABQAAAAUAAAAFAAAAAEAAAAAAAAAZAAAAGQAAAAAAAAAZAAAAGQAAAAVAAAAYAAAAAAAAAAAAAAADwAAACADAAAAAAAAAAAAAAEAAACgMgAAVgcAAKr4//8BAAAAf39/AAEAAABkAAAAAAAAABQAAABAHwAAAAAAACYAAAAAAAAAwOD//wAAAAAmAAAAZAAAABYAAABMAAAAAAAAAAAAAAAEAAAAAAAAAAEAAACAgIAKAAAAACgAAAAoAAAAZAAAAGQAAAAAAAAAzMzMAAAAAABQAAAAUAAAAGQAAABkAAAAAAAAABcAAAAUAAAAAAAAAAAAAAD/fwAA/38AAAAAAAAJAAAABAAAAAAAAAAeAAAAaAAAAAAAAAAAAAAAAAAAAAAAAAAAAAAAECcAABAnAAAAAAAAAAAAAAAAAAAAAAAAAAAAAAAAAAAAAAAAAAAAABQAAAAAAAAAwMD/AAAAAABkAAAAMgAAAAAAAABkAAAAAAAAAH9/fwAKAAAAIgAAABgAAAAAAAAAAAAAAAAAAAAAAAAAAAAAAAAAAAAkAAAAJAAAAAAAAAAHAAAAAAAAAAAAAAAAAAAAAAAAAAAAAAAAAAAAf39/ACUAAABYAAAAAAAAAAAAAAAAAAAAAAAAAAAAAAAAAAAAAAAAAAAAAAAAAAAAAAAAAAAAAAA/AAAAAAAAAKCGAQAAAAAAAAAAAAAAAAAMAAAAAQAAAAAAAAAAAAAAAAAAAB8AAABUAAAAAAAABQAAAAEAAAAAAAAAAAAAAAAAAAAAAAAAAAAAAAAAAAAAAAAAAAAAAAJ/f38AAAAAA8zMzADAwP8Af39/AAAAAAAAAAAAAAAAAAAAAAAAAAAAIQAAABgAAAAUAAAAwAMAABsnAAA/FQAAWSkAABAAAAAmAAAACAAAAAAAAAAAAAAA"/>
+                <pr:smNativeData xmlns:pr="smNativeData" xmlns="smNativeData" val="SMDATA_15_ZjATZxMAAAAlAAAAZAAAAA8BAAAAkAAAAEgAAACQAAAASAAAAAAAAAABAAAAAAAAAAEAAABQAAAAAAAAAAAA4D8AAAAAAADgPwAAAAAAAOA/AAAAAAAA4D8AAAAAAADgPwAAAAAAAOA/AAAAAAAA4D8AAAAAAADgPwAAAAAAAOA/AAAAAAAA4D8CAAAAjAAAAAAAAAAAAAAAu+DjDP///wgAAAAAAAAAAAAAAAAAAAAAAAAAAAAAAAAAAAAAZAAAAAEAAABAAAAAAAAAAAAAAAAAAAAAAAAAAAAAAAAAAAAAAAAAAAAAAAAAAAAAAAAAAAAAAAAAAAAAAAAAAAAAAAAAAAAAAAAAAAAAAAAAAAAAAAAAAAAAAAAAAAAAFAAAADwAAAAAAAAAAAAAAAAAAAkUAAAAAQAAABQAAAAUAAAAFAAAAAEAAAAAAAAAZAAAAGQAAAAAAAAAZAAAAGQAAAAVAAAAYAAAAAAAAAAAAAAADwAAACADAAAAAAAAAAAAAAEAAACgMgAAVgcAAKr4//8BAAAAf39/AAEAAABkAAAAAAAAABQAAABAHwAAAAAAACYAAAAAAAAAwOD//wAAAAAmAAAAZAAAABYAAABMAAAAAAAAAAAAAAAEAAAAAAAAAAEAAACAgIAKAAAAACgAAAAoAAAAZAAAAGQAAAAAAAAAzMzMAAAAAABQAAAAUAAAAGQAAABkAAAAAAAAABcAAAAUAAAAAAAAAAAAAAD/fwAA/38AAAAAAAAJAAAABAAAAAAAAAAeAAAAaAAAAAAAAAAAAAAAAAAAAAAAAAAAAAAAECcAABAnAAAAAAAAAAAAAAAAAAAAAAAAAAAAAAAAAAAAAAAAAAAAABQAAAAAAAAAwMD/AAAAAABkAAAAMgAAAAAAAABkAAAAAAAAAH9/fwAKAAAAIgAAABgAAAAAAAAAAAAAAAAAAAAAAAAAAAAAAAAAAAAkAAAAJAAAAAAAAAAHAAAAAAAAAAAAAAAAAAAAAAAAAAAAAAAAAAAAf39/ACUAAABYAAAAAAAAAAAAAAAAAAAAAAAAAAAAAAAAAAAAAAAAAAAAAAAAAAAAAAAAAAAAAAA/AAAAAAAAAKCGAQAAAAAAAAAAAAAAAAAMAAAAAQAAAAAAAAAAAAAAAAAAAB8AAABUAAAAAAAABQAAAAEAAAAAAAAAAAAAAAAAAAAAAAAAAAAAAAAAAAAAAAAAAAAAAAJ/f38AAAAAA8zMzADAwP8Af39/AAAAAAAAAAAAAAAAAAAAAAAAAAAAIQAAABgAAAAUAAAAwAMAABsnAAA/FQAAWSkAABAAAAAmAAAACAAAAAAAAAAAAAAA"/>
               </a:ext>
             </a:extLst>
           </p:cNvSpPr>
@@ -728,7 +735,7 @@
           <a:lstStyle/>
           <a:p>
             <a:pPr/>
-            <a:fld id="{4FA045B9-F7A2-F5B3-EC18-01E60B561A54}" type="datetime1">
+            <a:fld id="{2496B94E-00C9-C34F-872E-F61AF76071A3}" type="datetime1">
               <a:t/>
             </a:fld>
           </a:p>
@@ -741,7 +748,7 @@
             <a:spLocks noGrp="1" noChangeArrowheads="1"/>
             <a:extLst>
               <a:ext uri="smNativeData">
-                <pr:smNativeData xmlns:pr="smNativeData" xmlns="smNativeData" val="SMDATA_15_lFoOZxMAAAAlAAAAZAAAAA8BAAAAkAAAAEgAAACQAAAASAAAAAAAAAABAAAAAAAAAAEAAABQAAAAAAAAAAAA4D8AAAAAAADgPwAAAAAAAOA/AAAAAAAA4D8AAAAAAADgPwAAAAAAAOA/AAAAAAAA4D8AAAAAAADgPwAAAAAAAOA/AAAAAAAA4D8CAAAAjAAAAAAAAAAAAAAAu+DjDP///wgAAAAAAAAAAAAAAAAAAAAAAAAAAAAAAAAAAAAAZAAAAAEAAABAAAAAAAAAAAAAAAAAAAAAAAAAAAAAAAAAAAAAAAAAAAAAAAAAAAAAAAAAAAAAAAAAAAAAAAAAAAAAAAAAAAAAAAAAAAAAAAAAAAAAAAAAAAAAAAAAAAAAFAAAADwAAAAAAAAAAAAAAAAAAAkUAAAAAQAAABQAAAAUAAAAFAAAAAEAAAAAAAAAZAAAAGQAAAAAAAAAZAAAAGQAAAAVAAAAYAAAAAAAAAAAAAAADwAAACADAAAAAAAAAAAAAAEAAACgMgAAVgcAAKr4//8BAAAAf39/AAEAAABkAAAAAAAAABQAAABAHwAAAAAAACYAAAAAAAAAwOD//wAAAAAmAAAAZAAAABYAAABMAAAAAAAAAAAAAAAEAAAAAAAAAAEAAACAgIAKAAAAACgAAAAoAAAAZAAAAGQAAAAAAAAAzMzMAAAAAABQAAAAUAAAAGQAAABkAAAAAAAAABcAAAAUAAAAAAAAAAAAAAD/fwAA/38AAAAAAAAJAAAABAAAAAAAAAAeAAAAaAAAAAAAAAAAAAAAAAAAAAAAAAAAAAAAECcAABAnAAAAAAAAAAAAAAAAAAAAAAAAAAAAAAAAAAAAAAAAAAAAABQAAAAAAAAAwMD/AAAAAABkAAAAMgAAAAAAAABkAAAAAAAAAH9/fwAKAAAAIgAAABgAAAAAAAAAAAAAAAAAAAAAAAAAAAAAAAAAAAAkAAAAJAAAAAAAAAAHAAAAAAAAAAAAAAAAAAAAAAAAAAAAAAAAAAAAf39/ACUAAABYAAAAAAAAAAAAAAAAAAAAAAAAAAAAAAAAAAAAAAAAAAAAAAAAAAAAAAAAAAAAAAA/AAAAAAAAAKCGAQAAAAAAAAAAAAAAAAAMAAAAAQAAAAAAAAAAAAAAAAAAAB8AAABUAAAAAAAABQAAAAEAAAAAAAAAAAAAAAAAAAAAAAAAAAAAAAAAAAAAAAAAAAAAAAJ/f38AAAAAA8zMzADAwP8Af39/AAAAAAAAAAAAAAAAAAAAAAAAAAAAIQAAABgAAAAUAAAAoRkAABsnAABfMQAAWSkAABAAAAAmAAAACAAAAAAAAAAAAAAA"/>
+                <pr:smNativeData xmlns:pr="smNativeData" xmlns="smNativeData" val="SMDATA_15_ZjATZxMAAAAlAAAAZAAAAA8BAAAAkAAAAEgAAACQAAAASAAAAAAAAAABAAAAAAAAAAEAAABQAAAAAAAAAAAA4D8AAAAAAADgPwAAAAAAAOA/AAAAAAAA4D8AAAAAAADgPwAAAAAAAOA/AAAAAAAA4D8AAAAAAADgPwAAAAAAAOA/AAAAAAAA4D8CAAAAjAAAAAAAAAAAAAAAu+DjDP///wgAAAAAAAAAAAAAAAAAAAAAAAAAAAAAAAAAAAAAZAAAAAEAAABAAAAAAAAAAAAAAAAAAAAAAAAAAAAAAAAAAAAAAAAAAAAAAAAAAAAAAAAAAAAAAAAAAAAAAAAAAAAAAAAAAAAAAAAAAAAAAAAAAAAAAAAAAAAAAAAAAAAAFAAAADwAAAAAAAAAAAAAAAAAAAkUAAAAAQAAABQAAAAUAAAAFAAAAAEAAAAAAAAAZAAAAGQAAAAAAAAAZAAAAGQAAAAVAAAAYAAAAAAAAAAAAAAADwAAACADAAAAAAAAAAAAAAEAAACgMgAAVgcAAKr4//8BAAAAf39/AAEAAABkAAAAAAAAABQAAABAHwAAAAAAACYAAAAAAAAAwOD//wAAAAAmAAAAZAAAABYAAABMAAAAAAAAAAAAAAAEAAAAAAAAAAEAAACAgIAKAAAAACgAAAAoAAAAZAAAAGQAAAAAAAAAzMzMAAAAAABQAAAAUAAAAGQAAABkAAAAAAAAABcAAAAUAAAAAAAAAAAAAAD/fwAA/38AAAAAAAAJAAAABAAAAAAAAAAeAAAAaAAAAAAAAAAAAAAAAAAAAAAAAAAAAAAAECcAABAnAAAAAAAAAAAAAAAAAAAAAAAAAAAAAAAAAAAAAAAAAAAAABQAAAAAAAAAwMD/AAAAAABkAAAAMgAAAAAAAABkAAAAAAAAAH9/fwAKAAAAIgAAABgAAAAAAAAAAAAAAAAAAAAAAAAAAAAAAAAAAAAkAAAAJAAAAAAAAAAHAAAAAAAAAAAAAAAAAAAAAAAAAAAAAAAAAAAAf39/ACUAAABYAAAAAAAAAAAAAAAAAAAAAAAAAAAAAAAAAAAAAAAAAAAAAAAAAAAAAAAAAAAAAAA/AAAAAAAAAKCGAQAAAAAAAAAAAAAAAAAMAAAAAQAAAAAAAAAAAAAAAAAAAB8AAABUAAAAAAAABQAAAAEAAAAAAAAAAAAAAAAAAAAAAAAAAAAAAAAAAAAAAAAAAAAAAAJ/f38AAAAAA8zMzADAwP8Af39/AAAAAAAAAAAAAAAAAAAAAAAAAAAAIQAAABgAAAAUAAAAoRkAABsnAABfMQAAWSkAABAAAAAmAAAACAAAAAAAAAAAAAAA"/>
               </a:ext>
             </a:extLst>
           </p:cNvSpPr>
@@ -765,7 +772,7 @@
             <a:spLocks noGrp="1" noChangeArrowheads="1"/>
             <a:extLst>
               <a:ext uri="smNativeData">
-                <pr:smNativeData xmlns:pr="smNativeData" xmlns="smNativeData" val="SMDATA_15_lFoOZxMAAAAlAAAAZAAAAA8BAAAAkAAAAEgAAACQAAAASAAAAAAAAAABAAAAAAAAAAEAAABQAAAAAAAAAAAA4D8AAAAAAADgPwAAAAAAAOA/AAAAAAAA4D8AAAAAAADgPwAAAAAAAOA/AAAAAAAA4D8AAAAAAADgPwAAAAAAAOA/AAAAAAAA4D8CAAAAjAAAAAAAAAAAAAAAu+DjDP///wgAAAAAAAAAAAAAAAAAAAAAAAAAAAAAAAAAAAAAZAAAAAEAAABAAAAAAAAAAAAAAAAAAAAAAAAAAAAAAAAAAAAAAAAAAAAAAAAAAAAAAAAAAAAAAAAAAAAAAAAAAAAAAAAAAAAAAAAAAAAAAAAAAAAAAAAAAAAAAAAAAAAAFAAAADwAAAAAAAAAAAAAAAAAAAkUAAAAAQAAABQAAAAUAAAAFAAAAAEAAAAAAAAAZAAAAGQAAAAAAAAAZAAAAGQAAAAVAAAAYAAAAAAAAAAAAAAADwAAACADAAAAAAAAAAAAAAEAAACgMgAAVgcAAKr4//8BAAAAf39/AAEAAABkAAAAAAAAABQAAABAHwAAAAAAACYAAAAAAAAAwOD//wAAAAAmAAAAZAAAABYAAABMAAAAAAAAAAAAAAAEAAAAAAAAAAEAAACAgIAKAAAAACgAAAAoAAAAZAAAAGQAAAAAAAAAzMzMAAAAAABQAAAAUAAAAGQAAABkAAAAAAAAABcAAAAUAAAAAAAAAAAAAAD/fwAA/38AAAAAAAAJAAAABAAAAAAAAAAeAAAAaAAAAAAAAAAAAAAAAAAAAAAAAAAAAAAAECcAABAnAAAAAAAAAAAAAAAAAAAAAAAAAAAAAAAAAAAAAAAAAAAAABQAAAAAAAAAwMD/AAAAAABkAAAAMgAAAAAAAABkAAAAAAAAAH9/fwAKAAAAIgAAABgAAAAAAAAAAAAAAAAAAAAAAAAAAAAAAAAAAAAkAAAAJAAAAAAAAAAHAAAAAAAAAAAAAAAAAAAAAAAAAAAAAAAAAAAAf39/ACUAAABYAAAAAAAAAAAAAAAAAAAAAAAAAAAAAAAAAAAAAAAAAAAAAAAAAAAAAAAAAAAAAAA/AAAAAAAAAKCGAQAAAAAAAAAAAAAAAAAMAAAAAQAAAAAAAAAAAAAAAAAAAB8AAABUAAAAAAAABQAAAAEAAAAAAAAAAAAAAAAAAAAAAAAAAAAAAAAAAAAAAAAAAAAAAAJ/f38AAAAAA8zMzADAwP8Af39/AAAAAAAAAAAAAAAAAAAAAAAAAAAAIQAAABgAAAAUAAAAwTUAABsnAABARwAAWSkAABAAAAAmAAAACAAAAAAAAAAAAAAA"/>
+                <pr:smNativeData xmlns:pr="smNativeData" xmlns="smNativeData" val="SMDATA_15_ZjATZxMAAAAlAAAAZAAAAA8BAAAAkAAAAEgAAACQAAAASAAAAAAAAAABAAAAAAAAAAEAAABQAAAAAAAAAAAA4D8AAAAAAADgPwAAAAAAAOA/AAAAAAAA4D8AAAAAAADgPwAAAAAAAOA/AAAAAAAA4D8AAAAAAADgPwAAAAAAAOA/AAAAAAAA4D8CAAAAjAAAAAAAAAAAAAAAu+DjDP///wgAAAAAAAAAAAAAAAAAAAAAAAAAAAAAAAAAAAAAZAAAAAEAAABAAAAAAAAAAAAAAAAAAAAAAAAAAAAAAAAAAAAAAAAAAAAAAAAAAAAAAAAAAAAAAAAAAAAAAAAAAAAAAAAAAAAAAAAAAAAAAAAAAAAAAAAAAAAAAAAAAAAAFAAAADwAAAAAAAAAAAAAAAAAAAkUAAAAAQAAABQAAAAUAAAAFAAAAAEAAAAAAAAAZAAAAGQAAAAAAAAAZAAAAGQAAAAVAAAAYAAAAAAAAAAAAAAADwAAACADAAAAAAAAAAAAAAEAAACgMgAAVgcAAKr4//8BAAAAf39/AAEAAABkAAAAAAAAABQAAABAHwAAAAAAACYAAAAAAAAAwOD//wAAAAAmAAAAZAAAABYAAABMAAAAAAAAAAAAAAAEAAAAAAAAAAEAAACAgIAKAAAAACgAAAAoAAAAZAAAAGQAAAAAAAAAzMzMAAAAAABQAAAAUAAAAGQAAABkAAAAAAAAABcAAAAUAAAAAAAAAAAAAAD/fwAA/38AAAAAAAAJAAAABAAAAAAAAAAeAAAAaAAAAAAAAAAAAAAAAAAAAAAAAAAAAAAAECcAABAnAAAAAAAAAAAAAAAAAAAAAAAAAAAAAAAAAAAAAAAAAAAAABQAAAAAAAAAwMD/AAAAAABkAAAAMgAAAAAAAABkAAAAAAAAAH9/fwAKAAAAIgAAABgAAAAAAAAAAAAAAAAAAAAAAAAAAAAAAAAAAAAkAAAAJAAAAAAAAAAHAAAAAAAAAAAAAAAAAAAAAAAAAAAAAAAAAAAAf39/ACUAAABYAAAAAAAAAAAAAAAAAAAAAAAAAAAAAAAAAAAAAAAAAAAAAAAAAAAAAAAAAAAAAAA/AAAAAAAAAKCGAQAAAAAAAAAAAAAAAAAMAAAAAQAAAAAAAAAAAAAAAAAAAB8AAABUAAAAAAAABQAAAAEAAAAAAAAAAAAAAAAAAAAAAAAAAAAAAAAAAAAAAAAAAAAAAAJ/f38AAAAAA8zMzADAwP8Af39/AAAAAAAAAAAAAAAAAAAAAAAAAAAAIQAAABgAAAAUAAAAwTUAABsnAABARwAAWSkAABAAAAAmAAAACAAAAAAAAAAAAAAA"/>
               </a:ext>
             </a:extLst>
           </p:cNvSpPr>
@@ -779,7 +786,7 @@
           <a:lstStyle/>
           <a:p>
             <a:pPr/>
-            <a:fld id="{362176EB-A5DB-7480-9599-53D538D76306}" type="slidenum">
+            <a:fld id="{404132BF-F1AD-14C4-E3F9-07917CB71552}" type="slidenum">
               <a:t/>
             </a:fld>
           </a:p>
@@ -818,7 +825,7 @@
             <a:spLocks noGrp="1" noChangeArrowheads="1"/>
             <a:extLst>
               <a:ext uri="smNativeData">
-                <pr:smNativeData xmlns:pr="smNativeData" xmlns="smNativeData" val="SMDATA_15_lFoOZxMAAAAlAAAAZAAAAA8BAAAAkAAAAEgAAACQAAAASAAAAAAAAAABAAAAAAAAAAEAAABQAAAAAAAAAAAA4D8AAAAAAADgPwAAAAAAAOA/AAAAAAAA4D8AAAAAAADgPwAAAAAAAOA/AAAAAAAA4D8AAAAAAADgPwAAAAAAAOA/AAAAAAAA4D8CAAAAjAAAAAAAAAAAAAAAu+DjDP///wgAAAAAAAAAAAAAAAAAAAAAAAAAAAAAAAAAAAAAZAAAAAEAAABAAAAAAAAAAAAAAAAAAAAAAAAAAAAAAAAAAAAAAAAAAAAAAAAAAAAAAAAAAAAAAAAAAAAAAAAAAAAAAAAAAAAAAAAAAAAAAAAAAAAAAAAAAAAAAAAAAAAAFAAAADwAAAAAAAAAAAAAAAAAAAkUAAAAAQAAABQAAAAUAAAAFAAAAAEAAAAAAAAAZAAAAGQAAAAAAAAAZAAAAGQAAAAVAAAAYAAAAAAAAAAAAAAADwAAACADAAAAAAAAAAAAAAEAAACgMgAAVgcAAKr4//8BAAAAf39/AAEAAABkAAAAAAAAABQAAABAHwAAAAAAACYAAAAAAAAAwOD//wAAAAAmAAAAZAAAABYAAABMAAAAAAAAAAAAAAAEAAAAAAAAAAEAAACAgIAKAAAAACgAAAAoAAAAZAAAAGQAAAAAAAAAzMzMAAAAAABQAAAAUAAAAGQAAABkAAAAAAAAABcAAAAUAAAAAAAAAAAAAAD/fwAA/38AAAAAAAAJAAAABAAAAAAAAAAeAAAAaAAAAAAAAAAAAAAAAAAAAAAAAAAAAAAAECcAABAnAAAAAAAAAAAAAAAAAAAAAAAAAAAAAAAAAAAAAAAAAAAAABQAAAAAAAAAwMD/AAAAAABkAAAAMgAAAAAAAABkAAAAAAAAAH9/fwAKAAAAIgAAABgAAAAAAAAAAAAAAAAAAAAAAAAAAAAAAAAAAAAkAAAAJAAAAAAAAAAHAAAAAAAAAAAAAAAAAAAAAAAAAAAAAAAAAAAAf39/ACUAAABYAAAAAAAAAAAAAAAAAAAAAAAAAAAAAAAAAAAAAAAAAAAAAAAAAAAAAAAAAAAAAAA/AAAAAAAAAKCGAQAAAAAAAAAAAAAAAAAMAAAAAQAAAAAAAAAAAAAAAAAAAB8AAABUAAAAAAAABQAAAAEAAAAAAAAAAAAAAAAAAAAAAAAAAAAAAAAAAAAAAAAAAAAAAAJ/f38AAAAAA8zMzADAwP8Af39/AAAAAAAAAAAAAAAAAAAAAAAAAAAAIQAAABgAAAAUAAAAwAMAALABAABARwAAuAgAABAAAAAmAAAACAAAAAAAAAAAAAAA"/>
+                <pr:smNativeData xmlns:pr="smNativeData" xmlns="smNativeData" val="SMDATA_15_ZjATZxMAAAAlAAAAZAAAAA8BAAAAkAAAAEgAAACQAAAASAAAAAAAAAABAAAAAAAAAAEAAABQAAAAAAAAAAAA4D8AAAAAAADgPwAAAAAAAOA/AAAAAAAA4D8AAAAAAADgPwAAAAAAAOA/AAAAAAAA4D8AAAAAAADgPwAAAAAAAOA/AAAAAAAA4D8CAAAAjAAAAAAAAAAAAAAAu+DjDP///wgAAAAAAAAAAAAAAAAAAAAAAAAAAAAAAAAAAAAAZAAAAAEAAABAAAAAAAAAAAAAAAAAAAAAAAAAAAAAAAAAAAAAAAAAAAAAAAAAAAAAAAAAAAAAAAAAAAAAAAAAAAAAAAAAAAAAAAAAAAAAAAAAAAAAAAAAAAAAAAAAAAAAFAAAADwAAAAAAAAAAAAAAAAAAAkUAAAAAQAAABQAAAAUAAAAFAAAAAEAAAAAAAAAZAAAAGQAAAAAAAAAZAAAAGQAAAAVAAAAYAAAAAAAAAAAAAAADwAAACADAAAAAAAAAAAAAAEAAACgMgAAVgcAAKr4//8BAAAAf39/AAEAAABkAAAAAAAAABQAAABAHwAAAAAAACYAAAAAAAAAwOD//wAAAAAmAAAAZAAAABYAAABMAAAAAAAAAAAAAAAEAAAAAAAAAAEAAACAgIAKAAAAACgAAAAoAAAAZAAAAGQAAAAAAAAAzMzMAAAAAABQAAAAUAAAAGQAAABkAAAAAAAAABcAAAAUAAAAAAAAAAAAAAD/fwAA/38AAAAAAAAJAAAABAAAAAAAAAAeAAAAaAAAAAAAAAAAAAAAAAAAAAAAAAAAAAAAECcAABAnAAAAAAAAAAAAAAAAAAAAAAAAAAAAAAAAAAAAAAAAAAAAABQAAAAAAAAAwMD/AAAAAABkAAAAMgAAAAAAAABkAAAAAAAAAH9/fwAKAAAAIgAAABgAAAAAAAAAAAAAAAAAAAAAAAAAAAAAAAAAAAAkAAAAJAAAAAAAAAAHAAAAAAAAAAAAAAAAAAAAAAAAAAAAAAAAAAAAf39/ACUAAABYAAAAAAAAAAAAAAAAAAAAAAAAAAAAAAAAAAAAAAAAAAAAAAAAAAAAAAAAAAAAAAA/AAAAAAAAAKCGAQAAAAAAAAAAAAAAAAAMAAAAAQAAAAAAAAAAAAAAAAAAAB8AAABUAAAAAAAABQAAAAEAAAAAAAAAAAAAAAAAAAAAAAAAAAAAAAAAAAAAAAAAAAAAAAJ/f38AAAAAA8zMzADAwP8Af39/AAAAAAAAAAAAAAAAAAAAAAAAAAAAIQAAABgAAAAUAAAAwAMAALABAABARwAAuAgAABAAAAAmAAAACAAAAAAAAAAAAAAA"/>
               </a:ext>
             </a:extLst>
           </p:cNvSpPr>
@@ -845,7 +852,7 @@
             <a:spLocks noGrp="1" noChangeArrowheads="1"/>
             <a:extLst>
               <a:ext uri="smNativeData">
-                <pr:smNativeData xmlns:pr="smNativeData" xmlns="smNativeData" val="SMDATA_15_lFoOZxMAAAAlAAAAZAAAAA8BAAAAkAAAAEgAAACQAAAASAAAAAAAAAAAAAAAAAAAAAEAAABQAAAAAAAAAAAA4D8AAAAAAADgPwAAAAAAAOA/AAAAAAAA4D8AAAAAAADgPwAAAAAAAOA/AAAAAAAA4D8AAAAAAADgPwAAAAAAAOA/AAAAAAAA4D8CAAAAjAAAAAAAAAAAAAAAu+DjDP///wgAAAAAAAAAAAAAAAAAAAAAAAAAAAAAAAAAAAAAZAAAAAEAAABAAAAAAAAAAAAAAAAAAAAAAAAAAAAAAAAAAAAAAAAAAAAAAAAAAAAAAAAAAAAAAAAAAAAAAAAAAAAAAAAAAAAAAAAAAAAAAAAAAAAAAAAAAAAAAAAAAAAAFAAAADwAAAAAAAAAAAAAAAAAAAkUAAAAAQAAABQAAAAUAAAAFAAAAAEAAAAAAAAAZAAAAGQAAAAAAAAAZAAAAGQAAAAVAAAAYAAAAAAAAAAAAAAADwAAACADAAAAAAAAAAAAAAEAAACgMgAAVgcAAKr4//8BAAAAf39/AAEAAABkAAAAAAAAABQAAABAHwAAAAAAACYAAAAAAAAAwOD//wAAAAAmAAAAZAAAABYAAABMAAAAAAAAAAAAAAAEAAAAAAAAAAEAAACAgIAKAAAAACgAAAAoAAAAZAAAAGQAAAAAAAAAzMzMAAAAAABQAAAAUAAAAGQAAABkAAAAAAAAABcAAAAUAAAAAAAAAAAAAAD/fwAA/38AAAAAAAAJAAAABAAAAAAAAAAeAAAAaAAAAAAAAAAAAAAAAAAAAAAAAAAAAAAAECcAABAnAAAAAAAAAAAAAAAAAAAAAAAAAAAAAAAAAAAAAAAAAAAAABQAAAAAAAAAwMD/AAAAAABkAAAAMgAAAAAAAABkAAAAAAAAAH9/fwAKAAAAIgAAABgAAAAAAAAAAAAAAAAAAAAAAAAAAAAAAAAAAAAkAAAAJAAAAAAAAAAHAAAAAAAAAAAAAAAAAAAAAAAAAAAAAAAAAAAAf39/ACUAAABYAAAAAAAAAAAAAAAAAAAAAAAAAAAAAAAAAAAAAAAAAAAAAAAAAAAAAAAAAAAAAAA/AAAAAAAAAKCGAQAAAAAAAAAAAAAAAAAMAAAAAQAAAAAAAAAAAAAAAAAAAB8AAABUAAAAAAAABQAAAAEAAAAAAAAAAAAAAAAAAAAAAAAAAAAAAAAAAAAAAAAAAAAAAAJ/f38AAAAAA8zMzADAwP8Af39/AAAAAAAAAAAAAAAAAAAAAAAAAAAAIQAAABgAAAAUAAAAwAMAANgJAABARwAAsCUAABAAAAAmAAAACAAAAAAAAAAAAAAA"/>
+                <pr:smNativeData xmlns:pr="smNativeData" xmlns="smNativeData" val="SMDATA_15_ZjATZxMAAAAlAAAAZAAAAA8BAAAAkAAAAEgAAACQAAAASAAAAAAAAAAAAAAAAAAAAAEAAABQAAAAAAAAAAAA4D8AAAAAAADgPwAAAAAAAOA/AAAAAAAA4D8AAAAAAADgPwAAAAAAAOA/AAAAAAAA4D8AAAAAAADgPwAAAAAAAOA/AAAAAAAA4D8CAAAAjAAAAAAAAAAAAAAAu+DjDP///wgAAAAAAAAAAAAAAAAAAAAAAAAAAAAAAAAAAAAAZAAAAAEAAABAAAAAAAAAAAAAAAAAAAAAAAAAAAAAAAAAAAAAAAAAAAAAAAAAAAAAAAAAAAAAAAAAAAAAAAAAAAAAAAAAAAAAAAAAAAAAAAAAAAAAAAAAAAAAAAAAAAAAFAAAADwAAAAAAAAAAAAAAAAAAAkUAAAAAQAAABQAAAAUAAAAFAAAAAEAAAAAAAAAZAAAAGQAAAAAAAAAZAAAAGQAAAAVAAAAYAAAAAAAAAAAAAAADwAAACADAAAAAAAAAAAAAAEAAACgMgAAVgcAAKr4//8BAAAAf39/AAEAAABkAAAAAAAAABQAAABAHwAAAAAAACYAAAAAAAAAwOD//wAAAAAmAAAAZAAAABYAAABMAAAAAAAAAAAAAAAEAAAAAAAAAAEAAACAgIAKAAAAACgAAAAoAAAAZAAAAGQAAAAAAAAAzMzMAAAAAABQAAAAUAAAAGQAAABkAAAAAAAAABcAAAAUAAAAAAAAAAAAAAD/fwAA/38AAAAAAAAJAAAABAAAAAAAAAAeAAAAaAAAAAAAAAAAAAAAAAAAAAAAAAAAAAAAECcAABAnAAAAAAAAAAAAAAAAAAAAAAAAAAAAAAAAAAAAAAAAAAAAABQAAAAAAAAAwMD/AAAAAABkAAAAMgAAAAAAAABkAAAAAAAAAH9/fwAKAAAAIgAAABgAAAAAAAAAAAAAAAAAAAAAAAAAAAAAAAAAAAAkAAAAJAAAAAAAAAAHAAAAAAAAAAAAAAAAAAAAAAAAAAAAAAAAAAAAf39/ACUAAABYAAAAAAAAAAAAAAAAAAAAAAAAAAAAAAAAAAAAAAAAAAAAAAAAAAAAAAAAAAAAAAA/AAAAAAAAAKCGAQAAAAAAAAAAAAAAAAAMAAAAAQAAAAAAAAAAAAAAAAAAAB8AAABUAAAAAAAABQAAAAEAAAAAAAAAAAAAAAAAAAAAAAAAAAAAAAAAAAAAAAAAAAAAAAJ/f38AAAAAA8zMzADAwP8Af39/AAAAAAAAAAAAAAAAAAAAAAAAAAAAIQAAABgAAAAUAAAAwAMAANgJAABARwAAsCUAABAAAAAmAAAACAAAAAAAAAAAAAAA"/>
               </a:ext>
             </a:extLst>
           </p:cNvSpPr>
@@ -896,7 +903,7 @@
             <a:spLocks noGrp="1" noChangeArrowheads="1"/>
             <a:extLst>
               <a:ext uri="smNativeData">
-                <pr:smNativeData xmlns:pr="smNativeData" xmlns="smNativeData" val="SMDATA_15_lFoOZxMAAAAlAAAAZAAAAA8BAAAAkAAAAEgAAACQAAAASAAAAAAAAAABAAAAAAAAAAEAAABQAAAAAAAAAAAA4D8AAAAAAADgPwAAAAAAAOA/AAAAAAAA4D8AAAAAAADgPwAAAAAAAOA/AAAAAAAA4D8AAAAAAADgPwAAAAAAAOA/AAAAAAAA4D8CAAAAjAAAAAAAAAAAAAAAu+DjDP///wgAAAAAAAAAAAAAAAAAAAAAAAAAAAAAAAAAAAAAZAAAAAEAAABAAAAAAAAAAAAAAAAAAAAAAAAAAAAAAAAAAAAAAAAAAAAAAAAAAAAAAAAAAAAAAAAAAAAAAAAAAAAAAAAAAAAAAAAAAAAAAAAAAAAAAAAAAAAAAAAAAAAAFAAAADwAAAAAAAAAAAAAAAAAAAkUAAAAAQAAABQAAAAUAAAAFAAAAAEAAAAAAAAAZAAAAGQAAAAAAAAAZAAAAGQAAAAVAAAAYAAAAAAAAAAAAAAADwAAACADAAAAAAAAAAAAAAEAAACgMgAAVgcAAKr4//8BAAAAf39/AAEAAABkAAAAAAAAABQAAABAHwAAAAAAACYAAAAAAAAAwOD//wAAAAAmAAAAZAAAABYAAABMAAAAAAAAAAAAAAAEAAAAAAAAAAEAAACAgIAKAAAAACgAAAAoAAAAZAAAAGQAAAAAAAAAzMzMAAAAAABQAAAAUAAAAGQAAABkAAAAAAAAABcAAAAUAAAAAAAAAAAAAAD/fwAA/38AAAAAAAAJAAAABAAAANw7IAEeAAAAaAAAAAAAAAAAAAAAAAAAAAAAAAAAAAAAECcAABAnAAAAAAAAAAAAAAAAAAAAAAAAAAAAAAAAAAAAAAAAAAAAABQAAAAAAAAAwMD/AAAAAABkAAAAMgAAAAAAAABkAAAAAAAAAH9/fwAKAAAAIgAAABgAAAAAAAAAAAAAAAAAAAAAAAAAAAAAAAAAAAAkAAAAJAAAAAAAAAAHAAAAAAAAAAAAAAAAAAAAAAAAAAAAAAAAAAAAf39/ACUAAABYAAAAAAAAAAAAAAAAAAAAAAAAAAAAAAAAAAAAAAAAAAAAAAAAAAAAAAAAAAAAAAA/AAAAAAAAAKCGAQAAAAAAAAAAAAAAAAAMAAAAAQAAAAAAAAAAAAAAAAAAAB8AAABUAAAAAAAABQAAAAEAAAAAAAAAAAAAAAAAAAAAAAAAAAAAAAAAAAAAAAAAAAAAAAJ/f38AAAAAA8zMzADAwP8Af39/AAAAAAAAAAAAAAAAAAAAAAAAAAAAIQAAABgAAAAUAAAAwAMAABsnAAA/FQAAWSkAABAAAAAmAAAACAAAAAAAAAAAAAAA"/>
+                <pr:smNativeData xmlns:pr="smNativeData" xmlns="smNativeData" val="SMDATA_15_ZjATZxMAAAAlAAAAZAAAAA8BAAAAkAAAAEgAAACQAAAASAAAAAAAAAABAAAAAAAAAAEAAABQAAAAAAAAAAAA4D8AAAAAAADgPwAAAAAAAOA/AAAAAAAA4D8AAAAAAADgPwAAAAAAAOA/AAAAAAAA4D8AAAAAAADgPwAAAAAAAOA/AAAAAAAA4D8CAAAAjAAAAAAAAAAAAAAAu+DjDP///wgAAAAAAAAAAAAAAAAAAAAAAAAAAAAAAAAAAAAAZAAAAAEAAABAAAAAAAAAAAAAAAAAAAAAAAAAAAAAAAAAAAAAAAAAAAAAAAAAAAAAAAAAAAAAAAAAAAAAAAAAAAAAAAAAAAAAAAAAAAAAAAAAAAAAAAAAAAAAAAAAAAAAFAAAADwAAAAAAAAAAAAAAAAAAAkUAAAAAQAAABQAAAAUAAAAFAAAAAEAAAAAAAAAZAAAAGQAAAAAAAAAZAAAAGQAAAAVAAAAYAAAAAAAAAAAAAAADwAAACADAAAAAAAAAAAAAAEAAACgMgAAVgcAAKr4//8BAAAAf39/AAEAAABkAAAAAAAAABQAAABAHwAAAAAAACYAAAAAAAAAwOD//wAAAAAmAAAAZAAAABYAAABMAAAAAAAAAAAAAAAEAAAAAAAAAAEAAACAgIAKAAAAACgAAAAoAAAAZAAAAGQAAAAAAAAAzMzMAAAAAABQAAAAUAAAAGQAAABkAAAAAAAAABcAAAAUAAAAAAAAAAAAAAD/fwAA/38AAAAAAAAJAAAABAAAANw7IAEeAAAAaAAAAAAAAAAAAAAAAAAAAAAAAAAAAAAAECcAABAnAAAAAAAAAAAAAAAAAAAAAAAAAAAAAAAAAAAAAAAAAAAAABQAAAAAAAAAwMD/AAAAAABkAAAAMgAAAAAAAABkAAAAAAAAAH9/fwAKAAAAIgAAABgAAAAAAAAAAAAAAAAAAAAAAAAAAAAAAAAAAAAkAAAAJAAAAAAAAAAHAAAAAAAAAAAAAAAAAAAAAAAAAAAAAAAAAAAAf39/ACUAAABYAAAAAAAAAAAAAAAAAAAAAAAAAAAAAAAAAAAAAAAAAAAAAAAAAAAAAAAAAAAAAAA/AAAAAAAAAKCGAQAAAAAAAAAAAAAAAAAMAAAAAQAAAAAAAAAAAAAAAAAAAB8AAABUAAAAAAAABQAAAAEAAAAAAAAAAAAAAAAAAAAAAAAAAAAAAAAAAAAAAAAAAAAAAAJ/f38AAAAAA8zMzADAwP8Af39/AAAAAAAAAAAAAAAAAAAAAAAAAAAAIQAAABgAAAAUAAAAwAMAABsnAAA/FQAAWSkAABAAAAAmAAAACAAAAAAAAAAAAAAA"/>
               </a:ext>
             </a:extLst>
           </p:cNvSpPr>
@@ -910,7 +917,7 @@
           <a:lstStyle/>
           <a:p>
             <a:pPr/>
-            <a:fld id="{37E8F992-DCDA-BD0F-9450-2A5AB71E627F}" type="datetime1">
+            <a:fld id="{62782B42-0C8F-2DDD-C1C0-FA88658E37AF}" type="datetime1">
               <a:t/>
             </a:fld>
           </a:p>
@@ -923,7 +930,7 @@
             <a:spLocks noGrp="1" noChangeArrowheads="1"/>
             <a:extLst>
               <a:ext uri="smNativeData">
-                <pr:smNativeData xmlns:pr="smNativeData" xmlns="smNativeData" val="SMDATA_15_lFoOZxMAAAAlAAAAZAAAAA8BAAAAkAAAAEgAAACQAAAASAAAAAAAAAABAAAAAAAAAAEAAABQAAAAAAAAAAAA4D8AAAAAAADgPwAAAAAAAOA/AAAAAAAA4D8AAAAAAADgPwAAAAAAAOA/AAAAAAAA4D8AAAAAAADgPwAAAAAAAOA/AAAAAAAA4D8CAAAAjAAAAAAAAAAAAAAAu+DjDP///wgAAAAAAAAAAAAAAAAAAAAAAAAAAAAAAAAAAAAAZAAAAAEAAABAAAAAAAAAAAAAAAAAAAAAAAAAAAAAAAAAAAAAAAAAAAAAAAAAAAAAAAAAAAAAAAAAAAAAAAAAAAAAAAAAAAAAAAAAAAAAAAAAAAAAAAAAAAAAAAAAAAAAFAAAADwAAAAAAAAAAAAAAAAAAAkUAAAAAQAAABQAAAAUAAAAFAAAAAEAAAAAAAAAZAAAAGQAAAAAAAAAZAAAAGQAAAAVAAAAYAAAAAAAAAAAAAAADwAAACADAAAAAAAAAAAAAAEAAACgMgAAVgcAAKr4//8BAAAAf39/AAEAAABkAAAAAAAAABQAAABAHwAAAAAAACYAAAAAAAAAwOD//wAAAAAmAAAAZAAAABYAAABMAAAAAAAAAAAAAAAEAAAAAAAAAAEAAACAgIAKAAAAACgAAAAoAAAAZAAAAGQAAAAAAAAAzMzMAAAAAABQAAAAUAAAAGQAAABkAAAAAAAAABcAAAAUAAAAAAAAAAAAAAD/fwAA/38AAAAAAAAJAAAABAAAANw7IAEeAAAAaAAAAAAAAAAAAAAAAAAAAAAAAAAAAAAAECcAABAnAAAAAAAAAAAAAAAAAAAAAAAAAAAAAAAAAAAAAAAAAAAAABQAAAAAAAAAwMD/AAAAAABkAAAAMgAAAAAAAABkAAAAAAAAAH9/fwAKAAAAIgAAABgAAAAAAAAAAAAAAAAAAAAAAAAAAAAAAAAAAAAkAAAAJAAAAAAAAAAHAAAAAAAAAAAAAAAAAAAAAAAAAAAAAAAAAAAAf39/ACUAAABYAAAAAAAAAAAAAAAAAAAAAAAAAAAAAAAAAAAAAAAAAAAAAAAAAAAAAAAAAAAAAAA/AAAAAAAAAKCGAQAAAAAAAAAAAAAAAAAMAAAAAQAAAAAAAAAAAAAAAAAAAB8AAABUAAAAAAAABQAAAAEAAAAAAAAAAAAAAAAAAAAAAAAAAAAAAAAAAAAAAAAAAAAAAAJ/f38AAAAAA8zMzADAwP8Af39/AAAAAAAAAAAAAAAAAAAAAAAAAAAAIQAAABgAAAAUAAAAoRkAABsnAABfMQAAWSkAABAAAAAmAAAACAAAAAAAAAAAAAAA"/>
+                <pr:smNativeData xmlns:pr="smNativeData" xmlns="smNativeData" val="SMDATA_15_ZjATZxMAAAAlAAAAZAAAAA8BAAAAkAAAAEgAAACQAAAASAAAAAAAAAABAAAAAAAAAAEAAABQAAAAAAAAAAAA4D8AAAAAAADgPwAAAAAAAOA/AAAAAAAA4D8AAAAAAADgPwAAAAAAAOA/AAAAAAAA4D8AAAAAAADgPwAAAAAAAOA/AAAAAAAA4D8CAAAAjAAAAAAAAAAAAAAAu+DjDP///wgAAAAAAAAAAAAAAAAAAAAAAAAAAAAAAAAAAAAAZAAAAAEAAABAAAAAAAAAAAAAAAAAAAAAAAAAAAAAAAAAAAAAAAAAAAAAAAAAAAAAAAAAAAAAAAAAAAAAAAAAAAAAAAAAAAAAAAAAAAAAAAAAAAAAAAAAAAAAAAAAAAAAFAAAADwAAAAAAAAAAAAAAAAAAAkUAAAAAQAAABQAAAAUAAAAFAAAAAEAAAAAAAAAZAAAAGQAAAAAAAAAZAAAAGQAAAAVAAAAYAAAAAAAAAAAAAAADwAAACADAAAAAAAAAAAAAAEAAACgMgAAVgcAAKr4//8BAAAAf39/AAEAAABkAAAAAAAAABQAAABAHwAAAAAAACYAAAAAAAAAwOD//wAAAAAmAAAAZAAAABYAAABMAAAAAAAAAAAAAAAEAAAAAAAAAAEAAACAgIAKAAAAACgAAAAoAAAAZAAAAGQAAAAAAAAAzMzMAAAAAABQAAAAUAAAAGQAAABkAAAAAAAAABcAAAAUAAAAAAAAAAAAAAD/fwAA/38AAAAAAAAJAAAABAAAANw7IAEeAAAAaAAAAAAAAAAAAAAAAAAAAAAAAAAAAAAAECcAABAnAAAAAAAAAAAAAAAAAAAAAAAAAAAAAAAAAAAAAAAAAAAAABQAAAAAAAAAwMD/AAAAAABkAAAAMgAAAAAAAABkAAAAAAAAAH9/fwAKAAAAIgAAABgAAAAAAAAAAAAAAAAAAAAAAAAAAAAAAAAAAAAkAAAAJAAAAAAAAAAHAAAAAAAAAAAAAAAAAAAAAAAAAAAAAAAAAAAAf39/ACUAAABYAAAAAAAAAAAAAAAAAAAAAAAAAAAAAAAAAAAAAAAAAAAAAAAAAAAAAAAAAAAAAAA/AAAAAAAAAKCGAQAAAAAAAAAAAAAAAAAMAAAAAQAAAAAAAAAAAAAAAAAAAB8AAABUAAAAAAAABQAAAAEAAAAAAAAAAAAAAAAAAAAAAAAAAAAAAAAAAAAAAAAAAAAAAAJ/f38AAAAAA8zMzADAwP8Af39/AAAAAAAAAAAAAAAAAAAAAAAAAAAAIQAAABgAAAAUAAAAoRkAABsnAABfMQAAWSkAABAAAAAmAAAACAAAAAAAAAAAAAAA"/>
               </a:ext>
             </a:extLst>
           </p:cNvSpPr>
@@ -947,7 +954,7 @@
             <a:spLocks noGrp="1" noChangeArrowheads="1"/>
             <a:extLst>
               <a:ext uri="smNativeData">
-                <pr:smNativeData xmlns:pr="smNativeData" xmlns="smNativeData" val="SMDATA_15_lFoOZxMAAAAlAAAAZAAAAA8BAAAAkAAAAEgAAACQAAAASAAAAAAAAAABAAAAAAAAAAEAAABQAAAAAAAAAAAA4D8AAAAAAADgPwAAAAAAAOA/AAAAAAAA4D8AAAAAAADgPwAAAAAAAOA/AAAAAAAA4D8AAAAAAADgPwAAAAAAAOA/AAAAAAAA4D8CAAAAjAAAAAAAAAAAAAAAu+DjDP///wgAAAAAAAAAAAAAAAAAAAAAAAAAAAAAAAAAAAAAZAAAAAEAAABAAAAAAAAAAAAAAAAAAAAAAAAAAAAAAAAAAAAAAAAAAAAAAAAAAAAAAAAAAAAAAAAAAAAAAAAAAAAAAAAAAAAAAAAAAAAAAAAAAAAAAAAAAAAAAAAAAAAAFAAAADwAAAAAAAAAAAAAAAAAAAkUAAAAAQAAABQAAAAUAAAAFAAAAAEAAAAAAAAAZAAAAGQAAAAAAAAAZAAAAGQAAAAVAAAAYAAAAAAAAAAAAAAADwAAACADAAAAAAAAAAAAAAEAAACgMgAAVgcAAKr4//8BAAAAf39/AAEAAABkAAAAAAAAABQAAABAHwAAAAAAACYAAAAAAAAAwOD//wAAAAAmAAAAZAAAABYAAABMAAAAAAAAAAAAAAAEAAAAAAAAAAEAAACAgIAKAAAAACgAAAAoAAAAZAAAAGQAAAAAAAAAzMzMAAAAAABQAAAAUAAAAGQAAABkAAAAAAAAABcAAAAUAAAAAAAAAAAAAAD/fwAA/38AAAAAAAAJAAAABAAAAAAAAAAeAAAAaAAAAAAAAAAAAAAAAAAAAAAAAAAAAAAAECcAABAnAAAAAAAAAAAAAAAAAAAAAAAAAAAAAAAAAAAAAAAAAAAAABQAAAAAAAAAwMD/AAAAAABkAAAAMgAAAAAAAABkAAAAAAAAAH9/fwAKAAAAIgAAABgAAAAAAAAAAAAAAAAAAAAAAAAAAAAAAAAAAAAkAAAAJAAAAAAAAAAHAAAAAAAAAAAAAAAAAAAAAAAAAAAAAAAAAAAAf39/ACUAAABYAAAAAAAAAAAAAAAAAAAAAAAAAAAAAAAAAAAAAAAAAAAAAAAAAAAAAAAAAAAAAAA/AAAAAAAAAKCGAQAAAAAAAAAAAAAAAAAMAAAAAQAAAAAAAAAAAAAAAAAAAB8AAABUAAAAAAAABQAAAAEAAAAAAAAAAAAAAAAAAAAAAAAAAAAAAAAAAAAAAAAAAAAAAAJ/f38AAAAAA8zMzADAwP8Af39/AAAAAAAAAAAAAAAAAAAAAAAAAAAAIQAAABgAAAAUAAAAwTUAABsnAABARwAAWSkAABAAAAAmAAAACAAAAAAAAAAAAAAA"/>
+                <pr:smNativeData xmlns:pr="smNativeData" xmlns="smNativeData" val="SMDATA_15_ZjATZxMAAAAlAAAAZAAAAA8BAAAAkAAAAEgAAACQAAAASAAAAAAAAAABAAAAAAAAAAEAAABQAAAAAAAAAAAA4D8AAAAAAADgPwAAAAAAAOA/AAAAAAAA4D8AAAAAAADgPwAAAAAAAOA/AAAAAAAA4D8AAAAAAADgPwAAAAAAAOA/AAAAAAAA4D8CAAAAjAAAAAAAAAAAAAAAu+DjDP///wgAAAAAAAAAAAAAAAAAAAAAAAAAAAAAAAAAAAAAZAAAAAEAAABAAAAAAAAAAAAAAAAAAAAAAAAAAAAAAAAAAAAAAAAAAAAAAAAAAAAAAAAAAAAAAAAAAAAAAAAAAAAAAAAAAAAAAAAAAAAAAAAAAAAAAAAAAAAAAAAAAAAAFAAAADwAAAAAAAAAAAAAAAAAAAkUAAAAAQAAABQAAAAUAAAAFAAAAAEAAAAAAAAAZAAAAGQAAAAAAAAAZAAAAGQAAAAVAAAAYAAAAAAAAAAAAAAADwAAACADAAAAAAAAAAAAAAEAAACgMgAAVgcAAKr4//8BAAAAf39/AAEAAABkAAAAAAAAABQAAABAHwAAAAAAACYAAAAAAAAAwOD//wAAAAAmAAAAZAAAABYAAABMAAAAAAAAAAAAAAAEAAAAAAAAAAEAAACAgIAKAAAAACgAAAAoAAAAZAAAAGQAAAAAAAAAzMzMAAAAAABQAAAAUAAAAGQAAABkAAAAAAAAABcAAAAUAAAAAAAAAAAAAAD/fwAA/38AAAAAAAAJAAAABAAAAAAAAAAeAAAAaAAAAAAAAAAAAAAAAAAAAAAAAAAAAAAAECcAABAnAAAAAAAAAAAAAAAAAAAAAAAAAAAAAAAAAAAAAAAAAAAAABQAAAAAAAAAwMD/AAAAAABkAAAAMgAAAAAAAABkAAAAAAAAAH9/fwAKAAAAIgAAABgAAAAAAAAAAAAAAAAAAAAAAAAAAAAAAAAAAAAkAAAAJAAAAAAAAAAHAAAAAAAAAAAAAAAAAAAAAAAAAAAAAAAAAAAAf39/ACUAAABYAAAAAAAAAAAAAAAAAAAAAAAAAAAAAAAAAAAAAAAAAAAAAAAAAAAAAAAAAAAAAAA/AAAAAAAAAKCGAQAAAAAAAAAAAAAAAAAMAAAAAQAAAAAAAAAAAAAAAAAAAB8AAABUAAAAAAAABQAAAAEAAAAAAAAAAAAAAAAAAAAAAAAAAAAAAAAAAAAAAAAAAAAAAAJ/f38AAAAAA8zMzADAwP8Af39/AAAAAAAAAAAAAAAAAAAAAAAAAAAAIQAAABgAAAAUAAAAwTUAABsnAABARwAAWSkAABAAAAAmAAAACAAAAAAAAAAAAAAA"/>
               </a:ext>
             </a:extLst>
           </p:cNvSpPr>
@@ -961,7 +968,7 @@
           <a:lstStyle/>
           <a:p>
             <a:pPr/>
-            <a:fld id="{1C5592FF-B1F1-0064-BFED-4731DCA34912}" type="slidenum">
+            <a:fld id="{7C1FB63D-7391-4A40-DFA7-8515F8E929D0}" type="slidenum">
               <a:t/>
             </a:fld>
           </a:p>
@@ -1000,7 +1007,7 @@
             <a:spLocks noGrp="1" noChangeArrowheads="1"/>
             <a:extLst>
               <a:ext uri="smNativeData">
-                <pr:smNativeData xmlns:pr="smNativeData" xmlns="smNativeData" val="SMDATA_15_lFoOZxMAAAAlAAAAZAAAAA8BAAAAkAAAAEgAAACQAAAASAAAAAAAAAAAAAAAAAAAAAEAAABQAAAAAAAAAAAA4D8AAAAAAADgPwAAAAAAAOA/AAAAAAAA4D8AAAAAAADgPwAAAAAAAOA/AAAAAAAA4D8AAAAAAADgPwAAAAAAAOA/AAAAAAAA4D8CAAAAjAAAAAAAAAAAAAAAu+DjDP///wgAAAAAAAAAAAAAAAAAAAAAAAAAAAAAAAAAAAAAZAAAAAEAAABAAAAAAAAAAAAAAAAAAAAAAAAAAAAAAAAAAAAAAAAAAAAAAAAAAAAAAAAAAAAAAAAAAAAAAAAAAAAAAAAAAAAAAAAAAAAAAAAAAAAAAAAAAAAAAAAAAAAAFAAAADwAAAAAAAAAAAAAAAAAAAkUAAAAAQAAABQAAAAUAAAAFAAAAAEAAAAAAAAAZAAAAGQAAAAAAAAAZAAAAGQAAAAVAAAAYAAAAAAAAAAAAAAADwAAACADAAAAAAAAAAAAAAEAAACgMgAAVgcAAKr4//8BAAAAf39/AAEAAABkAAAAAAAAABQAAABAHwAAAAAAACYAAAAAAAAAwOD//wAAAAAmAAAAZAAAABYAAABMAAAAAAAAAAAAAAAEAAAAAAAAAAEAAACAgIAKAAAAACgAAAAoAAAAZAAAAGQAAAAAAAAAzMzMAAAAAABQAAAAUAAAAGQAAABkAAAAAAAAABcAAAAUAAAAAAAAAAAAAAD/fwAA/38AAAAAAAAJAAAABAAAANw7IAEeAAAAaAAAAAAAAAAAAAAAAAAAAAAAAAAAAAAAECcAABAnAAAAAAAAAAAAAAAAAAAAAAAAAAAAAAAAAAAAAAAAAAAAABQAAAAAAAAAwMD/AAAAAABkAAAAMgAAAAAAAABkAAAAAAAAAH9/fwAKAAAAIgAAABgAAAAAAAAAAAAAAAAAAAAAAAAAAAAAAAAAAAAkAAAAJAAAAAAAAAAHAAAAAAAAAAAAAAAAAAAAAAAAAAAAAAAAAAAAf39/ACUAAABYAAAAAAAAAAAAAAAAAAAAAAAAAAAAAAAAAAAAAAAAAAAAAAAAAAAAAAAAAAAAAAA/AAAAAAAAAKCGAQAAAAAAAAAAAAAAAAAMAAAAAQAAAAAAAAAAAAAAAAAAAB8AAABUAAAAAAAABQAAAAEAAAAAAAAAAAAAAAAAAAAAAAAAAAAAAAAAAAAAAAAAAAAAAAJ/f38AAAAAA8zMzADAwP8Af39/AAAAAAAAAAAAAAAAAAAAAAAAAAAAIQAAABgAAAAUAAAA7QUAABwbAACtRQAAfSMAABAAAAAmAAAACAAAAIGAAAAAAAAA"/>
+                <pr:smNativeData xmlns:pr="smNativeData" xmlns="smNativeData" val="SMDATA_15_ZjATZxMAAAAlAAAAZAAAAA8BAAAAkAAAAEgAAACQAAAASAAAAAAAAAAAAAAAAAAAAAEAAABQAAAAAAAAAAAA4D8AAAAAAADgPwAAAAAAAOA/AAAAAAAA4D8AAAAAAADgPwAAAAAAAOA/AAAAAAAA4D8AAAAAAADgPwAAAAAAAOA/AAAAAAAA4D8CAAAAjAAAAAAAAAAAAAAAu+DjDP///wgAAAAAAAAAAAAAAAAAAAAAAAAAAAAAAAAAAAAAZAAAAAEAAABAAAAAAAAAAAAAAAAAAAAAAAAAAAAAAAAAAAAAAAAAAAAAAAAAAAAAAAAAAAAAAAAAAAAAAAAAAAAAAAAAAAAAAAAAAAAAAAAAAAAAAAAAAAAAAAAAAAAAFAAAADwAAAAAAAAAAAAAAAAAAAkUAAAAAQAAABQAAAAUAAAAFAAAAAEAAAAAAAAAZAAAAGQAAAAAAAAAZAAAAGQAAAAVAAAAYAAAAAAAAAAAAAAADwAAACADAAAAAAAAAAAAAAEAAACgMgAAVgcAAKr4//8BAAAAf39/AAEAAABkAAAAAAAAABQAAABAHwAAAAAAACYAAAAAAAAAwOD//wAAAAAmAAAAZAAAABYAAABMAAAAAAAAAAAAAAAEAAAAAAAAAAEAAACAgIAKAAAAACgAAAAoAAAAZAAAAGQAAAAAAAAAzMzMAAAAAABQAAAAUAAAAGQAAABkAAAAAAAAABcAAAAUAAAAAAAAAAAAAAD/fwAA/38AAAAAAAAJAAAABAAAANw7IAEeAAAAaAAAAAAAAAAAAAAAAAAAAAAAAAAAAAAAECcAABAnAAAAAAAAAAAAAAAAAAAAAAAAAAAAAAAAAAAAAAAAAAAAABQAAAAAAAAAwMD/AAAAAABkAAAAMgAAAAAAAABkAAAAAAAAAH9/fwAKAAAAIgAAABgAAAAAAAAAAAAAAAAAAAAAAAAAAAAAAAAAAAAkAAAAJAAAAAAAAAAHAAAAAAAAAAAAAAAAAAAAAAAAAAAAAAAAAAAAf39/ACUAAABYAAAAAAAAAAAAAAAAAAAAAAAAAAAAAAAAAAAAAAAAAAAAAAAAAAAAAAAAAAAAAAA/AAAAAAAAAKCGAQAAAAAAAAAAAAAAAAAMAAAAAQAAAAAAAAAAAAAAAAAAAB8AAABUAAAAAAAABQAAAAEAAAAAAAAAAAAAAAAAAAAAAAAAAAAAAAAAAAAAAAAAAAAAAAJ/f38AAAAAA8zMzADAwP8Af39/AAAAAAAAAAAAAAAAAAAAAAAAAAAAIQAAABgAAAAUAAAA7QUAABwbAACtRQAAfSMAABAAAAAmAAAACAAAAIGAAAAAAAAA"/>
               </a:ext>
             </a:extLst>
           </p:cNvSpPr>
@@ -1040,7 +1047,7 @@
             <a:spLocks noGrp="1" noChangeArrowheads="1"/>
             <a:extLst>
               <a:ext uri="smNativeData">
-                <pr:smNativeData xmlns:pr="smNativeData" xmlns="smNativeData" val="SMDATA_15_lFoOZxMAAAAlAAAAZAAAAA8BAAAAkAAAAEgAAACQAAAASAAAAAAAAAACAAAAAAAAAAEAAABQAAAAAAAAAAAA4D8AAAAAAADgPwAAAAAAAOA/AAAAAAAA4D8AAAAAAADgPwAAAAAAAOA/AAAAAAAA4D8AAAAAAADgPwAAAAAAAOA/AAAAAAAA4D8CAAAAjAAAAAAAAAAAAAAAu+DjDP///wgAAAAAAAAAAAAAAAAAAAAAAAAAAAAAAAAAAAAAZAAAAAEAAABAAAAAAAAAAAAAAAAAAAAAAAAAAAAAAAAAAAAAAAAAAAAAAAAAAAAAAAAAAAAAAAAAAAAAAAAAAAAAAAAAAAAAAAAAAAAAAAAAAAAAAAAAAAAAAAAAAAAAFAAAADwAAAAAAAAAAAAAAAAAAAkUAAAAAQAAABQAAAAUAAAAFAAAAAEAAAAAAAAAZAAAAGQAAAAAAAAAZAAAAGQAAAAVAAAAYAAAAAAAAAAAAAAADwAAACADAAAAAAAAAAAAAAEAAACgMgAAVgcAAKr4//8BAAAAf39/AAEAAABkAAAAAAAAABQAAABAHwAAAAAAACYAAAAAAAAAwOD//wAAAAAmAAAAZAAAABYAAABMAAAAAAAAAAAAAAAEAAAAAAAAAAEAAACAgIAKAAAAACgAAAAoAAAAZAAAAGQAAAAAAAAAzMzMAAAAAABQAAAAUAAAAGQAAABkAAAAAAAAABcAAAAUAAAAAAAAAAAAAAD/fwAA/38AAAAAAAAJAAAABAAAANw7IAEeAAAAaAAAAAAAAAAAAAAAAAAAAAAAAAAAAAAAECcAABAnAAAAAAAAAAAAAAAAAAAAAAAAAAAAAAAAAAAAAAAAAAAAABQAAAAAAAAAwMD/AAAAAABkAAAAMgAAAAAAAABkAAAAAAAAAH9/fwAKAAAAIgAAABgAAAAAAAAAAAAAAAAAAAAAAAAAAAAAAAAAAAAkAAAAJAAAAAAAAAAHAAAAAAAAAAAAAAAAAAAAAAAAAAAAAAAAAAAAf39/ACUAAABYAAAAAAAAAAAAAAAAAAAAAAAAAAAAAAAAAAAAAAAAAAAAAAAAAAAAAAAAAAAAAAA/AAAAAAAAAKCGAQAAAAAAAAAAAAAAAAAMAAAAAQAAAAAAAAAAAAAAAAAAAB8AAABUAAAAAAAABQAAAAEAAAAAAAAAAAAAAAAAAAAAAAAAAAAAAAAAAAAAAAAAAAAAAAJ/f38AAAAAA8zMzADAwP8Af39/AAAAAAAAAAAAAAAAAAAAAAAAAAAAIQAAABgAAAAUAAAA7QUAAOERAACtRQAAHBsAABAAAAAmAAAACAAAAIGAAAAAAAAA"/>
+                <pr:smNativeData xmlns:pr="smNativeData" xmlns="smNativeData" val="SMDATA_15_ZjATZxMAAAAlAAAAZAAAAA8BAAAAkAAAAEgAAACQAAAASAAAAAAAAAACAAAAAAAAAAEAAABQAAAAAAAAAAAA4D8AAAAAAADgPwAAAAAAAOA/AAAAAAAA4D8AAAAAAADgPwAAAAAAAOA/AAAAAAAA4D8AAAAAAADgPwAAAAAAAOA/AAAAAAAA4D8CAAAAjAAAAAAAAAAAAAAAu+DjDP///wgAAAAAAAAAAAAAAAAAAAAAAAAAAAAAAAAAAAAAZAAAAAEAAABAAAAAAAAAAAAAAAAAAAAAAAAAAAAAAAAAAAAAAAAAAAAAAAAAAAAAAAAAAAAAAAAAAAAAAAAAAAAAAAAAAAAAAAAAAAAAAAAAAAAAAAAAAAAAAAAAAAAAFAAAADwAAAAAAAAAAAAAAAAAAAkUAAAAAQAAABQAAAAUAAAAFAAAAAEAAAAAAAAAZAAAAGQAAAAAAAAAZAAAAGQAAAAVAAAAYAAAAAAAAAAAAAAADwAAACADAAAAAAAAAAAAAAEAAACgMgAAVgcAAKr4//8BAAAAf39/AAEAAABkAAAAAAAAABQAAABAHwAAAAAAACYAAAAAAAAAwOD//wAAAAAmAAAAZAAAABYAAABMAAAAAAAAAAAAAAAEAAAAAAAAAAEAAACAgIAKAAAAACgAAAAoAAAAZAAAAGQAAAAAAAAAzMzMAAAAAABQAAAAUAAAAGQAAABkAAAAAAAAABcAAAAUAAAAAAAAAAAAAAD/fwAA/38AAAAAAAAJAAAABAAAANw7IAEeAAAAaAAAAAAAAAAAAAAAAAAAAAAAAAAAAAAAECcAABAnAAAAAAAAAAAAAAAAAAAAAAAAAAAAAAAAAAAAAAAAAAAAABQAAAAAAAAAwMD/AAAAAABkAAAAMgAAAAAAAABkAAAAAAAAAH9/fwAKAAAAIgAAABgAAAAAAAAAAAAAAAAAAAAAAAAAAAAAAAAAAAAkAAAAJAAAAAAAAAAHAAAAAAAAAAAAAAAAAAAAAAAAAAAAAAAAAAAAf39/ACUAAABYAAAAAAAAAAAAAAAAAAAAAAAAAAAAAAAAAAAAAAAAAAAAAAAAAAAAAAAAAAAAAAA/AAAAAAAAAKCGAQAAAAAAAAAAAAAAAAAMAAAAAQAAAAAAAAAAAAAAAAAAAB8AAABUAAAAAAAABQAAAAEAAAAAAAAAAAAAAAAAAAAAAAAAAAAAAAAAAAAAAAAAAAAAAAJ/f38AAAAAA8zMzADAwP8Af39/AAAAAAAAAAAAAAAAAAAAAAAAAAAAIQAAABgAAAAUAAAA7QUAAOERAACtRQAAHBsAABAAAAAmAAAACAAAAIGAAAAAAAAA"/>
               </a:ext>
             </a:extLst>
           </p:cNvSpPr>
@@ -1113,7 +1120,7 @@
             <a:spLocks noGrp="1" noChangeArrowheads="1"/>
             <a:extLst>
               <a:ext uri="smNativeData">
-                <pr:smNativeData xmlns:pr="smNativeData" xmlns="smNativeData" val="SMDATA_15_lFoOZxMAAAAlAAAAZAAAAA8BAAAAkAAAAEgAAACQAAAASAAAAAAAAAABAAAAAAAAAAEAAABQAAAAAAAAAAAA4D8AAAAAAADgPwAAAAAAAOA/AAAAAAAA4D8AAAAAAADgPwAAAAAAAOA/AAAAAAAA4D8AAAAAAADgPwAAAAAAAOA/AAAAAAAA4D8CAAAAjAAAAAAAAAAAAAAAu+DjDP///wgAAAAAAAAAAAAAAAAAAAAAAAAAAAAAAAAAAAAAZAAAAAEAAABAAAAAAAAAAAAAAAAAAAAAAAAAAAAAAAAAAAAAAAAAAAAAAAAAAAAAAAAAAAAAAAAAAAAAAAAAAAAAAAAAAAAAAAAAAAAAAAAAAAAAAAAAAAAAAAAAAAAAFAAAADwAAAAAAAAAAAAAAAAAAAkUAAAAAQAAABQAAAAUAAAAFAAAAAEAAAAAAAAAZAAAAGQAAAAAAAAAZAAAAGQAAAAVAAAAYAAAAAAAAAAAAAAADwAAACADAAAAAAAAAAAAAAEAAACgMgAAVgcAAKr4//8BAAAAf39/AAEAAABkAAAAAAAAABQAAABAHwAAAAAAACYAAAAAAAAAwOD//wAAAAAmAAAAZAAAABYAAABMAAAAAAAAAAAAAAAEAAAAAAAAAAEAAACAgIAKAAAAACgAAAAoAAAAZAAAAGQAAAAAAAAAzMzMAAAAAABQAAAAUAAAAGQAAABkAAAAAAAAABcAAAAUAAAAAAAAAAAAAAD/fwAA/38AAAAAAAAJAAAABAAAAAAAAAAeAAAAaAAAAAAAAAAAAAAAAAAAAAAAAAAAAAAAECcAABAnAAAAAAAAAAAAAAAAAAAAAAAAAAAAAAAAAAAAAAAAAAAAABQAAAAAAAAAwMD/AAAAAABkAAAAMgAAAAAAAABkAAAAAAAAAH9/fwAKAAAAIgAAABgAAAAAAAAAAAAAAAAAAAAAAAAAAAAAAAAAAAAkAAAAJAAAAAAAAAAHAAAAAAAAAAAAAAAAAAAAAAAAAAAAAAAAAAAAf39/ACUAAABYAAAAAAAAAAAAAAAAAAAAAAAAAAAAAAAAAAAAAAAAAAAAAAAAAAAAAAAAAAAAAAA/AAAAAAAAAKCGAQAAAAAAAAAAAAAAAAAMAAAAAQAAAAAAAAAAAAAAAAAAAB8AAABUAAAAAAAABQAAAAEAAAAAAAAAAAAAAAAAAAAAAAAAAAAAAAAAAAAAAAAAAAAAAAJ/f38AAAAAA8zMzADAwP8Af39/AAAAAAAAAAAAAAAAAAAAAAAAAAAAIQAAABgAAAAUAAAAwAMAABsnAAA/FQAAWSkAABAAAAAmAAAACAAAAAAAAAAAAAAA"/>
+                <pr:smNativeData xmlns:pr="smNativeData" xmlns="smNativeData" val="SMDATA_15_ZjATZxMAAAAlAAAAZAAAAA8BAAAAkAAAAEgAAACQAAAASAAAAAAAAAABAAAAAAAAAAEAAABQAAAAAAAAAAAA4D8AAAAAAADgPwAAAAAAAOA/AAAAAAAA4D8AAAAAAADgPwAAAAAAAOA/AAAAAAAA4D8AAAAAAADgPwAAAAAAAOA/AAAAAAAA4D8CAAAAjAAAAAAAAAAAAAAAu+DjDP///wgAAAAAAAAAAAAAAAAAAAAAAAAAAAAAAAAAAAAAZAAAAAEAAABAAAAAAAAAAAAAAAAAAAAAAAAAAAAAAAAAAAAAAAAAAAAAAAAAAAAAAAAAAAAAAAAAAAAAAAAAAAAAAAAAAAAAAAAAAAAAAAAAAAAAAAAAAAAAAAAAAAAAFAAAADwAAAAAAAAAAAAAAAAAAAkUAAAAAQAAABQAAAAUAAAAFAAAAAEAAAAAAAAAZAAAAGQAAAAAAAAAZAAAAGQAAAAVAAAAYAAAAAAAAAAAAAAADwAAACADAAAAAAAAAAAAAAEAAACgMgAAVgcAAKr4//8BAAAAf39/AAEAAABkAAAAAAAAABQAAABAHwAAAAAAACYAAAAAAAAAwOD//wAAAAAmAAAAZAAAABYAAABMAAAAAAAAAAAAAAAEAAAAAAAAAAEAAACAgIAKAAAAACgAAAAoAAAAZAAAAGQAAAAAAAAAzMzMAAAAAABQAAAAUAAAAGQAAABkAAAAAAAAABcAAAAUAAAAAAAAAAAAAAD/fwAA/38AAAAAAAAJAAAABAAAAAAAAAAeAAAAaAAAAAAAAAAAAAAAAAAAAAAAAAAAAAAAECcAABAnAAAAAAAAAAAAAAAAAAAAAAAAAAAAAAAAAAAAAAAAAAAAABQAAAAAAAAAwMD/AAAAAABkAAAAMgAAAAAAAABkAAAAAAAAAH9/fwAKAAAAIgAAABgAAAAAAAAAAAAAAAAAAAAAAAAAAAAAAAAAAAAkAAAAJAAAAAAAAAAHAAAAAAAAAAAAAAAAAAAAAAAAAAAAAAAAAAAAf39/ACUAAABYAAAAAAAAAAAAAAAAAAAAAAAAAAAAAAAAAAAAAAAAAAAAAAAAAAAAAAAAAAAAAAA/AAAAAAAAAKCGAQAAAAAAAAAAAAAAAAAMAAAAAQAAAAAAAAAAAAAAAAAAAB8AAABUAAAAAAAABQAAAAEAAAAAAAAAAAAAAAAAAAAAAAAAAAAAAAAAAAAAAAAAAAAAAAJ/f38AAAAAA8zMzADAwP8Af39/AAAAAAAAAAAAAAAAAAAAAAAAAAAAIQAAABgAAAAUAAAAwAMAABsnAAA/FQAAWSkAABAAAAAmAAAACAAAAAAAAAAAAAAA"/>
               </a:ext>
             </a:extLst>
           </p:cNvSpPr>
@@ -1127,7 +1134,7 @@
           <a:lstStyle/>
           <a:p>
             <a:pPr/>
-            <a:fld id="{624D1E47-098F-18E8-C1F5-FFBD50BB37AA}" type="datetime1">
+            <a:fld id="{104CFADF-91FD-190C-B3F4-6759B4BA4532}" type="datetime1">
               <a:t/>
             </a:fld>
           </a:p>
@@ -1140,7 +1147,7 @@
             <a:spLocks noGrp="1" noChangeArrowheads="1"/>
             <a:extLst>
               <a:ext uri="smNativeData">
-                <pr:smNativeData xmlns:pr="smNativeData" xmlns="smNativeData" val="SMDATA_15_lFoOZxMAAAAlAAAAZAAAAA8BAAAAkAAAAEgAAACQAAAASAAAAAAAAAABAAAAAAAAAAEAAABQAAAAAAAAAAAA4D8AAAAAAADgPwAAAAAAAOA/AAAAAAAA4D8AAAAAAADgPwAAAAAAAOA/AAAAAAAA4D8AAAAAAADgPwAAAAAAAOA/AAAAAAAA4D8CAAAAjAAAAAAAAAAAAAAAu+DjDP///wgAAAAAAAAAAAAAAAAAAAAAAAAAAAAAAAAAAAAAZAAAAAEAAABAAAAAAAAAAAAAAAAAAAAAAAAAAAAAAAAAAAAAAAAAAAAAAAAAAAAAAAAAAAAAAAAAAAAAAAAAAAAAAAAAAAAAAAAAAAAAAAAAAAAAAAAAAAAAAAAAAAAAFAAAADwAAAAAAAAAAAAAAAAAAAkUAAAAAQAAABQAAAAUAAAAFAAAAAEAAAAAAAAAZAAAAGQAAAAAAAAAZAAAAGQAAAAVAAAAYAAAAAAAAAAAAAAADwAAACADAAAAAAAAAAAAAAEAAACgMgAAVgcAAKr4//8BAAAAf39/AAEAAABkAAAAAAAAABQAAABAHwAAAAAAACYAAAAAAAAAwOD//wAAAAAmAAAAZAAAABYAAABMAAAAAAAAAAAAAAAEAAAAAAAAAAEAAACAgIAKAAAAACgAAAAoAAAAZAAAAGQAAAAAAAAAzMzMAAAAAABQAAAAUAAAAGQAAABkAAAAAAAAABcAAAAUAAAAAAAAAAAAAAD/fwAA/38AAAAAAAAJAAAABAAAANw7IAEeAAAAaAAAAAAAAAAAAAAAAAAAAAAAAAAAAAAAECcAABAnAAAAAAAAAAAAAAAAAAAAAAAAAAAAAAAAAAAAAAAAAAAAABQAAAAAAAAAwMD/AAAAAABkAAAAMgAAAAAAAABkAAAAAAAAAH9/fwAKAAAAIgAAABgAAAAAAAAAAAAAAAAAAAAAAAAAAAAAAAAAAAAkAAAAJAAAAAAAAAAHAAAAAAAAAAAAAAAAAAAAAAAAAAAAAAAAAAAAf39/ACUAAABYAAAAAAAAAAAAAAAAAAAAAAAAAAAAAAAAAAAAAAAAAAAAAAAAAAAAAAAAAAAAAAA/AAAAAAAAAKCGAQAAAAAAAAAAAAAAAAAMAAAAAQAAAAAAAAAAAAAAAAAAAB8AAABUAAAAAAAABQAAAAEAAAAAAAAAAAAAAAAAAAAAAAAAAAAAAAAAAAAAAAAAAAAAAAJ/f38AAAAAA8zMzADAwP8Af39/AAAAAAAAAAAAAAAAAAAAAAAAAAAAIQAAABgAAAAUAAAAoRkAABsnAABfMQAAWSkAABAAAAAmAAAACAAAAAAAAAAAAAAA"/>
+                <pr:smNativeData xmlns:pr="smNativeData" xmlns="smNativeData" val="SMDATA_15_ZjATZxMAAAAlAAAAZAAAAA8BAAAAkAAAAEgAAACQAAAASAAAAAAAAAABAAAAAAAAAAEAAABQAAAAAAAAAAAA4D8AAAAAAADgPwAAAAAAAOA/AAAAAAAA4D8AAAAAAADgPwAAAAAAAOA/AAAAAAAA4D8AAAAAAADgPwAAAAAAAOA/AAAAAAAA4D8CAAAAjAAAAAAAAAAAAAAAu+DjDP///wgAAAAAAAAAAAAAAAAAAAAAAAAAAAAAAAAAAAAAZAAAAAEAAABAAAAAAAAAAAAAAAAAAAAAAAAAAAAAAAAAAAAAAAAAAAAAAAAAAAAAAAAAAAAAAAAAAAAAAAAAAAAAAAAAAAAAAAAAAAAAAAAAAAAAAAAAAAAAAAAAAAAAFAAAADwAAAAAAAAAAAAAAAAAAAkUAAAAAQAAABQAAAAUAAAAFAAAAAEAAAAAAAAAZAAAAGQAAAAAAAAAZAAAAGQAAAAVAAAAYAAAAAAAAAAAAAAADwAAACADAAAAAAAAAAAAAAEAAACgMgAAVgcAAKr4//8BAAAAf39/AAEAAABkAAAAAAAAABQAAABAHwAAAAAAACYAAAAAAAAAwOD//wAAAAAmAAAAZAAAABYAAABMAAAAAAAAAAAAAAAEAAAAAAAAAAEAAACAgIAKAAAAACgAAAAoAAAAZAAAAGQAAAAAAAAAzMzMAAAAAABQAAAAUAAAAGQAAABkAAAAAAAAABcAAAAUAAAAAAAAAAAAAAD/fwAA/38AAAAAAAAJAAAABAAAANw7IAEeAAAAaAAAAAAAAAAAAAAAAAAAAAAAAAAAAAAAECcAABAnAAAAAAAAAAAAAAAAAAAAAAAAAAAAAAAAAAAAAAAAAAAAABQAAAAAAAAAwMD/AAAAAABkAAAAMgAAAAAAAABkAAAAAAAAAH9/fwAKAAAAIgAAABgAAAAAAAAAAAAAAAAAAAAAAAAAAAAAAAAAAAAkAAAAJAAAAAAAAAAHAAAAAAAAAAAAAAAAAAAAAAAAAAAAAAAAAAAAf39/ACUAAABYAAAAAAAAAAAAAAAAAAAAAAAAAAAAAAAAAAAAAAAAAAAAAAAAAAAAAAAAAAAAAAA/AAAAAAAAAKCGAQAAAAAAAAAAAAAAAAAMAAAAAQAAAAAAAAAAAAAAAAAAAB8AAABUAAAAAAAABQAAAAEAAAAAAAAAAAAAAAAAAAAAAAAAAAAAAAAAAAAAAAAAAAAAAAJ/f38AAAAAA8zMzADAwP8Af39/AAAAAAAAAAAAAAAAAAAAAAAAAAAAIQAAABgAAAAUAAAAoRkAABsnAABfMQAAWSkAABAAAAAmAAAACAAAAAAAAAAAAAAA"/>
               </a:ext>
             </a:extLst>
           </p:cNvSpPr>
@@ -1164,7 +1171,7 @@
             <a:spLocks noGrp="1" noChangeArrowheads="1"/>
             <a:extLst>
               <a:ext uri="smNativeData">
-                <pr:smNativeData xmlns:pr="smNativeData" xmlns="smNativeData" val="SMDATA_15_lFoOZxMAAAAlAAAAZAAAAA8BAAAAkAAAAEgAAACQAAAASAAAAAAAAAABAAAAAAAAAAEAAABQAAAAAAAAAAAA4D8AAAAAAADgPwAAAAAAAOA/AAAAAAAA4D8AAAAAAADgPwAAAAAAAOA/AAAAAAAA4D8AAAAAAADgPwAAAAAAAOA/AAAAAAAA4D8CAAAAjAAAAAAAAAAAAAAAu+DjDP///wgAAAAAAAAAAAAAAAAAAAAAAAAAAAAAAAAAAAAAZAAAAAEAAABAAAAAAAAAAAAAAAAAAAAAAAAAAAAAAAAAAAAAAAAAAAAAAAAAAAAAAAAAAAAAAAAAAAAAAAAAAAAAAAAAAAAAAAAAAAAAAAAAAAAAAAAAAAAAAAAAAAAAFAAAADwAAAAAAAAAAAAAAAAAAAkUAAAAAQAAABQAAAAUAAAAFAAAAAEAAAAAAAAAZAAAAGQAAAAAAAAAZAAAAGQAAAAVAAAAYAAAAAAAAAAAAAAADwAAACADAAAAAAAAAAAAAAEAAACgMgAAVgcAAKr4//8BAAAAf39/AAEAAABkAAAAAAAAABQAAABAHwAAAAAAACYAAAAAAAAAwOD//wAAAAAmAAAAZAAAABYAAABMAAAAAAAAAAAAAAAEAAAAAAAAAAEAAACAgIAKAAAAACgAAAAoAAAAZAAAAGQAAAAAAAAAzMzMAAAAAABQAAAAUAAAAGQAAABkAAAAAAAAABcAAAAUAAAAAAAAAAAAAAD/fwAA/38AAAAAAAAJAAAABAAAANw7IAEeAAAAaAAAAAAAAAAAAAAAAAAAAAAAAAAAAAAAECcAABAnAAAAAAAAAAAAAAAAAAAAAAAAAAAAAAAAAAAAAAAAAAAAABQAAAAAAAAAwMD/AAAAAABkAAAAMgAAAAAAAABkAAAAAAAAAH9/fwAKAAAAIgAAABgAAAAAAAAAAAAAAAAAAAAAAAAAAAAAAAAAAAAkAAAAJAAAAAAAAAAHAAAAAAAAAAAAAAAAAAAAAAAAAAAAAAAAAAAAf39/ACUAAABYAAAAAAAAAAAAAAAAAAAAAAAAAAAAAAAAAAAAAAAAAAAAAAAAAAAAAAAAAAAAAAA/AAAAAAAAAKCGAQAAAAAAAAAAAAAAAAAMAAAAAQAAAAAAAAAAAAAAAAAAAB8AAABUAAAAAAAABQAAAAEAAAAAAAAAAAAAAAAAAAAAAAAAAAAAAAAAAAAAAAAAAAAAAAJ/f38AAAAAA8zMzADAwP8Af39/AAAAAAAAAAAAAAAAAAAAAAAAAAAAIQAAABgAAAAUAAAAwTUAABsnAABARwAAWSkAABAAAAAmAAAACAAAAAAAAAAAAAAA"/>
+                <pr:smNativeData xmlns:pr="smNativeData" xmlns="smNativeData" val="SMDATA_15_ZjATZxMAAAAlAAAAZAAAAA8BAAAAkAAAAEgAAACQAAAASAAAAAAAAAABAAAAAAAAAAEAAABQAAAAAAAAAAAA4D8AAAAAAADgPwAAAAAAAOA/AAAAAAAA4D8AAAAAAADgPwAAAAAAAOA/AAAAAAAA4D8AAAAAAADgPwAAAAAAAOA/AAAAAAAA4D8CAAAAjAAAAAAAAAAAAAAAu+DjDP///wgAAAAAAAAAAAAAAAAAAAAAAAAAAAAAAAAAAAAAZAAAAAEAAABAAAAAAAAAAAAAAAAAAAAAAAAAAAAAAAAAAAAAAAAAAAAAAAAAAAAAAAAAAAAAAAAAAAAAAAAAAAAAAAAAAAAAAAAAAAAAAAAAAAAAAAAAAAAAAAAAAAAAFAAAADwAAAAAAAAAAAAAAAAAAAkUAAAAAQAAABQAAAAUAAAAFAAAAAEAAAAAAAAAZAAAAGQAAAAAAAAAZAAAAGQAAAAVAAAAYAAAAAAAAAAAAAAADwAAACADAAAAAAAAAAAAAAEAAACgMgAAVgcAAKr4//8BAAAAf39/AAEAAABkAAAAAAAAABQAAABAHwAAAAAAACYAAAAAAAAAwOD//wAAAAAmAAAAZAAAABYAAABMAAAAAAAAAAAAAAAEAAAAAAAAAAEAAACAgIAKAAAAACgAAAAoAAAAZAAAAGQAAAAAAAAAzMzMAAAAAABQAAAAUAAAAGQAAABkAAAAAAAAABcAAAAUAAAAAAAAAAAAAAD/fwAA/38AAAAAAAAJAAAABAAAANw7IAEeAAAAaAAAAAAAAAAAAAAAAAAAAAAAAAAAAAAAECcAABAnAAAAAAAAAAAAAAAAAAAAAAAAAAAAAAAAAAAAAAAAAAAAABQAAAAAAAAAwMD/AAAAAABkAAAAMgAAAAAAAABkAAAAAAAAAH9/fwAKAAAAIgAAABgAAAAAAAAAAAAAAAAAAAAAAAAAAAAAAAAAAAAkAAAAJAAAAAAAAAAHAAAAAAAAAAAAAAAAAAAAAAAAAAAAAAAAAAAAf39/ACUAAABYAAAAAAAAAAAAAAAAAAAAAAAAAAAAAAAAAAAAAAAAAAAAAAAAAAAAAAAAAAAAAAA/AAAAAAAAAKCGAQAAAAAAAAAAAAAAAAAMAAAAAQAAAAAAAAAAAAAAAAAAAB8AAABUAAAAAAAABQAAAAEAAAAAAAAAAAAAAAAAAAAAAAAAAAAAAAAAAAAAAAAAAAAAAAJ/f38AAAAAA8zMzADAwP8Af39/AAAAAAAAAAAAAAAAAAAAAAAAAAAAIQAAABgAAAAUAAAAwTUAABsnAABARwAAWSkAABAAAAAmAAAACAAAAAAAAAAAAAAA"/>
               </a:ext>
             </a:extLst>
           </p:cNvSpPr>
@@ -1178,7 +1185,7 @@
           <a:lstStyle/>
           <a:p>
             <a:pPr/>
-            <a:fld id="{42A2A40E-40AF-F752-E11A-B607EA5417E3}" type="slidenum">
+            <a:fld id="{3D92960D-43D0-C760-9E2A-B535D86468E0}" type="slidenum">
               <a:t/>
             </a:fld>
           </a:p>
@@ -1217,7 +1224,7 @@
             <a:spLocks noGrp="1" noChangeArrowheads="1"/>
             <a:extLst>
               <a:ext uri="smNativeData">
-                <pr:smNativeData xmlns:pr="smNativeData" xmlns="smNativeData" val="SMDATA_15_lFoOZxMAAAAlAAAAZAAAAA8BAAAAkAAAAEgAAACQAAAASAAAAAAAAAABAAAAAAAAAAEAAABQAAAAAAAAAAAA4D8AAAAAAADgPwAAAAAAAOA/AAAAAAAA4D8AAAAAAADgPwAAAAAAAOA/AAAAAAAA4D8AAAAAAADgPwAAAAAAAOA/AAAAAAAA4D8CAAAAjAAAAAAAAAAAAAAAu+DjDP///wgAAAAAAAAAAAAAAAAAAAAAAAAAAAAAAAAAAAAAZAAAAAEAAABAAAAAAAAAAAAAAAAAAAAAAAAAAAAAAAAAAAAAAAAAAAAAAAAAAAAAAAAAAAAAAAAAAAAAAAAAAAAAAAAAAAAAAAAAAAAAAAAAAAAAAAAAAAAAAAAAAAAAFAAAADwAAAAAAAAAAAAAAAAAAAkUAAAAAQAAABQAAAAUAAAAFAAAAAEAAAAAAAAAZAAAAGQAAAAAAAAAZAAAAGQAAAAVAAAAYAAAAAAAAAAAAAAADwAAACADAAAAAAAAAAAAAAEAAACgMgAAVgcAAKr4//8BAAAAf39/AAEAAABkAAAAAAAAABQAAABAHwAAAAAAACYAAAAAAAAAwOD//wAAAAAmAAAAZAAAABYAAABMAAAAAAAAAAAAAAAEAAAAAAAAAAEAAACAgIAKAAAAACgAAAAoAAAAZAAAAGQAAAAAAAAAzMzMAAAAAABQAAAAUAAAAGQAAABkAAAAAAAAABcAAAAUAAAAAAAAAAAAAAD/fwAA/38AAAAAAAAJAAAABAAAANw7IAEeAAAAaAAAAAAAAAAAAAAAAAAAAAAAAAAAAAAAECcAABAnAAAAAAAAAAAAAAAAAAAAAAAAAAAAAAAAAAAAAAAAAAAAABQAAAAAAAAAwMD/AAAAAABkAAAAMgAAAAAAAABkAAAAAAAAAH9/fwAKAAAAIgAAABgAAAAAAAAAAAAAAAAAAAAAAAAAAAAAAAAAAAAkAAAAJAAAAAAAAAAHAAAAAAAAAAAAAAAAAAAAAAAAAAAAAAAAAAAAf39/ACUAAABYAAAAAAAAAAAAAAAAAAAAAAAAAAAAAAAAAAAAAAAAAAAAAAAAAAAAAAAAAAAAAAA/AAAAAAAAAKCGAQAAAAAAAAAAAAAAAAAMAAAAAQAAAAAAAAAAAAAAAAAAAB8AAABUAAAAAAAABQAAAAEAAAAAAAAAAAAAAAAAAAAAAAAAAAAAAAAAAAAAAAAAAAAAAAJ/f38AAAAAA8zMzADAwP8Af39/AAAAAAAAAAAAAAAAAAAAAAAAAAAAIQAAABgAAAAUAAAAwAMAALABAABARwAAuAgAABAAAAAmAAAACAAAAAAAAAAAAAAA"/>
+                <pr:smNativeData xmlns:pr="smNativeData" xmlns="smNativeData" val="SMDATA_15_ZjATZxMAAAAlAAAAZAAAAA8BAAAAkAAAAEgAAACQAAAASAAAAAAAAAABAAAAAAAAAAEAAABQAAAAAAAAAAAA4D8AAAAAAADgPwAAAAAAAOA/AAAAAAAA4D8AAAAAAADgPwAAAAAAAOA/AAAAAAAA4D8AAAAAAADgPwAAAAAAAOA/AAAAAAAA4D8CAAAAjAAAAAAAAAAAAAAAu+DjDP///wgAAAAAAAAAAAAAAAAAAAAAAAAAAAAAAAAAAAAAZAAAAAEAAABAAAAAAAAAAAAAAAAAAAAAAAAAAAAAAAAAAAAAAAAAAAAAAAAAAAAAAAAAAAAAAAAAAAAAAAAAAAAAAAAAAAAAAAAAAAAAAAAAAAAAAAAAAAAAAAAAAAAAFAAAADwAAAAAAAAAAAAAAAAAAAkUAAAAAQAAABQAAAAUAAAAFAAAAAEAAAAAAAAAZAAAAGQAAAAAAAAAZAAAAGQAAAAVAAAAYAAAAAAAAAAAAAAADwAAACADAAAAAAAAAAAAAAEAAACgMgAAVgcAAKr4//8BAAAAf39/AAEAAABkAAAAAAAAABQAAABAHwAAAAAAACYAAAAAAAAAwOD//wAAAAAmAAAAZAAAABYAAABMAAAAAAAAAAAAAAAEAAAAAAAAAAEAAACAgIAKAAAAACgAAAAoAAAAZAAAAGQAAAAAAAAAzMzMAAAAAABQAAAAUAAAAGQAAABkAAAAAAAAABcAAAAUAAAAAAAAAAAAAAD/fwAA/38AAAAAAAAJAAAABAAAANw7IAEeAAAAaAAAAAAAAAAAAAAAAAAAAAAAAAAAAAAAECcAABAnAAAAAAAAAAAAAAAAAAAAAAAAAAAAAAAAAAAAAAAAAAAAABQAAAAAAAAAwMD/AAAAAABkAAAAMgAAAAAAAABkAAAAAAAAAH9/fwAKAAAAIgAAABgAAAAAAAAAAAAAAAAAAAAAAAAAAAAAAAAAAAAkAAAAJAAAAAAAAAAHAAAAAAAAAAAAAAAAAAAAAAAAAAAAAAAAAAAAf39/ACUAAABYAAAAAAAAAAAAAAAAAAAAAAAAAAAAAAAAAAAAAAAAAAAAAAAAAAAAAAAAAAAAAAA/AAAAAAAAAKCGAQAAAAAAAAAAAAAAAAAMAAAAAQAAAAAAAAAAAAAAAAAAAB8AAABUAAAAAAAABQAAAAEAAAAAAAAAAAAAAAAAAAAAAAAAAAAAAAAAAAAAAAAAAAAAAAJ/f38AAAAAA8zMzADAwP8Af39/AAAAAAAAAAAAAAAAAAAAAAAAAAAAIQAAABgAAAAUAAAAwAMAALABAABARwAAuAgAABAAAAAmAAAACAAAAAAAAAAAAAAA"/>
               </a:ext>
             </a:extLst>
           </p:cNvSpPr>
@@ -1244,7 +1251,7 @@
             <a:spLocks noGrp="1" noChangeArrowheads="1"/>
             <a:extLst>
               <a:ext uri="smNativeData">
-                <pr:smNativeData xmlns:pr="smNativeData" xmlns="smNativeData" val="SMDATA_15_lFoOZxMAAAAlAAAAZAAAAA8BAAAAkAAAAEgAAACQAAAASAAAAAAAAAAAAAAAAAAAAAEAAABQAAAAAAAAAAAA4D8AAAAAAADgPwAAAAAAAOA/AAAAAAAA4D8AAAAAAADgPwAAAAAAAOA/AAAAAAAA4D8AAAAAAADgPwAAAAAAAOA/AAAAAAAA4D8CAAAAjAAAAAAAAAAAAAAAu+DjDP///wgAAAAAAAAAAAAAAAAAAAAAAAAAAAAAAAAAAAAAZAAAAAEAAABAAAAAAAAAAAAAAAAAAAAAAAAAAAAAAAAAAAAAAAAAAAAAAAAAAAAAAAAAAAAAAAAAAAAAAAAAAAAAAAAAAAAAAAAAAAAAAAAAAAAAAAAAAAAAAAAAAAAAFAAAADwAAAAAAAAAAAAAAAAAAAkUAAAAAQAAABQAAAAUAAAAFAAAAAEAAAAAAAAAZAAAAGQAAAAAAAAAZAAAAGQAAAAVAAAAYAAAAAAAAAAAAAAADwAAACADAAAAAAAAAAAAAAEAAACgMgAAVgcAAKr4//8BAAAAf39/AAEAAABkAAAAAAAAABQAAABAHwAAAAAAACYAAAAAAAAAwOD//wAAAAAmAAAAZAAAABYAAABMAAAAAAAAAAAAAAAEAAAAAAAAAAEAAACAgIAKAAAAACgAAAAoAAAAZAAAAGQAAAAAAAAAzMzMAAAAAABQAAAAUAAAAGQAAABkAAAAAAAAABcAAAAUAAAAAAAAAAAAAAD/fwAA/38AAAAAAAAJAAAABAAAANw7IAEeAAAAaAAAAAAAAAAAAAAAAAAAAAAAAAAAAAAAECcAABAnAAAAAAAAAAAAAAAAAAAAAAAAAAAAAAAAAAAAAAAAAAAAABQAAAAAAAAAwMD/AAAAAABkAAAAMgAAAAAAAABkAAAAAAAAAH9/fwAKAAAAIgAAABgAAAAAAAAAAAAAAAAAAAAAAAAAAAAAAAAAAAAkAAAAJAAAAAAAAAAHAAAAAAAAAAAAAAAAAAAAAAAAAAAAAAAAAAAAf39/ACUAAABYAAAAAAAAAAAAAAAAAAAAAAAAAAAAAAAAAAAAAAAAAAAAAAAAAAAAAAAAAAAAAAA/AAAAAAAAAKCGAQAAAAAAAAAAAAAAAAAMAAAAAQAAAAAAAAAAAAAAAAAAAB8AAABUAAAAAAAABQAAAAEAAAAAAAAAAAAAAAAAAAAAAAAAAAAAAAAAAAAAAAAAAAAAAAJ/f38AAAAAA8zMzADAwP8Af39/AAAAAAAAAAAAAAAAAAAAAAAAAAAAIQAAABgAAAAUAAAAwAMAANgJAADhJAAAsCUAABAAAAAmAAAACAAAAAGAAAAAAAAA"/>
+                <pr:smNativeData xmlns:pr="smNativeData" xmlns="smNativeData" val="SMDATA_15_ZjATZxMAAAAlAAAAZAAAAA8BAAAAkAAAAEgAAACQAAAASAAAAAAAAAAAAAAAAAAAAAEAAABQAAAAAAAAAAAA4D8AAAAAAADgPwAAAAAAAOA/AAAAAAAA4D8AAAAAAADgPwAAAAAAAOA/AAAAAAAA4D8AAAAAAADgPwAAAAAAAOA/AAAAAAAA4D8CAAAAjAAAAAAAAAAAAAAAu+DjDP///wgAAAAAAAAAAAAAAAAAAAAAAAAAAAAAAAAAAAAAZAAAAAEAAABAAAAAAAAAAAAAAAAAAAAAAAAAAAAAAAAAAAAAAAAAAAAAAAAAAAAAAAAAAAAAAAAAAAAAAAAAAAAAAAAAAAAAAAAAAAAAAAAAAAAAAAAAAAAAAAAAAAAAFAAAADwAAAAAAAAAAAAAAAAAAAkUAAAAAQAAABQAAAAUAAAAFAAAAAEAAAAAAAAAZAAAAGQAAAAAAAAAZAAAAGQAAAAVAAAAYAAAAAAAAAAAAAAADwAAACADAAAAAAAAAAAAAAEAAACgMgAAVgcAAKr4//8BAAAAf39/AAEAAABkAAAAAAAAABQAAABAHwAAAAAAACYAAAAAAAAAwOD//wAAAAAmAAAAZAAAABYAAABMAAAAAAAAAAAAAAAEAAAAAAAAAAEAAACAgIAKAAAAACgAAAAoAAAAZAAAAGQAAAAAAAAAzMzMAAAAAABQAAAAUAAAAGQAAABkAAAAAAAAABcAAAAUAAAAAAAAAAAAAAD/fwAA/38AAAAAAAAJAAAABAAAANw7IAEeAAAAaAAAAAAAAAAAAAAAAAAAAAAAAAAAAAAAECcAABAnAAAAAAAAAAAAAAAAAAAAAAAAAAAAAAAAAAAAAAAAAAAAABQAAAAAAAAAwMD/AAAAAABkAAAAMgAAAAAAAABkAAAAAAAAAH9/fwAKAAAAIgAAABgAAAAAAAAAAAAAAAAAAAAAAAAAAAAAAAAAAAAkAAAAJAAAAAAAAAAHAAAAAAAAAAAAAAAAAAAAAAAAAAAAAAAAAAAAf39/ACUAAABYAAAAAAAAAAAAAAAAAAAAAAAAAAAAAAAAAAAAAAAAAAAAAAAAAAAAAAAAAAAAAAA/AAAAAAAAAKCGAQAAAAAAAAAAAAAAAAAMAAAAAQAAAAAAAAAAAAAAAAAAAB8AAABUAAAAAAAABQAAAAEAAAAAAAAAAAAAAAAAAAAAAAAAAAAAAAAAAAAAAAAAAAAAAAJ/f38AAAAAA8zMzADAwP8Af39/AAAAAAAAAAAAAAAAAAAAAAAAAAAAIQAAABgAAAAUAAAAwAMAANgJAADhJAAAsCUAABAAAAAmAAAACAAAAAGAAAAAAAAA"/>
               </a:ext>
             </a:extLst>
           </p:cNvSpPr>
@@ -1328,7 +1335,7 @@
             <a:spLocks noGrp="1" noChangeArrowheads="1"/>
             <a:extLst>
               <a:ext uri="smNativeData">
-                <pr:smNativeData xmlns:pr="smNativeData" xmlns="smNativeData" val="SMDATA_15_lFoOZxMAAAAlAAAAZAAAAA8BAAAAkAAAAEgAAACQAAAASAAAAAAAAAAAAAAAAAAAAAEAAABQAAAAAAAAAAAA4D8AAAAAAADgPwAAAAAAAOA/AAAAAAAA4D8AAAAAAADgPwAAAAAAAOA/AAAAAAAA4D8AAAAAAADgPwAAAAAAAOA/AAAAAAAA4D8CAAAAjAAAAAAAAAAAAAAAu+DjDP///wgAAAAAAAAAAAAAAAAAAAAAAAAAAAAAAAAAAAAAZAAAAAEAAABAAAAAAAAAAAAAAAAAAAAAAAAAAAAAAAAAAAAAAAAAAAAAAAAAAAAAAAAAAAAAAAAAAAAAAAAAAAAAAAAAAAAAAAAAAAAAAAAAAAAAAAAAAAAAAAAAAAAAFAAAADwAAAAAAAAAAAAAAAAAAAkUAAAAAQAAABQAAAAUAAAAFAAAAAEAAAAAAAAAZAAAAGQAAAAAAAAAZAAAAGQAAAAVAAAAYAAAAAAAAAAAAAAADwAAACADAAAAAAAAAAAAAAEAAACgMgAAVgcAAKr4//8BAAAAf39/AAEAAABkAAAAAAAAABQAAABAHwAAAAAAACYAAAAAAAAAwOD//wAAAAAmAAAAZAAAABYAAABMAAAAAAAAAAAAAAAEAAAAAAAAAAEAAACAgIAKAAAAACgAAAAoAAAAZAAAAGQAAAAAAAAAzMzMAAAAAABQAAAAUAAAAGQAAABkAAAAAAAAABcAAAAUAAAAAAAAAAAAAAD/fwAA/38AAAAAAAAJAAAABAAAANw7IAEeAAAAaAAAAAAAAAAAAAAAAAAAAAAAAAAAAAAAECcAABAnAAAAAAAAAAAAAAAAAAAAAAAAAAAAAAAAAAAAAAAAAAAAABQAAAAAAAAAwMD/AAAAAABkAAAAMgAAAAAAAABkAAAAAAAAAH9/fwAKAAAAIgAAABgAAAAAAAAAAAAAAAAAAAAAAAAAAAAAAAAAAAAkAAAAJAAAAAAAAAAHAAAAAAAAAAAAAAAAAAAAAAAAAAAAAAAAAAAAf39/ACUAAABYAAAAAAAAAAAAAAAAAAAAAAAAAAAAAAAAAAAAAAAAAAAAAAAAAAAAAAAAAAAAAAA/AAAAAAAAAKCGAQAAAAAAAAAAAAAAAAAMAAAAAQAAAAAAAAAAAAAAAAAAAB8AAABUAAAAAAAABQAAAAEAAAAAAAAAAAAAAAAAAAAAAAAAAAAAAAAAAAAAAAAAAAAAAAJ/f38AAAAAA8zMzADAwP8Af39/AAAAAAAAAAAAAAAAAAAAAAAAAAAAIQAAABgAAAAUAAAAHyYAANgJAABARwAAsCUAABAAAAAmAAAACAAAAAGAAAAAAAAA"/>
+                <pr:smNativeData xmlns:pr="smNativeData" xmlns="smNativeData" val="SMDATA_15_ZjATZxMAAAAlAAAAZAAAAA8BAAAAkAAAAEgAAACQAAAASAAAAAAAAAAAAAAAAAAAAAEAAABQAAAAAAAAAAAA4D8AAAAAAADgPwAAAAAAAOA/AAAAAAAA4D8AAAAAAADgPwAAAAAAAOA/AAAAAAAA4D8AAAAAAADgPwAAAAAAAOA/AAAAAAAA4D8CAAAAjAAAAAAAAAAAAAAAu+DjDP///wgAAAAAAAAAAAAAAAAAAAAAAAAAAAAAAAAAAAAAZAAAAAEAAABAAAAAAAAAAAAAAAAAAAAAAAAAAAAAAAAAAAAAAAAAAAAAAAAAAAAAAAAAAAAAAAAAAAAAAAAAAAAAAAAAAAAAAAAAAAAAAAAAAAAAAAAAAAAAAAAAAAAAFAAAADwAAAAAAAAAAAAAAAAAAAkUAAAAAQAAABQAAAAUAAAAFAAAAAEAAAAAAAAAZAAAAGQAAAAAAAAAZAAAAGQAAAAVAAAAYAAAAAAAAAAAAAAADwAAACADAAAAAAAAAAAAAAEAAACgMgAAVgcAAKr4//8BAAAAf39/AAEAAABkAAAAAAAAABQAAABAHwAAAAAAACYAAAAAAAAAwOD//wAAAAAmAAAAZAAAABYAAABMAAAAAAAAAAAAAAAEAAAAAAAAAAEAAACAgIAKAAAAACgAAAAoAAAAZAAAAGQAAAAAAAAAzMzMAAAAAABQAAAAUAAAAGQAAABkAAAAAAAAABcAAAAUAAAAAAAAAAAAAAD/fwAA/38AAAAAAAAJAAAABAAAANw7IAEeAAAAaAAAAAAAAAAAAAAAAAAAAAAAAAAAAAAAECcAABAnAAAAAAAAAAAAAAAAAAAAAAAAAAAAAAAAAAAAAAAAAAAAABQAAAAAAAAAwMD/AAAAAABkAAAAMgAAAAAAAABkAAAAAAAAAH9/fwAKAAAAIgAAABgAAAAAAAAAAAAAAAAAAAAAAAAAAAAAAAAAAAAkAAAAJAAAAAAAAAAHAAAAAAAAAAAAAAAAAAAAAAAAAAAAAAAAAAAAf39/ACUAAABYAAAAAAAAAAAAAAAAAAAAAAAAAAAAAAAAAAAAAAAAAAAAAAAAAAAAAAAAAAAAAAA/AAAAAAAAAKCGAQAAAAAAAAAAAAAAAAAMAAAAAQAAAAAAAAAAAAAAAAAAAB8AAABUAAAAAAAABQAAAAEAAAAAAAAAAAAAAAAAAAAAAAAAAAAAAAAAAAAAAAAAAAAAAAJ/f38AAAAAA8zMzADAwP8Af39/AAAAAAAAAAAAAAAAAAAAAAAAAAAAIQAAABgAAAAUAAAAHyYAANgJAABARwAAsCUAABAAAAAmAAAACAAAAAGAAAAAAAAA"/>
               </a:ext>
             </a:extLst>
           </p:cNvSpPr>
@@ -1412,7 +1419,7 @@
             <a:spLocks noGrp="1" noChangeArrowheads="1"/>
             <a:extLst>
               <a:ext uri="smNativeData">
-                <pr:smNativeData xmlns:pr="smNativeData" xmlns="smNativeData" val="SMDATA_15_lFoOZxMAAAAlAAAAZAAAAA8BAAAAkAAAAEgAAACQAAAASAAAAAAAAAABAAAAAAAAAAEAAABQAAAAAAAAAAAA4D8AAAAAAADgPwAAAAAAAOA/AAAAAAAA4D8AAAAAAADgPwAAAAAAAOA/AAAAAAAA4D8AAAAAAADgPwAAAAAAAOA/AAAAAAAA4D8CAAAAjAAAAAAAAAAAAAAAu+DjDP///wgAAAAAAAAAAAAAAAAAAAAAAAAAAAAAAAAAAAAAZAAAAAEAAABAAAAAAAAAAAAAAAAAAAAAAAAAAAAAAAAAAAAAAAAAAAAAAAAAAAAAAAAAAAAAAAAAAAAAAAAAAAAAAAAAAAAAAAAAAAAAAAAAAAAAAAAAAAAAAAAAAAAAFAAAADwAAAAAAAAAAAAAAAAAAAkUAAAAAQAAABQAAAAUAAAAFAAAAAEAAAAAAAAAZAAAAGQAAAAAAAAAZAAAAGQAAAAVAAAAYAAAAAAAAAAAAAAADwAAACADAAAAAAAAAAAAAAEAAACgMgAAVgcAAKr4//8BAAAAf39/AAEAAABkAAAAAAAAABQAAABAHwAAAAAAACYAAAAAAAAAwOD//wAAAAAmAAAAZAAAABYAAABMAAAAAAAAAAAAAAAEAAAAAAAAAAEAAACAgIAKAAAAACgAAAAoAAAAZAAAAGQAAAAAAAAAzMzMAAAAAABQAAAAUAAAAGQAAABkAAAAAAAAABcAAAAUAAAAAAAAAAAAAAD/fwAA/38AAAAAAAAJAAAABAAAANw7IAEeAAAAaAAAAAAAAAAAAAAAAAAAAAAAAAAAAAAAECcAABAnAAAAAAAAAAAAAAAAAAAAAAAAAAAAAAAAAAAAAAAAAAAAABQAAAAAAAAAwMD/AAAAAABkAAAAMgAAAAAAAABkAAAAAAAAAH9/fwAKAAAAIgAAABgAAAAAAAAAAAAAAAAAAAAAAAAAAAAAAAAAAAAkAAAAJAAAAAAAAAAHAAAAAAAAAAAAAAAAAAAAAAAAAAAAAAAAAAAAf39/ACUAAABYAAAAAAAAAAAAAAAAAAAAAAAAAAAAAAAAAAAAAAAAAAAAAAAAAAAAAAAAAAAAAAA/AAAAAAAAAKCGAQAAAAAAAAAAAAAAAAAMAAAAAQAAAAAAAAAAAAAAAAAAAB8AAABUAAAAAAAABQAAAAEAAAAAAAAAAAAAAAAAAAAAAAAAAAAAAAAAAAAAAAAAAAAAAAJ/f38AAAAAA8zMzADAwP8Af39/AAAAAAAAAAAAAAAAAAAAAAAAAAAAIQAAABgAAAAUAAAAwAMAABsnAAA/FQAAWSkAABAAAAAmAAAACAAAAAAAAAAAAAAA"/>
+                <pr:smNativeData xmlns:pr="smNativeData" xmlns="smNativeData" val="SMDATA_15_ZjATZxMAAAAlAAAAZAAAAA8BAAAAkAAAAEgAAACQAAAASAAAAAAAAAABAAAAAAAAAAEAAABQAAAAAAAAAAAA4D8AAAAAAADgPwAAAAAAAOA/AAAAAAAA4D8AAAAAAADgPwAAAAAAAOA/AAAAAAAA4D8AAAAAAADgPwAAAAAAAOA/AAAAAAAA4D8CAAAAjAAAAAAAAAAAAAAAu+DjDP///wgAAAAAAAAAAAAAAAAAAAAAAAAAAAAAAAAAAAAAZAAAAAEAAABAAAAAAAAAAAAAAAAAAAAAAAAAAAAAAAAAAAAAAAAAAAAAAAAAAAAAAAAAAAAAAAAAAAAAAAAAAAAAAAAAAAAAAAAAAAAAAAAAAAAAAAAAAAAAAAAAAAAAFAAAADwAAAAAAAAAAAAAAAAAAAkUAAAAAQAAABQAAAAUAAAAFAAAAAEAAAAAAAAAZAAAAGQAAAAAAAAAZAAAAGQAAAAVAAAAYAAAAAAAAAAAAAAADwAAACADAAAAAAAAAAAAAAEAAACgMgAAVgcAAKr4//8BAAAAf39/AAEAAABkAAAAAAAAABQAAABAHwAAAAAAACYAAAAAAAAAwOD//wAAAAAmAAAAZAAAABYAAABMAAAAAAAAAAAAAAAEAAAAAAAAAAEAAACAgIAKAAAAACgAAAAoAAAAZAAAAGQAAAAAAAAAzMzMAAAAAABQAAAAUAAAAGQAAABkAAAAAAAAABcAAAAUAAAAAAAAAAAAAAD/fwAA/38AAAAAAAAJAAAABAAAANw7IAEeAAAAaAAAAAAAAAAAAAAAAAAAAAAAAAAAAAAAECcAABAnAAAAAAAAAAAAAAAAAAAAAAAAAAAAAAAAAAAAAAAAAAAAABQAAAAAAAAAwMD/AAAAAABkAAAAMgAAAAAAAABkAAAAAAAAAH9/fwAKAAAAIgAAABgAAAAAAAAAAAAAAAAAAAAAAAAAAAAAAAAAAAAkAAAAJAAAAAAAAAAHAAAAAAAAAAAAAAAAAAAAAAAAAAAAAAAAAAAAf39/ACUAAABYAAAAAAAAAAAAAAAAAAAAAAAAAAAAAAAAAAAAAAAAAAAAAAAAAAAAAAAAAAAAAAA/AAAAAAAAAKCGAQAAAAAAAAAAAAAAAAAMAAAAAQAAAAAAAAAAAAAAAAAAAB8AAABUAAAAAAAABQAAAAEAAAAAAAAAAAAAAAAAAAAAAAAAAAAAAAAAAAAAAAAAAAAAAAJ/f38AAAAAA8zMzADAwP8Af39/AAAAAAAAAAAAAAAAAAAAAAAAAAAAIQAAABgAAAAUAAAAwAMAABsnAAA/FQAAWSkAABAAAAAmAAAACAAAAAAAAAAAAAAA"/>
               </a:ext>
             </a:extLst>
           </p:cNvSpPr>
@@ -1426,7 +1433,7 @@
           <a:lstStyle/>
           <a:p>
             <a:pPr/>
-            <a:fld id="{7573B7DB-9598-2641-D6CB-6314F9852036}" type="datetime1">
+            <a:fld id="{6AC7090D-4387-92FF-C97F-B5AA47313FE0}" type="datetime1">
               <a:t/>
             </a:fld>
           </a:p>
@@ -1439,7 +1446,7 @@
             <a:spLocks noGrp="1" noChangeArrowheads="1"/>
             <a:extLst>
               <a:ext uri="smNativeData">
-                <pr:smNativeData xmlns:pr="smNativeData" xmlns="smNativeData" val="SMDATA_15_lFoOZxMAAAAlAAAAZAAAAA8BAAAAkAAAAEgAAACQAAAASAAAAAAAAAABAAAAAAAAAAEAAABQAAAAAAAAAAAA4D8AAAAAAADgPwAAAAAAAOA/AAAAAAAA4D8AAAAAAADgPwAAAAAAAOA/AAAAAAAA4D8AAAAAAADgPwAAAAAAAOA/AAAAAAAA4D8CAAAAjAAAAAAAAAAAAAAAu+DjDP///wgAAAAAAAAAAAAAAAAAAAAAAAAAAAAAAAAAAAAAZAAAAAEAAABAAAAAAAAAAAAAAAAAAAAAAAAAAAAAAAAAAAAAAAAAAAAAAAAAAAAAAAAAAAAAAAAAAAAAAAAAAAAAAAAAAAAAAAAAAAAAAAAAAAAAAAAAAAAAAAAAAAAAFAAAADwAAAAAAAAAAAAAAAAAAAkUAAAAAQAAABQAAAAUAAAAFAAAAAEAAAAAAAAAZAAAAGQAAAAAAAAAZAAAAGQAAAAVAAAAYAAAAAAAAAAAAAAADwAAACADAAAAAAAAAAAAAAEAAACgMgAAVgcAAKr4//8BAAAAf39/AAEAAABkAAAAAAAAABQAAABAHwAAAAAAACYAAAAAAAAAwOD//wAAAAAmAAAAZAAAABYAAABMAAAAAAAAAAAAAAAEAAAAAAAAAAEAAACAgIAKAAAAACgAAAAoAAAAZAAAAGQAAAAAAAAAzMzMAAAAAABQAAAAUAAAAGQAAABkAAAAAAAAABcAAAAUAAAAAAAAAAAAAAD/fwAA/38AAAAAAAAJAAAABAAAANw7IAEeAAAAaAAAAAAAAAAAAAAAAAAAAAAAAAAAAAAAECcAABAnAAAAAAAAAAAAAAAAAAAAAAAAAAAAAAAAAAAAAAAAAAAAABQAAAAAAAAAwMD/AAAAAABkAAAAMgAAAAAAAABkAAAAAAAAAH9/fwAKAAAAIgAAABgAAAAAAAAAAAAAAAAAAAAAAAAAAAAAAAAAAAAkAAAAJAAAAAAAAAAHAAAAAAAAAAAAAAAAAAAAAAAAAAAAAAAAAAAAf39/ACUAAABYAAAAAAAAAAAAAAAAAAAAAAAAAAAAAAAAAAAAAAAAAAAAAAAAAAAAAAAAAAAAAAA/AAAAAAAAAKCGAQAAAAAAAAAAAAAAAAAMAAAAAQAAAAAAAAAAAAAAAAAAAB8AAABUAAAAAAAABQAAAAEAAAAAAAAAAAAAAAAAAAAAAAAAAAAAAAAAAAAAAAAAAAAAAAJ/f38AAAAAA8zMzADAwP8Af39/AAAAAAAAAAAAAAAAAAAAAAAAAAAAIQAAABgAAAAUAAAAoRkAABsnAABfMQAAWSkAABAAAAAmAAAACAAAAAAAAAAAAAAA"/>
+                <pr:smNativeData xmlns:pr="smNativeData" xmlns="smNativeData" val="SMDATA_15_ZjATZxMAAAAlAAAAZAAAAA8BAAAAkAAAAEgAAACQAAAASAAAAAAAAAABAAAAAAAAAAEAAABQAAAAAAAAAAAA4D8AAAAAAADgPwAAAAAAAOA/AAAAAAAA4D8AAAAAAADgPwAAAAAAAOA/AAAAAAAA4D8AAAAAAADgPwAAAAAAAOA/AAAAAAAA4D8CAAAAjAAAAAAAAAAAAAAAu+DjDP///wgAAAAAAAAAAAAAAAAAAAAAAAAAAAAAAAAAAAAAZAAAAAEAAABAAAAAAAAAAAAAAAAAAAAAAAAAAAAAAAAAAAAAAAAAAAAAAAAAAAAAAAAAAAAAAAAAAAAAAAAAAAAAAAAAAAAAAAAAAAAAAAAAAAAAAAAAAAAAAAAAAAAAFAAAADwAAAAAAAAAAAAAAAAAAAkUAAAAAQAAABQAAAAUAAAAFAAAAAEAAAAAAAAAZAAAAGQAAAAAAAAAZAAAAGQAAAAVAAAAYAAAAAAAAAAAAAAADwAAACADAAAAAAAAAAAAAAEAAACgMgAAVgcAAKr4//8BAAAAf39/AAEAAABkAAAAAAAAABQAAABAHwAAAAAAACYAAAAAAAAAwOD//wAAAAAmAAAAZAAAABYAAABMAAAAAAAAAAAAAAAEAAAAAAAAAAEAAACAgIAKAAAAACgAAAAoAAAAZAAAAGQAAAAAAAAAzMzMAAAAAABQAAAAUAAAAGQAAABkAAAAAAAAABcAAAAUAAAAAAAAAAAAAAD/fwAA/38AAAAAAAAJAAAABAAAANw7IAEeAAAAaAAAAAAAAAAAAAAAAAAAAAAAAAAAAAAAECcAABAnAAAAAAAAAAAAAAAAAAAAAAAAAAAAAAAAAAAAAAAAAAAAABQAAAAAAAAAwMD/AAAAAABkAAAAMgAAAAAAAABkAAAAAAAAAH9/fwAKAAAAIgAAABgAAAAAAAAAAAAAAAAAAAAAAAAAAAAAAAAAAAAkAAAAJAAAAAAAAAAHAAAAAAAAAAAAAAAAAAAAAAAAAAAAAAAAAAAAf39/ACUAAABYAAAAAAAAAAAAAAAAAAAAAAAAAAAAAAAAAAAAAAAAAAAAAAAAAAAAAAAAAAAAAAA/AAAAAAAAAKCGAQAAAAAAAAAAAAAAAAAMAAAAAQAAAAAAAAAAAAAAAAAAAB8AAABUAAAAAAAABQAAAAEAAAAAAAAAAAAAAAAAAAAAAAAAAAAAAAAAAAAAAAAAAAAAAAJ/f38AAAAAA8zMzADAwP8Af39/AAAAAAAAAAAAAAAAAAAAAAAAAAAAIQAAABgAAAAUAAAAoRkAABsnAABfMQAAWSkAABAAAAAmAAAACAAAAAAAAAAAAAAA"/>
               </a:ext>
             </a:extLst>
           </p:cNvSpPr>
@@ -1463,7 +1470,7 @@
             <a:spLocks noGrp="1" noChangeArrowheads="1"/>
             <a:extLst>
               <a:ext uri="smNativeData">
-                <pr:smNativeData xmlns:pr="smNativeData" xmlns="smNativeData" val="SMDATA_15_lFoOZxMAAAAlAAAAZAAAAA8BAAAAkAAAAEgAAACQAAAASAAAAAAAAAABAAAAAAAAAAEAAABQAAAAAAAAAAAA4D8AAAAAAADgPwAAAAAAAOA/AAAAAAAA4D8AAAAAAADgPwAAAAAAAOA/AAAAAAAA4D8AAAAAAADgPwAAAAAAAOA/AAAAAAAA4D8CAAAAjAAAAAAAAAAAAAAAu+DjDP///wgAAAAAAAAAAAAAAAAAAAAAAAAAAAAAAAAAAAAAZAAAAAEAAABAAAAAAAAAAAAAAAAAAAAAAAAAAAAAAAAAAAAAAAAAAAAAAAAAAAAAAAAAAAAAAAAAAAAAAAAAAAAAAAAAAAAAAAAAAAAAAAAAAAAAAAAAAAAAAAAAAAAAFAAAADwAAAAAAAAAAAAAAAAAAAkUAAAAAQAAABQAAAAUAAAAFAAAAAEAAAAAAAAAZAAAAGQAAAAAAAAAZAAAAGQAAAAVAAAAYAAAAAAAAAAAAAAADwAAACADAAAAAAAAAAAAAAEAAACgMgAAVgcAAKr4//8BAAAAf39/AAEAAABkAAAAAAAAABQAAABAHwAAAAAAACYAAAAAAAAAwOD//wAAAAAmAAAAZAAAABYAAABMAAAAAAAAAAAAAAAEAAAAAAAAAAEAAACAgIAKAAAAACgAAAAoAAAAZAAAAGQAAAAAAAAAzMzMAAAAAABQAAAAUAAAAGQAAABkAAAAAAAAABcAAAAUAAAAAAAAAAAAAAD/fwAA/38AAAAAAAAJAAAABAAAANw7IAEeAAAAaAAAAAAAAAAAAAAAAAAAAAAAAAAAAAAAECcAABAnAAAAAAAAAAAAAAAAAAAAAAAAAAAAAAAAAAAAAAAAAAAAABQAAAAAAAAAwMD/AAAAAABkAAAAMgAAAAAAAABkAAAAAAAAAH9/fwAKAAAAIgAAABgAAAAAAAAAAAAAAAAAAAAAAAAAAAAAAAAAAAAkAAAAJAAAAAAAAAAHAAAAAAAAAAAAAAAAAAAAAAAAAAAAAAAAAAAAf39/ACUAAABYAAAAAAAAAAAAAAAAAAAAAAAAAAAAAAAAAAAAAAAAAAAAAAAAAAAAAAAAAAAAAAA/AAAAAAAAAKCGAQAAAAAAAAAAAAAAAAAMAAAAAQAAAAAAAAAAAAAAAAAAAB8AAABUAAAAAAAABQAAAAEAAAAAAAAAAAAAAAAAAAAAAAAAAAAAAAAAAAAAAAAAAAAAAAJ/f38AAAAAA8zMzADAwP8Af39/AAAAAAAAAAAAAAAAAAAAAAAAAAAAIQAAABgAAAAUAAAAwTUAABsnAABARwAAWSkAABAAAAAmAAAACAAAAAAAAAAAAAAA"/>
+                <pr:smNativeData xmlns:pr="smNativeData" xmlns="smNativeData" val="SMDATA_15_ZjATZxMAAAAlAAAAZAAAAA8BAAAAkAAAAEgAAACQAAAASAAAAAAAAAABAAAAAAAAAAEAAABQAAAAAAAAAAAA4D8AAAAAAADgPwAAAAAAAOA/AAAAAAAA4D8AAAAAAADgPwAAAAAAAOA/AAAAAAAA4D8AAAAAAADgPwAAAAAAAOA/AAAAAAAA4D8CAAAAjAAAAAAAAAAAAAAAu+DjDP///wgAAAAAAAAAAAAAAAAAAAAAAAAAAAAAAAAAAAAAZAAAAAEAAABAAAAAAAAAAAAAAAAAAAAAAAAAAAAAAAAAAAAAAAAAAAAAAAAAAAAAAAAAAAAAAAAAAAAAAAAAAAAAAAAAAAAAAAAAAAAAAAAAAAAAAAAAAAAAAAAAAAAAFAAAADwAAAAAAAAAAAAAAAAAAAkUAAAAAQAAABQAAAAUAAAAFAAAAAEAAAAAAAAAZAAAAGQAAAAAAAAAZAAAAGQAAAAVAAAAYAAAAAAAAAAAAAAADwAAACADAAAAAAAAAAAAAAEAAACgMgAAVgcAAKr4//8BAAAAf39/AAEAAABkAAAAAAAAABQAAABAHwAAAAAAACYAAAAAAAAAwOD//wAAAAAmAAAAZAAAABYAAABMAAAAAAAAAAAAAAAEAAAAAAAAAAEAAACAgIAKAAAAACgAAAAoAAAAZAAAAGQAAAAAAAAAzMzMAAAAAABQAAAAUAAAAGQAAABkAAAAAAAAABcAAAAUAAAAAAAAAAAAAAD/fwAA/38AAAAAAAAJAAAABAAAANw7IAEeAAAAaAAAAAAAAAAAAAAAAAAAAAAAAAAAAAAAECcAABAnAAAAAAAAAAAAAAAAAAAAAAAAAAAAAAAAAAAAAAAAAAAAABQAAAAAAAAAwMD/AAAAAABkAAAAMgAAAAAAAABkAAAAAAAAAH9/fwAKAAAAIgAAABgAAAAAAAAAAAAAAAAAAAAAAAAAAAAAAAAAAAAkAAAAJAAAAAAAAAAHAAAAAAAAAAAAAAAAAAAAAAAAAAAAAAAAAAAAf39/ACUAAABYAAAAAAAAAAAAAAAAAAAAAAAAAAAAAAAAAAAAAAAAAAAAAAAAAAAAAAAAAAAAAAA/AAAAAAAAAKCGAQAAAAAAAAAAAAAAAAAMAAAAAQAAAAAAAAAAAAAAAAAAAB8AAABUAAAAAAAABQAAAAEAAAAAAAAAAAAAAAAAAAAAAAAAAAAAAAAAAAAAAAAAAAAAAAJ/f38AAAAAA8zMzADAwP8Af39/AAAAAAAAAAAAAAAAAAAAAAAAAAAAIQAAABgAAAAUAAAAwTUAABsnAABARwAAWSkAABAAAAAmAAAACAAAAAAAAAAAAAAA"/>
               </a:ext>
             </a:extLst>
           </p:cNvSpPr>
@@ -1477,7 +1484,7 @@
           <a:lstStyle/>
           <a:p>
             <a:pPr/>
-            <a:fld id="{7DBF8CCC-8290-EA7A-DE07-742FC2492821}" type="slidenum">
+            <a:fld id="{1B1ABBA0-EEF6-4F4D-B8A2-1818F5EC4E4D}" type="slidenum">
               <a:t/>
             </a:fld>
           </a:p>
@@ -1516,7 +1523,7 @@
             <a:spLocks noGrp="1" noChangeArrowheads="1"/>
             <a:extLst>
               <a:ext uri="smNativeData">
-                <pr:smNativeData xmlns:pr="smNativeData" xmlns="smNativeData" val="SMDATA_15_lFoOZxMAAAAlAAAAZAAAAA8BAAAAkAAAAEgAAACQAAAASAAAAAAAAAABAAAAAAAAAAEAAABQAAAAAAAAAAAA4D8AAAAAAADgPwAAAAAAAOA/AAAAAAAA4D8AAAAAAADgPwAAAAAAAOA/AAAAAAAA4D8AAAAAAADgPwAAAAAAAOA/AAAAAAAA4D8CAAAAjAAAAAAAAAAAAAAAu+DjDP///wgAAAAAAAAAAAAAAAAAAAAAAAAAAAAAAAAAAAAAZAAAAAEAAABAAAAAAAAAAAAAAAAAAAAAAAAAAAAAAAAAAAAAAAAAAAAAAAAAAAAAAAAAAAAAAAAAAAAAAAAAAAAAAAAAAAAAAAAAAAAAAAAAAAAAAAAAAAAAAAAAAAAAFAAAADwAAAAAAAAAAAAAAAAAAAkUAAAAAQAAABQAAAAUAAAAFAAAAAEAAAAAAAAAZAAAAGQAAAAAAAAAZAAAAGQAAAAVAAAAYAAAAAAAAAAAAAAADwAAACADAAAAAAAAAAAAAAEAAACgMgAAVgcAAKr4//8BAAAAf39/AAEAAABkAAAAAAAAABQAAABAHwAAAAAAACYAAAAAAAAAwOD//wAAAAAmAAAAZAAAABYAAABMAAAAAAAAAAAAAAAEAAAAAAAAAAEAAACAgIAKAAAAACgAAAAoAAAAZAAAAGQAAAAAAAAAzMzMAAAAAABQAAAAUAAAAGQAAABkAAAAAAAAABcAAAAUAAAAAAAAAAAAAAD/fwAA/38AAAAAAAAJAAAABAAAANw7IAEeAAAAaAAAAAAAAAAAAAAAAAAAAAAAAAAAAAAAECcAABAnAAAAAAAAAAAAAAAAAAAAAAAAAAAAAAAAAAAAAAAAAAAAABQAAAAAAAAAwMD/AAAAAABkAAAAMgAAAAAAAABkAAAAAAAAAH9/fwAKAAAAIgAAABgAAAAAAAAAAAAAAAAAAAAAAAAAAAAAAAAAAAAkAAAAJAAAAAAAAAAHAAAAAAAAAAAAAAAAAAAAAAAAAAAAAAAAAAAAf39/ACUAAABYAAAAAAAAAAAAAAAAAAAAAAAAAAAAAAAAAAAAAAAAAAAAAAAAAAAAAAAAAAAAAAA/AAAAAAAAAKCGAQAAAAAAAAAAAAAAAAAMAAAAAQAAAAAAAAAAAAAAAAAAAB8AAABUAAAAAAAABQAAAAEAAAAAAAAAAAAAAAAAAAAAAAAAAAAAAAAAAAAAAAAAAAAAAAJ/f38AAAAAA8zMzADAwP8Af39/AAAAAAAAAAAAAAAAAAAAAAAAAAAAIQAAABgAAAAUAAAAwAMAALABAABARwAAuAgAABAAAAAmAAAACAAAAAAAAAAAAAAA"/>
+                <pr:smNativeData xmlns:pr="smNativeData" xmlns="smNativeData" val="SMDATA_15_ZjATZxMAAAAlAAAAZAAAAA8BAAAAkAAAAEgAAACQAAAASAAAAAAAAAABAAAAAAAAAAEAAABQAAAAAAAAAAAA4D8AAAAAAADgPwAAAAAAAOA/AAAAAAAA4D8AAAAAAADgPwAAAAAAAOA/AAAAAAAA4D8AAAAAAADgPwAAAAAAAOA/AAAAAAAA4D8CAAAAjAAAAAAAAAAAAAAAu+DjDP///wgAAAAAAAAAAAAAAAAAAAAAAAAAAAAAAAAAAAAAZAAAAAEAAABAAAAAAAAAAAAAAAAAAAAAAAAAAAAAAAAAAAAAAAAAAAAAAAAAAAAAAAAAAAAAAAAAAAAAAAAAAAAAAAAAAAAAAAAAAAAAAAAAAAAAAAAAAAAAAAAAAAAAFAAAADwAAAAAAAAAAAAAAAAAAAkUAAAAAQAAABQAAAAUAAAAFAAAAAEAAAAAAAAAZAAAAGQAAAAAAAAAZAAAAGQAAAAVAAAAYAAAAAAAAAAAAAAADwAAACADAAAAAAAAAAAAAAEAAACgMgAAVgcAAKr4//8BAAAAf39/AAEAAABkAAAAAAAAABQAAABAHwAAAAAAACYAAAAAAAAAwOD//wAAAAAmAAAAZAAAABYAAABMAAAAAAAAAAAAAAAEAAAAAAAAAAEAAACAgIAKAAAAACgAAAAoAAAAZAAAAGQAAAAAAAAAzMzMAAAAAABQAAAAUAAAAGQAAABkAAAAAAAAABcAAAAUAAAAAAAAAAAAAAD/fwAA/38AAAAAAAAJAAAABAAAANw7IAEeAAAAaAAAAAAAAAAAAAAAAAAAAAAAAAAAAAAAECcAABAnAAAAAAAAAAAAAAAAAAAAAAAAAAAAAAAAAAAAAAAAAAAAABQAAAAAAAAAwMD/AAAAAABkAAAAMgAAAAAAAABkAAAAAAAAAH9/fwAKAAAAIgAAABgAAAAAAAAAAAAAAAAAAAAAAAAAAAAAAAAAAAAkAAAAJAAAAAAAAAAHAAAAAAAAAAAAAAAAAAAAAAAAAAAAAAAAAAAAf39/ACUAAABYAAAAAAAAAAAAAAAAAAAAAAAAAAAAAAAAAAAAAAAAAAAAAAAAAAAAAAAAAAAAAAA/AAAAAAAAAKCGAQAAAAAAAAAAAAAAAAAMAAAAAQAAAAAAAAAAAAAAAAAAAB8AAABUAAAAAAAABQAAAAEAAAAAAAAAAAAAAAAAAAAAAAAAAAAAAAAAAAAAAAAAAAAAAAJ/f38AAAAAA8zMzADAwP8Af39/AAAAAAAAAAAAAAAAAAAAAAAAAAAAIQAAABgAAAAUAAAAwAMAALABAABARwAAuAgAABAAAAAmAAAACAAAAAAAAAAAAAAA"/>
               </a:ext>
             </a:extLst>
           </p:cNvSpPr>
@@ -1543,7 +1550,7 @@
             <a:spLocks noGrp="1" noChangeArrowheads="1"/>
             <a:extLst>
               <a:ext uri="smNativeData">
-                <pr:smNativeData xmlns:pr="smNativeData" xmlns="smNativeData" val="SMDATA_15_lFoOZxMAAAAlAAAAZAAAAA8BAAAAkAAAAEgAAACQAAAASAAAAAAAAAACAAAAAAAAAAEAAABQAAAAAAAAAAAA4D8AAAAAAADgPwAAAAAAAOA/AAAAAAAA4D8AAAAAAADgPwAAAAAAAOA/AAAAAAAA4D8AAAAAAADgPwAAAAAAAOA/AAAAAAAA4D8CAAAAjAAAAAAAAAAAAAAAu+DjDP///wgAAAAAAAAAAAAAAAAAAAAAAAAAAAAAAAAAAAAAZAAAAAEAAABAAAAAAAAAAAAAAAAAAAAAAAAAAAAAAAAAAAAAAAAAAAAAAAAAAAAAAAAAAAAAAAAAAAAAAAAAAAAAAAAAAAAAAAAAAAAAAAAAAAAAAAAAAAAAAAAAAAAAFAAAADwAAAAAAAAAAAAAAAAAAAkUAAAAAQAAABQAAAAUAAAAFAAAAAEAAAAAAAAAZAAAAGQAAAAAAAAAZAAAAGQAAAAVAAAAYAAAAAAAAAAAAAAADwAAACADAAAAAAAAAAAAAAEAAACgMgAAVgcAAKr4//8BAAAAf39/AAEAAABkAAAAAAAAABQAAABAHwAAAAAAACYAAAAAAAAAwOD//wAAAAAmAAAAZAAAABYAAABMAAAAAAAAAAAAAAAEAAAAAAAAAAEAAACAgIAKAAAAACgAAAAoAAAAZAAAAGQAAAAAAAAAzMzMAAAAAABQAAAAUAAAAGQAAABkAAAAAAAAABcAAAAUAAAAAAAAAAAAAAD/fwAA/38AAAAAAAAJAAAABAAAANw7IAEeAAAAaAAAAAAAAAAAAAAAAAAAAAAAAAAAAAAAECcAABAnAAAAAAAAAAAAAAAAAAAAAAAAAAAAAAAAAAAAAAAAAAAAABQAAAAAAAAAwMD/AAAAAABkAAAAMgAAAAAAAABkAAAAAAAAAH9/fwAKAAAAIgAAABgAAAAAAAAAAAAAAAAAAAAAAAAAAAAAAAAAAAAkAAAAJAAAAAAAAAAHAAAAAAAAAAAAAAAAAAAAAAAAAAAAAAAAAAAAf39/ACUAAABYAAAAAAAAAAAAAAAAAAAAAAAAAAAAAAAAAAAAAAAAAAAAAAAAAAAAAAAAAAAAAAA/AAAAAAAAAKCGAQAAAAAAAAAAAAAAAAAMAAAAAQAAAAAAAAAAAAAAAAAAAB8AAABUAAAAAAAABQAAAAEAAAAAAAAAAAAAAAAAAAAAAAAAAAAAAAAAAAAAAAAAAAAAAAJ/f38AAAAAA8zMzADAwP8Af39/AAAAAAAAAAAAAAAAAAAAAAAAAAAAIQAAABgAAAAUAAAAwAMAAHEJAADjJAAAYQ0AABAAAAAmAAAACAAAAIGAAAAAAAAA"/>
+                <pr:smNativeData xmlns:pr="smNativeData" xmlns="smNativeData" val="SMDATA_15_ZjATZxMAAAAlAAAAZAAAAA8BAAAAkAAAAEgAAACQAAAASAAAAAAAAAACAAAAAAAAAAEAAABQAAAAAAAAAAAA4D8AAAAAAADgPwAAAAAAAOA/AAAAAAAA4D8AAAAAAADgPwAAAAAAAOA/AAAAAAAA4D8AAAAAAADgPwAAAAAAAOA/AAAAAAAA4D8CAAAAjAAAAAAAAAAAAAAAu+DjDP///wgAAAAAAAAAAAAAAAAAAAAAAAAAAAAAAAAAAAAAZAAAAAEAAABAAAAAAAAAAAAAAAAAAAAAAAAAAAAAAAAAAAAAAAAAAAAAAAAAAAAAAAAAAAAAAAAAAAAAAAAAAAAAAAAAAAAAAAAAAAAAAAAAAAAAAAAAAAAAAAAAAAAAFAAAADwAAAAAAAAAAAAAAAAAAAkUAAAAAQAAABQAAAAUAAAAFAAAAAEAAAAAAAAAZAAAAGQAAAAAAAAAZAAAAGQAAAAVAAAAYAAAAAAAAAAAAAAADwAAACADAAAAAAAAAAAAAAEAAACgMgAAVgcAAKr4//8BAAAAf39/AAEAAABkAAAAAAAAABQAAABAHwAAAAAAACYAAAAAAAAAwOD//wAAAAAmAAAAZAAAABYAAABMAAAAAAAAAAAAAAAEAAAAAAAAAAEAAACAgIAKAAAAACgAAAAoAAAAZAAAAGQAAAAAAAAAzMzMAAAAAABQAAAAUAAAAGQAAABkAAAAAAAAABcAAAAUAAAAAAAAAAAAAAD/fwAA/38AAAAAAAAJAAAABAAAANw7IAEeAAAAaAAAAAAAAAAAAAAAAAAAAAAAAAAAAAAAECcAABAnAAAAAAAAAAAAAAAAAAAAAAAAAAAAAAAAAAAAAAAAAAAAABQAAAAAAAAAwMD/AAAAAABkAAAAMgAAAAAAAABkAAAAAAAAAH9/fwAKAAAAIgAAABgAAAAAAAAAAAAAAAAAAAAAAAAAAAAAAAAAAAAkAAAAJAAAAAAAAAAHAAAAAAAAAAAAAAAAAAAAAAAAAAAAAAAAAAAAf39/ACUAAABYAAAAAAAAAAAAAAAAAAAAAAAAAAAAAAAAAAAAAAAAAAAAAAAAAAAAAAAAAAAAAAA/AAAAAAAAAKCGAQAAAAAAAAAAAAAAAAAMAAAAAQAAAAAAAAAAAAAAAAAAAB8AAABUAAAAAAAABQAAAAEAAAAAAAAAAAAAAAAAAAAAAAAAAAAAAAAAAAAAAAAAAAAAAAJ/f38AAAAAA8zMzADAwP8Af39/AAAAAAAAAAAAAAAAAAAAAAAAAAAAIQAAABgAAAAUAAAAwAMAAHEJAADjJAAAYQ0AABAAAAAmAAAACAAAAIGAAAAAAAAA"/>
               </a:ext>
             </a:extLst>
           </p:cNvSpPr>
@@ -1616,7 +1623,7 @@
             <a:spLocks noGrp="1" noChangeArrowheads="1"/>
             <a:extLst>
               <a:ext uri="smNativeData">
-                <pr:smNativeData xmlns:pr="smNativeData" xmlns="smNativeData" val="SMDATA_15_lFoOZxMAAAAlAAAAZAAAAA8BAAAAkAAAAEgAAACQAAAASAAAAAAAAAAAAAAAAAAAAAEAAABQAAAAAAAAAAAA4D8AAAAAAADgPwAAAAAAAOA/AAAAAAAA4D8AAAAAAADgPwAAAAAAAOA/AAAAAAAA4D8AAAAAAADgPwAAAAAAAOA/AAAAAAAA4D8CAAAAjAAAAAAAAAAAAAAAu+DjDP///wgAAAAAAAAAAAAAAAAAAAAAAAAAAAAAAAAAAAAAZAAAAAEAAABAAAAAAAAAAAAAAAAAAAAAAAAAAAAAAAAAAAAAAAAAAAAAAAAAAAAAAAAAAAAAAAAAAAAAAAAAAAAAAAAAAAAAAAAAAAAAAAAAAAAAAAAAAAAAAAAAAAAAFAAAADwAAAAAAAAAAAAAAAAAAAkUAAAAAQAAABQAAAAUAAAAFAAAAAEAAAAAAAAAZAAAAGQAAAAAAAAAZAAAAGQAAAAVAAAAYAAAAAAAAAAAAAAADwAAACADAAAAAAAAAAAAAAEAAACgMgAAVgcAAKr4//8BAAAAf39/AAEAAABkAAAAAAAAABQAAABAHwAAAAAAACYAAAAAAAAAwOD//wAAAAAmAAAAZAAAABYAAABMAAAAAAAAAAAAAAAEAAAAAAAAAAEAAACAgIAKAAAAACgAAAAoAAAAZAAAAGQAAAAAAAAAzMzMAAAAAABQAAAAUAAAAGQAAABkAAAAAAAAABcAAAAUAAAAAAAAAAAAAAD/fwAA/38AAAAAAAAJAAAABAAAANw7IAEeAAAAaAAAAAAAAAAAAAAAAAAAAAAAAAAAAAAAECcAABAnAAAAAAAAAAAAAAAAAAAAAAAAAAAAAAAAAAAAAAAAAAAAABQAAAAAAAAAwMD/AAAAAABkAAAAMgAAAAAAAABkAAAAAAAAAH9/fwAKAAAAIgAAABgAAAAAAAAAAAAAAAAAAAAAAAAAAAAAAAAAAAAkAAAAJAAAAAAAAAAHAAAAAAAAAAAAAAAAAAAAAAAAAAAAAAAAAAAAf39/ACUAAABYAAAAAAAAAAAAAAAAAAAAAAAAAAAAAAAAAAAAAAAAAAAAAAAAAAAAAAAAAAAAAAA/AAAAAAAAAKCGAQAAAAAAAAAAAAAAAAAMAAAAAQAAAAAAAAAAAAAAAAAAAB8AAABUAAAAAAAABQAAAAEAAAAAAAAAAAAAAAAAAAAAAAAAAAAAAAAAAAAAAAAAAAAAAAJ/f38AAAAAA8zMzADAwP8Af39/AAAAAAAAAAAAAAAAAAAAAAAAAAAAIQAAABgAAAAUAAAAwAMAAGENAADjJAAAsCUAABAAAAAmAAAACAAAAAGAAAAAAAAA"/>
+                <pr:smNativeData xmlns:pr="smNativeData" xmlns="smNativeData" val="SMDATA_15_ZjATZxMAAAAlAAAAZAAAAA8BAAAAkAAAAEgAAACQAAAASAAAAAAAAAAAAAAAAAAAAAEAAABQAAAAAAAAAAAA4D8AAAAAAADgPwAAAAAAAOA/AAAAAAAA4D8AAAAAAADgPwAAAAAAAOA/AAAAAAAA4D8AAAAAAADgPwAAAAAAAOA/AAAAAAAA4D8CAAAAjAAAAAAAAAAAAAAAu+DjDP///wgAAAAAAAAAAAAAAAAAAAAAAAAAAAAAAAAAAAAAZAAAAAEAAABAAAAAAAAAAAAAAAAAAAAAAAAAAAAAAAAAAAAAAAAAAAAAAAAAAAAAAAAAAAAAAAAAAAAAAAAAAAAAAAAAAAAAAAAAAAAAAAAAAAAAAAAAAAAAAAAAAAAAFAAAADwAAAAAAAAAAAAAAAAAAAkUAAAAAQAAABQAAAAUAAAAFAAAAAEAAAAAAAAAZAAAAGQAAAAAAAAAZAAAAGQAAAAVAAAAYAAAAAAAAAAAAAAADwAAACADAAAAAAAAAAAAAAEAAACgMgAAVgcAAKr4//8BAAAAf39/AAEAAABkAAAAAAAAABQAAABAHwAAAAAAACYAAAAAAAAAwOD//wAAAAAmAAAAZAAAABYAAABMAAAAAAAAAAAAAAAEAAAAAAAAAAEAAACAgIAKAAAAACgAAAAoAAAAZAAAAGQAAAAAAAAAzMzMAAAAAABQAAAAUAAAAGQAAABkAAAAAAAAABcAAAAUAAAAAAAAAAAAAAD/fwAA/38AAAAAAAAJAAAABAAAANw7IAEeAAAAaAAAAAAAAAAAAAAAAAAAAAAAAAAAAAAAECcAABAnAAAAAAAAAAAAAAAAAAAAAAAAAAAAAAAAAAAAAAAAAAAAABQAAAAAAAAAwMD/AAAAAABkAAAAMgAAAAAAAABkAAAAAAAAAH9/fwAKAAAAIgAAABgAAAAAAAAAAAAAAAAAAAAAAAAAAAAAAAAAAAAkAAAAJAAAAAAAAAAHAAAAAAAAAAAAAAAAAAAAAAAAAAAAAAAAAAAAf39/ACUAAABYAAAAAAAAAAAAAAAAAAAAAAAAAAAAAAAAAAAAAAAAAAAAAAAAAAAAAAAAAAAAAAA/AAAAAAAAAKCGAQAAAAAAAAAAAAAAAAAMAAAAAQAAAAAAAAAAAAAAAAAAAB8AAABUAAAAAAAABQAAAAEAAAAAAAAAAAAAAAAAAAAAAAAAAAAAAAAAAAAAAAAAAAAAAAJ/f38AAAAAA8zMzADAwP8Af39/AAAAAAAAAAAAAAAAAAAAAAAAAAAAIQAAABgAAAAUAAAAwAMAAGENAADjJAAAsCUAABAAAAAmAAAACAAAAAGAAAAAAAAA"/>
               </a:ext>
             </a:extLst>
           </p:cNvSpPr>
@@ -1700,7 +1707,7 @@
             <a:spLocks noGrp="1" noChangeArrowheads="1"/>
             <a:extLst>
               <a:ext uri="smNativeData">
-                <pr:smNativeData xmlns:pr="smNativeData" xmlns="smNativeData" val="SMDATA_15_lFoOZxMAAAAlAAAAZAAAAA8BAAAAkAAAAEgAAACQAAAASAAAAAAAAAACAAAAAAAAAAEAAABQAAAAAAAAAAAA4D8AAAAAAADgPwAAAAAAAOA/AAAAAAAA4D8AAAAAAADgPwAAAAAAAOA/AAAAAAAA4D8AAAAAAADgPwAAAAAAAOA/AAAAAAAA4D8CAAAAjAAAAAAAAAAAAAAAu+DjDP///wgAAAAAAAAAAAAAAAAAAAAAAAAAAAAAAAAAAAAAZAAAAAEAAABAAAAAAAAAAAAAAAAAAAAAAAAAAAAAAAAAAAAAAAAAAAAAAAAAAAAAAAAAAAAAAAAAAAAAAAAAAAAAAAAAAAAAAAAAAAAAAAAAAAAAAAAAAAAAAAAAAAAAFAAAADwAAAAAAAAAAAAAAAAAAAkUAAAAAQAAABQAAAAUAAAAFAAAAAEAAAAAAAAAZAAAAGQAAAAAAAAAZAAAAGQAAAAVAAAAYAAAAAAAAAAAAAAADwAAACADAAAAAAAAAAAAAAEAAACgMgAAVgcAAKr4//8BAAAAf39/AAEAAABkAAAAAAAAABQAAABAHwAAAAAAACYAAAAAAAAAwOD//wAAAAAmAAAAZAAAABYAAABMAAAAAAAAAAAAAAAEAAAAAAAAAAEAAACAgIAKAAAAACgAAAAoAAAAZAAAAGQAAAAAAAAAzMzMAAAAAABQAAAAUAAAAGQAAABkAAAAAAAAABcAAAAUAAAAAAAAAAAAAAD/fwAA/38AAAAAAAAJAAAABAAAANw7IAEeAAAAaAAAAAAAAAAAAAAAAAAAAAAAAAAAAAAAECcAABAnAAAAAAAAAAAAAAAAAAAAAAAAAAAAAAAAAAAAAAAAAAAAABQAAAAAAAAAwMD/AAAAAABkAAAAMgAAAAAAAABkAAAAAAAAAH9/fwAKAAAAIgAAABgAAAAAAAAAAAAAAAAAAAAAAAAAAAAAAAAAAAAkAAAAJAAAAAAAAAAHAAAAAAAAAAAAAAAAAAAAAAAAAAAAAAAAAAAAf39/ACUAAABYAAAAAAAAAAAAAAAAAAAAAAAAAAAAAAAAAAAAAAAAAAAAAAAAAAAAAAAAAAAAAAA/AAAAAAAAAKCGAQAAAAAAAAAAAAAAAAAMAAAAAQAAAAAAAAAAAAAAAAAAAB8AAABUAAAAAAAABQAAAAEAAAAAAAAAAAAAAAAAAAAAAAAAAAAAAAAAAAAAAAAAAAAAAAJ/f38AAAAAA8zMzADAwP8Af39/AAAAAAAAAAAAAAAAAAAAAAAAAAAAIQAAABgAAAAUAAAAHSYAAHEJAABARwAAYQ0AABAAAAAmAAAACAAAAIGAAAAAAAAA"/>
+                <pr:smNativeData xmlns:pr="smNativeData" xmlns="smNativeData" val="SMDATA_15_ZjATZxMAAAAlAAAAZAAAAA8BAAAAkAAAAEgAAACQAAAASAAAAAAAAAACAAAAAAAAAAEAAABQAAAAAAAAAAAA4D8AAAAAAADgPwAAAAAAAOA/AAAAAAAA4D8AAAAAAADgPwAAAAAAAOA/AAAAAAAA4D8AAAAAAADgPwAAAAAAAOA/AAAAAAAA4D8CAAAAjAAAAAAAAAAAAAAAu+DjDP///wgAAAAAAAAAAAAAAAAAAAAAAAAAAAAAAAAAAAAAZAAAAAEAAABAAAAAAAAAAAAAAAAAAAAAAAAAAAAAAAAAAAAAAAAAAAAAAAAAAAAAAAAAAAAAAAAAAAAAAAAAAAAAAAAAAAAAAAAAAAAAAAAAAAAAAAAAAAAAAAAAAAAAFAAAADwAAAAAAAAAAAAAAAAAAAkUAAAAAQAAABQAAAAUAAAAFAAAAAEAAAAAAAAAZAAAAGQAAAAAAAAAZAAAAGQAAAAVAAAAYAAAAAAAAAAAAAAADwAAACADAAAAAAAAAAAAAAEAAACgMgAAVgcAAKr4//8BAAAAf39/AAEAAABkAAAAAAAAABQAAABAHwAAAAAAACYAAAAAAAAAwOD//wAAAAAmAAAAZAAAABYAAABMAAAAAAAAAAAAAAAEAAAAAAAAAAEAAACAgIAKAAAAACgAAAAoAAAAZAAAAGQAAAAAAAAAzMzMAAAAAABQAAAAUAAAAGQAAABkAAAAAAAAABcAAAAUAAAAAAAAAAAAAAD/fwAA/38AAAAAAAAJAAAABAAAANw7IAEeAAAAaAAAAAAAAAAAAAAAAAAAAAAAAAAAAAAAECcAABAnAAAAAAAAAAAAAAAAAAAAAAAAAAAAAAAAAAAAAAAAAAAAABQAAAAAAAAAwMD/AAAAAABkAAAAMgAAAAAAAABkAAAAAAAAAH9/fwAKAAAAIgAAABgAAAAAAAAAAAAAAAAAAAAAAAAAAAAAAAAAAAAkAAAAJAAAAAAAAAAHAAAAAAAAAAAAAAAAAAAAAAAAAAAAAAAAAAAAf39/ACUAAABYAAAAAAAAAAAAAAAAAAAAAAAAAAAAAAAAAAAAAAAAAAAAAAAAAAAAAAAAAAAAAAA/AAAAAAAAAKCGAQAAAAAAAAAAAAAAAAAMAAAAAQAAAAAAAAAAAAAAAAAAAB8AAABUAAAAAAAABQAAAAEAAAAAAAAAAAAAAAAAAAAAAAAAAAAAAAAAAAAAAAAAAAAAAAJ/f38AAAAAA8zMzADAwP8Af39/AAAAAAAAAAAAAAAAAAAAAAAAAAAAIQAAABgAAAAUAAAAHSYAAHEJAABARwAAYQ0AABAAAAAmAAAACAAAAIGAAAAAAAAA"/>
               </a:ext>
             </a:extLst>
           </p:cNvSpPr>
@@ -1773,7 +1780,7 @@
             <a:spLocks noGrp="1" noChangeArrowheads="1"/>
             <a:extLst>
               <a:ext uri="smNativeData">
-                <pr:smNativeData xmlns:pr="smNativeData" xmlns="smNativeData" val="SMDATA_15_lFoOZxMAAAAlAAAAZAAAAA8BAAAAkAAAAEgAAACQAAAASAAAAAAAAAAAAAAAAAAAAAEAAABQAAAAAAAAAAAA4D8AAAAAAADgPwAAAAAAAOA/AAAAAAAA4D8AAAAAAADgPwAAAAAAAOA/AAAAAAAA4D8AAAAAAADgPwAAAAAAAOA/AAAAAAAA4D8CAAAAjAAAAAAAAAAAAAAAu+DjDP///wgAAAAAAAAAAAAAAAAAAAAAAAAAAAAAAAAAAAAAZAAAAAEAAABAAAAAAAAAAAAAAAAAAAAAAAAAAAAAAAAAAAAAAAAAAAAAAAAAAAAAAAAAAAAAAAAAAAAAAAAAAAAAAAAAAAAAAAAAAAAAAAAAAAAAAAAAAAAAAAAAAAAAFAAAADwAAAAAAAAAAAAAAAAAAAkUAAAAAQAAABQAAAAUAAAAFAAAAAEAAAAAAAAAZAAAAGQAAAAAAAAAZAAAAGQAAAAVAAAAYAAAAAAAAAAAAAAADwAAACADAAAAAAAAAAAAAAEAAACgMgAAVgcAAKr4//8BAAAAf39/AAEAAABkAAAAAAAAABQAAABAHwAAAAAAACYAAAAAAAAAwOD//wAAAAAmAAAAZAAAABYAAABMAAAAAAAAAAAAAAAEAAAAAAAAAAEAAACAgIAKAAAAACgAAAAoAAAAZAAAAGQAAAAAAAAAzMzMAAAAAABQAAAAUAAAAGQAAABkAAAAAAAAABcAAAAUAAAAAAAAAAAAAAD/fwAA/38AAAAAAAAJAAAABAAAANw7IAEeAAAAaAAAAAAAAAAAAAAAAAAAAAAAAAAAAAAAECcAABAnAAAAAAAAAAAAAAAAAAAAAAAAAAAAAAAAAAAAAAAAAAAAABQAAAAAAAAAwMD/AAAAAABkAAAAMgAAAAAAAABkAAAAAAAAAH9/fwAKAAAAIgAAABgAAAAAAAAAAAAAAAAAAAAAAAAAAAAAAAAAAAAkAAAAJAAAAAAAAAAHAAAAAAAAAAAAAAAAAAAAAAAAAAAAAAAAAAAAf39/ACUAAABYAAAAAAAAAAAAAAAAAAAAAAAAAAAAAAAAAAAAAAAAAAAAAAAAAAAAAAAAAAAAAAA/AAAAAAAAAKCGAQAAAAAAAAAAAAAAAAAMAAAAAQAAAAAAAAAAAAAAAAAAAB8AAABUAAAAAAAABQAAAAEAAAAAAAAAAAAAAAAAAAAAAAAAAAAAAAAAAAAAAAAAAAAAAAJ/f38AAAAAA8zMzADAwP8Af39/AAAAAAAAAAAAAAAAAAAAAAAAAAAAIQAAABgAAAAUAAAAHSYAAGENAABARwAAsCUAABAAAAAmAAAACAAAAAGAAAAAAAAA"/>
+                <pr:smNativeData xmlns:pr="smNativeData" xmlns="smNativeData" val="SMDATA_15_ZjATZxMAAAAlAAAAZAAAAA8BAAAAkAAAAEgAAACQAAAASAAAAAAAAAAAAAAAAAAAAAEAAABQAAAAAAAAAAAA4D8AAAAAAADgPwAAAAAAAOA/AAAAAAAA4D8AAAAAAADgPwAAAAAAAOA/AAAAAAAA4D8AAAAAAADgPwAAAAAAAOA/AAAAAAAA4D8CAAAAjAAAAAAAAAAAAAAAu+DjDP///wgAAAAAAAAAAAAAAAAAAAAAAAAAAAAAAAAAAAAAZAAAAAEAAABAAAAAAAAAAAAAAAAAAAAAAAAAAAAAAAAAAAAAAAAAAAAAAAAAAAAAAAAAAAAAAAAAAAAAAAAAAAAAAAAAAAAAAAAAAAAAAAAAAAAAAAAAAAAAAAAAAAAAFAAAADwAAAAAAAAAAAAAAAAAAAkUAAAAAQAAABQAAAAUAAAAFAAAAAEAAAAAAAAAZAAAAGQAAAAAAAAAZAAAAGQAAAAVAAAAYAAAAAAAAAAAAAAADwAAACADAAAAAAAAAAAAAAEAAACgMgAAVgcAAKr4//8BAAAAf39/AAEAAABkAAAAAAAAABQAAABAHwAAAAAAACYAAAAAAAAAwOD//wAAAAAmAAAAZAAAABYAAABMAAAAAAAAAAAAAAAEAAAAAAAAAAEAAACAgIAKAAAAACgAAAAoAAAAZAAAAGQAAAAAAAAAzMzMAAAAAABQAAAAUAAAAGQAAABkAAAAAAAAABcAAAAUAAAAAAAAAAAAAAD/fwAA/38AAAAAAAAJAAAABAAAANw7IAEeAAAAaAAAAAAAAAAAAAAAAAAAAAAAAAAAAAAAECcAABAnAAAAAAAAAAAAAAAAAAAAAAAAAAAAAAAAAAAAAAAAAAAAABQAAAAAAAAAwMD/AAAAAABkAAAAMgAAAAAAAABkAAAAAAAAAH9/fwAKAAAAIgAAABgAAAAAAAAAAAAAAAAAAAAAAAAAAAAAAAAAAAAkAAAAJAAAAAAAAAAHAAAAAAAAAAAAAAAAAAAAAAAAAAAAAAAAAAAAf39/ACUAAABYAAAAAAAAAAAAAAAAAAAAAAAAAAAAAAAAAAAAAAAAAAAAAAAAAAAAAAAAAAAAAAA/AAAAAAAAAKCGAQAAAAAAAAAAAAAAAAAMAAAAAQAAAAAAAAAAAAAAAAAAAB8AAABUAAAAAAAABQAAAAEAAAAAAAAAAAAAAAAAAAAAAAAAAAAAAAAAAAAAAAAAAAAAAAJ/f38AAAAAA8zMzADAwP8Af39/AAAAAAAAAAAAAAAAAAAAAAAAAAAAIQAAABgAAAAUAAAAHSYAAGENAABARwAAsCUAABAAAAAmAAAACAAAAAGAAAAAAAAA"/>
               </a:ext>
             </a:extLst>
           </p:cNvSpPr>
@@ -1857,7 +1864,7 @@
             <a:spLocks noGrp="1" noChangeArrowheads="1"/>
             <a:extLst>
               <a:ext uri="smNativeData">
-                <pr:smNativeData xmlns:pr="smNativeData" xmlns="smNativeData" val="SMDATA_15_lFoOZxMAAAAlAAAAZAAAAA8BAAAAkAAAAEgAAACQAAAASAAAAAAAAAABAAAAAAAAAAEAAABQAAAAAAAAAAAA4D8AAAAAAADgPwAAAAAAAOA/AAAAAAAA4D8AAAAAAADgPwAAAAAAAOA/AAAAAAAA4D8AAAAAAADgPwAAAAAAAOA/AAAAAAAA4D8CAAAAjAAAAAAAAAAAAAAAu+DjDP///wgAAAAAAAAAAAAAAAAAAAAAAAAAAAAAAAAAAAAAZAAAAAEAAABAAAAAAAAAAAAAAAAAAAAAAAAAAAAAAAAAAAAAAAAAAAAAAAAAAAAAAAAAAAAAAAAAAAAAAAAAAAAAAAAAAAAAAAAAAAAAAAAAAAAAAAAAAAAAAAAAAAAAFAAAADwAAAAAAAAAAAAAAAAAAAkUAAAAAQAAABQAAAAUAAAAFAAAAAEAAAAAAAAAZAAAAGQAAAAAAAAAZAAAAGQAAAAVAAAAYAAAAAAAAAAAAAAADwAAACADAAAAAAAAAAAAAAEAAACgMgAAVgcAAKr4//8BAAAAf39/AAEAAABkAAAAAAAAABQAAABAHwAAAAAAACYAAAAAAAAAwOD//wAAAAAmAAAAZAAAABYAAABMAAAAAAAAAAAAAAAEAAAAAAAAAAEAAACAgIAKAAAAACgAAAAoAAAAZAAAAGQAAAAAAAAAzMzMAAAAAABQAAAAUAAAAGQAAABkAAAAAAAAABcAAAAUAAAAAAAAAAAAAAD/fwAA/38AAAAAAAAJAAAABAAAANw7IAEeAAAAaAAAAAAAAAAAAAAAAAAAAAAAAAAAAAAAECcAABAnAAAAAAAAAAAAAAAAAAAAAAAAAAAAAAAAAAAAAAAAAAAAABQAAAAAAAAAwMD/AAAAAABkAAAAMgAAAAAAAABkAAAAAAAAAH9/fwAKAAAAIgAAABgAAAAAAAAAAAAAAAAAAAAAAAAAAAAAAAAAAAAkAAAAJAAAAAAAAAAHAAAAAAAAAAAAAAAAAAAAAAAAAAAAAAAAAAAAf39/ACUAAABYAAAAAAAAAAAAAAAAAAAAAAAAAAAAAAAAAAAAAAAAAAAAAAAAAAAAAAAAAAAAAAA/AAAAAAAAAKCGAQAAAAAAAAAAAAAAAAAMAAAAAQAAAAAAAAAAAAAAAAAAAB8AAABUAAAAAAAABQAAAAEAAAAAAAAAAAAAAAAAAAAAAAAAAAAAAAAAAAAAAAAAAAAAAAJ/f38AAAAAA8zMzADAwP8Af39/AAAAAAAAAAAAAAAAAAAAAAAAAAAAIQAAABgAAAAUAAAAwAMAABsnAAA/FQAAWSkAABAAAAAmAAAACAAAAAAAAAAAAAAA"/>
+                <pr:smNativeData xmlns:pr="smNativeData" xmlns="smNativeData" val="SMDATA_15_ZjATZxMAAAAlAAAAZAAAAA8BAAAAkAAAAEgAAACQAAAASAAAAAAAAAABAAAAAAAAAAEAAABQAAAAAAAAAAAA4D8AAAAAAADgPwAAAAAAAOA/AAAAAAAA4D8AAAAAAADgPwAAAAAAAOA/AAAAAAAA4D8AAAAAAADgPwAAAAAAAOA/AAAAAAAA4D8CAAAAjAAAAAAAAAAAAAAAu+DjDP///wgAAAAAAAAAAAAAAAAAAAAAAAAAAAAAAAAAAAAAZAAAAAEAAABAAAAAAAAAAAAAAAAAAAAAAAAAAAAAAAAAAAAAAAAAAAAAAAAAAAAAAAAAAAAAAAAAAAAAAAAAAAAAAAAAAAAAAAAAAAAAAAAAAAAAAAAAAAAAAAAAAAAAFAAAADwAAAAAAAAAAAAAAAAAAAkUAAAAAQAAABQAAAAUAAAAFAAAAAEAAAAAAAAAZAAAAGQAAAAAAAAAZAAAAGQAAAAVAAAAYAAAAAAAAAAAAAAADwAAACADAAAAAAAAAAAAAAEAAACgMgAAVgcAAKr4//8BAAAAf39/AAEAAABkAAAAAAAAABQAAABAHwAAAAAAACYAAAAAAAAAwOD//wAAAAAmAAAAZAAAABYAAABMAAAAAAAAAAAAAAAEAAAAAAAAAAEAAACAgIAKAAAAACgAAAAoAAAAZAAAAGQAAAAAAAAAzMzMAAAAAABQAAAAUAAAAGQAAABkAAAAAAAAABcAAAAUAAAAAAAAAAAAAAD/fwAA/38AAAAAAAAJAAAABAAAANw7IAEeAAAAaAAAAAAAAAAAAAAAAAAAAAAAAAAAAAAAECcAABAnAAAAAAAAAAAAAAAAAAAAAAAAAAAAAAAAAAAAAAAAAAAAABQAAAAAAAAAwMD/AAAAAABkAAAAMgAAAAAAAABkAAAAAAAAAH9/fwAKAAAAIgAAABgAAAAAAAAAAAAAAAAAAAAAAAAAAAAAAAAAAAAkAAAAJAAAAAAAAAAHAAAAAAAAAAAAAAAAAAAAAAAAAAAAAAAAAAAAf39/ACUAAABYAAAAAAAAAAAAAAAAAAAAAAAAAAAAAAAAAAAAAAAAAAAAAAAAAAAAAAAAAAAAAAA/AAAAAAAAAKCGAQAAAAAAAAAAAAAAAAAMAAAAAQAAAAAAAAAAAAAAAAAAAB8AAABUAAAAAAAABQAAAAEAAAAAAAAAAAAAAAAAAAAAAAAAAAAAAAAAAAAAAAAAAAAAAAJ/f38AAAAAA8zMzADAwP8Af39/AAAAAAAAAAAAAAAAAAAAAAAAAAAAIQAAABgAAAAUAAAAwAMAABsnAAA/FQAAWSkAABAAAAAmAAAACAAAAAAAAAAAAAAA"/>
               </a:ext>
             </a:extLst>
           </p:cNvSpPr>
@@ -1871,7 +1878,7 @@
           <a:lstStyle/>
           <a:p>
             <a:pPr/>
-            <a:fld id="{23176D2B-65CE-429B-80AF-93CE23E176C6}" type="datetime1">
+            <a:fld id="{25410348-06C8-14F5-86F9-F0A04DB770A5}" type="datetime1">
               <a:t/>
             </a:fld>
           </a:p>
@@ -1884,7 +1891,7 @@
             <a:spLocks noGrp="1" noChangeArrowheads="1"/>
             <a:extLst>
               <a:ext uri="smNativeData">
-                <pr:smNativeData xmlns:pr="smNativeData" xmlns="smNativeData" val="SMDATA_15_lFoOZxMAAAAlAAAAZAAAAA8BAAAAkAAAAEgAAACQAAAASAAAAAAAAAABAAAAAAAAAAEAAABQAAAAAAAAAAAA4D8AAAAAAADgPwAAAAAAAOA/AAAAAAAA4D8AAAAAAADgPwAAAAAAAOA/AAAAAAAA4D8AAAAAAADgPwAAAAAAAOA/AAAAAAAA4D8CAAAAjAAAAAAAAAAAAAAAu+DjDP///wgAAAAAAAAAAAAAAAAAAAAAAAAAAAAAAAAAAAAAZAAAAAEAAABAAAAAAAAAAAAAAAAAAAAAAAAAAAAAAAAAAAAAAAAAAAAAAAAAAAAAAAAAAAAAAAAAAAAAAAAAAAAAAAAAAAAAAAAAAAAAAAAAAAAAAAAAAAAAAAAAAAAAFAAAADwAAAAAAAAAAAAAAAAAAAkUAAAAAQAAABQAAAAUAAAAFAAAAAEAAAAAAAAAZAAAAGQAAAAAAAAAZAAAAGQAAAAVAAAAYAAAAAAAAAAAAAAADwAAACADAAAAAAAAAAAAAAEAAACgMgAAVgcAAKr4//8BAAAAf39/AAEAAABkAAAAAAAAABQAAABAHwAAAAAAACYAAAAAAAAAwOD//wAAAAAmAAAAZAAAABYAAABMAAAAAAAAAAAAAAAEAAAAAAAAAAEAAACAgIAKAAAAACgAAAAoAAAAZAAAAGQAAAAAAAAAzMzMAAAAAABQAAAAUAAAAGQAAABkAAAAAAAAABcAAAAUAAAAAAAAAAAAAAD/fwAA/38AAAAAAAAJAAAABAAAANw7IAEeAAAAaAAAAAAAAAAAAAAAAAAAAAAAAAAAAAAAECcAABAnAAAAAAAAAAAAAAAAAAAAAAAAAAAAAAAAAAAAAAAAAAAAABQAAAAAAAAAwMD/AAAAAABkAAAAMgAAAAAAAABkAAAAAAAAAH9/fwAKAAAAIgAAABgAAAAAAAAAAAAAAAAAAAAAAAAAAAAAAAAAAAAkAAAAJAAAAAAAAAAHAAAAAAAAAAAAAAAAAAAAAAAAAAAAAAAAAAAAf39/ACUAAABYAAAAAAAAAAAAAAAAAAAAAAAAAAAAAAAAAAAAAAAAAAAAAAAAAAAAAAAAAAAAAAA/AAAAAAAAAKCGAQAAAAAAAAAAAAAAAAAMAAAAAQAAAAAAAAAAAAAAAAAAAB8AAABUAAAAAAAABQAAAAEAAAAAAAAAAAAAAAAAAAAAAAAAAAAAAAAAAAAAAAAAAAAAAAJ/f38AAAAAA8zMzADAwP8Af39/AAAAAAAAAAAAAAAAAAAAAAAAAAAAIQAAABgAAAAUAAAAoRkAABsnAABfMQAAWSkAABAAAAAmAAAACAAAAAAAAAAAAAAA"/>
+                <pr:smNativeData xmlns:pr="smNativeData" xmlns="smNativeData" val="SMDATA_15_ZjATZxMAAAAlAAAAZAAAAA8BAAAAkAAAAEgAAACQAAAASAAAAAAAAAABAAAAAAAAAAEAAABQAAAAAAAAAAAA4D8AAAAAAADgPwAAAAAAAOA/AAAAAAAA4D8AAAAAAADgPwAAAAAAAOA/AAAAAAAA4D8AAAAAAADgPwAAAAAAAOA/AAAAAAAA4D8CAAAAjAAAAAAAAAAAAAAAu+DjDP///wgAAAAAAAAAAAAAAAAAAAAAAAAAAAAAAAAAAAAAZAAAAAEAAABAAAAAAAAAAAAAAAAAAAAAAAAAAAAAAAAAAAAAAAAAAAAAAAAAAAAAAAAAAAAAAAAAAAAAAAAAAAAAAAAAAAAAAAAAAAAAAAAAAAAAAAAAAAAAAAAAAAAAFAAAADwAAAAAAAAAAAAAAAAAAAkUAAAAAQAAABQAAAAUAAAAFAAAAAEAAAAAAAAAZAAAAGQAAAAAAAAAZAAAAGQAAAAVAAAAYAAAAAAAAAAAAAAADwAAACADAAAAAAAAAAAAAAEAAACgMgAAVgcAAKr4//8BAAAAf39/AAEAAABkAAAAAAAAABQAAABAHwAAAAAAACYAAAAAAAAAwOD//wAAAAAmAAAAZAAAABYAAABMAAAAAAAAAAAAAAAEAAAAAAAAAAEAAACAgIAKAAAAACgAAAAoAAAAZAAAAGQAAAAAAAAAzMzMAAAAAABQAAAAUAAAAGQAAABkAAAAAAAAABcAAAAUAAAAAAAAAAAAAAD/fwAA/38AAAAAAAAJAAAABAAAANw7IAEeAAAAaAAAAAAAAAAAAAAAAAAAAAAAAAAAAAAAECcAABAnAAAAAAAAAAAAAAAAAAAAAAAAAAAAAAAAAAAAAAAAAAAAABQAAAAAAAAAwMD/AAAAAABkAAAAMgAAAAAAAABkAAAAAAAAAH9/fwAKAAAAIgAAABgAAAAAAAAAAAAAAAAAAAAAAAAAAAAAAAAAAAAkAAAAJAAAAAAAAAAHAAAAAAAAAAAAAAAAAAAAAAAAAAAAAAAAAAAAf39/ACUAAABYAAAAAAAAAAAAAAAAAAAAAAAAAAAAAAAAAAAAAAAAAAAAAAAAAAAAAAAAAAAAAAA/AAAAAAAAAKCGAQAAAAAAAAAAAAAAAAAMAAAAAQAAAAAAAAAAAAAAAAAAAB8AAABUAAAAAAAABQAAAAEAAAAAAAAAAAAAAAAAAAAAAAAAAAAAAAAAAAAAAAAAAAAAAAJ/f38AAAAAA8zMzADAwP8Af39/AAAAAAAAAAAAAAAAAAAAAAAAAAAAIQAAABgAAAAUAAAAoRkAABsnAABfMQAAWSkAABAAAAAmAAAACAAAAAAAAAAAAAAA"/>
               </a:ext>
             </a:extLst>
           </p:cNvSpPr>
@@ -1908,7 +1915,7 @@
             <a:spLocks noGrp="1" noChangeArrowheads="1"/>
             <a:extLst>
               <a:ext uri="smNativeData">
-                <pr:smNativeData xmlns:pr="smNativeData" xmlns="smNativeData" val="SMDATA_15_lFoOZxMAAAAlAAAAZAAAAA8BAAAAkAAAAEgAAACQAAAASAAAAAAAAAABAAAAAAAAAAEAAABQAAAAAAAAAAAA4D8AAAAAAADgPwAAAAAAAOA/AAAAAAAA4D8AAAAAAADgPwAAAAAAAOA/AAAAAAAA4D8AAAAAAADgPwAAAAAAAOA/AAAAAAAA4D8CAAAAjAAAAAAAAAAAAAAAu+DjDP///wgAAAAAAAAAAAAAAAAAAAAAAAAAAAAAAAAAAAAAZAAAAAEAAABAAAAAAAAAAAAAAAAAAAAAAAAAAAAAAAAAAAAAAAAAAAAAAAAAAAAAAAAAAAAAAAAAAAAAAAAAAAAAAAAAAAAAAAAAAAAAAAAAAAAAAAAAAAAAAAAAAAAAFAAAADwAAAAAAAAAAAAAAAAAAAkUAAAAAQAAABQAAAAUAAAAFAAAAAEAAAAAAAAAZAAAAGQAAAAAAAAAZAAAAGQAAAAVAAAAYAAAAAAAAAAAAAAADwAAACADAAAAAAAAAAAAAAEAAACgMgAAVgcAAKr4//8BAAAAf39/AAEAAABkAAAAAAAAABQAAABAHwAAAAAAACYAAAAAAAAAwOD//wAAAAAmAAAAZAAAABYAAABMAAAAAAAAAAAAAAAEAAAAAAAAAAEAAACAgIAKAAAAACgAAAAoAAAAZAAAAGQAAAAAAAAAzMzMAAAAAABQAAAAUAAAAGQAAABkAAAAAAAAABcAAAAUAAAAAAAAAAAAAAD/fwAA/38AAAAAAAAJAAAABAAAANw7IAEeAAAAaAAAAAAAAAAAAAAAAAAAAAAAAAAAAAAAECcAABAnAAAAAAAAAAAAAAAAAAAAAAAAAAAAAAAAAAAAAAAAAAAAABQAAAAAAAAAwMD/AAAAAABkAAAAMgAAAAAAAABkAAAAAAAAAH9/fwAKAAAAIgAAABgAAAAAAAAAAAAAAAAAAAAAAAAAAAAAAAAAAAAkAAAAJAAAAAAAAAAHAAAAAAAAAAAAAAAAAAAAAAAAAAAAAAAAAAAAf39/ACUAAABYAAAAAAAAAAAAAAAAAAAAAAAAAAAAAAAAAAAAAAAAAAAAAAAAAAAAAAAAAAAAAAA/AAAAAAAAAKCGAQAAAAAAAAAAAAAAAAAMAAAAAQAAAAAAAAAAAAAAAAAAAB8AAABUAAAAAAAABQAAAAEAAAAAAAAAAAAAAAAAAAAAAAAAAAAAAAAAAAAAAAAAAAAAAAJ/f38AAAAAA8zMzADAwP8Af39/AAAAAAAAAAAAAAAAAAAAAAAAAAAAIQAAABgAAAAUAAAAwTUAABsnAABARwAAWSkAABAAAAAmAAAACAAAAAAAAAAAAAAA"/>
+                <pr:smNativeData xmlns:pr="smNativeData" xmlns="smNativeData" val="SMDATA_15_ZjATZxMAAAAlAAAAZAAAAA8BAAAAkAAAAEgAAACQAAAASAAAAAAAAAABAAAAAAAAAAEAAABQAAAAAAAAAAAA4D8AAAAAAADgPwAAAAAAAOA/AAAAAAAA4D8AAAAAAADgPwAAAAAAAOA/AAAAAAAA4D8AAAAAAADgPwAAAAAAAOA/AAAAAAAA4D8CAAAAjAAAAAAAAAAAAAAAu+DjDP///wgAAAAAAAAAAAAAAAAAAAAAAAAAAAAAAAAAAAAAZAAAAAEAAABAAAAAAAAAAAAAAAAAAAAAAAAAAAAAAAAAAAAAAAAAAAAAAAAAAAAAAAAAAAAAAAAAAAAAAAAAAAAAAAAAAAAAAAAAAAAAAAAAAAAAAAAAAAAAAAAAAAAAFAAAADwAAAAAAAAAAAAAAAAAAAkUAAAAAQAAABQAAAAUAAAAFAAAAAEAAAAAAAAAZAAAAGQAAAAAAAAAZAAAAGQAAAAVAAAAYAAAAAAAAAAAAAAADwAAACADAAAAAAAAAAAAAAEAAACgMgAAVgcAAKr4//8BAAAAf39/AAEAAABkAAAAAAAAABQAAABAHwAAAAAAACYAAAAAAAAAwOD//wAAAAAmAAAAZAAAABYAAABMAAAAAAAAAAAAAAAEAAAAAAAAAAEAAACAgIAKAAAAACgAAAAoAAAAZAAAAGQAAAAAAAAAzMzMAAAAAABQAAAAUAAAAGQAAABkAAAAAAAAABcAAAAUAAAAAAAAAAAAAAD/fwAA/38AAAAAAAAJAAAABAAAANw7IAEeAAAAaAAAAAAAAAAAAAAAAAAAAAAAAAAAAAAAECcAABAnAAAAAAAAAAAAAAAAAAAAAAAAAAAAAAAAAAAAAAAAAAAAABQAAAAAAAAAwMD/AAAAAABkAAAAMgAAAAAAAABkAAAAAAAAAH9/fwAKAAAAIgAAABgAAAAAAAAAAAAAAAAAAAAAAAAAAAAAAAAAAAAkAAAAJAAAAAAAAAAHAAAAAAAAAAAAAAAAAAAAAAAAAAAAAAAAAAAAf39/ACUAAABYAAAAAAAAAAAAAAAAAAAAAAAAAAAAAAAAAAAAAAAAAAAAAAAAAAAAAAAAAAAAAAA/AAAAAAAAAKCGAQAAAAAAAAAAAAAAAAAMAAAAAQAAAAAAAAAAAAAAAAAAAB8AAABUAAAAAAAABQAAAAEAAAAAAAAAAAAAAAAAAAAAAAAAAAAAAAAAAAAAAAAAAAAAAAJ/f38AAAAAA8zMzADAwP8Af39/AAAAAAAAAAAAAAAAAAAAAAAAAAAAIQAAABgAAAAUAAAAwTUAABsnAABARwAAWSkAABAAAAAmAAAACAAAAAAAAAAAAAAA"/>
               </a:ext>
             </a:extLst>
           </p:cNvSpPr>
@@ -1922,7 +1929,7 @@
           <a:lstStyle/>
           <a:p>
             <a:pPr/>
-            <a:fld id="{11AE8905-4BFC-FB7F-B216-BD2AC75844E8}" type="slidenum">
+            <a:fld id="{30BCF4AB-E5DD-E902-9304-1357BA4A6546}" type="slidenum">
               <a:t/>
             </a:fld>
           </a:p>
@@ -1961,7 +1968,7 @@
             <a:spLocks noGrp="1" noChangeArrowheads="1"/>
             <a:extLst>
               <a:ext uri="smNativeData">
-                <pr:smNativeData xmlns:pr="smNativeData" xmlns="smNativeData" val="SMDATA_15_lFoOZxMAAAAlAAAAZAAAAA8BAAAAkAAAAEgAAACQAAAASAAAAAAAAAABAAAAAAAAAAEAAABQAAAAAAAAAAAA4D8AAAAAAADgPwAAAAAAAOA/AAAAAAAA4D8AAAAAAADgPwAAAAAAAOA/AAAAAAAA4D8AAAAAAADgPwAAAAAAAOA/AAAAAAAA4D8CAAAAjAAAAAAAAAAAAAAAu+DjDP///wgAAAAAAAAAAAAAAAAAAAAAAAAAAAAAAAAAAAAAZAAAAAEAAABAAAAAAAAAAAAAAAAAAAAAAAAAAAAAAAAAAAAAAAAAAAAAAAAAAAAAAAAAAAAAAAAAAAAAAAAAAAAAAAAAAAAAAAAAAAAAAAAAAAAAAAAAAAAAAAAAAAAAFAAAADwAAAAAAAAAAAAAAAAAAAkUAAAAAQAAABQAAAAUAAAAFAAAAAEAAAAAAAAAZAAAAGQAAAAAAAAAZAAAAGQAAAAVAAAAYAAAAAAAAAAAAAAADwAAACADAAAAAAAAAAAAAAEAAACgMgAAVgcAAKr4//8BAAAAf39/AAEAAABkAAAAAAAAABQAAABAHwAAAAAAACYAAAAAAAAAwOD//wAAAAAmAAAAZAAAABYAAABMAAAAAAAAAAAAAAAEAAAAAAAAAAEAAACAgIAKAAAAACgAAAAoAAAAZAAAAGQAAAAAAAAAzMzMAAAAAABQAAAAUAAAAGQAAABkAAAAAAAAABcAAAAUAAAAAAAAAAAAAAD/fwAA/38AAAAAAAAJAAAABAAAANw7IAEeAAAAaAAAAAAAAAAAAAAAAAAAAAAAAAAAAAAAECcAABAnAAAAAAAAAAAAAAAAAAAAAAAAAAAAAAAAAAAAAAAAAAAAABQAAAAAAAAAwMD/AAAAAABkAAAAMgAAAAAAAABkAAAAAAAAAH9/fwAKAAAAIgAAABgAAAAAAAAAAAAAAAAAAAAAAAAAAAAAAAAAAAAkAAAAJAAAAAAAAAAHAAAAAAAAAAAAAAAAAAAAAAAAAAAAAAAAAAAAf39/ACUAAABYAAAAAAAAAAAAAAAAAAAAAAAAAAAAAAAAAAAAAAAAAAAAAAAAAAAAAAAAAAAAAAA/AAAAAAAAAKCGAQAAAAAAAAAAAAAAAAAMAAAAAQAAAAAAAAAAAAAAAAAAAB8AAABUAAAAAAAABQAAAAEAAAAAAAAAAAAAAAAAAAAAAAAAAAAAAAAAAAAAAAAAAAAAAAJ/f38AAAAAA8zMzADAwP8Af39/AAAAAAAAAAAAAAAAAAAAAAAAAAAAIQAAABgAAAAUAAAAwAMAALABAABARwAAuAgAABAAAAAmAAAACAAAAAAAAAAAAAAA"/>
+                <pr:smNativeData xmlns:pr="smNativeData" xmlns="smNativeData" val="SMDATA_15_ZjATZxMAAAAlAAAAZAAAAA8BAAAAkAAAAEgAAACQAAAASAAAAAAAAAABAAAAAAAAAAEAAABQAAAAAAAAAAAA4D8AAAAAAADgPwAAAAAAAOA/AAAAAAAA4D8AAAAAAADgPwAAAAAAAOA/AAAAAAAA4D8AAAAAAADgPwAAAAAAAOA/AAAAAAAA4D8CAAAAjAAAAAAAAAAAAAAAu+DjDP///wgAAAAAAAAAAAAAAAAAAAAAAAAAAAAAAAAAAAAAZAAAAAEAAABAAAAAAAAAAAAAAAAAAAAAAAAAAAAAAAAAAAAAAAAAAAAAAAAAAAAAAAAAAAAAAAAAAAAAAAAAAAAAAAAAAAAAAAAAAAAAAAAAAAAAAAAAAAAAAAAAAAAAFAAAADwAAAAAAAAAAAAAAAAAAAkUAAAAAQAAABQAAAAUAAAAFAAAAAEAAAAAAAAAZAAAAGQAAAAAAAAAZAAAAGQAAAAVAAAAYAAAAAAAAAAAAAAADwAAACADAAAAAAAAAAAAAAEAAACgMgAAVgcAAKr4//8BAAAAf39/AAEAAABkAAAAAAAAABQAAABAHwAAAAAAACYAAAAAAAAAwOD//wAAAAAmAAAAZAAAABYAAABMAAAAAAAAAAAAAAAEAAAAAAAAAAEAAACAgIAKAAAAACgAAAAoAAAAZAAAAGQAAAAAAAAAzMzMAAAAAABQAAAAUAAAAGQAAABkAAAAAAAAABcAAAAUAAAAAAAAAAAAAAD/fwAA/38AAAAAAAAJAAAABAAAANw7IAEeAAAAaAAAAAAAAAAAAAAAAAAAAAAAAAAAAAAAECcAABAnAAAAAAAAAAAAAAAAAAAAAAAAAAAAAAAAAAAAAAAAAAAAABQAAAAAAAAAwMD/AAAAAABkAAAAMgAAAAAAAABkAAAAAAAAAH9/fwAKAAAAIgAAABgAAAAAAAAAAAAAAAAAAAAAAAAAAAAAAAAAAAAkAAAAJAAAAAAAAAAHAAAAAAAAAAAAAAAAAAAAAAAAAAAAAAAAAAAAf39/ACUAAABYAAAAAAAAAAAAAAAAAAAAAAAAAAAAAAAAAAAAAAAAAAAAAAAAAAAAAAAAAAAAAAA/AAAAAAAAAKCGAQAAAAAAAAAAAAAAAAAMAAAAAQAAAAAAAAAAAAAAAAAAAB8AAABUAAAAAAAABQAAAAEAAAAAAAAAAAAAAAAAAAAAAAAAAAAAAAAAAAAAAAAAAAAAAAJ/f38AAAAAA8zMzADAwP8Af39/AAAAAAAAAAAAAAAAAAAAAAAAAAAAIQAAABgAAAAUAAAAwAMAALABAABARwAAuAgAABAAAAAmAAAACAAAAAAAAAAAAAAA"/>
               </a:ext>
             </a:extLst>
           </p:cNvSpPr>
@@ -1988,7 +1995,7 @@
             <a:spLocks noGrp="1" noChangeArrowheads="1"/>
             <a:extLst>
               <a:ext uri="smNativeData">
-                <pr:smNativeData xmlns:pr="smNativeData" xmlns="smNativeData" val="SMDATA_15_lFoOZxMAAAAlAAAAZAAAAA8BAAAAkAAAAEgAAACQAAAASAAAAAAAAAABAAAAAAAAAAEAAABQAAAAAAAAAAAA4D8AAAAAAADgPwAAAAAAAOA/AAAAAAAA4D8AAAAAAADgPwAAAAAAAOA/AAAAAAAA4D8AAAAAAADgPwAAAAAAAOA/AAAAAAAA4D8CAAAAjAAAAAAAAAAAAAAAu+DjDP///wgAAAAAAAAAAAAAAAAAAAAAAAAAAAAAAAAAAAAAZAAAAAEAAABAAAAAAAAAAAAAAAAAAAAAAAAAAAAAAAAAAAAAAAAAAAAAAAAAAAAAAAAAAAAAAAAAAAAAAAAAAAAAAAAAAAAAAAAAAAAAAAAAAAAAAAAAAAAAAAAAAAAAFAAAADwAAAAAAAAAAAAAAAAAAAkUAAAAAQAAABQAAAAUAAAAFAAAAAEAAAAAAAAAZAAAAGQAAAAAAAAAZAAAAGQAAAAVAAAAYAAAAAAAAAAAAAAADwAAACADAAAAAAAAAAAAAAEAAACgMgAAVgcAAKr4//8BAAAAf39/AAEAAABkAAAAAAAAABQAAABAHwAAAAAAACYAAAAAAAAAwOD//wAAAAAmAAAAZAAAABYAAABMAAAAAAAAAAAAAAAEAAAAAAAAAAEAAACAgIAKAAAAACgAAAAoAAAAZAAAAGQAAAAAAAAAzMzMAAAAAABQAAAAUAAAAGQAAABkAAAAAAAAABcAAAAUAAAAAAAAAAAAAAD/fwAA/38AAAAAAAAJAAAABAAAANw7IAEeAAAAaAAAAAAAAAAAAAAAAAAAAAAAAAAAAAAAECcAABAnAAAAAAAAAAAAAAAAAAAAAAAAAAAAAAAAAAAAAAAAAAAAABQAAAAAAAAAwMD/AAAAAABkAAAAMgAAAAAAAABkAAAAAAAAAH9/fwAKAAAAIgAAABgAAAAAAAAAAAAAAAAAAAAAAAAAAAAAAAAAAAAkAAAAJAAAAAAAAAAHAAAAAAAAAAAAAAAAAAAAAAAAAAAAAAAAAAAAf39/ACUAAABYAAAAAAAAAAAAAAAAAAAAAAAAAAAAAAAAAAAAAAAAAAAAAAAAAAAAAAAAAAAAAAA/AAAAAAAAAKCGAQAAAAAAAAAAAAAAAAAMAAAAAQAAAAAAAAAAAAAAAAAAAB8AAABUAAAAAAAABQAAAAEAAAAAAAAAAAAAAAAAAAAAAAAAAAAAAAAAAAAAAAAAAAAAAAJ/f38AAAAAA8zMzADAwP8Af39/AAAAAAAAAAAAAAAAAAAAAAAAAAAAIQAAABgAAAAUAAAAwAMAABsnAAA/FQAAWSkAABAAAAAmAAAACAAAAAAAAAAAAAAA"/>
+                <pr:smNativeData xmlns:pr="smNativeData" xmlns="smNativeData" val="SMDATA_15_ZjATZxMAAAAlAAAAZAAAAA8BAAAAkAAAAEgAAACQAAAASAAAAAAAAAABAAAAAAAAAAEAAABQAAAAAAAAAAAA4D8AAAAAAADgPwAAAAAAAOA/AAAAAAAA4D8AAAAAAADgPwAAAAAAAOA/AAAAAAAA4D8AAAAAAADgPwAAAAAAAOA/AAAAAAAA4D8CAAAAjAAAAAAAAAAAAAAAu+DjDP///wgAAAAAAAAAAAAAAAAAAAAAAAAAAAAAAAAAAAAAZAAAAAEAAABAAAAAAAAAAAAAAAAAAAAAAAAAAAAAAAAAAAAAAAAAAAAAAAAAAAAAAAAAAAAAAAAAAAAAAAAAAAAAAAAAAAAAAAAAAAAAAAAAAAAAAAAAAAAAAAAAAAAAFAAAADwAAAAAAAAAAAAAAAAAAAkUAAAAAQAAABQAAAAUAAAAFAAAAAEAAAAAAAAAZAAAAGQAAAAAAAAAZAAAAGQAAAAVAAAAYAAAAAAAAAAAAAAADwAAACADAAAAAAAAAAAAAAEAAACgMgAAVgcAAKr4//8BAAAAf39/AAEAAABkAAAAAAAAABQAAABAHwAAAAAAACYAAAAAAAAAwOD//wAAAAAmAAAAZAAAABYAAABMAAAAAAAAAAAAAAAEAAAAAAAAAAEAAACAgIAKAAAAACgAAAAoAAAAZAAAAGQAAAAAAAAAzMzMAAAAAABQAAAAUAAAAGQAAABkAAAAAAAAABcAAAAUAAAAAAAAAAAAAAD/fwAA/38AAAAAAAAJAAAABAAAANw7IAEeAAAAaAAAAAAAAAAAAAAAAAAAAAAAAAAAAAAAECcAABAnAAAAAAAAAAAAAAAAAAAAAAAAAAAAAAAAAAAAAAAAAAAAABQAAAAAAAAAwMD/AAAAAABkAAAAMgAAAAAAAABkAAAAAAAAAH9/fwAKAAAAIgAAABgAAAAAAAAAAAAAAAAAAAAAAAAAAAAAAAAAAAAkAAAAJAAAAAAAAAAHAAAAAAAAAAAAAAAAAAAAAAAAAAAAAAAAAAAAf39/ACUAAABYAAAAAAAAAAAAAAAAAAAAAAAAAAAAAAAAAAAAAAAAAAAAAAAAAAAAAAAAAAAAAAA/AAAAAAAAAKCGAQAAAAAAAAAAAAAAAAAMAAAAAQAAAAAAAAAAAAAAAAAAAB8AAABUAAAAAAAABQAAAAEAAAAAAAAAAAAAAAAAAAAAAAAAAAAAAAAAAAAAAAAAAAAAAAJ/f38AAAAAA8zMzADAwP8Af39/AAAAAAAAAAAAAAAAAAAAAAAAAAAAIQAAABgAAAAUAAAAwAMAABsnAAA/FQAAWSkAABAAAAAmAAAACAAAAAAAAAAAAAAA"/>
               </a:ext>
             </a:extLst>
           </p:cNvSpPr>
@@ -2002,7 +2009,7 @@
           <a:lstStyle/>
           <a:p>
             <a:pPr/>
-            <a:fld id="{14A4CFDE-90F9-F139-B71C-666C81524133}" type="datetime1">
+            <a:fld id="{6FE092B4-FA82-B564-CC58-0C31DC163A59}" type="datetime1">
               <a:t/>
             </a:fld>
           </a:p>
@@ -2015,7 +2022,7 @@
             <a:spLocks noGrp="1" noChangeArrowheads="1"/>
             <a:extLst>
               <a:ext uri="smNativeData">
-                <pr:smNativeData xmlns:pr="smNativeData" xmlns="smNativeData" val="SMDATA_15_lFoOZxMAAAAlAAAAZAAAAA8BAAAAkAAAAEgAAACQAAAASAAAAAAAAAABAAAAAAAAAAEAAABQAAAAAAAAAAAA4D8AAAAAAADgPwAAAAAAAOA/AAAAAAAA4D8AAAAAAADgPwAAAAAAAOA/AAAAAAAA4D8AAAAAAADgPwAAAAAAAOA/AAAAAAAA4D8CAAAAjAAAAAAAAAAAAAAAu+DjDP///wgAAAAAAAAAAAAAAAAAAAAAAAAAAAAAAAAAAAAAZAAAAAEAAABAAAAAAAAAAAAAAAAAAAAAAAAAAAAAAAAAAAAAAAAAAAAAAAAAAAAAAAAAAAAAAAAAAAAAAAAAAAAAAAAAAAAAAAAAAAAAAAAAAAAAAAAAAAAAAAAAAAAAFAAAADwAAAAAAAAAAAAAAAAAAAkUAAAAAQAAABQAAAAUAAAAFAAAAAEAAAAAAAAAZAAAAGQAAAAAAAAAZAAAAGQAAAAVAAAAYAAAAAAAAAAAAAAADwAAACADAAAAAAAAAAAAAAEAAACgMgAAVgcAAKr4//8BAAAAf39/AAEAAABkAAAAAAAAABQAAABAHwAAAAAAACYAAAAAAAAAwOD//wAAAAAmAAAAZAAAABYAAABMAAAAAAAAAAAAAAAEAAAAAAAAAAEAAACAgIAKAAAAACgAAAAoAAAAZAAAAGQAAAAAAAAAzMzMAAAAAABQAAAAUAAAAGQAAABkAAAAAAAAABcAAAAUAAAAAAAAAAAAAAD/fwAA/38AAAAAAAAJAAAABAAAANw7IAEeAAAAaAAAAAAAAAAAAAAAAAAAAAAAAAAAAAAAECcAABAnAAAAAAAAAAAAAAAAAAAAAAAAAAAAAAAAAAAAAAAAAAAAABQAAAAAAAAAwMD/AAAAAABkAAAAMgAAAAAAAABkAAAAAAAAAH9/fwAKAAAAIgAAABgAAAAAAAAAAAAAAAAAAAAAAAAAAAAAAAAAAAAkAAAAJAAAAAAAAAAHAAAAAAAAAAAAAAAAAAAAAAAAAAAAAAAAAAAAf39/ACUAAABYAAAAAAAAAAAAAAAAAAAAAAAAAAAAAAAAAAAAAAAAAAAAAAAAAAAAAAAAAAAAAAA/AAAAAAAAAKCGAQAAAAAAAAAAAAAAAAAMAAAAAQAAAAAAAAAAAAAAAAAAAB8AAABUAAAAAAAABQAAAAEAAAAAAAAAAAAAAAAAAAAAAAAAAAAAAAAAAAAAAAAAAAAAAAJ/f38AAAAAA8zMzADAwP8Af39/AAAAAAAAAAAAAAAAAAAAAAAAAAAAIQAAABgAAAAUAAAAoRkAABsnAABfMQAAWSkAABAAAAAmAAAACAAAAAAAAAAAAAAA"/>
+                <pr:smNativeData xmlns:pr="smNativeData" xmlns="smNativeData" val="SMDATA_15_ZjATZxMAAAAlAAAAZAAAAA8BAAAAkAAAAEgAAACQAAAASAAAAAAAAAABAAAAAAAAAAEAAABQAAAAAAAAAAAA4D8AAAAAAADgPwAAAAAAAOA/AAAAAAAA4D8AAAAAAADgPwAAAAAAAOA/AAAAAAAA4D8AAAAAAADgPwAAAAAAAOA/AAAAAAAA4D8CAAAAjAAAAAAAAAAAAAAAu+DjDP///wgAAAAAAAAAAAAAAAAAAAAAAAAAAAAAAAAAAAAAZAAAAAEAAABAAAAAAAAAAAAAAAAAAAAAAAAAAAAAAAAAAAAAAAAAAAAAAAAAAAAAAAAAAAAAAAAAAAAAAAAAAAAAAAAAAAAAAAAAAAAAAAAAAAAAAAAAAAAAAAAAAAAAFAAAADwAAAAAAAAAAAAAAAAAAAkUAAAAAQAAABQAAAAUAAAAFAAAAAEAAAAAAAAAZAAAAGQAAAAAAAAAZAAAAGQAAAAVAAAAYAAAAAAAAAAAAAAADwAAACADAAAAAAAAAAAAAAEAAACgMgAAVgcAAKr4//8BAAAAf39/AAEAAABkAAAAAAAAABQAAABAHwAAAAAAACYAAAAAAAAAwOD//wAAAAAmAAAAZAAAABYAAABMAAAAAAAAAAAAAAAEAAAAAAAAAAEAAACAgIAKAAAAACgAAAAoAAAAZAAAAGQAAAAAAAAAzMzMAAAAAABQAAAAUAAAAGQAAABkAAAAAAAAABcAAAAUAAAAAAAAAAAAAAD/fwAA/38AAAAAAAAJAAAABAAAANw7IAEeAAAAaAAAAAAAAAAAAAAAAAAAAAAAAAAAAAAAECcAABAnAAAAAAAAAAAAAAAAAAAAAAAAAAAAAAAAAAAAAAAAAAAAABQAAAAAAAAAwMD/AAAAAABkAAAAMgAAAAAAAABkAAAAAAAAAH9/fwAKAAAAIgAAABgAAAAAAAAAAAAAAAAAAAAAAAAAAAAAAAAAAAAkAAAAJAAAAAAAAAAHAAAAAAAAAAAAAAAAAAAAAAAAAAAAAAAAAAAAf39/ACUAAABYAAAAAAAAAAAAAAAAAAAAAAAAAAAAAAAAAAAAAAAAAAAAAAAAAAAAAAAAAAAAAAA/AAAAAAAAAKCGAQAAAAAAAAAAAAAAAAAMAAAAAQAAAAAAAAAAAAAAAAAAAB8AAABUAAAAAAAABQAAAAEAAAAAAAAAAAAAAAAAAAAAAAAAAAAAAAAAAAAAAAAAAAAAAAJ/f38AAAAAA8zMzADAwP8Af39/AAAAAAAAAAAAAAAAAAAAAAAAAAAAIQAAABgAAAAUAAAAoRkAABsnAABfMQAAWSkAABAAAAAmAAAACAAAAAAAAAAAAAAA"/>
               </a:ext>
             </a:extLst>
           </p:cNvSpPr>
@@ -2039,7 +2046,7 @@
             <a:spLocks noGrp="1" noChangeArrowheads="1"/>
             <a:extLst>
               <a:ext uri="smNativeData">
-                <pr:smNativeData xmlns:pr="smNativeData" xmlns="smNativeData" val="SMDATA_15_lFoOZxMAAAAlAAAAZAAAAA8BAAAAkAAAAEgAAACQAAAASAAAAAAAAAABAAAAAAAAAAEAAABQAAAAAAAAAAAA4D8AAAAAAADgPwAAAAAAAOA/AAAAAAAA4D8AAAAAAADgPwAAAAAAAOA/AAAAAAAA4D8AAAAAAADgPwAAAAAAAOA/AAAAAAAA4D8CAAAAjAAAAAAAAAAAAAAAu+DjDP///wgAAAAAAAAAAAAAAAAAAAAAAAAAAAAAAAAAAAAAZAAAAAEAAABAAAAAAAAAAAAAAAAAAAAAAAAAAAAAAAAAAAAAAAAAAAAAAAAAAAAAAAAAAAAAAAAAAAAAAAAAAAAAAAAAAAAAAAAAAAAAAAAAAAAAAAAAAAAAAAAAAAAAFAAAADwAAAAAAAAAAAAAAAAAAAkUAAAAAQAAABQAAAAUAAAAFAAAAAEAAAAAAAAAZAAAAGQAAAAAAAAAZAAAAGQAAAAVAAAAYAAAAAAAAAAAAAAADwAAACADAAAAAAAAAAAAAAEAAACgMgAAVgcAAKr4//8BAAAAf39/AAEAAABkAAAAAAAAABQAAABAHwAAAAAAACYAAAAAAAAAwOD//wAAAAAmAAAAZAAAABYAAABMAAAAAAAAAAAAAAAEAAAAAAAAAAEAAACAgIAKAAAAACgAAAAoAAAAZAAAAGQAAAAAAAAAzMzMAAAAAABQAAAAUAAAAGQAAABkAAAAAAAAABcAAAAUAAAAAAAAAAAAAAD/fwAA/38AAAAAAAAJAAAABAAAANw7IAEeAAAAaAAAAAAAAAAAAAAAAAAAAAAAAAAAAAAAECcAABAnAAAAAAAAAAAAAAAAAAAAAAAAAAAAAAAAAAAAAAAAAAAAABQAAAAAAAAAwMD/AAAAAABkAAAAMgAAAAAAAABkAAAAAAAAAH9/fwAKAAAAIgAAABgAAAAAAAAAAAAAAAAAAAAAAAAAAAAAAAAAAAAkAAAAJAAAAAAAAAAHAAAAAAAAAAAAAAAAAAAAAAAAAAAAAAAAAAAAf39/ACUAAABYAAAAAAAAAAAAAAAAAAAAAAAAAAAAAAAAAAAAAAAAAAAAAAAAAAAAAAAAAAAAAAA/AAAAAAAAAKCGAQAAAAAAAAAAAAAAAAAMAAAAAQAAAAAAAAAAAAAAAAAAAB8AAABUAAAAAAAABQAAAAEAAAAAAAAAAAAAAAAAAAAAAAAAAAAAAAAAAAAAAAAAAAAAAAJ/f38AAAAAA8zMzADAwP8Af39/AAAAAAAAAAAAAAAAAAAAAAAAAAAAIQAAABgAAAAUAAAAwTUAABsnAABARwAAWSkAABAAAAAmAAAACAAAAAAAAAAAAAAA"/>
+                <pr:smNativeData xmlns:pr="smNativeData" xmlns="smNativeData" val="SMDATA_15_ZjATZxMAAAAlAAAAZAAAAA8BAAAAkAAAAEgAAACQAAAASAAAAAAAAAABAAAAAAAAAAEAAABQAAAAAAAAAAAA4D8AAAAAAADgPwAAAAAAAOA/AAAAAAAA4D8AAAAAAADgPwAAAAAAAOA/AAAAAAAA4D8AAAAAAADgPwAAAAAAAOA/AAAAAAAA4D8CAAAAjAAAAAAAAAAAAAAAu+DjDP///wgAAAAAAAAAAAAAAAAAAAAAAAAAAAAAAAAAAAAAZAAAAAEAAABAAAAAAAAAAAAAAAAAAAAAAAAAAAAAAAAAAAAAAAAAAAAAAAAAAAAAAAAAAAAAAAAAAAAAAAAAAAAAAAAAAAAAAAAAAAAAAAAAAAAAAAAAAAAAAAAAAAAAFAAAADwAAAAAAAAAAAAAAAAAAAkUAAAAAQAAABQAAAAUAAAAFAAAAAEAAAAAAAAAZAAAAGQAAAAAAAAAZAAAAGQAAAAVAAAAYAAAAAAAAAAAAAAADwAAACADAAAAAAAAAAAAAAEAAACgMgAAVgcAAKr4//8BAAAAf39/AAEAAABkAAAAAAAAABQAAABAHwAAAAAAACYAAAAAAAAAwOD//wAAAAAmAAAAZAAAABYAAABMAAAAAAAAAAAAAAAEAAAAAAAAAAEAAACAgIAKAAAAACgAAAAoAAAAZAAAAGQAAAAAAAAAzMzMAAAAAABQAAAAUAAAAGQAAABkAAAAAAAAABcAAAAUAAAAAAAAAAAAAAD/fwAA/38AAAAAAAAJAAAABAAAANw7IAEeAAAAaAAAAAAAAAAAAAAAAAAAAAAAAAAAAAAAECcAABAnAAAAAAAAAAAAAAAAAAAAAAAAAAAAAAAAAAAAAAAAAAAAABQAAAAAAAAAwMD/AAAAAABkAAAAMgAAAAAAAABkAAAAAAAAAH9/fwAKAAAAIgAAABgAAAAAAAAAAAAAAAAAAAAAAAAAAAAAAAAAAAAkAAAAJAAAAAAAAAAHAAAAAAAAAAAAAAAAAAAAAAAAAAAAAAAAAAAAf39/ACUAAABYAAAAAAAAAAAAAAAAAAAAAAAAAAAAAAAAAAAAAAAAAAAAAAAAAAAAAAAAAAAAAAA/AAAAAAAAAKCGAQAAAAAAAAAAAAAAAAAMAAAAAQAAAAAAAAAAAAAAAAAAAB8AAABUAAAAAAAABQAAAAEAAAAAAAAAAAAAAAAAAAAAAAAAAAAAAAAAAAAAAAAAAAAAAAJ/f38AAAAAA8zMzADAwP8Af39/AAAAAAAAAAAAAAAAAAAAAAAAAAAAIQAAABgAAAAUAAAAwTUAABsnAABARwAAWSkAABAAAAAmAAAACAAAAAAAAAAAAAAA"/>
               </a:ext>
             </a:extLst>
           </p:cNvSpPr>
@@ -2053,7 +2060,7 @@
           <a:lstStyle/>
           <a:p>
             <a:pPr/>
-            <a:fld id="{2BB42215-5BC6-E1D4-880C-AD816C427EF8}" type="slidenum">
+            <a:fld id="{1F7DC9D4-9AF2-283F-BCC5-6C6A878B4A39}" type="slidenum">
               <a:t/>
             </a:fld>
           </a:p>
@@ -2092,7 +2099,7 @@
             <a:spLocks noGrp="1" noChangeArrowheads="1"/>
             <a:extLst>
               <a:ext uri="smNativeData">
-                <pr:smNativeData xmlns:pr="smNativeData" xmlns="smNativeData" val="SMDATA_15_lFoOZxMAAAAlAAAAZAAAAA8BAAAAkAAAAEgAAACQAAAASAAAAAAAAAABAAAAAAAAAAEAAABQAAAAAAAAAAAA4D8AAAAAAADgPwAAAAAAAOA/AAAAAAAA4D8AAAAAAADgPwAAAAAAAOA/AAAAAAAA4D8AAAAAAADgPwAAAAAAAOA/AAAAAAAA4D8CAAAAjAAAAAAAAAAAAAAAu+DjDP///wgAAAAAAAAAAAAAAAAAAAAAAAAAAAAAAAAAAAAAZAAAAAEAAABAAAAAAAAAAAAAAAAAAAAAAAAAAAAAAAAAAAAAAAAAAAAAAAAAAAAAAAAAAAAAAAAAAAAAAAAAAAAAAAAAAAAAAAAAAAAAAAAAAAAAAAAAAAAAAAAAAAAAFAAAADwAAAAAAAAAAAAAAAAAAAkUAAAAAQAAABQAAAAUAAAAFAAAAAEAAAAAAAAAZAAAAGQAAAAAAAAAZAAAAGQAAAAVAAAAYAAAAAAAAAAAAAAADwAAACADAAAAAAAAAAAAAAEAAACgMgAAVgcAAKr4//8BAAAAf39/AAEAAABkAAAAAAAAABQAAABAHwAAAAAAACYAAAAAAAAAwOD//wAAAAAmAAAAZAAAABYAAABMAAAAAAAAAAAAAAAEAAAAAAAAAAEAAACAgIAKAAAAACgAAAAoAAAAZAAAAGQAAAAAAAAAzMzMAAAAAABQAAAAUAAAAGQAAABkAAAAAAAAABcAAAAUAAAAAAAAAAAAAAD/fwAA/38AAAAAAAAJAAAABAAAANw7IAEeAAAAaAAAAAAAAAAAAAAAAAAAAAAAAAAAAAAAECcAABAnAAAAAAAAAAAAAAAAAAAAAAAAAAAAAAAAAAAAAAAAAAAAABQAAAAAAAAAwMD/AAAAAABkAAAAMgAAAAAAAABkAAAAAAAAAH9/fwAKAAAAIgAAABgAAAAAAAAAAAAAAAAAAAAAAAAAAAAAAAAAAAAkAAAAJAAAAAAAAAAHAAAAAAAAAAAAAAAAAAAAAAAAAAAAAAAAAAAAf39/ACUAAABYAAAAAAAAAAAAAAAAAAAAAAAAAAAAAAAAAAAAAAAAAAAAAAAAAAAAAAAAAAAAAAA/AAAAAAAAAKCGAQAAAAAAAAAAAAAAAAAMAAAAAQAAAAAAAAAAAAAAAAAAAB8AAABUAAAAAAAABQAAAAEAAAAAAAAAAAAAAAAAAAAAAAAAAAAAAAAAAAAAAAAAAAAAAAJ/f38AAAAAA8zMzADAwP8Af39/AAAAAAAAAAAAAAAAAAAAAAAAAAAAIQAAABgAAAAUAAAAwAMAABsnAAA/FQAAWSkAABAAAAAmAAAACAAAAAAAAAAAAAAA"/>
+                <pr:smNativeData xmlns:pr="smNativeData" xmlns="smNativeData" val="SMDATA_15_ZjATZxMAAAAlAAAAZAAAAA8BAAAAkAAAAEgAAACQAAAASAAAAAAAAAABAAAAAAAAAAEAAABQAAAAAAAAAAAA4D8AAAAAAADgPwAAAAAAAOA/AAAAAAAA4D8AAAAAAADgPwAAAAAAAOA/AAAAAAAA4D8AAAAAAADgPwAAAAAAAOA/AAAAAAAA4D8CAAAAjAAAAAAAAAAAAAAAu+DjDP///wgAAAAAAAAAAAAAAAAAAAAAAAAAAAAAAAAAAAAAZAAAAAEAAABAAAAAAAAAAAAAAAAAAAAAAAAAAAAAAAAAAAAAAAAAAAAAAAAAAAAAAAAAAAAAAAAAAAAAAAAAAAAAAAAAAAAAAAAAAAAAAAAAAAAAAAAAAAAAAAAAAAAAFAAAADwAAAAAAAAAAAAAAAAAAAkUAAAAAQAAABQAAAAUAAAAFAAAAAEAAAAAAAAAZAAAAGQAAAAAAAAAZAAAAGQAAAAVAAAAYAAAAAAAAAAAAAAADwAAACADAAAAAAAAAAAAAAEAAACgMgAAVgcAAKr4//8BAAAAf39/AAEAAABkAAAAAAAAABQAAABAHwAAAAAAACYAAAAAAAAAwOD//wAAAAAmAAAAZAAAABYAAABMAAAAAAAAAAAAAAAEAAAAAAAAAAEAAACAgIAKAAAAACgAAAAoAAAAZAAAAGQAAAAAAAAAzMzMAAAAAABQAAAAUAAAAGQAAABkAAAAAAAAABcAAAAUAAAAAAAAAAAAAAD/fwAA/38AAAAAAAAJAAAABAAAANw7IAEeAAAAaAAAAAAAAAAAAAAAAAAAAAAAAAAAAAAAECcAABAnAAAAAAAAAAAAAAAAAAAAAAAAAAAAAAAAAAAAAAAAAAAAABQAAAAAAAAAwMD/AAAAAABkAAAAMgAAAAAAAABkAAAAAAAAAH9/fwAKAAAAIgAAABgAAAAAAAAAAAAAAAAAAAAAAAAAAAAAAAAAAAAkAAAAJAAAAAAAAAAHAAAAAAAAAAAAAAAAAAAAAAAAAAAAAAAAAAAAf39/ACUAAABYAAAAAAAAAAAAAAAAAAAAAAAAAAAAAAAAAAAAAAAAAAAAAAAAAAAAAAAAAAAAAAA/AAAAAAAAAKCGAQAAAAAAAAAAAAAAAAAMAAAAAQAAAAAAAAAAAAAAAAAAAB8AAABUAAAAAAAABQAAAAEAAAAAAAAAAAAAAAAAAAAAAAAAAAAAAAAAAAAAAAAAAAAAAAJ/f38AAAAAA8zMzADAwP8Af39/AAAAAAAAAAAAAAAAAAAAAAAAAAAAIQAAABgAAAAUAAAAwAMAABsnAAA/FQAAWSkAABAAAAAmAAAACAAAAAAAAAAAAAAA"/>
               </a:ext>
             </a:extLst>
           </p:cNvSpPr>
@@ -2106,7 +2113,7 @@
           <a:lstStyle/>
           <a:p>
             <a:pPr/>
-            <a:fld id="{7652F87F-319B-070E-D5EA-C75BB6A42392}" type="datetime1">
+            <a:fld id="{63E8E272-3C8E-BD14-C050-CA41AC1E369F}" type="datetime1">
               <a:t/>
             </a:fld>
           </a:p>
@@ -2119,7 +2126,7 @@
             <a:spLocks noGrp="1" noChangeArrowheads="1"/>
             <a:extLst>
               <a:ext uri="smNativeData">
-                <pr:smNativeData xmlns:pr="smNativeData" xmlns="smNativeData" val="SMDATA_15_lFoOZxMAAAAlAAAAZAAAAA8BAAAAkAAAAEgAAACQAAAASAAAAAAAAAABAAAAAAAAAAEAAABQAAAAAAAAAAAA4D8AAAAAAADgPwAAAAAAAOA/AAAAAAAA4D8AAAAAAADgPwAAAAAAAOA/AAAAAAAA4D8AAAAAAADgPwAAAAAAAOA/AAAAAAAA4D8CAAAAjAAAAAAAAAAAAAAAu+DjDP///wgAAAAAAAAAAAAAAAAAAAAAAAAAAAAAAAAAAAAAZAAAAAEAAABAAAAAAAAAAAAAAAAAAAAAAAAAAAAAAAAAAAAAAAAAAAAAAAAAAAAAAAAAAAAAAAAAAAAAAAAAAAAAAAAAAAAAAAAAAAAAAAAAAAAAAAAAAAAAAAAAAAAAFAAAADwAAAAAAAAAAAAAAAAAAAkUAAAAAQAAABQAAAAUAAAAFAAAAAEAAAAAAAAAZAAAAGQAAAAAAAAAZAAAAGQAAAAVAAAAYAAAAAAAAAAAAAAADwAAACADAAAAAAAAAAAAAAEAAACgMgAAVgcAAKr4//8BAAAAf39/AAEAAABkAAAAAAAAABQAAABAHwAAAAAAACYAAAAAAAAAwOD//wAAAAAmAAAAZAAAABYAAABMAAAAAAAAAAAAAAAEAAAAAAAAAAEAAACAgIAKAAAAACgAAAAoAAAAZAAAAGQAAAAAAAAAzMzMAAAAAABQAAAAUAAAAGQAAABkAAAAAAAAABcAAAAUAAAAAAAAAAAAAAD/fwAA/38AAAAAAAAJAAAABAAAAAAAAAAeAAAAaAAAAAAAAAAAAAAAAAAAAAAAAAAAAAAAECcAABAnAAAAAAAAAAAAAAAAAAAAAAAAAAAAAAAAAAAAAAAAAAAAABQAAAAAAAAAwMD/AAAAAABkAAAAMgAAAAAAAABkAAAAAAAAAH9/fwAKAAAAIgAAABgAAAAAAAAAAAAAAAAAAAAAAAAAAAAAAAAAAAAkAAAAJAAAAAAAAAAHAAAAAAAAAAAAAAAAAAAAAAAAAAAAAAAAAAAAf39/ACUAAABYAAAAAAAAAAAAAAAAAAAAAAAAAAAAAAAAAAAAAAAAAAAAAAAAAAAAAAAAAAAAAAA/AAAAAAAAAKCGAQAAAAAAAAAAAAAAAAAMAAAAAQAAAAAAAAAAAAAAAAAAAB8AAABUAAAAAAAABQAAAAEAAAAAAAAAAAAAAAAAAAAAAAAAAAAAAAAAAAAAAAAAAAAAAAJ/f38AAAAAA8zMzADAwP8Af39/AAAAAAAAAAAAAAAAAAAAAAAAAAAAIQAAABgAAAAUAAAAoRkAABsnAABfMQAAWSkAABAAAAAmAAAACAAAAAAAAAAAAAAA"/>
+                <pr:smNativeData xmlns:pr="smNativeData" xmlns="smNativeData" val="SMDATA_15_ZjATZxMAAAAlAAAAZAAAAA8BAAAAkAAAAEgAAACQAAAASAAAAAAAAAABAAAAAAAAAAEAAABQAAAAAAAAAAAA4D8AAAAAAADgPwAAAAAAAOA/AAAAAAAA4D8AAAAAAADgPwAAAAAAAOA/AAAAAAAA4D8AAAAAAADgPwAAAAAAAOA/AAAAAAAA4D8CAAAAjAAAAAAAAAAAAAAAu+DjDP///wgAAAAAAAAAAAAAAAAAAAAAAAAAAAAAAAAAAAAAZAAAAAEAAABAAAAAAAAAAAAAAAAAAAAAAAAAAAAAAAAAAAAAAAAAAAAAAAAAAAAAAAAAAAAAAAAAAAAAAAAAAAAAAAAAAAAAAAAAAAAAAAAAAAAAAAAAAAAAAAAAAAAAFAAAADwAAAAAAAAAAAAAAAAAAAkUAAAAAQAAABQAAAAUAAAAFAAAAAEAAAAAAAAAZAAAAGQAAAAAAAAAZAAAAGQAAAAVAAAAYAAAAAAAAAAAAAAADwAAACADAAAAAAAAAAAAAAEAAACgMgAAVgcAAKr4//8BAAAAf39/AAEAAABkAAAAAAAAABQAAABAHwAAAAAAACYAAAAAAAAAwOD//wAAAAAmAAAAZAAAABYAAABMAAAAAAAAAAAAAAAEAAAAAAAAAAEAAACAgIAKAAAAACgAAAAoAAAAZAAAAGQAAAAAAAAAzMzMAAAAAABQAAAAUAAAAGQAAABkAAAAAAAAABcAAAAUAAAAAAAAAAAAAAD/fwAA/38AAAAAAAAJAAAABAAAAAAAAAAeAAAAaAAAAAAAAAAAAAAAAAAAAAAAAAAAAAAAECcAABAnAAAAAAAAAAAAAAAAAAAAAAAAAAAAAAAAAAAAAAAAAAAAABQAAAAAAAAAwMD/AAAAAABkAAAAMgAAAAAAAABkAAAAAAAAAH9/fwAKAAAAIgAAABgAAAAAAAAAAAAAAAAAAAAAAAAAAAAAAAAAAAAkAAAAJAAAAAAAAAAHAAAAAAAAAAAAAAAAAAAAAAAAAAAAAAAAAAAAf39/ACUAAABYAAAAAAAAAAAAAAAAAAAAAAAAAAAAAAAAAAAAAAAAAAAAAAAAAAAAAAAAAAAAAAA/AAAAAAAAAKCGAQAAAAAAAAAAAAAAAAAMAAAAAQAAAAAAAAAAAAAAAAAAAB8AAABUAAAAAAAABQAAAAEAAAAAAAAAAAAAAAAAAAAAAAAAAAAAAAAAAAAAAAAAAAAAAAJ/f38AAAAAA8zMzADAwP8Af39/AAAAAAAAAAAAAAAAAAAAAAAAAAAAIQAAABgAAAAUAAAAoRkAABsnAABfMQAAWSkAABAAAAAmAAAACAAAAAAAAAAAAAAA"/>
               </a:ext>
             </a:extLst>
           </p:cNvSpPr>
@@ -2143,7 +2150,7 @@
             <a:spLocks noGrp="1" noChangeArrowheads="1"/>
             <a:extLst>
               <a:ext uri="smNativeData">
-                <pr:smNativeData xmlns:pr="smNativeData" xmlns="smNativeData" val="SMDATA_15_lFoOZxMAAAAlAAAAZAAAAA8BAAAAkAAAAEgAAACQAAAASAAAAAAAAAABAAAAAAAAAAEAAABQAAAAAAAAAAAA4D8AAAAAAADgPwAAAAAAAOA/AAAAAAAA4D8AAAAAAADgPwAAAAAAAOA/AAAAAAAA4D8AAAAAAADgPwAAAAAAAOA/AAAAAAAA4D8CAAAAjAAAAAAAAAAAAAAAu+DjDP///wgAAAAAAAAAAAAAAAAAAAAAAAAAAAAAAAAAAAAAZAAAAAEAAABAAAAAAAAAAAAAAAAAAAAAAAAAAAAAAAAAAAAAAAAAAAAAAAAAAAAAAAAAAAAAAAAAAAAAAAAAAAAAAAAAAAAAAAAAAAAAAAAAAAAAAAAAAAAAAAAAAAAAFAAAADwAAAAAAAAAAAAAAAAAAAkUAAAAAQAAABQAAAAUAAAAFAAAAAEAAAAAAAAAZAAAAGQAAAAAAAAAZAAAAGQAAAAVAAAAYAAAAAAAAAAAAAAADwAAACADAAAAAAAAAAAAAAEAAACgMgAAVgcAAKr4//8BAAAAf39/AAEAAABkAAAAAAAAABQAAABAHwAAAAAAACYAAAAAAAAAwOD//wAAAAAmAAAAZAAAABYAAABMAAAAAAAAAAAAAAAEAAAAAAAAAAEAAACAgIAKAAAAACgAAAAoAAAAZAAAAGQAAAAAAAAAzMzMAAAAAABQAAAAUAAAAGQAAABkAAAAAAAAABcAAAAUAAAAAAAAAAAAAAD/fwAA/38AAAAAAAAJAAAABAAAAAAAAAAeAAAAaAAAAAAAAAAAAAAAAAAAAAAAAAAAAAAAECcAABAnAAAAAAAAAAAAAAAAAAAAAAAAAAAAAAAAAAAAAAAAAAAAABQAAAAAAAAAwMD/AAAAAABkAAAAMgAAAAAAAABkAAAAAAAAAH9/fwAKAAAAIgAAABgAAAAAAAAAAAAAAAAAAAAAAAAAAAAAAAAAAAAkAAAAJAAAAAAAAAAHAAAAAAAAAAAAAAAAAAAAAAAAAAAAAAAAAAAAf39/ACUAAABYAAAAAAAAAAAAAAAAAAAAAAAAAAAAAAAAAAAAAAAAAAAAAAAAAAAAAAAAAAAAAAA/AAAAAAAAAKCGAQAAAAAAAAAAAAAAAAAMAAAAAQAAAAAAAAAAAAAAAAAAAB8AAABUAAAAAAAABQAAAAEAAAAAAAAAAAAAAAAAAAAAAAAAAAAAAAAAAAAAAAAAAAAAAAJ/f38AAAAAA8zMzADAwP8Af39/AAAAAAAAAAAAAAAAAAAAAAAAAAAAIQAAABgAAAAUAAAAwTUAABsnAABARwAAWSkAABAAAAAmAAAACAAAAAAAAAAAAAAA"/>
+                <pr:smNativeData xmlns:pr="smNativeData" xmlns="smNativeData" val="SMDATA_15_ZjATZxMAAAAlAAAAZAAAAA8BAAAAkAAAAEgAAACQAAAASAAAAAAAAAABAAAAAAAAAAEAAABQAAAAAAAAAAAA4D8AAAAAAADgPwAAAAAAAOA/AAAAAAAA4D8AAAAAAADgPwAAAAAAAOA/AAAAAAAA4D8AAAAAAADgPwAAAAAAAOA/AAAAAAAA4D8CAAAAjAAAAAAAAAAAAAAAu+DjDP///wgAAAAAAAAAAAAAAAAAAAAAAAAAAAAAAAAAAAAAZAAAAAEAAABAAAAAAAAAAAAAAAAAAAAAAAAAAAAAAAAAAAAAAAAAAAAAAAAAAAAAAAAAAAAAAAAAAAAAAAAAAAAAAAAAAAAAAAAAAAAAAAAAAAAAAAAAAAAAAAAAAAAAFAAAADwAAAAAAAAAAAAAAAAAAAkUAAAAAQAAABQAAAAUAAAAFAAAAAEAAAAAAAAAZAAAAGQAAAAAAAAAZAAAAGQAAAAVAAAAYAAAAAAAAAAAAAAADwAAACADAAAAAAAAAAAAAAEAAACgMgAAVgcAAKr4//8BAAAAf39/AAEAAABkAAAAAAAAABQAAABAHwAAAAAAACYAAAAAAAAAwOD//wAAAAAmAAAAZAAAABYAAABMAAAAAAAAAAAAAAAEAAAAAAAAAAEAAACAgIAKAAAAACgAAAAoAAAAZAAAAGQAAAAAAAAAzMzMAAAAAABQAAAAUAAAAGQAAABkAAAAAAAAABcAAAAUAAAAAAAAAAAAAAD/fwAA/38AAAAAAAAJAAAABAAAAAAAAAAeAAAAaAAAAAAAAAAAAAAAAAAAAAAAAAAAAAAAECcAABAnAAAAAAAAAAAAAAAAAAAAAAAAAAAAAAAAAAAAAAAAAAAAABQAAAAAAAAAwMD/AAAAAABkAAAAMgAAAAAAAABkAAAAAAAAAH9/fwAKAAAAIgAAABgAAAAAAAAAAAAAAAAAAAAAAAAAAAAAAAAAAAAkAAAAJAAAAAAAAAAHAAAAAAAAAAAAAAAAAAAAAAAAAAAAAAAAAAAAf39/ACUAAABYAAAAAAAAAAAAAAAAAAAAAAAAAAAAAAAAAAAAAAAAAAAAAAAAAAAAAAAAAAAAAAA/AAAAAAAAAKCGAQAAAAAAAAAAAAAAAAAMAAAAAQAAAAAAAAAAAAAAAAAAAB8AAABUAAAAAAAABQAAAAEAAAAAAAAAAAAAAAAAAAAAAAAAAAAAAAAAAAAAAAAAAAAAAAJ/f38AAAAAA8zMzADAwP8Af39/AAAAAAAAAAAAAAAAAAAAAAAAAAAAIQAAABgAAAAUAAAAwTUAABsnAABARwAAWSkAABAAAAAmAAAACAAAAAAAAAAAAAAA"/>
               </a:ext>
             </a:extLst>
           </p:cNvSpPr>
@@ -2157,7 +2164,7 @@
           <a:lstStyle/>
           <a:p>
             <a:pPr/>
-            <a:fld id="{56043752-1CBB-51C1-F5BC-EA9479F203BF}" type="slidenum">
+            <a:fld id="{78D961AD-E395-8C97-DB61-15C22F2F2D40}" type="slidenum">
               <a:t/>
             </a:fld>
           </a:p>
@@ -2196,7 +2203,7 @@
             <a:spLocks noGrp="1" noChangeArrowheads="1"/>
             <a:extLst>
               <a:ext uri="smNativeData">
-                <pr:smNativeData xmlns:pr="smNativeData" xmlns="smNativeData" val="SMDATA_15_lFoOZxMAAAAlAAAAZAAAAA8BAAAAkAAAAEgAAACQAAAASAAAAAAAAAACAAAAAAAAAAEAAABQAAAAAAAAAAAA4D8AAAAAAADgPwAAAAAAAOA/AAAAAAAA4D8AAAAAAADgPwAAAAAAAOA/AAAAAAAA4D8AAAAAAADgPwAAAAAAAOA/AAAAAAAA4D8CAAAAjAAAAAAAAAAAAAAAu+DjDP///wgAAAAAAAAAAAAAAAAAAAAAAAAAAAAAAAAAAAAAZAAAAAEAAABAAAAAAAAAAAAAAAAAAAAAAAAAAAAAAAAAAAAAAAAAAAAAAAAAAAAAAAAAAAAAAAAAAAAAAAAAAAAAAAAAAAAAAAAAAAAAAAAAAAAAAAAAAAAAAAAAAAAAFAAAADwAAAAAAAAAAAAAAAAAAAkUAAAAAQAAABQAAAAUAAAAFAAAAAEAAAAAAAAAZAAAAGQAAAAAAAAAZAAAAGQAAAAVAAAAYAAAAAAAAAAAAAAADwAAACADAAAAAAAAAAAAAAEAAACgMgAAVgcAAKr4//8BAAAAf39/AAEAAABkAAAAAAAAABQAAABAHwAAAAAAACYAAAAAAAAAwOD//wAAAAAmAAAAZAAAABYAAABMAAAAAAAAAAAAAAAEAAAAAAAAAAEAAACAgIAKAAAAACgAAAAoAAAAZAAAAGQAAAAAAAAAzMzMAAAAAABQAAAAUAAAAGQAAABkAAAAAAAAABcAAAAUAAAAAAAAAAAAAAD/fwAA/38AAAAAAAAJAAAABAAAAAAAAAAeAAAAaAAAAAAAAAAAAAAAAAAAAAAAAAAAAAAAECcAABAnAAAAAAAAAAAAAAAAAAAAAAAAAAAAAAAAAAAAAAAAAAAAABQAAAAAAAAAwMD/AAAAAABkAAAAMgAAAAAAAABkAAAAAAAAAH9/fwAKAAAAIgAAABgAAAAAAAAAAAAAAAAAAAAAAAAAAAAAAAAAAAAkAAAAJAAAAAAAAAAHAAAAAAAAAAAAAAAAAAAAAAAAAAAAAAAAAAAAf39/ACUAAABYAAAAAAAAAAAAAAAAAAAAAAAAAAAAAAAAAAAAAAAAAAAAAAAAAAAAAAAAAAAAAAA/AAAAAAAAAKCGAQAAAAAAAAAAAAAAAAAMAAAAAQAAAAAAAAAAAAAAAAAAAB8AAABUAAAAAAAABQAAAAEAAAAAAAAAAAAAAAAAAAAAAAAAAAAAAAAAAAAAAAAAAAAAAAJ/f38AAAAAA8zMzADAwP8Af39/AAAAAAAAAAAAAAAAAAAAAAAAAAAAIQAAABgAAAAUAAAAwAMAAK4BAABtHAAA1AgAABAAAAAmAAAACAAAAIGAAAAAAAAA"/>
+                <pr:smNativeData xmlns:pr="smNativeData" xmlns="smNativeData" val="SMDATA_15_ZjATZxMAAAAlAAAAZAAAAA8BAAAAkAAAAEgAAACQAAAASAAAAAAAAAACAAAAAAAAAAEAAABQAAAAAAAAAAAA4D8AAAAAAADgPwAAAAAAAOA/AAAAAAAA4D8AAAAAAADgPwAAAAAAAOA/AAAAAAAA4D8AAAAAAADgPwAAAAAAAOA/AAAAAAAA4D8CAAAAjAAAAAAAAAAAAAAAu+DjDP///wgAAAAAAAAAAAAAAAAAAAAAAAAAAAAAAAAAAAAAZAAAAAEAAABAAAAAAAAAAAAAAAAAAAAAAAAAAAAAAAAAAAAAAAAAAAAAAAAAAAAAAAAAAAAAAAAAAAAAAAAAAAAAAAAAAAAAAAAAAAAAAAAAAAAAAAAAAAAAAAAAAAAAFAAAADwAAAAAAAAAAAAAAAAAAAkUAAAAAQAAABQAAAAUAAAAFAAAAAEAAAAAAAAAZAAAAGQAAAAAAAAAZAAAAGQAAAAVAAAAYAAAAAAAAAAAAAAADwAAACADAAAAAAAAAAAAAAEAAACgMgAAVgcAAKr4//8BAAAAf39/AAEAAABkAAAAAAAAABQAAABAHwAAAAAAACYAAAAAAAAAwOD//wAAAAAmAAAAZAAAABYAAABMAAAAAAAAAAAAAAAEAAAAAAAAAAEAAACAgIAKAAAAACgAAAAoAAAAZAAAAGQAAAAAAAAAzMzMAAAAAABQAAAAUAAAAGQAAABkAAAAAAAAABcAAAAUAAAAAAAAAAAAAAD/fwAA/38AAAAAAAAJAAAABAAAAAAAAAAeAAAAaAAAAAAAAAAAAAAAAAAAAAAAAAAAAAAAECcAABAnAAAAAAAAAAAAAAAAAAAAAAAAAAAAAAAAAAAAAAAAAAAAABQAAAAAAAAAwMD/AAAAAABkAAAAMgAAAAAAAABkAAAAAAAAAH9/fwAKAAAAIgAAABgAAAAAAAAAAAAAAAAAAAAAAAAAAAAAAAAAAAAkAAAAJAAAAAAAAAAHAAAAAAAAAAAAAAAAAAAAAAAAAAAAAAAAAAAAf39/ACUAAABYAAAAAAAAAAAAAAAAAAAAAAAAAAAAAAAAAAAAAAAAAAAAAAAAAAAAAAAAAAAAAAA/AAAAAAAAAKCGAQAAAAAAAAAAAAAAAAAMAAAAAQAAAAAAAAAAAAAAAAAAAB8AAABUAAAAAAAABQAAAAEAAAAAAAAAAAAAAAAAAAAAAAAAAAAAAAAAAAAAAAAAAAAAAAJ/f38AAAAAA8zMzADAwP8Af39/AAAAAAAAAAAAAAAAAAAAAAAAAAAAIQAAABgAAAAUAAAAwAMAAK4BAABtHAAA1AgAABAAAAAmAAAACAAAAIGAAAAAAAAA"/>
               </a:ext>
             </a:extLst>
           </p:cNvSpPr>
@@ -2236,7 +2243,7 @@
             <a:spLocks noGrp="1" noChangeArrowheads="1"/>
             <a:extLst>
               <a:ext uri="smNativeData">
-                <pr:smNativeData xmlns:pr="smNativeData" xmlns="smNativeData" val="SMDATA_15_lFoOZxMAAAAlAAAAZAAAAA8BAAAAkAAAAEgAAACQAAAASAAAAAAAAAAAAAAAAAAAAAEAAABQAAAAAAAAAAAA4D8AAAAAAADgPwAAAAAAAOA/AAAAAAAA4D8AAAAAAADgPwAAAAAAAOA/AAAAAAAA4D8AAAAAAADgPwAAAAAAAOA/AAAAAAAA4D8CAAAAjAAAAAAAAAAAAAAAu+DjDP///wgAAAAAAAAAAAAAAAAAAAAAAAAAAAAAAAAAAAAAZAAAAAEAAABAAAAAAAAAAAAAAAAAAAAAAAAAAAAAAAAAAAAAAAAAAAAAAAAAAAAAAAAAAAAAAAAAAAAAAAAAAAAAAAAAAAAAAAAAAAAAAAAAAAAAAAAAAAAAAAAAAAAAFAAAADwAAAAAAAAAAAAAAAAAAAkUAAAAAQAAABQAAAAUAAAAFAAAAAEAAAAAAAAAZAAAAGQAAAAAAAAAZAAAAGQAAAAVAAAAYAAAAAAAAAAAAAAADwAAACADAAAAAAAAAAAAAAEAAACgMgAAVgcAAKr4//8BAAAAf39/AAEAAABkAAAAAAAAABQAAABAHwAAAAAAACYAAAAAAAAAwOD//wAAAAAmAAAAZAAAABYAAABMAAAAAAAAAAAAAAAEAAAAAAAAAAEAAACAgIAKAAAAACgAAAAoAAAAZAAAAGQAAAAAAAAAzMzMAAAAAABQAAAAUAAAAGQAAABkAAAAAAAAABcAAAAUAAAAAAAAAAAAAAD/fwAA/38AAAAAAAAJAAAABAAAAAAAAAAeAAAAaAAAAAAAAAAAAAAAAAAAAAAAAAAAAAAAECcAABAnAAAAAAAAAAAAAAAAAAAAAAAAAAAAAAAAAAAAAAAAAAAAABQAAAAAAAAAwMD/AAAAAABkAAAAMgAAAAAAAABkAAAAAAAAAH9/fwAKAAAAIgAAABgAAAAAAAAAAAAAAAAAAAAAAAAAAAAAAAAAAAAkAAAAJAAAAAAAAAAHAAAAAAAAAAAAAAAAAAAAAAAAAAAAAAAAAAAAf39/ACUAAABYAAAAAAAAAAAAAAAAAAAAAAAAAAAAAAAAAAAAAAAAAAAAAAAAAAAAAAAAAAAAAAA/AAAAAAAAAKCGAQAAAAAAAAAAAAAAAAAMAAAAAQAAAAAAAAAAAAAAAAAAAB8AAABUAAAAAAAABQAAAAEAAAAAAAAAAAAAAAAAAAAAAAAAAAAAAAAAAAAAAAAAAAAAAAJ/f38AAAAAA8zMzADAwP8Af39/AAAAAAAAAAAAAAAAAAAAAAAAAAAAIQAAABgAAAAUAAAAUx0AAK4BAABARwAAsCUAABAAAAAmAAAACAAAAAGAAAAAAAAA"/>
+                <pr:smNativeData xmlns:pr="smNativeData" xmlns="smNativeData" val="SMDATA_15_ZjATZxMAAAAlAAAAZAAAAA8BAAAAkAAAAEgAAACQAAAASAAAAAAAAAAAAAAAAAAAAAEAAABQAAAAAAAAAAAA4D8AAAAAAADgPwAAAAAAAOA/AAAAAAAA4D8AAAAAAADgPwAAAAAAAOA/AAAAAAAA4D8AAAAAAADgPwAAAAAAAOA/AAAAAAAA4D8CAAAAjAAAAAAAAAAAAAAAu+DjDP///wgAAAAAAAAAAAAAAAAAAAAAAAAAAAAAAAAAAAAAZAAAAAEAAABAAAAAAAAAAAAAAAAAAAAAAAAAAAAAAAAAAAAAAAAAAAAAAAAAAAAAAAAAAAAAAAAAAAAAAAAAAAAAAAAAAAAAAAAAAAAAAAAAAAAAAAAAAAAAAAAAAAAAFAAAADwAAAAAAAAAAAAAAAAAAAkUAAAAAQAAABQAAAAUAAAAFAAAAAEAAAAAAAAAZAAAAGQAAAAAAAAAZAAAAGQAAAAVAAAAYAAAAAAAAAAAAAAADwAAACADAAAAAAAAAAAAAAEAAACgMgAAVgcAAKr4//8BAAAAf39/AAEAAABkAAAAAAAAABQAAABAHwAAAAAAACYAAAAAAAAAwOD//wAAAAAmAAAAZAAAABYAAABMAAAAAAAAAAAAAAAEAAAAAAAAAAEAAACAgIAKAAAAACgAAAAoAAAAZAAAAGQAAAAAAAAAzMzMAAAAAABQAAAAUAAAAGQAAABkAAAAAAAAABcAAAAUAAAAAAAAAAAAAAD/fwAA/38AAAAAAAAJAAAABAAAAAAAAAAeAAAAaAAAAAAAAAAAAAAAAAAAAAAAAAAAAAAAECcAABAnAAAAAAAAAAAAAAAAAAAAAAAAAAAAAAAAAAAAAAAAAAAAABQAAAAAAAAAwMD/AAAAAABkAAAAMgAAAAAAAABkAAAAAAAAAH9/fwAKAAAAIgAAABgAAAAAAAAAAAAAAAAAAAAAAAAAAAAAAAAAAAAkAAAAJAAAAAAAAAAHAAAAAAAAAAAAAAAAAAAAAAAAAAAAAAAAAAAAf39/ACUAAABYAAAAAAAAAAAAAAAAAAAAAAAAAAAAAAAAAAAAAAAAAAAAAAAAAAAAAAAAAAAAAAA/AAAAAAAAAKCGAQAAAAAAAAAAAAAAAAAMAAAAAQAAAAAAAAAAAAAAAAAAAB8AAABUAAAAAAAABQAAAAEAAAAAAAAAAAAAAAAAAAAAAAAAAAAAAAAAAAAAAAAAAAAAAAJ/f38AAAAAA8zMzADAwP8Af39/AAAAAAAAAAAAAAAAAAAAAAAAAAAAIQAAABgAAAAUAAAAUx0AAK4BAABARwAAsCUAABAAAAAmAAAACAAAAAGAAAAAAAAA"/>
               </a:ext>
             </a:extLst>
           </p:cNvSpPr>
@@ -2320,7 +2327,7 @@
             <a:spLocks noGrp="1" noChangeArrowheads="1"/>
             <a:extLst>
               <a:ext uri="smNativeData">
-                <pr:smNativeData xmlns:pr="smNativeData" xmlns="smNativeData" val="SMDATA_15_lFoOZxMAAAAlAAAAZAAAAA8BAAAAkAAAAEgAAACQAAAASAAAAAAAAAAAAAAAAAAAAAEAAABQAAAAAAAAAAAA4D8AAAAAAADgPwAAAAAAAOA/AAAAAAAA4D8AAAAAAADgPwAAAAAAAOA/AAAAAAAA4D8AAAAAAADgPwAAAAAAAOA/AAAAAAAA4D8CAAAAjAAAAAAAAAAAAAAAu+DjDP///wgAAAAAAAAAAAAAAAAAAAAAAAAAAAAAAAAAAAAAZAAAAAEAAABAAAAAAAAAAAAAAAAAAAAAAAAAAAAAAAAAAAAAAAAAAAAAAAAAAAAAAAAAAAAAAAAAAAAAAAAAAAAAAAAAAAAAAAAAAAAAAAAAAAAAAAAAAAAAAAAAAAAAFAAAADwAAAAAAAAAAAAAAAAAAAkUAAAAAQAAABQAAAAUAAAAFAAAAAEAAAAAAAAAZAAAAGQAAAAAAAAAZAAAAGQAAAAVAAAAYAAAAAAAAAAAAAAADwAAACADAAAAAAAAAAAAAAEAAACgMgAAVgcAAKr4//8BAAAAf39/AAEAAABkAAAAAAAAABQAAABAHwAAAAAAACYAAAAAAAAAwOD//wAAAAAmAAAAZAAAABYAAABMAAAAAAAAAAAAAAAEAAAAAAAAAAEAAACAgIAKAAAAACgAAAAoAAAAZAAAAGQAAAAAAAAAzMzMAAAAAABQAAAAUAAAAGQAAABkAAAAAAAAABcAAAAUAAAAAAAAAAAAAAD/fwAA/38AAAAAAAAJAAAABAAAAAAAAAAeAAAAaAAAAAAAAAAAAAAAAAAAAAAAAAAAAAAAECcAABAnAAAAAAAAAAAAAAAAAAAAAAAAAAAAAAAAAAAAAAAAAAAAABQAAAAAAAAAwMD/AAAAAABkAAAAMgAAAAAAAABkAAAAAAAAAH9/fwAKAAAAIgAAABgAAAAAAAAAAAAAAAAAAAAAAAAAAAAAAAAAAAAkAAAAJAAAAAAAAAAHAAAAAAAAAAAAAAAAAAAAAAAAAAAAAAAAAAAAf39/ACUAAABYAAAAAAAAAAAAAAAAAAAAAAAAAAAAAAAAAAAAAAAAAAAAAAAAAAAAAAAAAAAAAAA/AAAAAAAAAKCGAQAAAAAAAAAAAAAAAAAMAAAAAQAAAAAAAAAAAAAAAAAAAB8AAABUAAAAAAAABQAAAAEAAAAAAAAAAAAAAAAAAAAAAAAAAAAAAAAAAAAAAAAAAAAAAAJ/f38AAAAAA8zMzADAwP8Af39/AAAAAAAAAAAAAAAAAAAAAAAAAAAAIQAAABgAAAAUAAAAwAMAANQIAABtHAAAsCUAABAAAAAmAAAACAAAAAGAAAAAAAAA"/>
+                <pr:smNativeData xmlns:pr="smNativeData" xmlns="smNativeData" val="SMDATA_15_ZjATZxMAAAAlAAAAZAAAAA8BAAAAkAAAAEgAAACQAAAASAAAAAAAAAAAAAAAAAAAAAEAAABQAAAAAAAAAAAA4D8AAAAAAADgPwAAAAAAAOA/AAAAAAAA4D8AAAAAAADgPwAAAAAAAOA/AAAAAAAA4D8AAAAAAADgPwAAAAAAAOA/AAAAAAAA4D8CAAAAjAAAAAAAAAAAAAAAu+DjDP///wgAAAAAAAAAAAAAAAAAAAAAAAAAAAAAAAAAAAAAZAAAAAEAAABAAAAAAAAAAAAAAAAAAAAAAAAAAAAAAAAAAAAAAAAAAAAAAAAAAAAAAAAAAAAAAAAAAAAAAAAAAAAAAAAAAAAAAAAAAAAAAAAAAAAAAAAAAAAAAAAAAAAAFAAAADwAAAAAAAAAAAAAAAAAAAkUAAAAAQAAABQAAAAUAAAAFAAAAAEAAAAAAAAAZAAAAGQAAAAAAAAAZAAAAGQAAAAVAAAAYAAAAAAAAAAAAAAADwAAACADAAAAAAAAAAAAAAEAAACgMgAAVgcAAKr4//8BAAAAf39/AAEAAABkAAAAAAAAABQAAABAHwAAAAAAACYAAAAAAAAAwOD//wAAAAAmAAAAZAAAABYAAABMAAAAAAAAAAAAAAAEAAAAAAAAAAEAAACAgIAKAAAAACgAAAAoAAAAZAAAAGQAAAAAAAAAzMzMAAAAAABQAAAAUAAAAGQAAABkAAAAAAAAABcAAAAUAAAAAAAAAAAAAAD/fwAA/38AAAAAAAAJAAAABAAAAAAAAAAeAAAAaAAAAAAAAAAAAAAAAAAAAAAAAAAAAAAAECcAABAnAAAAAAAAAAAAAAAAAAAAAAAAAAAAAAAAAAAAAAAAAAAAABQAAAAAAAAAwMD/AAAAAABkAAAAMgAAAAAAAABkAAAAAAAAAH9/fwAKAAAAIgAAABgAAAAAAAAAAAAAAAAAAAAAAAAAAAAAAAAAAAAkAAAAJAAAAAAAAAAHAAAAAAAAAAAAAAAAAAAAAAAAAAAAAAAAAAAAf39/ACUAAABYAAAAAAAAAAAAAAAAAAAAAAAAAAAAAAAAAAAAAAAAAAAAAAAAAAAAAAAAAAAAAAA/AAAAAAAAAKCGAQAAAAAAAAAAAAAAAAAMAAAAAQAAAAAAAAAAAAAAAAAAAB8AAABUAAAAAAAABQAAAAEAAAAAAAAAAAAAAAAAAAAAAAAAAAAAAAAAAAAAAAAAAAAAAAJ/f38AAAAAA8zMzADAwP8Af39/AAAAAAAAAAAAAAAAAAAAAAAAAAAAIQAAABgAAAAUAAAAwAMAANQIAABtHAAAsCUAABAAAAAmAAAACAAAAAGAAAAAAAAA"/>
               </a:ext>
             </a:extLst>
           </p:cNvSpPr>
@@ -2389,7 +2396,7 @@
             <a:spLocks noGrp="1" noChangeArrowheads="1"/>
             <a:extLst>
               <a:ext uri="smNativeData">
-                <pr:smNativeData xmlns:pr="smNativeData" xmlns="smNativeData" val="SMDATA_15_lFoOZxMAAAAlAAAAZAAAAA8BAAAAkAAAAEgAAACQAAAASAAAAAAAAAABAAAAAAAAAAEAAABQAAAAAAAAAAAA4D8AAAAAAADgPwAAAAAAAOA/AAAAAAAA4D8AAAAAAADgPwAAAAAAAOA/AAAAAAAA4D8AAAAAAADgPwAAAAAAAOA/AAAAAAAA4D8CAAAAjAAAAAAAAAAAAAAAu+DjDP///wgAAAAAAAAAAAAAAAAAAAAAAAAAAAAAAAAAAAAAZAAAAAEAAABAAAAAAAAAAAAAAAAAAAAAAAAAAAAAAAAAAAAAAAAAAAAAAAAAAAAAAAAAAAAAAAAAAAAAAAAAAAAAAAAAAAAAAAAAAAAAAAAAAAAAAAAAAAAAAAAAAAAAFAAAADwAAAAAAAAAAAAAAAAAAAkUAAAAAQAAABQAAAAUAAAAFAAAAAEAAAAAAAAAZAAAAGQAAAAAAAAAZAAAAGQAAAAVAAAAYAAAAAAAAAAAAAAADwAAACADAAAAAAAAAAAAAAEAAACgMgAAVgcAAKr4//8BAAAAf39/AAEAAABkAAAAAAAAABQAAABAHwAAAAAAACYAAAAAAAAAwOD//wAAAAAmAAAAZAAAABYAAABMAAAAAAAAAAAAAAAEAAAAAAAAAAEAAACAgIAKAAAAACgAAAAoAAAAZAAAAGQAAAAAAAAAzMzMAAAAAABQAAAAUAAAAGQAAABkAAAAAAAAABcAAAAUAAAAAAAAAAAAAAD/fwAA/38AAAAAAAAJAAAABAAAAAAAAAAeAAAAaAAAAAAAAAAAAAAAAAAAAAAAAAAAAAAAECcAABAnAAAAAAAAAAAAAAAAAAAAAAAAAAAAAAAAAAAAAAAAAAAAABQAAAAAAAAAwMD/AAAAAABkAAAAMgAAAAAAAABkAAAAAAAAAH9/fwAKAAAAIgAAABgAAAAAAAAAAAAAAAAAAAAAAAAAAAAAAAAAAAAkAAAAJAAAAAAAAAAHAAAAAAAAAAAAAAAAAAAAAAAAAAAAAAAAAAAAf39/ACUAAABYAAAAAAAAAAAAAAAAAAAAAAAAAAAAAAAAAAAAAAAAAAAAAAAAAAAAAAAAAAAAAAA/AAAAAAAAAKCGAQAAAAAAAAAAAAAAAAAMAAAAAQAAAAAAAAAAAAAAAAAAAB8AAABUAAAAAAAABQAAAAEAAAAAAAAAAAAAAAAAAAAAAAAAAAAAAAAAAAAAAAAAAAAAAAJ/f38AAAAAA8zMzADAwP8Af39/AAAAAAAAAAAAAAAAAAAAAAAAAAAAIQAAABgAAAAUAAAAwAMAABsnAAA/FQAAWSkAABAAAAAmAAAACAAAAAAAAAAAAAAA"/>
+                <pr:smNativeData xmlns:pr="smNativeData" xmlns="smNativeData" val="SMDATA_15_ZjATZxMAAAAlAAAAZAAAAA8BAAAAkAAAAEgAAACQAAAASAAAAAAAAAABAAAAAAAAAAEAAABQAAAAAAAAAAAA4D8AAAAAAADgPwAAAAAAAOA/AAAAAAAA4D8AAAAAAADgPwAAAAAAAOA/AAAAAAAA4D8AAAAAAADgPwAAAAAAAOA/AAAAAAAA4D8CAAAAjAAAAAAAAAAAAAAAu+DjDP///wgAAAAAAAAAAAAAAAAAAAAAAAAAAAAAAAAAAAAAZAAAAAEAAABAAAAAAAAAAAAAAAAAAAAAAAAAAAAAAAAAAAAAAAAAAAAAAAAAAAAAAAAAAAAAAAAAAAAAAAAAAAAAAAAAAAAAAAAAAAAAAAAAAAAAAAAAAAAAAAAAAAAAFAAAADwAAAAAAAAAAAAAAAAAAAkUAAAAAQAAABQAAAAUAAAAFAAAAAEAAAAAAAAAZAAAAGQAAAAAAAAAZAAAAGQAAAAVAAAAYAAAAAAAAAAAAAAADwAAACADAAAAAAAAAAAAAAEAAACgMgAAVgcAAKr4//8BAAAAf39/AAEAAABkAAAAAAAAABQAAABAHwAAAAAAACYAAAAAAAAAwOD//wAAAAAmAAAAZAAAABYAAABMAAAAAAAAAAAAAAAEAAAAAAAAAAEAAACAgIAKAAAAACgAAAAoAAAAZAAAAGQAAAAAAAAAzMzMAAAAAABQAAAAUAAAAGQAAABkAAAAAAAAABcAAAAUAAAAAAAAAAAAAAD/fwAA/38AAAAAAAAJAAAABAAAAAAAAAAeAAAAaAAAAAAAAAAAAAAAAAAAAAAAAAAAAAAAECcAABAnAAAAAAAAAAAAAAAAAAAAAAAAAAAAAAAAAAAAAAAAAAAAABQAAAAAAAAAwMD/AAAAAABkAAAAMgAAAAAAAABkAAAAAAAAAH9/fwAKAAAAIgAAABgAAAAAAAAAAAAAAAAAAAAAAAAAAAAAAAAAAAAkAAAAJAAAAAAAAAAHAAAAAAAAAAAAAAAAAAAAAAAAAAAAAAAAAAAAf39/ACUAAABYAAAAAAAAAAAAAAAAAAAAAAAAAAAAAAAAAAAAAAAAAAAAAAAAAAAAAAAAAAAAAAA/AAAAAAAAAKCGAQAAAAAAAAAAAAAAAAAMAAAAAQAAAAAAAAAAAAAAAAAAAB8AAABUAAAAAAAABQAAAAEAAAAAAAAAAAAAAAAAAAAAAAAAAAAAAAAAAAAAAAAAAAAAAAJ/f38AAAAAA8zMzADAwP8Af39/AAAAAAAAAAAAAAAAAAAAAAAAAAAAIQAAABgAAAAUAAAAwAMAABsnAAA/FQAAWSkAABAAAAAmAAAACAAAAAAAAAAAAAAA"/>
               </a:ext>
             </a:extLst>
           </p:cNvSpPr>
@@ -2403,7 +2410,7 @@
           <a:lstStyle/>
           <a:p>
             <a:pPr/>
-            <a:fld id="{03256988-C6EE-709F-A09D-30CA27D35665}" type="datetime1">
+            <a:fld id="{6EDA294D-0383-8FDF-CD62-F58A672C3BA0}" type="datetime1">
               <a:t/>
             </a:fld>
           </a:p>
@@ -2416,7 +2423,7 @@
             <a:spLocks noGrp="1" noChangeArrowheads="1"/>
             <a:extLst>
               <a:ext uri="smNativeData">
-                <pr:smNativeData xmlns:pr="smNativeData" xmlns="smNativeData" val="SMDATA_15_lFoOZxMAAAAlAAAAZAAAAA8BAAAAkAAAAEgAAACQAAAASAAAAAAAAAABAAAAAAAAAAEAAABQAAAAAAAAAAAA4D8AAAAAAADgPwAAAAAAAOA/AAAAAAAA4D8AAAAAAADgPwAAAAAAAOA/AAAAAAAA4D8AAAAAAADgPwAAAAAAAOA/AAAAAAAA4D8CAAAAjAAAAAAAAAAAAAAAu+DjDP///wgAAAAAAAAAAAAAAAAAAAAAAAAAAAAAAAAAAAAAZAAAAAEAAABAAAAAAAAAAAAAAAAAAAAAAAAAAAAAAAAAAAAAAAAAAAAAAAAAAAAAAAAAAAAAAAAAAAAAAAAAAAAAAAAAAAAAAAAAAAAAAAAAAAAAAAAAAAAAAAAAAAAAFAAAADwAAAAAAAAAAAAAAAAAAAkUAAAAAQAAABQAAAAUAAAAFAAAAAEAAAAAAAAAZAAAAGQAAAAAAAAAZAAAAGQAAAAVAAAAYAAAAAAAAAAAAAAADwAAACADAAAAAAAAAAAAAAEAAACgMgAAVgcAAKr4//8BAAAAf39/AAEAAABkAAAAAAAAABQAAABAHwAAAAAAACYAAAAAAAAAwOD//wAAAAAmAAAAZAAAABYAAABMAAAAAAAAAAAAAAAEAAAAAAAAAAEAAACAgIAKAAAAACgAAAAoAAAAZAAAAGQAAAAAAAAAzMzMAAAAAABQAAAAUAAAAGQAAABkAAAAAAAAABcAAAAUAAAAAAAAAAAAAAD/fwAA/38AAAAAAAAJAAAABAAAAHNwY0IeAAAAaAAAAAAAAAAAAAAAAAAAAAAAAAAAAAAAECcAABAnAAAAAAAAAAAAAAAAAAAAAAAAAAAAAAAAAAAAAAAAAAAAABQAAAAAAAAAwMD/AAAAAABkAAAAMgAAAAAAAABkAAAAAAAAAH9/fwAKAAAAIgAAABgAAAAAAAAAAAAAAAAAAAAAAAAAAAAAAAAAAAAkAAAAJAAAAAAAAAAHAAAAAAAAAAAAAAAAAAAAAAAAAAAAAAAAAAAAf39/ACUAAABYAAAAAAAAAAAAAAAAAAAAAAAAAAAAAAAAAAAAAAAAAAAAAAAAAAAAAAAAAAAAAAA/AAAAAAAAAKCGAQAAAAAAAAAAAAAAAAAMAAAAAQAAAAAAAAAAAAAAAAAAAB8AAABUAAAAAAAABQAAAAEAAAAAAAAAAAAAAAAAAAAAAAAAAAAAAAAAAAAAAAAAAAAAAAJ/f38AAAAAA8zMzADAwP8Af39/AAAAAAAAAAAAAAAAAAAAAAAAAAAAIQAAABgAAAAUAAAAoRkAABsnAABfMQAAWSkAABAAAAAmAAAACAAAAAAAAAAAAAAA"/>
+                <pr:smNativeData xmlns:pr="smNativeData" xmlns="smNativeData" val="SMDATA_15_ZjATZxMAAAAlAAAAZAAAAA8BAAAAkAAAAEgAAACQAAAASAAAAAAAAAABAAAAAAAAAAEAAABQAAAAAAAAAAAA4D8AAAAAAADgPwAAAAAAAOA/AAAAAAAA4D8AAAAAAADgPwAAAAAAAOA/AAAAAAAA4D8AAAAAAADgPwAAAAAAAOA/AAAAAAAA4D8CAAAAjAAAAAAAAAAAAAAAu+DjDP///wgAAAAAAAAAAAAAAAAAAAAAAAAAAAAAAAAAAAAAZAAAAAEAAABAAAAAAAAAAAAAAAAAAAAAAAAAAAAAAAAAAAAAAAAAAAAAAAAAAAAAAAAAAAAAAAAAAAAAAAAAAAAAAAAAAAAAAAAAAAAAAAAAAAAAAAAAAAAAAAAAAAAAFAAAADwAAAAAAAAAAAAAAAAAAAkUAAAAAQAAABQAAAAUAAAAFAAAAAEAAAAAAAAAZAAAAGQAAAAAAAAAZAAAAGQAAAAVAAAAYAAAAAAAAAAAAAAADwAAACADAAAAAAAAAAAAAAEAAACgMgAAVgcAAKr4//8BAAAAf39/AAEAAABkAAAAAAAAABQAAABAHwAAAAAAACYAAAAAAAAAwOD//wAAAAAmAAAAZAAAABYAAABMAAAAAAAAAAAAAAAEAAAAAAAAAAEAAACAgIAKAAAAACgAAAAoAAAAZAAAAGQAAAAAAAAAzMzMAAAAAABQAAAAUAAAAGQAAABkAAAAAAAAABcAAAAUAAAAAAAAAAAAAAD/fwAA/38AAAAAAAAJAAAABAAAAHNwY0IeAAAAaAAAAAAAAAAAAAAAAAAAAAAAAAAAAAAAECcAABAnAAAAAAAAAAAAAAAAAAAAAAAAAAAAAAAAAAAAAAAAAAAAABQAAAAAAAAAwMD/AAAAAABkAAAAMgAAAAAAAABkAAAAAAAAAH9/fwAKAAAAIgAAABgAAAAAAAAAAAAAAAAAAAAAAAAAAAAAAAAAAAAkAAAAJAAAAAAAAAAHAAAAAAAAAAAAAAAAAAAAAAAAAAAAAAAAAAAAf39/ACUAAABYAAAAAAAAAAAAAAAAAAAAAAAAAAAAAAAAAAAAAAAAAAAAAAAAAAAAAAAAAAAAAAA/AAAAAAAAAKCGAQAAAAAAAAAAAAAAAAAMAAAAAQAAAAAAAAAAAAAAAAAAAB8AAABUAAAAAAAABQAAAAEAAAAAAAAAAAAAAAAAAAAAAAAAAAAAAAAAAAAAAAAAAAAAAAJ/f38AAAAAA8zMzADAwP8Af39/AAAAAAAAAAAAAAAAAAAAAAAAAAAAIQAAABgAAAAUAAAAoRkAABsnAABfMQAAWSkAABAAAAAmAAAACAAAAAAAAAAAAAAA"/>
               </a:ext>
             </a:extLst>
           </p:cNvSpPr>
@@ -2440,7 +2447,7 @@
             <a:spLocks noGrp="1" noChangeArrowheads="1"/>
             <a:extLst>
               <a:ext uri="smNativeData">
-                <pr:smNativeData xmlns:pr="smNativeData" xmlns="smNativeData" val="SMDATA_15_lFoOZxMAAAAlAAAAZAAAAA8BAAAAkAAAAEgAAACQAAAASAAAAAAAAAABAAAAAAAAAAEAAABQAAAAAAAAAAAA4D8AAAAAAADgPwAAAAAAAOA/AAAAAAAA4D8AAAAAAADgPwAAAAAAAOA/AAAAAAAA4D8AAAAAAADgPwAAAAAAAOA/AAAAAAAA4D8CAAAAjAAAAAAAAAAAAAAAu+DjDP///wgAAAAAAAAAAAAAAAAAAAAAAAAAAAAAAAAAAAAAZAAAAAEAAABAAAAAAAAAAAAAAAAAAAAAAAAAAAAAAAAAAAAAAAAAAAAAAAAAAAAAAAAAAAAAAAAAAAAAAAAAAAAAAAAAAAAAAAAAAAAAAAAAAAAAAAAAAAAAAAAAAAAAFAAAADwAAAAAAAAAAAAAAAAAAAkUAAAAAQAAABQAAAAUAAAAFAAAAAEAAAAAAAAAZAAAAGQAAAAAAAAAZAAAAGQAAAAVAAAAYAAAAAAAAAAAAAAADwAAACADAAAAAAAAAAAAAAEAAACgMgAAVgcAAKr4//8BAAAAf39/AAEAAABkAAAAAAAAABQAAABAHwAAAAAAACYAAAAAAAAAwOD//wAAAAAmAAAAZAAAABYAAABMAAAAAAAAAAAAAAAEAAAAAAAAAAEAAACAgIAKAAAAACgAAAAoAAAAZAAAAGQAAAAAAAAAzMzMAAAAAABQAAAAUAAAAGQAAABkAAAAAAAAABcAAAAUAAAAAAAAAAAAAAD/fwAA/38AAAAAAAAJAAAABAAAAAAAAAAeAAAAaAAAAAAAAAAAAAAAAAAAAAAAAAAAAAAAECcAABAnAAAAAAAAAAAAAAAAAAAAAAAAAAAAAAAAAAAAAAAAAAAAABQAAAAAAAAAwMD/AAAAAABkAAAAMgAAAAAAAABkAAAAAAAAAH9/fwAKAAAAIgAAABgAAAAAAAAAAAAAAAAAAAAAAAAAAAAAAAAAAAAkAAAAJAAAAAAAAAAHAAAAAAAAAAAAAAAAAAAAAAAAAAAAAAAAAAAAf39/ACUAAABYAAAAAAAAAAAAAAAAAAAAAAAAAAAAAAAAAAAAAAAAAAAAAAAAAAAAAAAAAAAAAAA/AAAAAAAAAKCGAQAAAAAAAAAAAAAAAAAMAAAAAQAAAAAAAAAAAAAAAAAAAB8AAABUAAAAAAAABQAAAAEAAAAAAAAAAAAAAAAAAAAAAAAAAAAAAAAAAAAAAAAAAAAAAAJ/f38AAAAAA8zMzADAwP8Af39/AAAAAAAAAAAAAAAAAAAAAAAAAAAAIQAAABgAAAAUAAAAwTUAABsnAABARwAAWSkAABAAAAAmAAAACAAAAAAAAAAAAAAA"/>
+                <pr:smNativeData xmlns:pr="smNativeData" xmlns="smNativeData" val="SMDATA_15_ZjATZxMAAAAlAAAAZAAAAA8BAAAAkAAAAEgAAACQAAAASAAAAAAAAAABAAAAAAAAAAEAAABQAAAAAAAAAAAA4D8AAAAAAADgPwAAAAAAAOA/AAAAAAAA4D8AAAAAAADgPwAAAAAAAOA/AAAAAAAA4D8AAAAAAADgPwAAAAAAAOA/AAAAAAAA4D8CAAAAjAAAAAAAAAAAAAAAu+DjDP///wgAAAAAAAAAAAAAAAAAAAAAAAAAAAAAAAAAAAAAZAAAAAEAAABAAAAAAAAAAAAAAAAAAAAAAAAAAAAAAAAAAAAAAAAAAAAAAAAAAAAAAAAAAAAAAAAAAAAAAAAAAAAAAAAAAAAAAAAAAAAAAAAAAAAAAAAAAAAAAAAAAAAAFAAAADwAAAAAAAAAAAAAAAAAAAkUAAAAAQAAABQAAAAUAAAAFAAAAAEAAAAAAAAAZAAAAGQAAAAAAAAAZAAAAGQAAAAVAAAAYAAAAAAAAAAAAAAADwAAACADAAAAAAAAAAAAAAEAAACgMgAAVgcAAKr4//8BAAAAf39/AAEAAABkAAAAAAAAABQAAABAHwAAAAAAACYAAAAAAAAAwOD//wAAAAAmAAAAZAAAABYAAABMAAAAAAAAAAAAAAAEAAAAAAAAAAEAAACAgIAKAAAAACgAAAAoAAAAZAAAAGQAAAAAAAAAzMzMAAAAAABQAAAAUAAAAGQAAABkAAAAAAAAABcAAAAUAAAAAAAAAAAAAAD/fwAA/38AAAAAAAAJAAAABAAAAAAAAAAeAAAAaAAAAAAAAAAAAAAAAAAAAAAAAAAAAAAAECcAABAnAAAAAAAAAAAAAAAAAAAAAAAAAAAAAAAAAAAAAAAAAAAAABQAAAAAAAAAwMD/AAAAAABkAAAAMgAAAAAAAABkAAAAAAAAAH9/fwAKAAAAIgAAABgAAAAAAAAAAAAAAAAAAAAAAAAAAAAAAAAAAAAkAAAAJAAAAAAAAAAHAAAAAAAAAAAAAAAAAAAAAAAAAAAAAAAAAAAAf39/ACUAAABYAAAAAAAAAAAAAAAAAAAAAAAAAAAAAAAAAAAAAAAAAAAAAAAAAAAAAAAAAAAAAAA/AAAAAAAAAKCGAQAAAAAAAAAAAAAAAAAMAAAAAQAAAAAAAAAAAAAAAAAAAB8AAABUAAAAAAAABQAAAAEAAAAAAAAAAAAAAAAAAAAAAAAAAAAAAAAAAAAAAAAAAAAAAAJ/f38AAAAAA8zMzADAwP8Af39/AAAAAAAAAAAAAAAAAAAAAAAAAAAAIQAAABgAAAAUAAAAwTUAABsnAABARwAAWSkAABAAAAAmAAAACAAAAAAAAAAAAAAA"/>
               </a:ext>
             </a:extLst>
           </p:cNvSpPr>
@@ -2454,7 +2461,7 @@
           <a:lstStyle/>
           <a:p>
             <a:pPr/>
-            <a:fld id="{01572F34-7AEC-02D9-A2EF-8C8C61A154D9}" type="slidenum">
+            <a:fld id="{7CAE8A5A-1491-FB7C-DF16-E229C45829B7}" type="slidenum">
               <a:t/>
             </a:fld>
           </a:p>
@@ -2493,7 +2500,7 @@
             <a:spLocks noGrp="1" noChangeArrowheads="1"/>
             <a:extLst>
               <a:ext uri="smNativeData">
-                <pr:smNativeData xmlns:pr="smNativeData" xmlns="smNativeData" val="SMDATA_15_lFoOZxMAAAAlAAAAZAAAAA8BAAAAkAAAAEgAAACQAAAASAAAAAAAAAACAAAAAAAAAAEAAABQAAAAAAAAAAAA4D8AAAAAAADgPwAAAAAAAOA/AAAAAAAA4D8AAAAAAADgPwAAAAAAAOA/AAAAAAAA4D8AAAAAAADgPwAAAAAAAOA/AAAAAAAA4D8CAAAAjAAAAAAAAAAAAAAAu+DjDP///wgAAAAAAAAAAAAAAAAAAAAAAAAAAAAAAAAAAAAAZAAAAAEAAABAAAAAAAAAAAAAAAAAAAAAAAAAAAAAAAAAAAAAAAAAAAAAAAAAAAAAAAAAAAAAAAAAAAAAAAAAAAAAAAAAAAAAAAAAAAAAAAAAAAAAAAAAAAAAAAAAAAAAFAAAADwAAAAAAAAAAAAAAAAAAAkUAAAAAQAAABQAAAAUAAAAFAAAAAEAAAAAAAAAZAAAAGQAAAAAAAAAZAAAAGQAAAAVAAAAYAAAAAAAAAAAAAAADwAAACADAAAAAAAAAAAAAAEAAACgMgAAVgcAAKr4//8BAAAAf39/AAEAAABkAAAAAAAAABQAAABAHwAAAAAAACYAAAAAAAAAwOD//wAAAAAmAAAAZAAAABYAAABMAAAAAAAAAAAAAAAEAAAAAAAAAAEAAACAgIAKAAAAACgAAAAoAAAAZAAAAGQAAAAAAAAAzMzMAAAAAABQAAAAUAAAAGQAAABkAAAAAAAAABcAAAAUAAAAAAAAAAAAAAD/fwAA/38AAAAAAAAJAAAABAAAAAAAAAAeAAAAaAAAAAAAAAAAAAAAAAAAAAAAAAAAAAAAECcAABAnAAAAAAAAAAAAAAAAAAAAAAAAAAAAAAAAAAAAAAAAAAAAABQAAAAAAAAAwMD/AAAAAABkAAAAMgAAAAAAAABkAAAAAAAAAH9/fwAKAAAAIgAAABgAAAAAAAAAAAAAAAAAAAAAAAAAAAAAAAAAAAAkAAAAJAAAAAAAAAAHAAAAAAAAAAAAAAAAAAAAAAAAAAAAAAAAAAAAf39/ACUAAABYAAAAAAAAAAAAAAAAAAAAAAAAAAAAAAAAAAAAAAAAAAAAAAAAAAAAAAAAAAAAAAA/AAAAAAAAAKCGAQAAAAAAAAAAAAAAAAAMAAAAAQAAAAAAAAAAAAAAAAAAAB8AAABUAAAAAAAABQAAAAEAAAAAAAAAAAAAAAAAAAAAAAAAAAAAAAAAAAAAAAAAAAAAAAJ/f38AAAAAA8zMzADAwP8Af39/AAAAAAAAAAAAAAAAAAAAAAAAAAAAIQAAABgAAAAUAAAAsw4AAIgdAACzOwAABCEAABAAAAAmAAAACAAAAIGAAAAAAAAA"/>
+                <pr:smNativeData xmlns:pr="smNativeData" xmlns="smNativeData" val="SMDATA_15_ZjATZxMAAAAlAAAAZAAAAA8BAAAAkAAAAEgAAACQAAAASAAAAAAAAAACAAAAAAAAAAEAAABQAAAAAAAAAAAA4D8AAAAAAADgPwAAAAAAAOA/AAAAAAAA4D8AAAAAAADgPwAAAAAAAOA/AAAAAAAA4D8AAAAAAADgPwAAAAAAAOA/AAAAAAAA4D8CAAAAjAAAAAAAAAAAAAAAu+DjDP///wgAAAAAAAAAAAAAAAAAAAAAAAAAAAAAAAAAAAAAZAAAAAEAAABAAAAAAAAAAAAAAAAAAAAAAAAAAAAAAAAAAAAAAAAAAAAAAAAAAAAAAAAAAAAAAAAAAAAAAAAAAAAAAAAAAAAAAAAAAAAAAAAAAAAAAAAAAAAAAAAAAAAAFAAAADwAAAAAAAAAAAAAAAAAAAkUAAAAAQAAABQAAAAUAAAAFAAAAAEAAAAAAAAAZAAAAGQAAAAAAAAAZAAAAGQAAAAVAAAAYAAAAAAAAAAAAAAADwAAACADAAAAAAAAAAAAAAEAAACgMgAAVgcAAKr4//8BAAAAf39/AAEAAABkAAAAAAAAABQAAABAHwAAAAAAACYAAAAAAAAAwOD//wAAAAAmAAAAZAAAABYAAABMAAAAAAAAAAAAAAAEAAAAAAAAAAEAAACAgIAKAAAAACgAAAAoAAAAZAAAAGQAAAAAAAAAzMzMAAAAAABQAAAAUAAAAGQAAABkAAAAAAAAABcAAAAUAAAAAAAAAAAAAAD/fwAA/38AAAAAAAAJAAAABAAAAAAAAAAeAAAAaAAAAAAAAAAAAAAAAAAAAAAAAAAAAAAAECcAABAnAAAAAAAAAAAAAAAAAAAAAAAAAAAAAAAAAAAAAAAAAAAAABQAAAAAAAAAwMD/AAAAAABkAAAAMgAAAAAAAABkAAAAAAAAAH9/fwAKAAAAIgAAABgAAAAAAAAAAAAAAAAAAAAAAAAAAAAAAAAAAAAkAAAAJAAAAAAAAAAHAAAAAAAAAAAAAAAAAAAAAAAAAAAAAAAAAAAAf39/ACUAAABYAAAAAAAAAAAAAAAAAAAAAAAAAAAAAAAAAAAAAAAAAAAAAAAAAAAAAAAAAAAAAAA/AAAAAAAAAKCGAQAAAAAAAAAAAAAAAAAMAAAAAQAAAAAAAAAAAAAAAAAAAB8AAABUAAAAAAAABQAAAAEAAAAAAAAAAAAAAAAAAAAAAAAAAAAAAAAAAAAAAAAAAAAAAAJ/f38AAAAAA8zMzADAwP8Af39/AAAAAAAAAAAAAAAAAAAAAAAAAAAAIQAAABgAAAAUAAAAsw4AAIgdAACzOwAABCEAABAAAAAmAAAACAAAAIGAAAAAAAAA"/>
               </a:ext>
             </a:extLst>
           </p:cNvSpPr>
@@ -2533,7 +2540,7 @@
             <a:spLocks noGrp="1" noChangeArrowheads="1"/>
             <a:extLst>
               <a:ext uri="smNativeData">
-                <pr:smNativeData xmlns:pr="smNativeData" xmlns="smNativeData" val="SMDATA_15_lFoOZxMAAAAlAAAAZAAAAA8BAAAAkAAAAEgAAACQAAAASAAAAAAAAAAAAAAAAAAAAAEAAABQAAAAAAAAAAAA4D8AAAAAAADgPwAAAAAAAOA/AAAAAAAA4D8AAAAAAADgPwAAAAAAAOA/AAAAAAAA4D8AAAAAAADgPwAAAAAAAOA/AAAAAAAA4D8CAAAAjAAAAAAAAAAAAAAAu+DjDP///wgAAAAAAAAAAAAAAAAAAAAAAAAAAAAAAAAAAAAAZAAAAAEAAABAAAAAAAAAAAAAAAAAAAAAAAAAAAAAAAAAAAAAAAAAAAAAAAAAAAAAAAAAAAAAAAAAAAAAAAAAAAAAAAAAAAAAAAAAAAAAAAAAAAAAAAAAAAAAAAAAAAAAFAAAADwAAAAAAAAAAAAAAAAAAAkUAAAAAQAAABQAAAAUAAAAFAAAAAEAAAAAAAAAZAAAAGQAAAAAAAAAZAAAAGQAAAAVAAAAYAAAAAAAAAAAAAAADwAAACADAAAAAAAAAAAAAAEAAACgMgAAVgcAAKr4//8BAAAAf39/AAEAAABkAAAAAAAAABQAAABAHwAAAAAAACYAAAAAAAAAwOD//wAAAAAmAAAAZAAAABYAAABMAAAAAAAAAAAAAAAEAAAAAAAAAAEAAACAgIAKAAAAACgAAAAoAAAAZAAAAGQAAAAAAAAAzMzMAAAAAABQAAAAUAAAAGQAAABkAAAAAAAAABcAAAAUAAAAAAAAAAAAAAD/fwAA/38AAAAAAAAJAAAABAAAAAAAAAAeAAAAaAAAAAAAAAAAAAAAAAAAAAAAAAAAAAAAECcAABAnAAAAAAAAAAAAAAAAAAAAAAAAAAAAAAAAAAAAAAAAAAAAABQAAAAAAAAAwMD/AAAAAABkAAAAMgAAAAAAAABkAAAAAAAAAH9/fwAKAAAAIgAAABgAAAAAAAAAAAAAAAAAAAAAAAAAAAAAAAAAAAAkAAAAJAAAAAAAAAAHAAAAAAAAAAAAAAAAAAAAAAAAAAAAAAAAAAAAf39/ACUAAABYAAAAAAAAAAAAAAAAAAAAAAAAAAAAAAAAAAAAAAAAAAAAAAAAAAAAAAAAAAAAAAA/AAAAAAAAAKCGAQAAAAAAAAAAAAAAAAAMAAAAAQAAAAAAAAAAAAAAAAAAAB8AAABUAAAAAAAABQAAAAEAAAAAAAAAAAAAAAAAAAAAAAAAAAAAAAAAAAAAAAAAAAAAAAJ/f38AAAAAA8zMzADAwP8Af39/AAAAAAAAAAAAAAAAAAAAAAAAAAAAIQAAABgAAAAUAAAAsw4AAMYDAACzOwAAFh0AABAAAAAmAAAACAAAAAGAAAAAAAAA"/>
+                <pr:smNativeData xmlns:pr="smNativeData" xmlns="smNativeData" val="SMDATA_15_ZjATZxMAAAAlAAAAZAAAAA8BAAAAkAAAAEgAAACQAAAASAAAAAAAAAAAAAAAAAAAAAEAAABQAAAAAAAAAAAA4D8AAAAAAADgPwAAAAAAAOA/AAAAAAAA4D8AAAAAAADgPwAAAAAAAOA/AAAAAAAA4D8AAAAAAADgPwAAAAAAAOA/AAAAAAAA4D8CAAAAjAAAAAAAAAAAAAAAu+DjDP///wgAAAAAAAAAAAAAAAAAAAAAAAAAAAAAAAAAAAAAZAAAAAEAAABAAAAAAAAAAAAAAAAAAAAAAAAAAAAAAAAAAAAAAAAAAAAAAAAAAAAAAAAAAAAAAAAAAAAAAAAAAAAAAAAAAAAAAAAAAAAAAAAAAAAAAAAAAAAAAAAAAAAAFAAAADwAAAAAAAAAAAAAAAAAAAkUAAAAAQAAABQAAAAUAAAAFAAAAAEAAAAAAAAAZAAAAGQAAAAAAAAAZAAAAGQAAAAVAAAAYAAAAAAAAAAAAAAADwAAACADAAAAAAAAAAAAAAEAAACgMgAAVgcAAKr4//8BAAAAf39/AAEAAABkAAAAAAAAABQAAABAHwAAAAAAACYAAAAAAAAAwOD//wAAAAAmAAAAZAAAABYAAABMAAAAAAAAAAAAAAAEAAAAAAAAAAEAAACAgIAKAAAAACgAAAAoAAAAZAAAAGQAAAAAAAAAzMzMAAAAAABQAAAAUAAAAGQAAABkAAAAAAAAABcAAAAUAAAAAAAAAAAAAAD/fwAA/38AAAAAAAAJAAAABAAAAAAAAAAeAAAAaAAAAAAAAAAAAAAAAAAAAAAAAAAAAAAAECcAABAnAAAAAAAAAAAAAAAAAAAAAAAAAAAAAAAAAAAAAAAAAAAAABQAAAAAAAAAwMD/AAAAAABkAAAAMgAAAAAAAABkAAAAAAAAAH9/fwAKAAAAIgAAABgAAAAAAAAAAAAAAAAAAAAAAAAAAAAAAAAAAAAkAAAAJAAAAAAAAAAHAAAAAAAAAAAAAAAAAAAAAAAAAAAAAAAAAAAAf39/ACUAAABYAAAAAAAAAAAAAAAAAAAAAAAAAAAAAAAAAAAAAAAAAAAAAAAAAAAAAAAAAAAAAAA/AAAAAAAAAKCGAQAAAAAAAAAAAAAAAAAMAAAAAQAAAAAAAAAAAAAAAAAAAB8AAABUAAAAAAAABQAAAAEAAAAAAAAAAAAAAAAAAAAAAAAAAAAAAAAAAAAAAAAAAAAAAAJ/f38AAAAAA8zMzADAwP8Af39/AAAAAAAAAAAAAAAAAAAAAAAAAAAAIQAAABgAAAAUAAAAsw4AAMYDAACzOwAAFh0AABAAAAAmAAAACAAAAAGAAAAAAAAA"/>
               </a:ext>
             </a:extLst>
           </p:cNvSpPr>
@@ -2602,7 +2609,7 @@
             <a:spLocks noGrp="1" noChangeArrowheads="1"/>
             <a:extLst>
               <a:ext uri="smNativeData">
-                <pr:smNativeData xmlns:pr="smNativeData" xmlns="smNativeData" val="SMDATA_15_lFoOZxMAAAAlAAAAZAAAAA8BAAAAkAAAAEgAAACQAAAASAAAAAAAAAAAAAAAAAAAAAEAAABQAAAAAAAAAAAA4D8AAAAAAADgPwAAAAAAAOA/AAAAAAAA4D8AAAAAAADgPwAAAAAAAOA/AAAAAAAA4D8AAAAAAADgPwAAAAAAAOA/AAAAAAAA4D8CAAAAjAAAAAAAAAAAAAAAu+DjDP///wgAAAAAAAAAAAAAAAAAAAAAAAAAAAAAAAAAAAAAZAAAAAEAAABAAAAAAAAAAAAAAAAAAAAAAAAAAAAAAAAAAAAAAAAAAAAAAAAAAAAAAAAAAAAAAAAAAAAAAAAAAAAAAAAAAAAAAAAAAAAAAAAAAAAAAAAAAAAAAAAAAAAAFAAAADwAAAAAAAAAAAAAAAAAAAkUAAAAAQAAABQAAAAUAAAAFAAAAAEAAAAAAAAAZAAAAGQAAAAAAAAAZAAAAGQAAAAVAAAAYAAAAAAAAAAAAAAADwAAACADAAAAAAAAAAAAAAEAAACgMgAAVgcAAKr4//8BAAAAf39/AAEAAABkAAAAAAAAABQAAABAHwAAAAAAACYAAAAAAAAAwOD//wAAAAAmAAAAZAAAABYAAABMAAAAAAAAAAAAAAAEAAAAAAAAAAEAAACAgIAKAAAAACgAAAAoAAAAZAAAAGQAAAAAAAAAzMzMAAAAAABQAAAAUAAAAGQAAABkAAAAAAAAABcAAAAUAAAAAAAAAAAAAAD/fwAA/38AAAAAAAAJAAAABAAAAAAAAAAeAAAAaAAAAAAAAAAAAAAAAAAAAAAAAAAAAAAAECcAABAnAAAAAAAAAAAAAAAAAAAAAAAAAAAAAAAAAAAAAAAAAAAAABQAAAAAAAAAwMD/AAAAAABkAAAAMgAAAAAAAABkAAAAAAAAAH9/fwAKAAAAIgAAABgAAAAAAAAAAAAAAAAAAAAAAAAAAAAAAAAAAAAkAAAAJAAAAAAAAAAHAAAAAAAAAAAAAAAAAAAAAAAAAAAAAAAAAAAAf39/ACUAAABYAAAAAAAAAAAAAAAAAAAAAAAAAAAAAAAAAAAAAAAAAAAAAAAAAAAAAAAAAAAAAAA/AAAAAAAAAKCGAQAAAAAAAAAAAAAAAAAMAAAAAQAAAAAAAAAAAAAAAAAAAB8AAABUAAAAAAAABQAAAAEAAAAAAAAAAAAAAAAAAAAAAAAAAAAAAAAAAAAAAAAAAAAAAAJ/f38AAAAAA8zMzADAwP8Af39/AAAAAAAAAAAAAAAAAAAAAAAAAAAAIQAAABgAAAAUAAAAsw4AAAQhAACzOwAA+CUAABAAAAAmAAAACAAAAAGAAAAAAAAA"/>
+                <pr:smNativeData xmlns:pr="smNativeData" xmlns="smNativeData" val="SMDATA_15_ZjATZxMAAAAlAAAAZAAAAA8BAAAAkAAAAEgAAACQAAAASAAAAAAAAAAAAAAAAAAAAAEAAABQAAAAAAAAAAAA4D8AAAAAAADgPwAAAAAAAOA/AAAAAAAA4D8AAAAAAADgPwAAAAAAAOA/AAAAAAAA4D8AAAAAAADgPwAAAAAAAOA/AAAAAAAA4D8CAAAAjAAAAAAAAAAAAAAAu+DjDP///wgAAAAAAAAAAAAAAAAAAAAAAAAAAAAAAAAAAAAAZAAAAAEAAABAAAAAAAAAAAAAAAAAAAAAAAAAAAAAAAAAAAAAAAAAAAAAAAAAAAAAAAAAAAAAAAAAAAAAAAAAAAAAAAAAAAAAAAAAAAAAAAAAAAAAAAAAAAAAAAAAAAAAFAAAADwAAAAAAAAAAAAAAAAAAAkUAAAAAQAAABQAAAAUAAAAFAAAAAEAAAAAAAAAZAAAAGQAAAAAAAAAZAAAAGQAAAAVAAAAYAAAAAAAAAAAAAAADwAAACADAAAAAAAAAAAAAAEAAACgMgAAVgcAAKr4//8BAAAAf39/AAEAAABkAAAAAAAAABQAAABAHwAAAAAAACYAAAAAAAAAwOD//wAAAAAmAAAAZAAAABYAAABMAAAAAAAAAAAAAAAEAAAAAAAAAAEAAACAgIAKAAAAACgAAAAoAAAAZAAAAGQAAAAAAAAAzMzMAAAAAABQAAAAUAAAAGQAAABkAAAAAAAAABcAAAAUAAAAAAAAAAAAAAD/fwAA/38AAAAAAAAJAAAABAAAAAAAAAAeAAAAaAAAAAAAAAAAAAAAAAAAAAAAAAAAAAAAECcAABAnAAAAAAAAAAAAAAAAAAAAAAAAAAAAAAAAAAAAAAAAAAAAABQAAAAAAAAAwMD/AAAAAABkAAAAMgAAAAAAAABkAAAAAAAAAH9/fwAKAAAAIgAAABgAAAAAAAAAAAAAAAAAAAAAAAAAAAAAAAAAAAAkAAAAJAAAAAAAAAAHAAAAAAAAAAAAAAAAAAAAAAAAAAAAAAAAAAAAf39/ACUAAABYAAAAAAAAAAAAAAAAAAAAAAAAAAAAAAAAAAAAAAAAAAAAAAAAAAAAAAAAAAAAAAA/AAAAAAAAAKCGAQAAAAAAAAAAAAAAAAAMAAAAAQAAAAAAAAAAAAAAAAAAAB8AAABUAAAAAAAABQAAAAEAAAAAAAAAAAAAAAAAAAAAAAAAAAAAAAAAAAAAAAAAAAAAAAJ/f38AAAAAA8zMzADAwP8Af39/AAAAAAAAAAAAAAAAAAAAAAAAAAAAIQAAABgAAAAUAAAAsw4AAAQhAACzOwAA+CUAABAAAAAmAAAACAAAAAGAAAAAAAAA"/>
               </a:ext>
             </a:extLst>
           </p:cNvSpPr>
@@ -2671,7 +2678,7 @@
             <a:spLocks noGrp="1" noChangeArrowheads="1"/>
             <a:extLst>
               <a:ext uri="smNativeData">
-                <pr:smNativeData xmlns:pr="smNativeData" xmlns="smNativeData" val="SMDATA_15_lFoOZxMAAAAlAAAAZAAAAA8BAAAAkAAAAEgAAACQAAAASAAAAAAAAAABAAAAAAAAAAEAAABQAAAAAAAAAAAA4D8AAAAAAADgPwAAAAAAAOA/AAAAAAAA4D8AAAAAAADgPwAAAAAAAOA/AAAAAAAA4D8AAAAAAADgPwAAAAAAAOA/AAAAAAAA4D8CAAAAjAAAAAAAAAAAAAAAu+DjDP///wgAAAAAAAAAAAAAAAAAAAAAAAAAAAAAAAAAAAAAZAAAAAEAAABAAAAAAAAAAAAAAAAAAAAAAAAAAAAAAAAAAAAAAAAAAAAAAAAAAAAAAAAAAAAAAAAAAAAAAAAAAAAAAAAAAAAAAAAAAAAAAAAAAAAAAAAAAAAAAAAAAAAAFAAAADwAAAAAAAAAAAAAAAAAAAkUAAAAAQAAABQAAAAUAAAAFAAAAAEAAAAAAAAAZAAAAGQAAAAAAAAAZAAAAGQAAAAVAAAAYAAAAAAAAAAAAAAADwAAACADAAAAAAAAAAAAAAEAAACgMgAAVgcAAKr4//8BAAAAf39/AAEAAABkAAAAAAAAABQAAABAHwAAAAAAACYAAAAAAAAAwOD//wAAAAAmAAAAZAAAABYAAABMAAAAAAAAAAAAAAAEAAAAAAAAAAEAAACAgIAKAAAAACgAAAAoAAAAZAAAAGQAAAAAAAAAzMzMAAAAAABQAAAAUAAAAGQAAABkAAAAAAAAABcAAAAUAAAAAAAAAAAAAAD/fwAA/38AAAAAAAAJAAAABAAAAAAAAAAeAAAAaAAAAAAAAAAAAAAAAAAAAAAAAAAAAAAAECcAABAnAAAAAAAAAAAAAAAAAAAAAAAAAAAAAAAAAAAAAAAAAAAAABQAAAAAAAAAwMD/AAAAAABkAAAAMgAAAAAAAABkAAAAAAAAAH9/fwAKAAAAIgAAABgAAAAAAAAAAAAAAAAAAAAAAAAAAAAAAAAAAAAkAAAAJAAAAAAAAAAHAAAAAAAAAAAAAAAAAAAAAAAAAAAAAAAAAAAAf39/ACUAAABYAAAAAAAAAAAAAAAAAAAAAAAAAAAAAAAAAAAAAAAAAAAAAAAAAAAAAAAAAAAAAAA/AAAAAAAAAKCGAQAAAAAAAAAAAAAAAAAMAAAAAQAAAAAAAAAAAAAAAAAAAB8AAABUAAAAAAAABQAAAAEAAAAAAAAAAAAAAAAAAAAAAAAAAAAAAAAAAAAAAAAAAAAAAAJ/f38AAAAAA8zMzADAwP8Af39/AAAAAAAAAAAAAAAAAAAAAAAAAAAAIQAAABgAAAAUAAAAwAMAABsnAAA/FQAAWSkAABAAAAAmAAAACAAAAAAAAAAAAAAA"/>
+                <pr:smNativeData xmlns:pr="smNativeData" xmlns="smNativeData" val="SMDATA_15_ZjATZxMAAAAlAAAAZAAAAA8BAAAAkAAAAEgAAACQAAAASAAAAAAAAAABAAAAAAAAAAEAAABQAAAAAAAAAAAA4D8AAAAAAADgPwAAAAAAAOA/AAAAAAAA4D8AAAAAAADgPwAAAAAAAOA/AAAAAAAA4D8AAAAAAADgPwAAAAAAAOA/AAAAAAAA4D8CAAAAjAAAAAAAAAAAAAAAu+DjDP///wgAAAAAAAAAAAAAAAAAAAAAAAAAAAAAAAAAAAAAZAAAAAEAAABAAAAAAAAAAAAAAAAAAAAAAAAAAAAAAAAAAAAAAAAAAAAAAAAAAAAAAAAAAAAAAAAAAAAAAAAAAAAAAAAAAAAAAAAAAAAAAAAAAAAAAAAAAAAAAAAAAAAAFAAAADwAAAAAAAAAAAAAAAAAAAkUAAAAAQAAABQAAAAUAAAAFAAAAAEAAAAAAAAAZAAAAGQAAAAAAAAAZAAAAGQAAAAVAAAAYAAAAAAAAAAAAAAADwAAACADAAAAAAAAAAAAAAEAAACgMgAAVgcAAKr4//8BAAAAf39/AAEAAABkAAAAAAAAABQAAABAHwAAAAAAACYAAAAAAAAAwOD//wAAAAAmAAAAZAAAABYAAABMAAAAAAAAAAAAAAAEAAAAAAAAAAEAAACAgIAKAAAAACgAAAAoAAAAZAAAAGQAAAAAAAAAzMzMAAAAAABQAAAAUAAAAGQAAABkAAAAAAAAABcAAAAUAAAAAAAAAAAAAAD/fwAA/38AAAAAAAAJAAAABAAAAAAAAAAeAAAAaAAAAAAAAAAAAAAAAAAAAAAAAAAAAAAAECcAABAnAAAAAAAAAAAAAAAAAAAAAAAAAAAAAAAAAAAAAAAAAAAAABQAAAAAAAAAwMD/AAAAAABkAAAAMgAAAAAAAABkAAAAAAAAAH9/fwAKAAAAIgAAABgAAAAAAAAAAAAAAAAAAAAAAAAAAAAAAAAAAAAkAAAAJAAAAAAAAAAHAAAAAAAAAAAAAAAAAAAAAAAAAAAAAAAAAAAAf39/ACUAAABYAAAAAAAAAAAAAAAAAAAAAAAAAAAAAAAAAAAAAAAAAAAAAAAAAAAAAAAAAAAAAAA/AAAAAAAAAKCGAQAAAAAAAAAAAAAAAAAMAAAAAQAAAAAAAAAAAAAAAAAAAB8AAABUAAAAAAAABQAAAAEAAAAAAAAAAAAAAAAAAAAAAAAAAAAAAAAAAAAAAAAAAAAAAAJ/f38AAAAAA8zMzADAwP8Af39/AAAAAAAAAAAAAAAAAAAAAAAAAAAAIQAAABgAAAAUAAAAwAMAABsnAAA/FQAAWSkAABAAAAAmAAAACAAAAAAAAAAAAAAA"/>
               </a:ext>
             </a:extLst>
           </p:cNvSpPr>
@@ -2685,7 +2692,7 @@
           <a:lstStyle/>
           <a:p>
             <a:pPr/>
-            <a:fld id="{62933032-7C8F-C6C6-C12B-8A937E6537DF}" type="datetime1">
+            <a:fld id="{2B8087AA-E4C6-D571-8838-1224C9767E47}" type="datetime1">
               <a:t/>
             </a:fld>
           </a:p>
@@ -2698,7 +2705,7 @@
             <a:spLocks noGrp="1" noChangeArrowheads="1"/>
             <a:extLst>
               <a:ext uri="smNativeData">
-                <pr:smNativeData xmlns:pr="smNativeData" xmlns="smNativeData" val="SMDATA_15_lFoOZxMAAAAlAAAAZAAAAA8BAAAAkAAAAEgAAACQAAAASAAAAAAAAAABAAAAAAAAAAEAAABQAAAAAAAAAAAA4D8AAAAAAADgPwAAAAAAAOA/AAAAAAAA4D8AAAAAAADgPwAAAAAAAOA/AAAAAAAA4D8AAAAAAADgPwAAAAAAAOA/AAAAAAAA4D8CAAAAjAAAAAAAAAAAAAAAu+DjDP///wgAAAAAAAAAAAAAAAAAAAAAAAAAAAAAAAAAAAAAZAAAAAEAAABAAAAAAAAAAAAAAAAAAAAAAAAAAAAAAAAAAAAAAAAAAAAAAAAAAAAAAAAAAAAAAAAAAAAAAAAAAAAAAAAAAAAAAAAAAAAAAAAAAAAAAAAAAAAAAAAAAAAAFAAAADwAAAAAAAAAAAAAAAAAAAkUAAAAAQAAABQAAAAUAAAAFAAAAAEAAAAAAAAAZAAAAGQAAAAAAAAAZAAAAGQAAAAVAAAAYAAAAAAAAAAAAAAADwAAACADAAAAAAAAAAAAAAEAAACgMgAAVgcAAKr4//8BAAAAf39/AAEAAABkAAAAAAAAABQAAABAHwAAAAAAACYAAAAAAAAAwOD//wAAAAAmAAAAZAAAABYAAABMAAAAAAAAAAAAAAAEAAAAAAAAAAEAAACAgIAKAAAAACgAAAAoAAAAZAAAAGQAAAAAAAAAzMzMAAAAAABQAAAAUAAAAGQAAABkAAAAAAAAABcAAAAUAAAAAAAAAAAAAAD/fwAA/38AAAAAAAAJAAAABAAAAAAAAAAeAAAAaAAAAAAAAAAAAAAAAAAAAAAAAAAAAAAAECcAABAnAAAAAAAAAAAAAAAAAAAAAAAAAAAAAAAAAAAAAAAAAAAAABQAAAAAAAAAwMD/AAAAAABkAAAAMgAAAAAAAABkAAAAAAAAAH9/fwAKAAAAIgAAABgAAAAAAAAAAAAAAAAAAAAAAAAAAAAAAAAAAAAkAAAAJAAAAAAAAAAHAAAAAAAAAAAAAAAAAAAAAAAAAAAAAAAAAAAAf39/ACUAAABYAAAAAAAAAAAAAAAAAAAAAAAAAAAAAAAAAAAAAAAAAAAAAAAAAAAAAAAAAAAAAAA/AAAAAAAAAKCGAQAAAAAAAAAAAAAAAAAMAAAAAQAAAAAAAAAAAAAAAAAAAB8AAABUAAAAAAAABQAAAAEAAAAAAAAAAAAAAAAAAAAAAAAAAAAAAAAAAAAAAAAAAAAAAAJ/f38AAAAAA8zMzADAwP8Af39/AAAAAAAAAAAAAAAAAAAAAAAAAAAAIQAAABgAAAAUAAAAoRkAABsnAABfMQAAWSkAABAAAAAmAAAACAAAAAAAAAAAAAAA"/>
+                <pr:smNativeData xmlns:pr="smNativeData" xmlns="smNativeData" val="SMDATA_15_ZjATZxMAAAAlAAAAZAAAAA8BAAAAkAAAAEgAAACQAAAASAAAAAAAAAABAAAAAAAAAAEAAABQAAAAAAAAAAAA4D8AAAAAAADgPwAAAAAAAOA/AAAAAAAA4D8AAAAAAADgPwAAAAAAAOA/AAAAAAAA4D8AAAAAAADgPwAAAAAAAOA/AAAAAAAA4D8CAAAAjAAAAAAAAAAAAAAAu+DjDP///wgAAAAAAAAAAAAAAAAAAAAAAAAAAAAAAAAAAAAAZAAAAAEAAABAAAAAAAAAAAAAAAAAAAAAAAAAAAAAAAAAAAAAAAAAAAAAAAAAAAAAAAAAAAAAAAAAAAAAAAAAAAAAAAAAAAAAAAAAAAAAAAAAAAAAAAAAAAAAAAAAAAAAFAAAADwAAAAAAAAAAAAAAAAAAAkUAAAAAQAAABQAAAAUAAAAFAAAAAEAAAAAAAAAZAAAAGQAAAAAAAAAZAAAAGQAAAAVAAAAYAAAAAAAAAAAAAAADwAAACADAAAAAAAAAAAAAAEAAACgMgAAVgcAAKr4//8BAAAAf39/AAEAAABkAAAAAAAAABQAAABAHwAAAAAAACYAAAAAAAAAwOD//wAAAAAmAAAAZAAAABYAAABMAAAAAAAAAAAAAAAEAAAAAAAAAAEAAACAgIAKAAAAACgAAAAoAAAAZAAAAGQAAAAAAAAAzMzMAAAAAABQAAAAUAAAAGQAAABkAAAAAAAAABcAAAAUAAAAAAAAAAAAAAD/fwAA/38AAAAAAAAJAAAABAAAAAAAAAAeAAAAaAAAAAAAAAAAAAAAAAAAAAAAAAAAAAAAECcAABAnAAAAAAAAAAAAAAAAAAAAAAAAAAAAAAAAAAAAAAAAAAAAABQAAAAAAAAAwMD/AAAAAABkAAAAMgAAAAAAAABkAAAAAAAAAH9/fwAKAAAAIgAAABgAAAAAAAAAAAAAAAAAAAAAAAAAAAAAAAAAAAAkAAAAJAAAAAAAAAAHAAAAAAAAAAAAAAAAAAAAAAAAAAAAAAAAAAAAf39/ACUAAABYAAAAAAAAAAAAAAAAAAAAAAAAAAAAAAAAAAAAAAAAAAAAAAAAAAAAAAAAAAAAAAA/AAAAAAAAAKCGAQAAAAAAAAAAAAAAAAAMAAAAAQAAAAAAAAAAAAAAAAAAAB8AAABUAAAAAAAABQAAAAEAAAAAAAAAAAAAAAAAAAAAAAAAAAAAAAAAAAAAAAAAAAAAAAJ/f38AAAAAA8zMzADAwP8Af39/AAAAAAAAAAAAAAAAAAAAAAAAAAAAIQAAABgAAAAUAAAAoRkAABsnAABfMQAAWSkAABAAAAAmAAAACAAAAAAAAAAAAAAA"/>
               </a:ext>
             </a:extLst>
           </p:cNvSpPr>
@@ -2722,7 +2729,7 @@
             <a:spLocks noGrp="1" noChangeArrowheads="1"/>
             <a:extLst>
               <a:ext uri="smNativeData">
-                <pr:smNativeData xmlns:pr="smNativeData" xmlns="smNativeData" val="SMDATA_15_lFoOZxMAAAAlAAAAZAAAAA8BAAAAkAAAAEgAAACQAAAASAAAAAAAAAABAAAAAAAAAAEAAABQAAAAAAAAAAAA4D8AAAAAAADgPwAAAAAAAOA/AAAAAAAA4D8AAAAAAADgPwAAAAAAAOA/AAAAAAAA4D8AAAAAAADgPwAAAAAAAOA/AAAAAAAA4D8CAAAAjAAAAAAAAAAAAAAAu+DjDP///wgAAAAAAAAAAAAAAAAAAAAAAAAAAAAAAAAAAAAAZAAAAAEAAABAAAAAAAAAAAAAAAAAAAAAAAAAAAAAAAAAAAAAAAAAAAAAAAAAAAAAAAAAAAAAAAAAAAAAAAAAAAAAAAAAAAAAAAAAAAAAAAAAAAAAAAAAAAAAAAAAAAAAFAAAADwAAAAAAAAAAAAAAAAAAAkUAAAAAQAAABQAAAAUAAAAFAAAAAEAAAAAAAAAZAAAAGQAAAAAAAAAZAAAAGQAAAAVAAAAYAAAAAAAAAAAAAAADwAAACADAAAAAAAAAAAAAAEAAACgMgAAVgcAAKr4//8BAAAAf39/AAEAAABkAAAAAAAAABQAAABAHwAAAAAAACYAAAAAAAAAwOD//wAAAAAmAAAAZAAAABYAAABMAAAAAAAAAAAAAAAEAAAAAAAAAAEAAACAgIAKAAAAACgAAAAoAAAAZAAAAGQAAAAAAAAAzMzMAAAAAABQAAAAUAAAAGQAAABkAAAAAAAAABcAAAAUAAAAAAAAAAAAAAD/fwAA/38AAAAAAAAJAAAABAAAAAAAAAAeAAAAaAAAAAAAAAAAAAAAAAAAAAAAAAAAAAAAECcAABAnAAAAAAAAAAAAAAAAAAAAAAAAAAAAAAAAAAAAAAAAAAAAABQAAAAAAAAAwMD/AAAAAABkAAAAMgAAAAAAAABkAAAAAAAAAH9/fwAKAAAAIgAAABgAAAAAAAAAAAAAAAAAAAAAAAAAAAAAAAAAAAAkAAAAJAAAAAAAAAAHAAAAAAAAAAAAAAAAAAAAAAAAAAAAAAAAAAAAf39/ACUAAABYAAAAAAAAAAAAAAAAAAAAAAAAAAAAAAAAAAAAAAAAAAAAAAAAAAAAAAAAAAAAAAA/AAAAAAAAAKCGAQAAAAAAAAAAAAAAAAAMAAAAAQAAAAAAAAAAAAAAAAAAAB8AAABUAAAAAAAABQAAAAEAAAAAAAAAAAAAAAAAAAAAAAAAAAAAAAAAAAAAAAAAAAAAAAJ/f38AAAAAA8zMzADAwP8Af39/AAAAAAAAAAAAAAAAAAAAAAAAAAAAIQAAABgAAAAUAAAAwTUAABsnAABARwAAWSkAABAAAAAmAAAACAAAAAAAAAAAAAAA"/>
+                <pr:smNativeData xmlns:pr="smNativeData" xmlns="smNativeData" val="SMDATA_15_ZjATZxMAAAAlAAAAZAAAAA8BAAAAkAAAAEgAAACQAAAASAAAAAAAAAABAAAAAAAAAAEAAABQAAAAAAAAAAAA4D8AAAAAAADgPwAAAAAAAOA/AAAAAAAA4D8AAAAAAADgPwAAAAAAAOA/AAAAAAAA4D8AAAAAAADgPwAAAAAAAOA/AAAAAAAA4D8CAAAAjAAAAAAAAAAAAAAAu+DjDP///wgAAAAAAAAAAAAAAAAAAAAAAAAAAAAAAAAAAAAAZAAAAAEAAABAAAAAAAAAAAAAAAAAAAAAAAAAAAAAAAAAAAAAAAAAAAAAAAAAAAAAAAAAAAAAAAAAAAAAAAAAAAAAAAAAAAAAAAAAAAAAAAAAAAAAAAAAAAAAAAAAAAAAFAAAADwAAAAAAAAAAAAAAAAAAAkUAAAAAQAAABQAAAAUAAAAFAAAAAEAAAAAAAAAZAAAAGQAAAAAAAAAZAAAAGQAAAAVAAAAYAAAAAAAAAAAAAAADwAAACADAAAAAAAAAAAAAAEAAACgMgAAVgcAAKr4//8BAAAAf39/AAEAAABkAAAAAAAAABQAAABAHwAAAAAAACYAAAAAAAAAwOD//wAAAAAmAAAAZAAAABYAAABMAAAAAAAAAAAAAAAEAAAAAAAAAAEAAACAgIAKAAAAACgAAAAoAAAAZAAAAGQAAAAAAAAAzMzMAAAAAABQAAAAUAAAAGQAAABkAAAAAAAAABcAAAAUAAAAAAAAAAAAAAD/fwAA/38AAAAAAAAJAAAABAAAAAAAAAAeAAAAaAAAAAAAAAAAAAAAAAAAAAAAAAAAAAAAECcAABAnAAAAAAAAAAAAAAAAAAAAAAAAAAAAAAAAAAAAAAAAAAAAABQAAAAAAAAAwMD/AAAAAABkAAAAMgAAAAAAAABkAAAAAAAAAH9/fwAKAAAAIgAAABgAAAAAAAAAAAAAAAAAAAAAAAAAAAAAAAAAAAAkAAAAJAAAAAAAAAAHAAAAAAAAAAAAAAAAAAAAAAAAAAAAAAAAAAAAf39/ACUAAABYAAAAAAAAAAAAAAAAAAAAAAAAAAAAAAAAAAAAAAAAAAAAAAAAAAAAAAAAAAAAAAA/AAAAAAAAAKCGAQAAAAAAAAAAAAAAAAAMAAAAAQAAAAAAAAAAAAAAAAAAAB8AAABUAAAAAAAABQAAAAEAAAAAAAAAAAAAAAAAAAAAAAAAAAAAAAAAAAAAAAAAAAAAAAJ/f38AAAAAA8zMzADAwP8Af39/AAAAAAAAAAAAAAAAAAAAAAAAAAAAIQAAABgAAAAUAAAAwTUAABsnAABARwAAWSkAABAAAAAmAAAACAAAAAAAAAAAAAAA"/>
               </a:ext>
             </a:extLst>
           </p:cNvSpPr>
@@ -2736,7 +2743,7 @@
           <a:lstStyle/>
           <a:p>
             <a:pPr/>
-            <a:fld id="{729F3473-3D9F-CAC2-D127-CB977A69279E}" type="slidenum">
+            <a:fld id="{2942849A-D4C4-1772-8AFA-2227CAB47C77}" type="slidenum">
               <a:t/>
             </a:fld>
           </a:p>
@@ -2783,7 +2790,7 @@
             <a:spLocks noGrp="1" noChangeArrowheads="1"/>
             <a:extLst>
               <a:ext uri="smNativeData">
-                <pr:smNativeData xmlns:pr="smNativeData" xmlns="smNativeData" val="SMDATA_15_lFoOZxMAAAAlAAAAZAAAAA8BAAAAkAAAAEgAAACQAAAASAAAAAAAAAABAAAAAAAAAAEAAABQAAAAAAAAAAAA4D8AAAAAAADgPwAAAAAAAOA/AAAAAAAA4D8AAAAAAADgPwAAAAAAAOA/AAAAAAAA4D8AAAAAAADgPwAAAAAAAOA/AAAAAAAA4D8CAAAAjAAAAAAAAAAAAAAAu+DjDP///wgAAAAAAAAAAAAAAAAAAAAAAAAAAAAAAAAAAAAAZAAAAAEAAABAAAAAAAAAAAAAAAAAAAAAAAAAAAAAAAAAAAAAAAAAAAAAAAAAAAAAAAAAAAAAAAAAAAAAAAAAAAAAAAAAAAAAAAAAAAAAAAAAAAAAAAAAAAAAAAAAAAAAFAAAADwAAAAAAAAAAAAAAAAAAAkUAAAAAQAAABQAAAAUAAAAFAAAAAEAAAAAAAAAZAAAAGQAAAAAAAAAZAAAAGQAAAAVAAAAYAAAAAAAAAAAAAAADwAAACADAAAAAAAAAAAAAAEAAACgMgAAVgcAAKr4//8BAAAAf39/AAEAAABkAAAAAAAAABQAAABAHwAAAAAAACYAAAAAAAAAwOD//wAAAAAmAAAAZAAAABYAAABMAAAAAAAAAAAAAAAEAAAAAAAAAAEAAACAgIAKAAAAACgAAAAoAAAAZAAAAGQAAAAAAAAAzMzMAAAAAABQAAAAUAAAAGQAAABkAAAAAAAAABcAAAAUAAAAAAAAAAAAAAD/fwAA/38AAAAAAAAJAAAABAAAAHsAfAAeAAAAaAAAAAAAAAAAAAAAAAAAAAAAAAAAAAAAECcAABAnAAAAAAAAAAAAAAAAAAAAAAAAAAAAAAAAAAAAAAAAAAAAABQAAAAAAAAAwMD/AAAAAABkAAAAMgAAAAAAAABkAAAAAAAAAH9/fwAKAAAAIgAAABgAAAAAAAAAAAAAAAAAAAAAAAAAAAAAAAAAAAAkAAAAJAAAAAAAAAAHAAAAAAAAAAAAAAAAAAAAAAAAAAAAAAAAAAAAf39/ACUAAABYAAAAAAAAAAAAAAAAAAAAAAAAAAAAAAAAAAAAAAAAAAAAAAAAAAAAAAAAAAAAAAA/AAAAAAAAAKCGAQAAAAAAAAAAAAAAAAAMAAAAAQAAAAAAAAAAAAAAAAAAAB8AAABUAAAAAAAABQAAAAEAAAAAAAAAAAAAAAAAAAAAAAAAAAAAAAAAAAAAAAAAAAAAAAJ/f38AAAAAA8zMzADAwP8Af39/AAAAAAAAAAAAAAAAAAAAAAAAAAAAIQAAABgAAAAUAAAAwAMAALABAABARwAAuAgAABAAAAAmAAAACAAAAP//////////"/>
+                <pr:smNativeData xmlns:pr="smNativeData" xmlns="smNativeData" val="SMDATA_15_ZjATZxMAAAAlAAAAZAAAAA8BAAAAkAAAAEgAAACQAAAASAAAAAAAAAABAAAAAAAAAAEAAABQAAAAAAAAAAAA4D8AAAAAAADgPwAAAAAAAOA/AAAAAAAA4D8AAAAAAADgPwAAAAAAAOA/AAAAAAAA4D8AAAAAAADgPwAAAAAAAOA/AAAAAAAA4D8CAAAAjAAAAAAAAAAAAAAAu+DjDP///wgAAAAAAAAAAAAAAAAAAAAAAAAAAAAAAAAAAAAAZAAAAAEAAABAAAAAAAAAAAAAAAAAAAAAAAAAAAAAAAAAAAAAAAAAAAAAAAAAAAAAAAAAAAAAAAAAAAAAAAAAAAAAAAAAAAAAAAAAAAAAAAAAAAAAAAAAAAAAAAAAAAAAFAAAADwAAAAAAAAAAAAAAAAAAAkUAAAAAQAAABQAAAAUAAAAFAAAAAEAAAAAAAAAZAAAAGQAAAAAAAAAZAAAAGQAAAAVAAAAYAAAAAAAAAAAAAAADwAAACADAAAAAAAAAAAAAAEAAACgMgAAVgcAAKr4//8BAAAAf39/AAEAAABkAAAAAAAAABQAAABAHwAAAAAAACYAAAAAAAAAwOD//wAAAAAmAAAAZAAAABYAAABMAAAAAAAAAAAAAAAEAAAAAAAAAAEAAACAgIAKAAAAACgAAAAoAAAAZAAAAGQAAAAAAAAAzMzMAAAAAABQAAAAUAAAAGQAAABkAAAAAAAAABcAAAAUAAAAAAAAAAAAAAD/fwAA/38AAAAAAAAJAAAABAAAAHsAfAAeAAAAaAAAAAAAAAAAAAAAAAAAAAAAAAAAAAAAECcAABAnAAAAAAAAAAAAAAAAAAAAAAAAAAAAAAAAAAAAAAAAAAAAABQAAAAAAAAAwMD/AAAAAABkAAAAMgAAAAAAAABkAAAAAAAAAH9/fwAKAAAAIgAAABgAAAAAAAAAAAAAAAAAAAAAAAAAAAAAAAAAAAAkAAAAJAAAAAAAAAAHAAAAAAAAAAAAAAAAAAAAAAAAAAAAAAAAAAAAf39/ACUAAABYAAAAAAAAAAAAAAAAAAAAAAAAAAAAAAAAAAAAAAAAAAAAAAAAAAAAAAAAAAAAAAA/AAAAAAAAAKCGAQAAAAAAAAAAAAAAAAAMAAAAAQAAAAAAAAAAAAAAAAAAAB8AAABUAAAAAAAABQAAAAEAAAAAAAAAAAAAAAAAAAAAAAAAAAAAAAAAAAAAAAAAAAAAAAJ/f38AAAAAA8zMzADAwP8Af39/AAAAAAAAAAAAAAAAAAAAAAAAAAAAIQAAABgAAAAUAAAAwAMAALABAABARwAAuAgAABAAAAAmAAAACAAAAP//////////"/>
               </a:ext>
             </a:extLst>
           </p:cNvSpPr>
@@ -2827,7 +2834,7 @@
             <a:spLocks noGrp="1" noChangeArrowheads="1"/>
             <a:extLst>
               <a:ext uri="smNativeData">
-                <pr:smNativeData xmlns:pr="smNativeData" xmlns="smNativeData" val="SMDATA_15_lFoOZxMAAAAlAAAAZAAAAA8BAAAAkAAAAEgAAACQAAAASAAAAAAAAAAAAAAAAAAAAAEAAABQAAAAAAAAAAAA4D8AAAAAAADgPwAAAAAAAOA/AAAAAAAA4D8AAAAAAADgPwAAAAAAAOA/AAAAAAAA4D8AAAAAAADgPwAAAAAAAOA/AAAAAAAA4D8CAAAAjAAAAAAAAAAAAAAAu+DjDP///wgAAAAAAAAAAAAAAAAAAAAAAAAAAAAAAAAAAAAAZAAAAAEAAABAAAAAAAAAAAAAAAAAAAAAAAAAAAAAAAAAAAAAAAAAAAAAAAAAAAAAAAAAAAAAAAAAAAAAAAAAAAAAAAAAAAAAAAAAAAAAAAAAAAAAAAAAAAAAAAAAAAAAFAAAADwAAAAAAAAAAAAAAAAAAAkUAAAAAQAAABQAAAAUAAAAFAAAAAEAAAAAAAAAZAAAAGQAAAAAAAAAZAAAAGQAAAAVAAAAYAAAAAAAAAAAAAAADwAAACADAAAAAAAAAAAAAAEAAACgMgAAVgcAAKr4//8BAAAAf39/AAEAAABkAAAAAAAAABQAAABAHwAAAAAAACYAAAAAAAAAwOD//wAAAAAmAAAAZAAAABYAAABMAAAAAAAAAAAAAAAEAAAAAAAAAAEAAACAgIAKAAAAACgAAAAoAAAAZAAAAGQAAAAAAAAAzMzMAAAAAABQAAAAUAAAAGQAAABkAAAAAAAAABcAAAAUAAAAAAAAAAAAAAD/fwAA/38AAAAAAAAJAAAABAAAAHsAfAAeAAAAaAAAAAAAAAAAAAAAAAAAAAAAAAAAAAAAECcAABAnAAAAAAAAAAAAAAAAAAAAAAAAAAAAAAAAAAAAAAAAAAAAABQAAAAAAAAAwMD/AAAAAABkAAAAMgAAAAAAAABkAAAAAAAAAH9/fwAKAAAAIgAAABgAAAAAAAAAAAAAAAAAAAAAAAAAAAAAAAAAAAAkAAAAJAAAAAAAAAAHAAAAAAAAAAAAAAAAAAAAAAAAAAAAAAAAAAAAf39/ACUAAABYAAAAAAAAAAAAAAAAAAAAAAAAAAAAAAAAAAAAAAAAAAAAAAAAAAAAAAAAAAAAAAA/AAAAAAAAAKCGAQAAAAAAAAAAAAAAAAAMAAAAAQAAAAAAAAAAAAAAAAAAAB8AAABUAAAAAAAABQAAAAEAAAAAAAAAAAAAAAAAAAAAAAAAAAAAAAAAAAAAAAAAAAAAAAJ/f38AAAAAA8zMzADAwP8Af39/AAAAAAAAAAAAAAAAAAAAAAAAAAAAIQAAABgAAAAUAAAAwAMAANgJAABARwAAsCUAABAAAAAmAAAACAAAAP//////////"/>
+                <pr:smNativeData xmlns:pr="smNativeData" xmlns="smNativeData" val="SMDATA_15_ZjATZxMAAAAlAAAAZAAAAA8BAAAAkAAAAEgAAACQAAAASAAAAAAAAAAAAAAAAAAAAAEAAABQAAAAAAAAAAAA4D8AAAAAAADgPwAAAAAAAOA/AAAAAAAA4D8AAAAAAADgPwAAAAAAAOA/AAAAAAAA4D8AAAAAAADgPwAAAAAAAOA/AAAAAAAA4D8CAAAAjAAAAAAAAAAAAAAAu+DjDP///wgAAAAAAAAAAAAAAAAAAAAAAAAAAAAAAAAAAAAAZAAAAAEAAABAAAAAAAAAAAAAAAAAAAAAAAAAAAAAAAAAAAAAAAAAAAAAAAAAAAAAAAAAAAAAAAAAAAAAAAAAAAAAAAAAAAAAAAAAAAAAAAAAAAAAAAAAAAAAAAAAAAAAFAAAADwAAAAAAAAAAAAAAAAAAAkUAAAAAQAAABQAAAAUAAAAFAAAAAEAAAAAAAAAZAAAAGQAAAAAAAAAZAAAAGQAAAAVAAAAYAAAAAAAAAAAAAAADwAAACADAAAAAAAAAAAAAAEAAACgMgAAVgcAAKr4//8BAAAAf39/AAEAAABkAAAAAAAAABQAAABAHwAAAAAAACYAAAAAAAAAwOD//wAAAAAmAAAAZAAAABYAAABMAAAAAAAAAAAAAAAEAAAAAAAAAAEAAACAgIAKAAAAACgAAAAoAAAAZAAAAGQAAAAAAAAAzMzMAAAAAABQAAAAUAAAAGQAAABkAAAAAAAAABcAAAAUAAAAAAAAAAAAAAD/fwAA/38AAAAAAAAJAAAABAAAAHsAfAAeAAAAaAAAAAAAAAAAAAAAAAAAAAAAAAAAAAAAECcAABAnAAAAAAAAAAAAAAAAAAAAAAAAAAAAAAAAAAAAAAAAAAAAABQAAAAAAAAAwMD/AAAAAABkAAAAMgAAAAAAAABkAAAAAAAAAH9/fwAKAAAAIgAAABgAAAAAAAAAAAAAAAAAAAAAAAAAAAAAAAAAAAAkAAAAJAAAAAAAAAAHAAAAAAAAAAAAAAAAAAAAAAAAAAAAAAAAAAAAf39/ACUAAABYAAAAAAAAAAAAAAAAAAAAAAAAAAAAAAAAAAAAAAAAAAAAAAAAAAAAAAAAAAAAAAA/AAAAAAAAAKCGAQAAAAAAAAAAAAAAAAAMAAAAAQAAAAAAAAAAAAAAAAAAAB8AAABUAAAAAAAABQAAAAEAAAAAAAAAAAAAAAAAAAAAAAAAAAAAAAAAAAAAAAAAAAAAAAJ/f38AAAAAA8zMzADAwP8Af39/AAAAAAAAAAAAAAAAAAAAAAAAAAAAIQAAABgAAAAUAAAAwAMAANgJAABARwAAsCUAABAAAAAmAAAACAAAAP//////////"/>
               </a:ext>
             </a:extLst>
           </p:cNvSpPr>
@@ -2895,7 +2902,7 @@
             <a:spLocks noGrp="1" noChangeArrowheads="1"/>
             <a:extLst>
               <a:ext uri="smNativeData">
-                <pr:smNativeData xmlns:pr="smNativeData" xmlns="smNativeData" val="SMDATA_15_lFoOZxMAAAAlAAAAZAAAAA8BAAAAkAAAAEgAAACQAAAASAAAAAAAAAABAAAAAAAAAAEAAABQAAAAAAAAAAAA4D8AAAAAAADgPwAAAAAAAOA/AAAAAAAA4D8AAAAAAADgPwAAAAAAAOA/AAAAAAAA4D8AAAAAAADgPwAAAAAAAOA/AAAAAAAA4D8CAAAAjAAAAAAAAAAAAAAAu+DjDP///wgAAAAAAAAAAAAAAAAAAAAAAAAAAAAAAAAAAAAAZAAAAAEAAABAAAAAAAAAAAAAAAAAAAAAAAAAAAAAAAAAAAAAAAAAAAAAAAAAAAAAAAAAAAAAAAAAAAAAAAAAAAAAAAAAAAAAAAAAAAAAAAAAAAAAAAAAAAAAAAAAAAAAFAAAADwAAAAAAAAAAAAAAAAAAAkUAAAAAQAAABQAAAAUAAAAFAAAAAEAAAAAAAAAZAAAAGQAAAAAAAAAZAAAAGQAAAAVAAAAYAAAAAAAAAAAAAAADwAAACADAAAAAAAAAAAAAAEAAACgMgAAVgcAAKr4//8BAAAAf39/AAEAAABkAAAAAAAAABQAAABAHwAAAAAAACYAAAAAAAAAwOD//wAAAAAmAAAAZAAAABYAAABMAAAAAAAAAAAAAAAEAAAAAAAAAAEAAACAgIAKAAAAACgAAAAoAAAAZAAAAGQAAAAAAAAAzMzMAAAAAABQAAAAUAAAAGQAAABkAAAAAAAAABcAAAAUAAAAAAAAAAAAAAD/fwAA/38AAAAAAAAJAAAABAAAAHsAfAAeAAAAaAAAAAAAAAAAAAAAAAAAAAAAAAAAAAAAECcAABAnAAAAAAAAAAAAAAAAAAAAAAAAAAAAAAAAAAAAAAAAAAAAABQAAAAAAAAAwMD/AAAAAABkAAAAMgAAAAAAAABkAAAAAAAAAH9/fwAKAAAAIgAAABgAAAAAAAAAAAAAAAAAAAAAAAAAAAAAAAAAAAAkAAAAJAAAAAAAAAAHAAAAAAAAAAAAAAAAAAAAAAAAAAAAAAAAAAAAf39/ACUAAABYAAAAAAAAAAAAAAAAAAAAAAAAAAAAAAAAAAAAAAAAAAAAAAAAAAAAAAAAAAAAAAA/AAAAAAAAAKCGAQAAAAAAAAAAAAAAAAAMAAAAAQAAAAAAAAAAAAAAAAAAAB8AAABUAAAAAAAABQAAAAEAAAAAAAAAAAAAAAAAAAAAAAAAAAAAAAAAAAAAAAAAAAAAAAJ/f38AAAAAA8zMzADAwP8Af39/AAAAAAAAAAAAAAAAAAAAAAAAAAAAIQAAABgAAAAUAAAAwAMAABsnAAA/FQAAWSkAABAAAAAmAAAACAAAAP//////////"/>
+                <pr:smNativeData xmlns:pr="smNativeData" xmlns="smNativeData" val="SMDATA_15_ZjATZxMAAAAlAAAAZAAAAA8BAAAAkAAAAEgAAACQAAAASAAAAAAAAAABAAAAAAAAAAEAAABQAAAAAAAAAAAA4D8AAAAAAADgPwAAAAAAAOA/AAAAAAAA4D8AAAAAAADgPwAAAAAAAOA/AAAAAAAA4D8AAAAAAADgPwAAAAAAAOA/AAAAAAAA4D8CAAAAjAAAAAAAAAAAAAAAu+DjDP///wgAAAAAAAAAAAAAAAAAAAAAAAAAAAAAAAAAAAAAZAAAAAEAAABAAAAAAAAAAAAAAAAAAAAAAAAAAAAAAAAAAAAAAAAAAAAAAAAAAAAAAAAAAAAAAAAAAAAAAAAAAAAAAAAAAAAAAAAAAAAAAAAAAAAAAAAAAAAAAAAAAAAAFAAAADwAAAAAAAAAAAAAAAAAAAkUAAAAAQAAABQAAAAUAAAAFAAAAAEAAAAAAAAAZAAAAGQAAAAAAAAAZAAAAGQAAAAVAAAAYAAAAAAAAAAAAAAADwAAACADAAAAAAAAAAAAAAEAAACgMgAAVgcAAKr4//8BAAAAf39/AAEAAABkAAAAAAAAABQAAABAHwAAAAAAACYAAAAAAAAAwOD//wAAAAAmAAAAZAAAABYAAABMAAAAAAAAAAAAAAAEAAAAAAAAAAEAAACAgIAKAAAAACgAAAAoAAAAZAAAAGQAAAAAAAAAzMzMAAAAAABQAAAAUAAAAGQAAABkAAAAAAAAABcAAAAUAAAAAAAAAAAAAAD/fwAA/38AAAAAAAAJAAAABAAAAHsAfAAeAAAAaAAAAAAAAAAAAAAAAAAAAAAAAAAAAAAAECcAABAnAAAAAAAAAAAAAAAAAAAAAAAAAAAAAAAAAAAAAAAAAAAAABQAAAAAAAAAwMD/AAAAAABkAAAAMgAAAAAAAABkAAAAAAAAAH9/fwAKAAAAIgAAABgAAAAAAAAAAAAAAAAAAAAAAAAAAAAAAAAAAAAkAAAAJAAAAAAAAAAHAAAAAAAAAAAAAAAAAAAAAAAAAAAAAAAAAAAAf39/ACUAAABYAAAAAAAAAAAAAAAAAAAAAAAAAAAAAAAAAAAAAAAAAAAAAAAAAAAAAAAAAAAAAAA/AAAAAAAAAKCGAQAAAAAAAAAAAAAAAAAMAAAAAQAAAAAAAAAAAAAAAAAAAB8AAABUAAAAAAAABQAAAAEAAAAAAAAAAAAAAAAAAAAAAAAAAAAAAAAAAAAAAAAAAAAAAAJ/f38AAAAAA8zMzADAwP8Af39/AAAAAAAAAAAAAAAAAAAAAAAAAAAAIQAAABgAAAAUAAAAwAMAABsnAAA/FQAAWSkAABAAAAAmAAAACAAAAP//////////"/>
               </a:ext>
             </a:extLst>
           </p:cNvSpPr>
@@ -2930,7 +2937,7 @@
           </a:lstStyle>
           <a:p>
             <a:pPr/>
-            <a:fld id="{661051AC-E28B-45A7-C5A8-14F21FE63341}" type="datetime1">
+            <a:fld id="{35E7A1D3-9DD8-B257-965F-6B02EF11603E}" type="datetime1">
               <a:t/>
             </a:fld>
           </a:p>
@@ -2943,7 +2950,7 @@
             <a:spLocks noGrp="1" noChangeArrowheads="1"/>
             <a:extLst>
               <a:ext uri="smNativeData">
-                <pr:smNativeData xmlns:pr="smNativeData" xmlns="smNativeData" val="SMDATA_15_lFoOZxMAAAAlAAAAZAAAAA8BAAAAkAAAAEgAAACQAAAASAAAAAAAAAABAAAAAAAAAAEAAABQAAAAAAAAAAAA4D8AAAAAAADgPwAAAAAAAOA/AAAAAAAA4D8AAAAAAADgPwAAAAAAAOA/AAAAAAAA4D8AAAAAAADgPwAAAAAAAOA/AAAAAAAA4D8CAAAAjAAAAAAAAAAAAAAAu+DjDP///wgAAAAAAAAAAAAAAAAAAAAAAAAAAAAAAAAAAAAAZAAAAAEAAABAAAAAAAAAAAAAAAAAAAAAAAAAAAAAAAAAAAAAAAAAAAAAAAAAAAAAAAAAAAAAAAAAAAAAAAAAAAAAAAAAAAAAAAAAAAAAAAAAAAAAAAAAAAAAAAAAAAAAFAAAADwAAAAAAAAAAAAAAAAAAAkUAAAAAQAAABQAAAAUAAAAFAAAAAEAAAAAAAAAZAAAAGQAAAAAAAAAZAAAAGQAAAAVAAAAYAAAAAAAAAAAAAAADwAAACADAAAAAAAAAAAAAAEAAACgMgAAVgcAAKr4//8BAAAAf39/AAEAAABkAAAAAAAAABQAAABAHwAAAAAAACYAAAAAAAAAwOD//wAAAAAmAAAAZAAAABYAAABMAAAAAAAAAAAAAAAEAAAAAAAAAAEAAACAgIAKAAAAACgAAAAoAAAAZAAAAGQAAAAAAAAAzMzMAAAAAABQAAAAUAAAAGQAAABkAAAAAAAAABcAAAAUAAAAAAAAAAAAAAD/fwAA/38AAAAAAAAJAAAABAAAAAAAAAAeAAAAaAAAAAAAAAAAAAAAAAAAAAAAAAAAAAAAECcAABAnAAAAAAAAAAAAAAAAAAAAAAAAAAAAAAAAAAAAAAAAAAAAABQAAAAAAAAAwMD/AAAAAABkAAAAMgAAAAAAAABkAAAAAAAAAH9/fwAKAAAAIgAAABgAAAAAAAAAAAAAAAAAAAAAAAAAAAAAAAAAAAAkAAAAJAAAAAAAAAAHAAAAAAAAAAAAAAAAAAAAAAAAAAAAAAAAAAAAf39/ACUAAABYAAAAAAAAAAAAAAAAAAAAAAAAAAAAAAAAAAAAAAAAAAAAAAAAAAAAAAAAAAAAAAA/AAAAAAAAAKCGAQAAAAAAAAAAAAAAAAAMAAAAAQAAAAAAAAAAAAAAAAAAAB8AAABUAAAAAAAABQAAAAEAAAAAAAAAAAAAAAAAAAAAAAAAAAAAAAAAAAAAAAAAAAAAAAJ/f38AAAAAA8zMzADAwP8Af39/AAAAAAAAAAAAAAAAAAAAAAAAAAAAIQAAABgAAAAUAAAAoRkAABsnAABfMQAAWSkAABAAAAAmAAAACAAAAP//////////"/>
+                <pr:smNativeData xmlns:pr="smNativeData" xmlns="smNativeData" val="SMDATA_15_ZjATZxMAAAAlAAAAZAAAAA8BAAAAkAAAAEgAAACQAAAASAAAAAAAAAABAAAAAAAAAAEAAABQAAAAAAAAAAAA4D8AAAAAAADgPwAAAAAAAOA/AAAAAAAA4D8AAAAAAADgPwAAAAAAAOA/AAAAAAAA4D8AAAAAAADgPwAAAAAAAOA/AAAAAAAA4D8CAAAAjAAAAAAAAAAAAAAAu+DjDP///wgAAAAAAAAAAAAAAAAAAAAAAAAAAAAAAAAAAAAAZAAAAAEAAABAAAAAAAAAAAAAAAAAAAAAAAAAAAAAAAAAAAAAAAAAAAAAAAAAAAAAAAAAAAAAAAAAAAAAAAAAAAAAAAAAAAAAAAAAAAAAAAAAAAAAAAAAAAAAAAAAAAAAFAAAADwAAAAAAAAAAAAAAAAAAAkUAAAAAQAAABQAAAAUAAAAFAAAAAEAAAAAAAAAZAAAAGQAAAAAAAAAZAAAAGQAAAAVAAAAYAAAAAAAAAAAAAAADwAAACADAAAAAAAAAAAAAAEAAACgMgAAVgcAAKr4//8BAAAAf39/AAEAAABkAAAAAAAAABQAAABAHwAAAAAAACYAAAAAAAAAwOD//wAAAAAmAAAAZAAAABYAAABMAAAAAAAAAAAAAAAEAAAAAAAAAAEAAACAgIAKAAAAACgAAAAoAAAAZAAAAGQAAAAAAAAAzMzMAAAAAABQAAAAUAAAAGQAAABkAAAAAAAAABcAAAAUAAAAAAAAAAAAAAD/fwAA/38AAAAAAAAJAAAABAAAAAAAAAAeAAAAaAAAAAAAAAAAAAAAAAAAAAAAAAAAAAAAECcAABAnAAAAAAAAAAAAAAAAAAAAAAAAAAAAAAAAAAAAAAAAAAAAABQAAAAAAAAAwMD/AAAAAABkAAAAMgAAAAAAAABkAAAAAAAAAH9/fwAKAAAAIgAAABgAAAAAAAAAAAAAAAAAAAAAAAAAAAAAAAAAAAAkAAAAJAAAAAAAAAAHAAAAAAAAAAAAAAAAAAAAAAAAAAAAAAAAAAAAf39/ACUAAABYAAAAAAAAAAAAAAAAAAAAAAAAAAAAAAAAAAAAAAAAAAAAAAAAAAAAAAAAAAAAAAA/AAAAAAAAAKCGAQAAAAAAAAAAAAAAAAAMAAAAAQAAAAAAAAAAAAAAAAAAAB8AAABUAAAAAAAABQAAAAEAAAAAAAAAAAAAAAAAAAAAAAAAAAAAAAAAAAAAAAAAAAAAAAJ/f38AAAAAA8zMzADAwP8Af39/AAAAAAAAAAAAAAAAAAAAAAAAAAAAIQAAABgAAAAUAAAAoRkAABsnAABfMQAAWSkAABAAAAAmAAAACAAAAP//////////"/>
               </a:ext>
             </a:extLst>
           </p:cNvSpPr>
@@ -2988,7 +2995,7 @@
             <a:spLocks noGrp="1" noChangeArrowheads="1"/>
             <a:extLst>
               <a:ext uri="smNativeData">
-                <pr:smNativeData xmlns:pr="smNativeData" xmlns="smNativeData" val="SMDATA_15_lFoOZxMAAAAlAAAAZAAAAA8BAAAAkAAAAEgAAACQAAAASAAAAAAAAAABAAAAAAAAAAEAAABQAAAAAAAAAAAA4D8AAAAAAADgPwAAAAAAAOA/AAAAAAAA4D8AAAAAAADgPwAAAAAAAOA/AAAAAAAA4D8AAAAAAADgPwAAAAAAAOA/AAAAAAAA4D8CAAAAjAAAAAAAAAAAAAAAu+DjDP///wgAAAAAAAAAAAAAAAAAAAAAAAAAAAAAAAAAAAAAZAAAAAEAAABAAAAAAAAAAAAAAAAAAAAAAAAAAAAAAAAAAAAAAAAAAAAAAAAAAAAAAAAAAAAAAAAAAAAAAAAAAAAAAAAAAAAAAAAAAAAAAAAAAAAAAAAAAAAAAAAAAAAAFAAAADwAAAAAAAAAAAAAAAAAAAkUAAAAAQAAABQAAAAUAAAAFAAAAAEAAAAAAAAAZAAAAGQAAAAAAAAAZAAAAGQAAAAVAAAAYAAAAAAAAAAAAAAADwAAACADAAAAAAAAAAAAAAEAAACgMgAAVgcAAKr4//8BAAAAf39/AAEAAABkAAAAAAAAABQAAABAHwAAAAAAACYAAAAAAAAAwOD//wAAAAAmAAAAZAAAABYAAABMAAAAAAAAAAAAAAAEAAAAAAAAAAEAAACAgIAKAAAAACgAAAAoAAAAZAAAAGQAAAAAAAAAzMzMAAAAAABQAAAAUAAAAGQAAABkAAAAAAAAABcAAAAUAAAAAAAAAAAAAAD/fwAA/38AAAAAAAAJAAAABAAAAP////8eAAAAaAAAAAAAAAAAAAAAAAAAAAAAAAAAAAAAECcAABAnAAAAAAAAAAAAAAAAAAAAAAAAAAAAAAAAAAAAAAAAAAAAABQAAAAAAAAAwMD/AAAAAABkAAAAMgAAAAAAAABkAAAAAAAAAH9/fwAKAAAAIgAAABgAAAAAAAAAAAAAAAAAAAAAAAAAAAAAAAAAAAAkAAAAJAAAAAAAAAAHAAAAAAAAAAAAAAAAAAAAAAAAAAAAAAAAAAAAf39/ACUAAABYAAAAAAAAAAAAAAAAAAAAAAAAAAAAAAAAAAAAAAAAAAAAAAAAAAAAAAAAAAAAAAA/AAAAAAAAAKCGAQAAAAAAAAAAAAAAAAAMAAAAAQAAAAAAAAAAAAAAAAAAAB8AAABUAAAAAAAABQAAAAEAAAAAAAAAAAAAAAAAAAAAAAAAAAAAAAAAAAAAAAAAAAAAAAJ/f38AAAAAA8zMzADAwP8Af39/AAAAAAAAAAAAAAAAAAAAAAAAAAAAIQAAABgAAAAUAAAAwTUAABsnAABARwAAWSkAABAAAAAmAAAACAAAAP//////////"/>
+                <pr:smNativeData xmlns:pr="smNativeData" xmlns="smNativeData" val="SMDATA_15_ZjATZxMAAAAlAAAAZAAAAA8BAAAAkAAAAEgAAACQAAAASAAAAAAAAAABAAAAAAAAAAEAAABQAAAAAAAAAAAA4D8AAAAAAADgPwAAAAAAAOA/AAAAAAAA4D8AAAAAAADgPwAAAAAAAOA/AAAAAAAA4D8AAAAAAADgPwAAAAAAAOA/AAAAAAAA4D8CAAAAjAAAAAAAAAAAAAAAu+DjDP///wgAAAAAAAAAAAAAAAAAAAAAAAAAAAAAAAAAAAAAZAAAAAEAAABAAAAAAAAAAAAAAAAAAAAAAAAAAAAAAAAAAAAAAAAAAAAAAAAAAAAAAAAAAAAAAAAAAAAAAAAAAAAAAAAAAAAAAAAAAAAAAAAAAAAAAAAAAAAAAAAAAAAAFAAAADwAAAAAAAAAAAAAAAAAAAkUAAAAAQAAABQAAAAUAAAAFAAAAAEAAAAAAAAAZAAAAGQAAAAAAAAAZAAAAGQAAAAVAAAAYAAAAAAAAAAAAAAADwAAACADAAAAAAAAAAAAAAEAAACgMgAAVgcAAKr4//8BAAAAf39/AAEAAABkAAAAAAAAABQAAABAHwAAAAAAACYAAAAAAAAAwOD//wAAAAAmAAAAZAAAABYAAABMAAAAAAAAAAAAAAAEAAAAAAAAAAEAAACAgIAKAAAAACgAAAAoAAAAZAAAAGQAAAAAAAAAzMzMAAAAAABQAAAAUAAAAGQAAABkAAAAAAAAABcAAAAUAAAAAAAAAAAAAAD/fwAA/38AAAAAAAAJAAAABAAAAP////8eAAAAaAAAAAAAAAAAAAAAAAAAAAAAAAAAAAAAECcAABAnAAAAAAAAAAAAAAAAAAAAAAAAAAAAAAAAAAAAAAAAAAAAABQAAAAAAAAAwMD/AAAAAABkAAAAMgAAAAAAAABkAAAAAAAAAH9/fwAKAAAAIgAAABgAAAAAAAAAAAAAAAAAAAAAAAAAAAAAAAAAAAAkAAAAJAAAAAAAAAAHAAAAAAAAAAAAAAAAAAAAAAAAAAAAAAAAAAAAf39/ACUAAABYAAAAAAAAAAAAAAAAAAAAAAAAAAAAAAAAAAAAAAAAAAAAAAAAAAAAAAAAAAAAAAA/AAAAAAAAAKCGAQAAAAAAAAAAAAAAAAAMAAAAAQAAAAAAAAAAAAAAAAAAAB8AAABUAAAAAAAABQAAAAEAAAAAAAAAAAAAAAAAAAAAAAAAAAAAAAAAAAAAAAAAAAAAAAJ/f38AAAAAA8zMzADAwP8Af39/AAAAAAAAAAAAAAAAAAAAAAAAAAAAIQAAABgAAAAUAAAAwTUAABsnAABARwAAWSkAABAAAAAmAAAACAAAAP//////////"/>
               </a:ext>
             </a:extLst>
           </p:cNvSpPr>
@@ -3023,7 +3030,7 @@
           </a:lstStyle>
           <a:p>
             <a:pPr/>
-            <a:fld id="{6EADF96B-2583-F80F-CD15-D35AB75B3B86}" type="slidenum">
+            <a:fld id="{7A37D95B-1597-622F-D98F-E37A97C12FB6}" type="slidenum">
               <a:t/>
             </a:fld>
           </a:p>
@@ -3702,7 +3709,7 @@
             <a:spLocks noGrp="1" noChangeArrowheads="1"/>
             <a:extLst>
               <a:ext uri="smNativeData">
-                <pr:smNativeData xmlns:pr="smNativeData" xmlns="smNativeData" val="SMDATA_15_lFoOZxMAAAAlAAAAZAAAAA8BAAAAkAAAAEgAAACQAAAASAAAAAAAAAABAAAAAAAAAAEAAABQAAAAAAAAAAAA4D8AAAAAAADgPwAAAAAAAOA/AAAAAAAA4D8AAAAAAADgPwAAAAAAAOA/AAAAAAAA4D8AAAAAAADgPwAAAAAAAOA/AAAAAAAA4D8CAAAAjAAAAAAAAAAAAAAAu+DjDP///wgAAAAAAAAAAAAAAAAAAAAAAAAAAAAAAAAAAAAAZAAAAAEAAABAAAAAAAAAAAAAAAAAAAAAAAAAAAAAAAAAAAAAAAAAAAAAAAAAAAAAAAAAAAAAAAAAAAAAAAAAAAAAAAAAAAAAAAAAAAAAAAAAAAAAAAAAAAAAAAAAAAAAFAAAADwAAAAAAAAAAAAAAAAAAAkUAAAAAQAAABQAAAAUAAAAFAAAAAEAAAAAAAAAZAAAAGQAAAAAAAAAZAAAAGQAAAAVAAAAYAAAAAAAAAAAAAAADwAAACADAAAAAAAAAAAAAAEAAACgMgAAVgcAAKr4//8BAAAAf39/AAEAAABkAAAAAAAAABQAAABAHwAAAAAAACYAAAAAAAAAwOD//wAAAAAmAAAAZAAAABYAAABMAAAAAAAAAAAAAAAEAAAAAAAAAAEAAACAgIAKAAAAACgAAAAoAAAAZAAAAGQAAAAAAAAAzMzMAAAAAABQAAAAUAAAAGQAAABkAAAAAAAAABcAAAAUAAAAAAAAAAAAAAD/fwAA/38AAAAAAAAJAAAABAAAAAAAAAAeAAAAaAAAAAAAAAAAAAAAAAAAAAAAAAAAAAAAECcAABAnAAAAAAAAAAAAAAAAAAAAAAAAAAAAAAAAAAAAAAAAAAAAABQAAAAAAAAAwMD/AAAAAABkAAAAMgAAAAAAAABkAAAAAAAAAH9/fwAKAAAAIgAAABgAAAAAAAAAAAAAAAAAAAAAAAAAAAAAAAAAAAAkAAAAJAAAAAAAAAAHAAAAAAAAAAAAAAAAAAAAAAAAAAAAAAAAAAAAf39/ACUAAABYAAAAAAAAAAAAAAAAAAAAAAAAAAAAAAAAAAAAAAAAAAAAAAAAAAAAAAAAAAAAAAA/AAAAAAAAAKCGAQAAAAAAAAAAAAAAAAAMAAAAAQAAAAAAAAAAAAAAAAAAAB8AAABUAAAAAAAABQAAAAEAAAAAAAAAAAAAAAAAAAAAAAAAAAAAAAAAAAAAAAAAAAAAAAJ/f38AAAAAA8zMzADAwP8Af39/AAAAAAAAAAAAAAAAAAAAAAAAAAAAIQAAABgAAAAUAAAAoAUAABoNAABgRQAAJhYAAAAAAAAmAAAACAAAAAEAAAAAAAAA"/>
+                <pr:smNativeData xmlns:pr="smNativeData" xmlns="smNativeData" val="SMDATA_15_ZjATZxMAAAAlAAAAZAAAAA8BAAAAkAAAAEgAAACQAAAASAAAAAAAAAABAAAAAAAAAAEAAABQAAAAAAAAAAAA4D8AAAAAAADgPwAAAAAAAOA/AAAAAAAA4D8AAAAAAADgPwAAAAAAAOA/AAAAAAAA4D8AAAAAAADgPwAAAAAAAOA/AAAAAAAA4D8CAAAAjAAAAAAAAAAAAAAAu+DjDP///wgAAAAAAAAAAAAAAAAAAAAAAAAAAAAAAAAAAAAAZAAAAAEAAABAAAAAAAAAAAAAAAAAAAAAAAAAAAAAAAAAAAAAAAAAAAAAAAAAAAAAAAAAAAAAAAAAAAAAAAAAAAAAAAAAAAAAAAAAAAAAAAAAAAAAAAAAAAAAAAAAAAAAFAAAADwAAAAAAAAAAAAAAAAAAAkUAAAAAQAAABQAAAAUAAAAFAAAAAEAAAAAAAAAZAAAAGQAAAAAAAAAZAAAAGQAAAAVAAAAYAAAAAAAAAAAAAAADwAAACADAAAAAAAAAAAAAAEAAACgMgAAVgcAAKr4//8BAAAAf39/AAEAAABkAAAAAAAAABQAAABAHwAAAAAAACYAAAAAAAAAwOD//wAAAAAmAAAAZAAAABYAAABMAAAAAAAAAAAAAAAEAAAAAAAAAAEAAACAgIAKAAAAACgAAAAoAAAAZAAAAGQAAAAAAAAAzMzMAAAAAABQAAAAUAAAAGQAAABkAAAAAAAAABcAAAAUAAAAAAAAAAAAAAD/fwAA/38AAAAAAAAJAAAABAAAAA4AAAAeAAAAaAAAAAAAAAAAAAAAAAAAAAAAAAAAAAAAECcAABAnAAAAAAAAAAAAAAAAAAAAAAAAAAAAAAAAAAAAAAAAAAAAABQAAAAAAAAAwMD/AAAAAABkAAAAMgAAAAAAAABkAAAAAAAAAH9/fwAKAAAAIgAAABgAAAAAAAAAAAAAAAAAAAAAAAAAAAAAAAAAAAAkAAAAJAAAAAAAAAAHAAAAAAAAAAAAAAAAAAAAAAAAAAAAAAAAAAAAf39/ACUAAABYAAAAAAAAAAAAAAAAAAAAAAAAAAAAAAAAAAAAAAAAAAAAAAAAAAAAAAAAAAAAAAA/AAAAAAAAAKCGAQAAAAAAAAAAAAAAAAAMAAAAAQAAAAAAAAAAAAAAAAAAAB8AAABUAAAAAAAABQAAAAEAAAAAAAAAAAAAAAAAAAAAAAAAAAAAAAAAAAAAAAAAAAAAAAJ/f38AAAAAA8zMzADAwP8Af39/AAAAAAAAAAAAAAAAAAAAAAAAAAAAIQAAABgAAAAUAAAAoAUAABoNAABgRQAAJhYAAAAAAAAmAAAACAAAAAEAAAAAAAAA"/>
               </a:ext>
             </a:extLst>
           </p:cNvSpPr>
@@ -3722,7 +3729,7 @@
           <a:p>
             <a:pPr/>
             <a:r>
-              <a:t>[Draft] Case Study Approach</a:t>
+              <a:t>Overview</a:t>
             </a:r>
           </a:p>
         </p:txBody>
@@ -3734,7 +3741,820 @@
             <a:spLocks noGrp="1" noChangeArrowheads="1"/>
             <a:extLst>
               <a:ext uri="smNativeData">
-                <pr:smNativeData xmlns:pr="smNativeData" xmlns="smNativeData" val="SMDATA_15_lFoOZxMAAAAlAAAAZAAAAA8BAAAAkAAAAEgAAACQAAAASAAAAAAAAAAAAAAAAAAAAAEAAABQAAAAAAAAAAAA4D8AAAAAAADgPwAAAAAAAOA/AAAAAAAA4D8AAAAAAADgPwAAAAAAAOA/AAAAAAAA4D8AAAAAAADgPwAAAAAAAOA/AAAAAAAA4D8CAAAAjAAAAAAAAAAAAAAAu+DjDP///wgAAAAAAAAAAAAAAAAAAAAAAAAAAAAAAAAAAAAAZAAAAAEAAABAAAAAAAAAAAAAAAAAAAAAAAAAAAAAAAAAAAAAAAAAAAAAAAAAAAAAAAAAAAAAAAAAAAAAAAAAAAAAAAAAAAAAAAAAAAAAAAAAAAAAAAAAAAAAAAAAAAAAFAAAADwAAAAAAAAAAAAAAAAAAAkUAAAAAQAAABQAAAAUAAAAFAAAAAEAAAAAAAAAZAAAAGQAAAAAAAAAZAAAAGQAAAAVAAAAYAAAAAAAAAAAAAAADwAAACADAAAAAAAAAAAAAAEAAACgMgAAVgcAAKr4//8BAAAAf39/AAEAAABkAAAAAAAAABQAAABAHwAAAAAAACYAAAAAAAAAwOD//wAAAAAmAAAAZAAAABYAAABMAAAAAAAAAAAAAAAEAAAAAAAAAAEAAACAgIAKAAAAACgAAAAoAAAAZAAAAGQAAAAAAAAAzMzMAAAAAABQAAAAUAAAAGQAAABkAAAAAAAAABcAAAAUAAAAAAAAAAAAAAD/fwAA/38AAAAAAAAJAAAABAAAAAAAAAAeAAAAaAAAAAAAAAAAAAAAAAAAAAAAAAAAAAAAECcAABAnAAAAAAAAAAAAAAAAAAAAAAAAAAAAAAAAAAAAAAAAAAAAABQAAAAAAAAAwMD/AAAAAABkAAAAMgAAAAAAAABkAAAAAAAAAH9/fwAKAAAAIgAAABgAAAAAAAAAAAAAAAAAAAAAAAAAAAAAAAAAAAAkAAAAJAAAAAAAAAAHAAAAAAAAAAAAAAAAAAAAAAAAAAAAAAAAAAAAf39/ACUAAABYAAAAAAAAAAAAAAAAAAAAAAAAAAAAAAAAAAAAAAAAAAAAAAAAAAAAAAAAAAAAAAA/AAAAAAAAAKCGAQAAAAAAAAAAAAAAAAAMAAAAAQAAAAAAAAAAAAAAAAAAAB8AAABUAAAAAAAABQAAAAEAAAAAAAAAAAAAAAAAAAAAAAAAAAAAAAAAAAAAAAAAAAAAAAJ/f38AAAAAA8zMzADAwP8Af39/AAAAAAAAAAAAAAAAAAAAAAAAAAAAIQAAABgAAAAUAAAAQAsAAOgXAADAPwAAsCIAABAAAAAmAAAACAAAAAAAAAAAAAAA"/>
+                <pr:smNativeData xmlns:pr="smNativeData" xmlns="smNativeData" val="SMDATA_15_ZjATZxMAAAAlAAAAZAAAAA8BAAAAkAAAAEgAAACQAAAASAAAAAAAAAAAAAAAAAAAAAEAAABQAAAAAAAAAAAA4D8AAAAAAADgPwAAAAAAAOA/AAAAAAAA4D8AAAAAAADgPwAAAAAAAOA/AAAAAAAA4D8AAAAAAADgPwAAAAAAAOA/AAAAAAAA4D8CAAAAjAAAAAAAAAAAAAAAu+DjDP///wgAAAAAAAAAAAAAAAAAAAAAAAAAAAAAAAAAAAAAZAAAAAEAAABAAAAAAAAAAAAAAAAAAAAAAAAAAAAAAAAAAAAAAAAAAAAAAAAAAAAAAAAAAAAAAAAAAAAAAAAAAAAAAAAAAAAAAAAAAAAAAAAAAAAAAAAAAAAAAAAAAAAAFAAAADwAAAAAAAAAAAAAAAAAAAkUAAAAAQAAABQAAAAUAAAAFAAAAAEAAAAAAAAAZAAAAGQAAAAAAAAAZAAAAGQAAAAVAAAAYAAAAAAAAAAAAAAADwAAACADAAAAAAAAAAAAAAEAAACgMgAAVgcAAKr4//8BAAAAf39/AAEAAABkAAAAAAAAABQAAABAHwAAAAAAACYAAAAAAAAAwOD//wAAAAAmAAAAZAAAABYAAABMAAAAAAAAAAAAAAAEAAAAAAAAAAEAAACAgIAKAAAAACgAAAAoAAAAZAAAAGQAAAAAAAAAzMzMAAAAAABQAAAAUAAAAGQAAABkAAAAAAAAABcAAAAUAAAAAAAAAAAAAAD/fwAA/38AAAAAAAAJAAAABAAAAD7o2aweAAAAaAAAAAAAAAAAAAAAAAAAAAAAAAAAAAAAECcAABAnAAAAAAAAAAAAAAAAAAAAAAAAAAAAAAAAAAAAAAAAAAAAABQAAAAAAAAAwMD/AAAAAABkAAAAMgAAAAAAAABkAAAAAAAAAH9/fwAKAAAAIgAAABgAAAAAAAAAAAAAAAAAAAAAAAAAAAAAAAAAAAAkAAAAJAAAAAAAAAAHAAAAAAAAAAAAAAAAAAAAAAAAAAAAAAAAAAAAf39/ACUAAABYAAAAAAAAAAAAAAAAAAAAAAAAAAAAAAAAAAAAAAAAAAAAAAAAAAAAAAAAAAAAAAA/AAAAAAAAAKCGAQAAAAAAAAAAAAAAAAAMAAAAAQAAAAAAAAAAAAAAAAAAAB8AAABUAAAAAAAABQAAAAEAAAAAAAAAAAAAAAAAAAAAAAAAAAAAAAAAAAAAAAAAAAAAAAJ/f38AAAAAA8zMzADAwP8Af39/AAAAAAAAAAAAAAAAAAAAAAAAAAAAIQAAABgAAAAUAAAAQAsAAOgXAADAPwAAsCIAAAAAAAAmAAAACAAAAAEAAAAAAAAA"/>
+              </a:ext>
+            </a:extLst>
+          </p:cNvSpPr>
+          <p:nvPr>
+            <p:ph type="subTitle" idx="1"/>
+          </p:nvPr>
+        </p:nvSpPr>
+        <p:spPr>
+          <a:xfrm>
+            <a:off x="1828800" y="3886200"/>
+            <a:ext cx="8534400" cy="1752600"/>
+          </a:xfrm>
+        </p:spPr>
+        <p:txBody>
+          <a:bodyPr/>
+          <a:lstStyle/>
+          <a:p>
+            <a:pPr/>
+            <a:r>
+              <a:t>Brief overview of the project</a:t>
+            </a:r>
+          </a:p>
+        </p:txBody>
+      </p:sp>
+    </p:spTree>
+  </p:cSld>
+  <p:clrMapOvr>
+    <a:masterClrMapping/>
+  </p:clrMapOvr>
+  <p:timing>
+    <p:tnLst>
+      <p:par>
+        <p:cTn id="1" dur="indefinite" restart="never" nodeType="tmRoot"/>
+      </p:par>
+    </p:tnLst>
+  </p:timing>
+</p:sld>
+</file>
+
+<file path=ppt/slides/slide2.xml><?xml version="1.0" encoding="utf-8"?>
+<p:sld xmlns:p="http://schemas.openxmlformats.org/presentationml/2006/main" xmlns:mc="http://schemas.openxmlformats.org/markup-compatibility/2006" xmlns:p14="http://schemas.microsoft.com/office/powerpoint/2010/main" xmlns:p15="http://schemas.microsoft.com/office/powerpoint/2012/main" xmlns:r="http://schemas.openxmlformats.org/officeDocument/2006/relationships" xmlns:a="http://schemas.openxmlformats.org/drawingml/2006/main" mc:Ignorable="p14">
+  <p:cSld>
+    <p:spTree>
+      <p:nvGrpSpPr>
+        <p:cNvPr id="1" name=""/>
+        <p:cNvGrpSpPr/>
+        <p:nvPr/>
+      </p:nvGrpSpPr>
+      <p:grpSpPr>
+        <a:xfrm>
+          <a:off x="0" y="0"/>
+          <a:ext cx="0" cy="0"/>
+          <a:chOff x="0" y="0"/>
+          <a:chExt cx="0" cy="0"/>
+        </a:xfrm>
+      </p:grpSpPr>
+      <p:sp>
+        <p:nvSpPr>
+          <p:cNvPr id="2" name="SlideTitle1"/>
+          <p:cNvSpPr>
+            <a:spLocks noGrp="1" noChangeArrowheads="1"/>
+            <a:extLst>
+              <a:ext uri="smNativeData">
+                <pr:smNativeData xmlns:pr="smNativeData" xmlns="smNativeData" val="SMDATA_15_ZjATZxMAAAAlAAAAZAAAAA8BAAAAkAAAAEgAAACQAAAASAAAAAAAAAABAAAAAAAAAAEAAABQAAAAAAAAAAAA4D8AAAAAAADgPwAAAAAAAOA/AAAAAAAA4D8AAAAAAADgPwAAAAAAAOA/AAAAAAAA4D8AAAAAAADgPwAAAAAAAOA/AAAAAAAA4D8CAAAAjAAAAAAAAAAAAAAAu+DjDP///wgAAAAAAAAAAAAAAAAAAAAAAAAAAAAAAAAAAAAAZAAAAAEAAABAAAAAAAAAAAAAAAAAAAAAAAAAAAAAAAAAAAAAAAAAAAAAAAAAAAAAAAAAAAAAAAAAAAAAAAAAAAAAAAAAAAAAAAAAAAAAAAAAAAAAAAAAAAAAAAAAAAAAFAAAADwAAAAAAAAAAAAAAAAAAAkUAAAAAQAAABQAAAAUAAAAFAAAAAEAAAAAAAAAZAAAAGQAAAAAAAAAZAAAAGQAAAAVAAAAYAAAAAAAAAAAAAAADwAAACADAAAAAAAAAAAAAAEAAACgMgAAVgcAAKr4//8BAAAAf39/AAEAAABkAAAAAAAAABQAAABAHwAAAAAAACYAAAAAAAAAwOD//wAAAAAmAAAAZAAAABYAAABMAAAAAAAAAAAAAAAEAAAAAAAAAAEAAACAgIAKAAAAACgAAAAoAAAAZAAAAGQAAAAAAAAAzMzMAAAAAABQAAAAUAAAAGQAAABkAAAAAAAAABcAAAAUAAAAAAAAAAAAAAD/fwAA/38AAAAAAAAJAAAABAAAAAAAAAAeAAAAaAAAAAAAAAAAAAAAAAAAAAAAAAAAAAAAECcAABAnAAAAAAAAAAAAAAAAAAAAAAAAAAAAAAAAAAAAAAAAAAAAABQAAAAAAAAAwMD/AAAAAABkAAAAMgAAAAAAAABkAAAAAAAAAH9/fwAKAAAAIgAAABgAAAAAAAAAAAAAAAAAAAAAAAAAAAAAAAAAAAAkAAAAJAAAAAAAAAAHAAAAAAAAAAAAAAAAAAAAAAAAAAAAAAAAAAAAf39/ACUAAABYAAAAAAAAAAAAAAAAAAAAAAAAAAAAAAAAAAAAAAAAAAAAAAAAAAAAAAAAAAAAAAA/AAAAAAAAAKCGAQAAAAAAAAAAAAAAAAAMAAAAAQAAAAAAAAAAAAAAAAAAAB8AAABUAAAAu+DjBf///wEAAAAAAAAAAAAAAAAAAAAAAAAAAAAAAAAAAAAAAAAAAAAAAAJ/f38AgICAA8zMzADAwP8Af39/AAAAAAAAAAAAAAAAAAAAAAAAAAAAIQAAABgAAAAUAAAAoAUAABoNAABgRQAAJhYAABAAAAAmAAAACAAAAHxw////////"/>
+              </a:ext>
+            </a:extLst>
+          </p:cNvSpPr>
+          <p:nvPr>
+            <p:ph type="ctrTitle"/>
+          </p:nvPr>
+        </p:nvSpPr>
+        <p:spPr>
+          <a:noFill/>
+          <a:ln>
+            <a:noFill/>
+          </a:ln>
+          <a:effectLst/>
+        </p:spPr>
+        <p:txBody>
+          <a:bodyPr vert="horz" wrap="square" numCol="1" spcCol="215900" anchor="ctr">
+            <a:prstTxWarp prst="textNoShape">
+              <a:avLst/>
+            </a:prstTxWarp>
+          </a:bodyPr>
+          <a:lstStyle/>
+          <a:p>
+            <a:pPr/>
+            <a:r>
+              <a:t>Data Preprocessing</a:t>
+            </a:r>
+          </a:p>
+        </p:txBody>
+      </p:sp>
+      <p:sp>
+        <p:nvSpPr>
+          <p:cNvPr id="3" name="SlideSubtitle1"/>
+          <p:cNvSpPr>
+            <a:spLocks noGrp="1" noChangeArrowheads="1"/>
+            <a:extLst>
+              <a:ext uri="smNativeData">
+                <pr:smNativeData xmlns:pr="smNativeData" xmlns="smNativeData" val="SMDATA_15_ZjATZxMAAAAlAAAAZAAAAA8BAAAAkAAAAEgAAACQAAAASAAAAAAAAAAAAAAAAAAAAAEAAABQAAAAAAAAAAAA4D8AAAAAAADgPwAAAAAAAOA/AAAAAAAA4D8AAAAAAADgPwAAAAAAAOA/AAAAAAAA4D8AAAAAAADgPwAAAAAAAOA/AAAAAAAA4D8CAAAAjAAAAAAAAAAAAAAAu+DjDP///wgAAAAAAAAAAAAAAAAAAAAAAAAAAAAAAAAAAAAAZAAAAAEAAABAAAAAAAAAAAAAAAAAAAAAAAAAAAAAAAAAAAAAAAAAAAAAAAAAAAAAAAAAAAAAAAAAAAAAAAAAAAAAAAAAAAAAAAAAAAAAAAAAAAAAAAAAAAAAAAAAAAAAFAAAADwAAAAAAAAAAAAAAAAAAAkUAAAAAQAAABQAAAAUAAAAFAAAAAEAAAAAAAAAZAAAAGQAAAAAAAAAZAAAAGQAAAAVAAAAYAAAAAAAAAAAAAAADwAAACADAAAAAAAAAAAAAAEAAACgMgAAVgcAAKr4//8BAAAAf39/AAEAAABkAAAAAAAAABQAAABAHwAAAAAAACYAAAAAAAAAwOD//wAAAAAmAAAAZAAAABYAAABMAAAAAAAAAAAAAAAEAAAAAAAAAAEAAACAgIAKAAAAACgAAAAoAAAAZAAAAGQAAAAAAAAAzMzMAAAAAABQAAAAUAAAAGQAAABkAAAAAAAAABcAAAAUAAAAAAAAAAAAAAD/fwAA/38AAAAAAAAJAAAABAAAAAAAAAAeAAAAaAAAAAAAAAAAAAAAAAAAAAAAAAAAAAAAECcAABAnAAAAAAAAAAAAAAAAAAAAAAAAAAAAAAAAAAAAAAAAAAAAABQAAAAAAAAAwMD/AAAAAABkAAAAMgAAAAAAAABkAAAAAAAAAH9/fwAKAAAAIgAAABgAAAAAAAAAAAAAAAAAAAAAAAAAAAAAAAAAAAAkAAAAJAAAAAAAAAAHAAAAAAAAAAAAAAAAAAAAAAAAAAAAAAAAAAAAf39/ACUAAABYAAAAAAAAAAAAAAAAAAAAAAAAAAAAAAAAAAAAAAAAAAAAAAAAAAAAAAAAAAAAAAA/AAAAAAAAAKCGAQAAAAAAAAAAAAAAAAAMAAAAAQAAAAAAAAAAAAAAAAAAAB8AAABUAAAAu+DjBf///wEAAAAAAAAAAAAAAAAAAAAAAAAAAAAAAAAAAAAAAAAAAAAAAAJ/f38AgICAA8zMzADAwP8Af39/AAAAAAAAAAAAAAAAAAAAAAAAAAAAIQAAABgAAAAUAAAAQAsAAOgXAADAPwAAsCIAAAAAAAAmAAAACAAAAH3w////////"/>
+              </a:ext>
+            </a:extLst>
+          </p:cNvSpPr>
+          <p:nvPr>
+            <p:ph type="subTitle" idx="1"/>
+          </p:nvPr>
+        </p:nvSpPr>
+        <p:spPr>
+          <a:xfrm>
+            <a:off x="1828800" y="3886200"/>
+            <a:ext cx="8534400" cy="1752600"/>
+          </a:xfrm>
+          <a:noFill/>
+          <a:ln>
+            <a:noFill/>
+          </a:ln>
+          <a:effectLst/>
+        </p:spPr>
+        <p:txBody>
+          <a:bodyPr vert="horz" wrap="square" numCol="1" spcCol="215900" anchor="t">
+            <a:prstTxWarp prst="textNoShape">
+              <a:avLst/>
+            </a:prstTxWarp>
+          </a:bodyPr>
+          <a:lstStyle/>
+          <a:p>
+            <a:pPr marL="0" marR="0" indent="0" algn="ctr" defTabSz="457200">
+              <a:lnSpc>
+                <a:spcPct val="100000"/>
+              </a:lnSpc>
+              <a:spcBef>
+                <a:spcPts val="0"/>
+              </a:spcBef>
+              <a:spcAft>
+                <a:spcPts val="0"/>
+              </a:spcAft>
+              <a:buNone/>
+              <a:tabLst/>
+              <a:defRPr sz="3200" b="0" i="0" u="none" strike="noStrike" kern="1" cap="none" spc="0" baseline="0">
+                <a:solidFill>
+                  <a:schemeClr val="tx1"/>
+                </a:solidFill>
+                <a:effectLst/>
+                <a:latin typeface="Calibri" pitchFamily="2" charset="0"/>
+                <a:ea typeface="Calibri" pitchFamily="2" charset="0"/>
+                <a:cs typeface="Calibri" pitchFamily="2" charset="0"/>
+              </a:defRPr>
+            </a:pPr>
+            <a:r>
+              <a:t>Activites involved in Data Preprocessing</a:t>
+            </a:r>
+          </a:p>
+          <a:p>
+            <a:pPr algn="ctr">
+              <a:defRPr sz="3000" cap="none"/>
+            </a:pPr>
+            <a:r>
+              <a:t>Points, Description, screenshots - Observations,</a:t>
+            </a:r>
+          </a:p>
+          <a:p>
+            <a:pPr algn="ctr">
+              <a:defRPr sz="3000" cap="none"/>
+            </a:pPr>
+            <a:r>
+              <a:t>3 slides</a:t>
+            </a:r>
+          </a:p>
+          <a:p>
+            <a:pPr marL="0" marR="0" indent="0" algn="ctr" defTabSz="457200">
+              <a:lnSpc>
+                <a:spcPct val="100000"/>
+              </a:lnSpc>
+              <a:spcBef>
+                <a:spcPts val="0"/>
+              </a:spcBef>
+              <a:spcAft>
+                <a:spcPts val="0"/>
+              </a:spcAft>
+              <a:buNone/>
+              <a:tabLst/>
+              <a:defRPr sz="3200" b="0" i="0" u="none" strike="noStrike" kern="1" cap="none" spc="0" baseline="0">
+                <a:solidFill>
+                  <a:schemeClr val="tx1"/>
+                </a:solidFill>
+                <a:effectLst/>
+                <a:latin typeface="Calibri" pitchFamily="2" charset="0"/>
+                <a:ea typeface="Calibri" pitchFamily="2" charset="0"/>
+                <a:cs typeface="Calibri" pitchFamily="2" charset="0"/>
+              </a:defRPr>
+            </a:pPr>
+          </a:p>
+        </p:txBody>
+      </p:sp>
+    </p:spTree>
+  </p:cSld>
+  <p:clrMapOvr>
+    <a:masterClrMapping/>
+  </p:clrMapOvr>
+  <p:timing>
+    <p:tnLst>
+      <p:par>
+        <p:cTn id="1" dur="indefinite" restart="never" nodeType="tmRoot"/>
+      </p:par>
+    </p:tnLst>
+  </p:timing>
+</p:sld>
+</file>
+
+<file path=ppt/slides/slide3.xml><?xml version="1.0" encoding="utf-8"?>
+<p:sld xmlns:p="http://schemas.openxmlformats.org/presentationml/2006/main" xmlns:mc="http://schemas.openxmlformats.org/markup-compatibility/2006" xmlns:p14="http://schemas.microsoft.com/office/powerpoint/2010/main" xmlns:p15="http://schemas.microsoft.com/office/powerpoint/2012/main" xmlns:r="http://schemas.openxmlformats.org/officeDocument/2006/relationships" xmlns:a="http://schemas.openxmlformats.org/drawingml/2006/main" mc:Ignorable="p14">
+  <p:cSld>
+    <p:spTree>
+      <p:nvGrpSpPr>
+        <p:cNvPr id="1" name=""/>
+        <p:cNvGrpSpPr/>
+        <p:nvPr/>
+      </p:nvGrpSpPr>
+      <p:grpSpPr>
+        <a:xfrm>
+          <a:off x="0" y="0"/>
+          <a:ext cx="0" cy="0"/>
+          <a:chOff x="0" y="0"/>
+          <a:chExt cx="0" cy="0"/>
+        </a:xfrm>
+      </p:grpSpPr>
+      <p:sp>
+        <p:nvSpPr>
+          <p:cNvPr id="2" name="SlideTitle1"/>
+          <p:cNvSpPr>
+            <a:spLocks noGrp="1" noChangeArrowheads="1"/>
+            <a:extLst>
+              <a:ext uri="smNativeData">
+                <pr:smNativeData xmlns:pr="smNativeData" xmlns="smNativeData" val="SMDATA_15_ZjATZxMAAAAlAAAAZAAAAA8BAAAAkAAAAEgAAACQAAAASAAAAAAAAAABAAAAAAAAAAEAAABQAAAAAAAAAAAA4D8AAAAAAADgPwAAAAAAAOA/AAAAAAAA4D8AAAAAAADgPwAAAAAAAOA/AAAAAAAA4D8AAAAAAADgPwAAAAAAAOA/AAAAAAAA4D8CAAAAjAAAAAAAAAAAAAAAu+DjDP///wgAAAAAAAAAAAAAAAAAAAAAAAAAAAAAAAAAAAAAZAAAAAEAAABAAAAAAAAAAAAAAAAAAAAAAAAAAAAAAAAAAAAAAAAAAAAAAAAAAAAAAAAAAAAAAAAAAAAAAAAAAAAAAAAAAAAAAAAAAAAAAAAAAAAAAAAAAAAAAAAAAAAAFAAAADwAAAAAAAAAAAAAAAAAAAkUAAAAAQAAABQAAAAUAAAAFAAAAAEAAAAAAAAAZAAAAGQAAAAAAAAAZAAAAGQAAAAVAAAAYAAAAAAAAAAAAAAADwAAACADAAAAAAAAAAAAAAEAAACgMgAAVgcAAKr4//8BAAAAf39/AAEAAABkAAAAAAAAABQAAABAHwAAAAAAACYAAAAAAAAAwOD//wAAAAAmAAAAZAAAABYAAABMAAAAAAAAAAAAAAAEAAAAAAAAAAEAAACAgIAKAAAAACgAAAAoAAAAZAAAAGQAAAAAAAAAzMzMAAAAAABQAAAAUAAAAGQAAABkAAAAAAAAABcAAAAUAAAAAAAAAAAAAAD/fwAA/38AAAAAAAAJAAAABAAAAAAAAAAeAAAAaAAAAAAAAAAAAAAAAAAAAAAAAAAAAAAAECcAABAnAAAAAAAAAAAAAAAAAAAAAAAAAAAAAAAAAAAAAAAAAAAAABQAAAAAAAAAwMD/AAAAAABkAAAAMgAAAAAAAABkAAAAAAAAAH9/fwAKAAAAIgAAABgAAAAAAAAAAAAAAAAAAAAAAAAAAAAAAAAAAAAkAAAAJAAAAAAAAAAHAAAAAAAAAAAAAAAAAAAAAAAAAAAAAAAAAAAAf39/ACUAAABYAAAAAAAAAAAAAAAAAAAAAAAAAAAAAAAAAAAAAAAAAAAAAAAAAAAAAAAAAAAAAAA/AAAAAAAAAKCGAQAAAAAAAAAAAAAAAAAMAAAAAQAAAAAAAAAAAAAAAAAAAB8AAABUAAAAAAAABQAAAAEAAAAAAAAAAAAAAAAAAAAAAAAAAAAAAAAAAAAAAAAAAAAAAAJ/f38AAAAAA8zMzADAwP8Af39/AAAAAAAAAAAAAAAAAAAAAAAAAAAAIQAAABgAAAAUAAAAoAUAABoNAABgRQAAJhYAAAAAAAAmAAAACAAAAAEAAAAAAAAA"/>
+              </a:ext>
+            </a:extLst>
+          </p:cNvSpPr>
+          <p:nvPr>
+            <p:ph type="ctrTitle"/>
+          </p:nvPr>
+        </p:nvSpPr>
+        <p:spPr>
+          <a:xfrm>
+            <a:off x="914400" y="2129790"/>
+            <a:ext cx="10363200" cy="1470660"/>
+          </a:xfrm>
+        </p:spPr>
+        <p:txBody>
+          <a:bodyPr/>
+          <a:lstStyle/>
+          <a:p>
+            <a:pPr/>
+            <a:r>
+              <a:t>Data Visualization</a:t>
+            </a:r>
+          </a:p>
+        </p:txBody>
+      </p:sp>
+      <p:sp>
+        <p:nvSpPr>
+          <p:cNvPr id="3" name="SlideSubtitle1"/>
+          <p:cNvSpPr>
+            <a:spLocks noGrp="1" noChangeArrowheads="1"/>
+            <a:extLst>
+              <a:ext uri="smNativeData">
+                <pr:smNativeData xmlns:pr="smNativeData" xmlns="smNativeData" val="SMDATA_15_ZjATZxMAAAAlAAAAZAAAAA8BAAAAkAAAAEgAAACQAAAASAAAAAAAAAAAAAAAAAAAAAEAAABQAAAAAAAAAAAA4D8AAAAAAADgPwAAAAAAAOA/AAAAAAAA4D8AAAAAAADgPwAAAAAAAOA/AAAAAAAA4D8AAAAAAADgPwAAAAAAAOA/AAAAAAAA4D8CAAAAjAAAAAAAAAAAAAAAu+DjDP///wgAAAAAAAAAAAAAAAAAAAAAAAAAAAAAAAAAAAAAZAAAAAEAAABAAAAAAAAAAAAAAAAAAAAAAAAAAAAAAAAAAAAAAAAAAAAAAAAAAAAAAAAAAAAAAAAAAAAAAAAAAAAAAAAAAAAAAAAAAAAAAAAAAAAAAAAAAAAAAAAAAAAAFAAAADwAAAAAAAAAAAAAAAAAAAkUAAAAAQAAABQAAAAUAAAAFAAAAAEAAAAAAAAAZAAAAGQAAAAAAAAAZAAAAGQAAAAVAAAAYAAAAAAAAAAAAAAADwAAACADAAAAAAAAAAAAAAEAAACgMgAAVgcAAKr4//8BAAAAf39/AAEAAABkAAAAAAAAABQAAABAHwAAAAAAACYAAAAAAAAAwOD//wAAAAAmAAAAZAAAABYAAABMAAAAAAAAAAAAAAAEAAAAAAAAAAEAAACAgIAKAAAAACgAAAAoAAAAZAAAAGQAAAAAAAAAzMzMAAAAAABQAAAAUAAAAGQAAABkAAAAAAAAABcAAAAUAAAAAAAAAAAAAAD/fwAA/38AAAAAAAAJAAAABAAAAAAAAAAeAAAAaAAAAAAAAAAAAAAAAAAAAAAAAAAAAAAAECcAABAnAAAAAAAAAAAAAAAAAAAAAAAAAAAAAAAAAAAAAAAAAAAAABQAAAAAAAAAwMD/AAAAAABkAAAAMgAAAAAAAABkAAAAAAAAAH9/fwAKAAAAIgAAABgAAAAAAAAAAAAAAAAAAAAAAAAAAAAAAAAAAAAkAAAAJAAAAAAAAAAHAAAAAAAAAAAAAAAAAAAAAAAAAAAAAAAAAAAAf39/ACUAAABYAAAAAAAAAAAAAAAAAAAAAAAAAAAAAAAAAAAAAAAAAAAAAAAAAAAAAAAAAAAAAAA/AAAAAAAAAKCGAQAAAAAAAAAAAAAAAAAMAAAAAQAAAAAAAAAAAAAAAAAAAB8AAABUAAAAAAAABQAAAAEAAAAAAAAAAAAAAAAAAAAAAAAAAAAAAAAAAAAAAAAAAAAAAAJ/f38AAAAAA8zMzADAwP8Af39/AAAAAAAAAAAAAAAAAAAAAAAAAAAAIQAAABgAAAAUAAAAQAsAAOgXAADAPwAAsCIAAAAAAAAmAAAACAAAAAEAAAAAAAAA"/>
+              </a:ext>
+            </a:extLst>
+          </p:cNvSpPr>
+          <p:nvPr>
+            <p:ph type="subTitle" idx="1"/>
+          </p:nvPr>
+        </p:nvSpPr>
+        <p:spPr>
+          <a:xfrm>
+            <a:off x="1828800" y="3886200"/>
+            <a:ext cx="8534400" cy="1752600"/>
+          </a:xfrm>
+        </p:spPr>
+        <p:txBody>
+          <a:bodyPr/>
+          <a:lstStyle/>
+          <a:p>
+            <a:pPr/>
+            <a:r>
+              <a:t>Activites involved in Data Visualization:</a:t>
+            </a:r>
+          </a:p>
+          <a:p>
+            <a:pPr/>
+            <a:r>
+              <a:t>Points, Description, screenshots - Observations,</a:t>
+            </a:r>
+          </a:p>
+          <a:p>
+            <a:pPr/>
+            <a:r>
+              <a:t>4 slides</a:t>
+            </a:r>
+          </a:p>
+        </p:txBody>
+      </p:sp>
+    </p:spTree>
+  </p:cSld>
+  <p:clrMapOvr>
+    <a:masterClrMapping/>
+  </p:clrMapOvr>
+  <p:timing>
+    <p:tnLst>
+      <p:par>
+        <p:cTn id="1" dur="indefinite" restart="never" nodeType="tmRoot"/>
+      </p:par>
+    </p:tnLst>
+  </p:timing>
+</p:sld>
+</file>
+
+<file path=ppt/slides/slide4.xml><?xml version="1.0" encoding="utf-8"?>
+<p:sld xmlns:p="http://schemas.openxmlformats.org/presentationml/2006/main" xmlns:mc="http://schemas.openxmlformats.org/markup-compatibility/2006" xmlns:p14="http://schemas.microsoft.com/office/powerpoint/2010/main" xmlns:p15="http://schemas.microsoft.com/office/powerpoint/2012/main" xmlns:r="http://schemas.openxmlformats.org/officeDocument/2006/relationships" xmlns:a="http://schemas.openxmlformats.org/drawingml/2006/main" mc:Ignorable="p14">
+  <p:cSld>
+    <p:spTree>
+      <p:nvGrpSpPr>
+        <p:cNvPr id="1" name=""/>
+        <p:cNvGrpSpPr/>
+        <p:nvPr/>
+      </p:nvGrpSpPr>
+      <p:grpSpPr>
+        <a:xfrm>
+          <a:off x="0" y="0"/>
+          <a:ext cx="0" cy="0"/>
+          <a:chOff x="0" y="0"/>
+          <a:chExt cx="0" cy="0"/>
+        </a:xfrm>
+      </p:grpSpPr>
+      <p:sp>
+        <p:nvSpPr>
+          <p:cNvPr id="2" name="SlideTitle1"/>
+          <p:cNvSpPr>
+            <a:spLocks noGrp="1" noChangeArrowheads="1"/>
+            <a:extLst>
+              <a:ext uri="smNativeData">
+                <pr:smNativeData xmlns:pr="smNativeData" xmlns="smNativeData" val="SMDATA_15_ZjATZxMAAAAlAAAAZAAAAA8BAAAAkAAAAEgAAACQAAAASAAAAAAAAAABAAAAAAAAAAEAAABQAAAAAAAAAAAA4D8AAAAAAADgPwAAAAAAAOA/AAAAAAAA4D8AAAAAAADgPwAAAAAAAOA/AAAAAAAA4D8AAAAAAADgPwAAAAAAAOA/AAAAAAAA4D8CAAAAjAAAAAAAAAAAAAAAu+DjDP///wgAAAAAAAAAAAAAAAAAAAAAAAAAAAAAAAAAAAAAZAAAAAEAAABAAAAAAAAAAAAAAAAAAAAAAAAAAAAAAAAAAAAAAAAAAAAAAAAAAAAAAAAAAAAAAAAAAAAAAAAAAAAAAAAAAAAAAAAAAAAAAAAAAAAAAAAAAAAAAAAAAAAAFAAAADwAAAAAAAAAAAAAAAAAAAkUAAAAAQAAABQAAAAUAAAAFAAAAAEAAAAAAAAAZAAAAGQAAAAAAAAAZAAAAGQAAAAVAAAAYAAAAAAAAAAAAAAADwAAACADAAAAAAAAAAAAAAEAAACgMgAAVgcAAKr4//8BAAAAf39/AAEAAABkAAAAAAAAABQAAABAHwAAAAAAACYAAAAAAAAAwOD//wAAAAAmAAAAZAAAABYAAABMAAAAAAAAAAAAAAAEAAAAAAAAAAEAAACAgIAKAAAAACgAAAAoAAAAZAAAAGQAAAAAAAAAzMzMAAAAAABQAAAAUAAAAGQAAABkAAAAAAAAABcAAAAUAAAAAAAAAAAAAAD/fwAA/38AAAAAAAAJAAAABAAAAAA99AQeAAAAaAAAAAAAAAAAAAAAAAAAAAAAAAAAAAAAECcAABAnAAAAAAAAAAAAAAAAAAAAAAAAAAAAAAAAAAAAAAAAAAAAABQAAAAAAAAAwMD/AAAAAABkAAAAMgAAAAAAAABkAAAAAAAAAH9/fwAKAAAAIgAAABgAAAAAAAAAAAAAAAAAAAAAAAAAAAAAAAAAAAAkAAAAJAAAAAAAAAAHAAAAAAAAAAAAAAAAAAAAAAAAAAAAAAAAAAAAf39/ACUAAABYAAAAAAAAAAAAAAAAAAAAAAAAAAAAAAAAAAAAAAAAAAAAAAAAAAAAAAAAAAAAAAA/AAAAAAAAAKCGAQAAAAAAAAAAAAAAAAAMAAAAAQAAAAAAAAAAAAAAAAAAAB8AAABUAAAAAAAABQAAAAEAAAAAAAAAAAAAAAAAAAAAAAAAAAAAAAAAAAAAAAAAAAAAAAJ/f38AAAAAA8zMzADAwP8Af39/AAAAAAAAAAAAAAAAAAAAAAAAAAAAIQAAABgAAAAUAAAAoAUAABoNAABgRQAAJhYAAAAAAAAmAAAACAAAAAEAAAAAAAAA"/>
+              </a:ext>
+            </a:extLst>
+          </p:cNvSpPr>
+          <p:nvPr>
+            <p:ph type="ctrTitle"/>
+          </p:nvPr>
+        </p:nvSpPr>
+        <p:spPr>
+          <a:xfrm>
+            <a:off x="914400" y="2129790"/>
+            <a:ext cx="10363200" cy="1470660"/>
+          </a:xfrm>
+        </p:spPr>
+        <p:txBody>
+          <a:bodyPr/>
+          <a:lstStyle/>
+          <a:p>
+            <a:pPr/>
+            <a:r>
+              <a:t>Model Training</a:t>
+            </a:r>
+          </a:p>
+        </p:txBody>
+      </p:sp>
+      <p:sp>
+        <p:nvSpPr>
+          <p:cNvPr id="3" name="SlideSubtitle1"/>
+          <p:cNvSpPr>
+            <a:spLocks noGrp="1" noChangeArrowheads="1"/>
+            <a:extLst>
+              <a:ext uri="smNativeData">
+                <pr:smNativeData xmlns:pr="smNativeData" xmlns="smNativeData" val="SMDATA_15_ZjATZxMAAAAlAAAAZAAAAA8BAAAAkAAAAEgAAACQAAAASAAAAAAAAAAAAAAAAAAAAAEAAABQAAAAAAAAAAAA4D8AAAAAAADgPwAAAAAAAOA/AAAAAAAA4D8AAAAAAADgPwAAAAAAAOA/AAAAAAAA4D8AAAAAAADgPwAAAAAAAOA/AAAAAAAA4D8CAAAAjAAAAAAAAAAAAAAAu+DjDP///wgAAAAAAAAAAAAAAAAAAAAAAAAAAAAAAAAAAAAAZAAAAAEAAABAAAAAAAAAAAAAAAAAAAAAAAAAAAAAAAAAAAAAAAAAAAAAAAAAAAAAAAAAAAAAAAAAAAAAAAAAAAAAAAAAAAAAAAAAAAAAAAAAAAAAAAAAAAAAAAAAAAAAFAAAADwAAAAAAAAAAAAAAAAAAAkUAAAAAQAAABQAAAAUAAAAFAAAAAEAAAAAAAAAZAAAAGQAAAAAAAAAZAAAAGQAAAAVAAAAYAAAAAAAAAAAAAAADwAAACADAAAAAAAAAAAAAAEAAACgMgAAVgcAAKr4//8BAAAAf39/AAEAAABkAAAAAAAAABQAAABAHwAAAAAAACYAAAAAAAAAwOD//wAAAAAmAAAAZAAAABYAAABMAAAAAAAAAAAAAAAEAAAAAAAAAAEAAACAgIAKAAAAACgAAAAoAAAAZAAAAGQAAAAAAAAAzMzMAAAAAABQAAAAUAAAAGQAAABkAAAAAAAAABcAAAAUAAAAAAAAAAAAAAD/fwAA/38AAAAAAAAJAAAABAAAAD7o2aweAAAAaAAAAAAAAAAAAAAAAAAAAAAAAAAAAAAAECcAABAnAAAAAAAAAAAAAAAAAAAAAAAAAAAAAAAAAAAAAAAAAAAAABQAAAAAAAAAwMD/AAAAAABkAAAAMgAAAAAAAABkAAAAAAAAAH9/fwAKAAAAIgAAABgAAAAAAAAAAAAAAAAAAAAAAAAAAAAAAAAAAAAkAAAAJAAAAAAAAAAHAAAAAAAAAAAAAAAAAAAAAAAAAAAAAAAAAAAAf39/ACUAAABYAAAAAAAAAAAAAAAAAAAAAAAAAAAAAAAAAAAAAAAAAAAAAAAAAAAAAAAAAAAAAAA/AAAAAAAAAKCGAQAAAAAAAAAAAAAAAAAMAAAAAQAAAAAAAAAAAAAAAAAAAB8AAABUAAAAAAAABQAAAAEAAAAAAAAAAAAAAAAAAAAAAAAAAAAAAAAAAAAAAAAAAAAAAAJ/f38AAAAAA8zMzADAwP8Af39/AAAAAAAAAAAAAAAAAAAAAAAAAAAAIQAAABgAAAAUAAAAQAsAAOgXAADAPwAAsCIAAAAAAAAmAAAACAAAAAEAAAAAAAAA"/>
+              </a:ext>
+            </a:extLst>
+          </p:cNvSpPr>
+          <p:nvPr>
+            <p:ph type="subTitle" idx="1"/>
+          </p:nvPr>
+        </p:nvSpPr>
+        <p:spPr>
+          <a:xfrm>
+            <a:off x="1828800" y="3886200"/>
+            <a:ext cx="8534400" cy="1752600"/>
+          </a:xfrm>
+        </p:spPr>
+        <p:txBody>
+          <a:bodyPr/>
+          <a:lstStyle/>
+          <a:p>
+            <a:pPr/>
+            <a:r>
+              <a:t>Activities involved in Model Training</a:t>
+            </a:r>
+          </a:p>
+          <a:p>
+            <a:pPr/>
+            <a:r>
+              <a:t>Points, Description, screenshots - Observations,</a:t>
+            </a:r>
+          </a:p>
+          <a:p>
+            <a:pPr/>
+            <a:r>
+              <a:t>2 slide</a:t>
+            </a:r>
+          </a:p>
+        </p:txBody>
+      </p:sp>
+    </p:spTree>
+  </p:cSld>
+  <p:clrMapOvr>
+    <a:masterClrMapping/>
+  </p:clrMapOvr>
+  <p:timing>
+    <p:tnLst>
+      <p:par>
+        <p:cTn id="1" dur="indefinite" restart="never" nodeType="tmRoot"/>
+      </p:par>
+    </p:tnLst>
+  </p:timing>
+</p:sld>
+</file>
+
+<file path=ppt/slides/slide5.xml><?xml version="1.0" encoding="utf-8"?>
+<p:sld xmlns:p="http://schemas.openxmlformats.org/presentationml/2006/main" xmlns:mc="http://schemas.openxmlformats.org/markup-compatibility/2006" xmlns:p14="http://schemas.microsoft.com/office/powerpoint/2010/main" xmlns:p15="http://schemas.microsoft.com/office/powerpoint/2012/main" xmlns:r="http://schemas.openxmlformats.org/officeDocument/2006/relationships" xmlns:a="http://schemas.openxmlformats.org/drawingml/2006/main" mc:Ignorable="p14">
+  <p:cSld>
+    <p:spTree>
+      <p:nvGrpSpPr>
+        <p:cNvPr id="1" name=""/>
+        <p:cNvGrpSpPr/>
+        <p:nvPr/>
+      </p:nvGrpSpPr>
+      <p:grpSpPr>
+        <a:xfrm>
+          <a:off x="0" y="0"/>
+          <a:ext cx="0" cy="0"/>
+          <a:chOff x="0" y="0"/>
+          <a:chExt cx="0" cy="0"/>
+        </a:xfrm>
+      </p:grpSpPr>
+      <p:sp>
+        <p:nvSpPr>
+          <p:cNvPr id="2" name="SlideTitle1"/>
+          <p:cNvSpPr>
+            <a:spLocks noGrp="1" noChangeArrowheads="1"/>
+            <a:extLst>
+              <a:ext uri="smNativeData">
+                <pr:smNativeData xmlns:pr="smNativeData" xmlns="smNativeData" val="SMDATA_15_ZjATZxMAAAAlAAAAZAAAAA8BAAAAkAAAAEgAAACQAAAASAAAAAAAAAABAAAAAAAAAAEAAABQAAAAAAAAAAAA4D8AAAAAAADgPwAAAAAAAOA/AAAAAAAA4D8AAAAAAADgPwAAAAAAAOA/AAAAAAAA4D8AAAAAAADgPwAAAAAAAOA/AAAAAAAA4D8CAAAAjAAAAAAAAAAAAAAAu+DjDP///wgAAAAAAAAAAAAAAAAAAAAAAAAAAAAAAAAAAAAAZAAAAAEAAABAAAAAAAAAAAAAAAAAAAAAAAAAAAAAAAAAAAAAAAAAAAAAAAAAAAAAAAAAAAAAAAAAAAAAAAAAAAAAAAAAAAAAAAAAAAAAAAAAAAAAAAAAAAAAAAAAAAAAFAAAADwAAAAAAAAAAAAAAAAAAAkUAAAAAQAAABQAAAAUAAAAFAAAAAEAAAAAAAAAZAAAAGQAAAAAAAAAZAAAAGQAAAAVAAAAYAAAAAAAAAAAAAAADwAAACADAAAAAAAAAAAAAAEAAACgMgAAVgcAAKr4//8BAAAAf39/AAEAAABkAAAAAAAAABQAAABAHwAAAAAAACYAAAAAAAAAwOD//wAAAAAmAAAAZAAAABYAAABMAAAAAAAAAAAAAAAEAAAAAAAAAAEAAACAgIAKAAAAACgAAAAoAAAAZAAAAGQAAAAAAAAAzMzMAAAAAABQAAAAUAAAAGQAAABkAAAAAAAAABcAAAAUAAAAAAAAAAAAAAD/fwAA/38AAAAAAAAJAAAABAAAAAAAAAAeAAAAaAAAAAAAAAAAAAAAAAAAAAAAAAAAAAAAECcAABAnAAAAAAAAAAAAAAAAAAAAAAAAAAAAAAAAAAAAAAAAAAAAABQAAAAAAAAAwMD/AAAAAABkAAAAMgAAAAAAAABkAAAAAAAAAH9/fwAKAAAAIgAAABgAAAAAAAAAAAAAAAAAAAAAAAAAAAAAAAAAAAAkAAAAJAAAAAAAAAAHAAAAAAAAAAAAAAAAAAAAAAAAAAAAAAAAAAAAf39/ACUAAABYAAAAAAAAAAAAAAAAAAAAAAAAAAAAAAAAAAAAAAAAAAAAAAAAAAAAAAAAAAAAAAA/AAAAAAAAAKCGAQAAAAAAAAAAAAAAAAAMAAAAAQAAAAAAAAAAAAAAAAAAAB8AAABUAAAAAAAABQAAAAEAAAAAAAAAAAAAAAAAAAAAAAAAAAAAAAAAAAAAAAAAAAAAAAJ/f38AAAAAA8zMzADAwP8Af39/AAAAAAAAAAAAAAAAAAAAAAAAAAAAIQAAABgAAAAUAAAAoAUAABoNAABgRQAAJhYAAAAAAAAmAAAACAAAAAEAAAAAAAAA"/>
+              </a:ext>
+            </a:extLst>
+          </p:cNvSpPr>
+          <p:nvPr>
+            <p:ph type="ctrTitle"/>
+          </p:nvPr>
+        </p:nvSpPr>
+        <p:spPr>
+          <a:xfrm>
+            <a:off x="914400" y="2129790"/>
+            <a:ext cx="10363200" cy="1470660"/>
+          </a:xfrm>
+        </p:spPr>
+        <p:txBody>
+          <a:bodyPr/>
+          <a:lstStyle/>
+          <a:p>
+            <a:pPr/>
+            <a:r>
+              <a:t>Model Testing</a:t>
+            </a:r>
+          </a:p>
+        </p:txBody>
+      </p:sp>
+      <p:sp>
+        <p:nvSpPr>
+          <p:cNvPr id="3" name="SlideSubtitle1"/>
+          <p:cNvSpPr>
+            <a:spLocks noGrp="1" noChangeArrowheads="1"/>
+            <a:extLst>
+              <a:ext uri="smNativeData">
+                <pr:smNativeData xmlns:pr="smNativeData" xmlns="smNativeData" val="SMDATA_15_ZjATZxMAAAAlAAAAZAAAAA8BAAAAkAAAAEgAAACQAAAASAAAAAAAAAAAAAAAAAAAAAEAAABQAAAAAAAAAAAA4D8AAAAAAADgPwAAAAAAAOA/AAAAAAAA4D8AAAAAAADgPwAAAAAAAOA/AAAAAAAA4D8AAAAAAADgPwAAAAAAAOA/AAAAAAAA4D8CAAAAjAAAAAAAAAAAAAAAu+DjDP///wgAAAAAAAAAAAAAAAAAAAAAAAAAAAAAAAAAAAAAZAAAAAEAAABAAAAAAAAAAAAAAAAAAAAAAAAAAAAAAAAAAAAAAAAAAAAAAAAAAAAAAAAAAAAAAAAAAAAAAAAAAAAAAAAAAAAAAAAAAAAAAAAAAAAAAAAAAAAAAAAAAAAAFAAAADwAAAAAAAAAAAAAAAAAAAkUAAAAAQAAABQAAAAUAAAAFAAAAAEAAAAAAAAAZAAAAGQAAAAAAAAAZAAAAGQAAAAVAAAAYAAAAAAAAAAAAAAADwAAACADAAAAAAAAAAAAAAEAAACgMgAAVgcAAKr4//8BAAAAf39/AAEAAABkAAAAAAAAABQAAABAHwAAAAAAACYAAAAAAAAAwOD//wAAAAAmAAAAZAAAABYAAABMAAAAAAAAAAAAAAAEAAAAAAAAAAEAAACAgIAKAAAAACgAAAAoAAAAZAAAAGQAAAAAAAAAzMzMAAAAAABQAAAAUAAAAGQAAABkAAAAAAAAABcAAAAUAAAAAAAAAAAAAAD/fwAA/38AAAAAAAAJAAAABAAAABD1LAUeAAAAaAAAAAAAAAAAAAAAAAAAAAAAAAAAAAAAECcAABAnAAAAAAAAAAAAAAAAAAAAAAAAAAAAAAAAAAAAAAAAAAAAABQAAAAAAAAAwMD/AAAAAABkAAAAMgAAAAAAAABkAAAAAAAAAH9/fwAKAAAAIgAAABgAAAAAAAAAAAAAAAAAAAAAAAAAAAAAAAAAAAAkAAAAJAAAAAAAAAAHAAAAAAAAAAAAAAAAAAAAAAAAAAAAAAAAAAAAf39/ACUAAABYAAAAAAAAAAAAAAAAAAAAAAAAAAAAAAAAAAAAAAAAAAAAAAAAAAAAAAAAAAAAAAA/AAAAAAAAAKCGAQAAAAAAAAAAAAAAAAAMAAAAAQAAAAAAAAAAAAAAAAAAAB8AAABUAAAAAAAABQAAAAEAAAAAAAAAAAAAAAAAAAAAAAAAAAAAAAAAAAAAAAAAAAAAAAJ/f38AAAAAA8zMzADAwP8Af39/AAAAAAAAAAAAAAAAAAAAAAAAAAAAIQAAABgAAAAUAAAAQAsAAOgXAADAPwAAsCIAAAAAAAAmAAAACAAAAAEAAAAAAAAA"/>
+              </a:ext>
+            </a:extLst>
+          </p:cNvSpPr>
+          <p:nvPr>
+            <p:ph type="subTitle" idx="1"/>
+          </p:nvPr>
+        </p:nvSpPr>
+        <p:spPr>
+          <a:xfrm>
+            <a:off x="1828800" y="3886200"/>
+            <a:ext cx="8534400" cy="1752600"/>
+          </a:xfrm>
+        </p:spPr>
+        <p:txBody>
+          <a:bodyPr/>
+          <a:lstStyle/>
+          <a:p>
+            <a:pPr/>
+            <a:r>
+              <a:t>Activities involved in Model Evaluation</a:t>
+            </a:r>
+          </a:p>
+          <a:p>
+            <a:pPr/>
+            <a:r>
+              <a:t>Points, Description, screenshots - Observations,</a:t>
+            </a:r>
+          </a:p>
+          <a:p>
+            <a:pPr/>
+            <a:r>
+              <a:t>1 slide</a:t>
+            </a:r>
+          </a:p>
+        </p:txBody>
+      </p:sp>
+    </p:spTree>
+  </p:cSld>
+  <p:clrMapOvr>
+    <a:masterClrMapping/>
+  </p:clrMapOvr>
+  <p:timing>
+    <p:tnLst>
+      <p:par>
+        <p:cTn id="1" dur="indefinite" restart="never" nodeType="tmRoot"/>
+      </p:par>
+    </p:tnLst>
+  </p:timing>
+</p:sld>
+</file>
+
+<file path=ppt/slides/slide6.xml><?xml version="1.0" encoding="utf-8"?>
+<p:sld xmlns:p="http://schemas.openxmlformats.org/presentationml/2006/main" xmlns:mc="http://schemas.openxmlformats.org/markup-compatibility/2006" xmlns:p14="http://schemas.microsoft.com/office/powerpoint/2010/main" xmlns:p15="http://schemas.microsoft.com/office/powerpoint/2012/main" xmlns:r="http://schemas.openxmlformats.org/officeDocument/2006/relationships" xmlns:a="http://schemas.openxmlformats.org/drawingml/2006/main" mc:Ignorable="p14">
+  <p:cSld>
+    <p:spTree>
+      <p:nvGrpSpPr>
+        <p:cNvPr id="1" name=""/>
+        <p:cNvGrpSpPr/>
+        <p:nvPr/>
+      </p:nvGrpSpPr>
+      <p:grpSpPr>
+        <a:xfrm>
+          <a:off x="0" y="0"/>
+          <a:ext cx="0" cy="0"/>
+          <a:chOff x="0" y="0"/>
+          <a:chExt cx="0" cy="0"/>
+        </a:xfrm>
+      </p:grpSpPr>
+      <p:sp>
+        <p:nvSpPr>
+          <p:cNvPr id="2" name="SlideTitle1"/>
+          <p:cNvSpPr>
+            <a:spLocks noGrp="1" noChangeArrowheads="1"/>
+            <a:extLst>
+              <a:ext uri="smNativeData">
+                <pr:smNativeData xmlns:pr="smNativeData" xmlns="smNativeData" val="SMDATA_15_ZjATZxMAAAAlAAAAZAAAAA8BAAAAkAAAAEgAAACQAAAASAAAAAAAAAABAAAAAAAAAAEAAABQAAAAAAAAAAAA4D8AAAAAAADgPwAAAAAAAOA/AAAAAAAA4D8AAAAAAADgPwAAAAAAAOA/AAAAAAAA4D8AAAAAAADgPwAAAAAAAOA/AAAAAAAA4D8CAAAAjAAAAAAAAAAAAAAAu+DjDP///wgAAAAAAAAAAAAAAAAAAAAAAAAAAAAAAAAAAAAAZAAAAAEAAABAAAAAAAAAAAAAAAAAAAAAAAAAAAAAAAAAAAAAAAAAAAAAAAAAAAAAAAAAAAAAAAAAAAAAAAAAAAAAAAAAAAAAAAAAAAAAAAAAAAAAAAAAAAAAAAAAAAAAFAAAADwAAAAAAAAAAAAAAAAAAAkUAAAAAQAAABQAAAAUAAAAFAAAAAEAAAAAAAAAZAAAAGQAAAAAAAAAZAAAAGQAAAAVAAAAYAAAAAAAAAAAAAAADwAAACADAAAAAAAAAAAAAAEAAACgMgAAVgcAAKr4//8BAAAAf39/AAEAAABkAAAAAAAAABQAAABAHwAAAAAAACYAAAAAAAAAwOD//wAAAAAmAAAAZAAAABYAAABMAAAAAAAAAAAAAAAEAAAAAAAAAAEAAACAgIAKAAAAACgAAAAoAAAAZAAAAGQAAAAAAAAAzMzMAAAAAABQAAAAUAAAAGQAAABkAAAAAAAAABcAAAAUAAAAAAAAAAAAAAD/fwAA/38AAAAAAAAJAAAABAAAAPCaCwceAAAAaAAAAAAAAAAAAAAAAAAAAAAAAAAAAAAAECcAABAnAAAAAAAAAAAAAAAAAAAAAAAAAAAAAAAAAAAAAAAAAAAAABQAAAAAAAAAwMD/AAAAAABkAAAAMgAAAAAAAABkAAAAAAAAAH9/fwAKAAAAIgAAABgAAAAAAAAAAAAAAAAAAAAAAAAAAAAAAAAAAAAkAAAAJAAAAAAAAAAHAAAAAAAAAAAAAAAAAAAAAAAAAAAAAAAAAAAAf39/ACUAAABYAAAAAAAAAAAAAAAAAAAAAAAAAAAAAAAAAAAAAAAAAAAAAAAAAAAAAAAAAAAAAAA/AAAAAAAAAKCGAQAAAAAAAAAAAAAAAAAMAAAAAQAAAAAAAAAAAAAAAAAAAB8AAABUAAAAAAAABQAAAAEAAAAAAAAAAAAAAAAAAAAAAAAAAAAAAAAAAAAAAAAAAAAAAAJ/f38AAAAAA8zMzADAwP8Af39/AAAAAAAAAAAAAAAAAAAAAAAAAAAAIQAAABgAAAAUAAAAoAUAABoNAABgRQAAJhYAAAAAAAAmAAAACAAAAAEAAAAAAAAA"/>
+              </a:ext>
+            </a:extLst>
+          </p:cNvSpPr>
+          <p:nvPr>
+            <p:ph type="ctrTitle"/>
+          </p:nvPr>
+        </p:nvSpPr>
+        <p:spPr>
+          <a:xfrm>
+            <a:off x="914400" y="2129790"/>
+            <a:ext cx="10363200" cy="1470660"/>
+          </a:xfrm>
+        </p:spPr>
+        <p:txBody>
+          <a:bodyPr/>
+          <a:lstStyle/>
+          <a:p>
+            <a:pPr/>
+            <a:r>
+              <a:t>Metrics Comparison </a:t>
+            </a:r>
+          </a:p>
+        </p:txBody>
+      </p:sp>
+      <p:sp>
+        <p:nvSpPr>
+          <p:cNvPr id="3" name="SlideSubtitle1"/>
+          <p:cNvSpPr>
+            <a:spLocks noGrp="1" noChangeArrowheads="1"/>
+            <a:extLst>
+              <a:ext uri="smNativeData">
+                <pr:smNativeData xmlns:pr="smNativeData" xmlns="smNativeData" val="SMDATA_15_ZjATZxMAAAAlAAAAZAAAAA8BAAAAkAAAAEgAAACQAAAASAAAAAAAAAAAAAAAAAAAAAEAAABQAAAAAAAAAAAA4D8AAAAAAADgPwAAAAAAAOA/AAAAAAAA4D8AAAAAAADgPwAAAAAAAOA/AAAAAAAA4D8AAAAAAADgPwAAAAAAAOA/AAAAAAAA4D8CAAAAjAAAAAAAAAAAAAAAu+DjDP///wgAAAAAAAAAAAAAAAAAAAAAAAAAAAAAAAAAAAAAZAAAAAEAAABAAAAAAAAAAAAAAAAAAAAAAAAAAAAAAAAAAAAAAAAAAAAAAAAAAAAAAAAAAAAAAAAAAAAAAAAAAAAAAAAAAAAAAAAAAAAAAAAAAAAAAAAAAAAAAAAAAAAAFAAAADwAAAAAAAAAAAAAAAAAAAkUAAAAAQAAABQAAAAUAAAAFAAAAAEAAAAAAAAAZAAAAGQAAAAAAAAAZAAAAGQAAAAVAAAAYAAAAAAAAAAAAAAADwAAACADAAAAAAAAAAAAAAEAAACgMgAAVgcAAKr4//8BAAAAf39/AAEAAABkAAAAAAAAABQAAABAHwAAAAAAACYAAAAAAAAAwOD//wAAAAAmAAAAZAAAABYAAABMAAAAAAAAAAAAAAAEAAAAAAAAAAEAAACAgIAKAAAAACgAAAAoAAAAZAAAAGQAAAAAAAAAzMzMAAAAAABQAAAAUAAAAGQAAABkAAAAAAAAABcAAAAUAAAAAAAAAAAAAAD/fwAA/38AAAAAAAAJAAAABAAAAD7o2aweAAAAaAAAAAAAAAAAAAAAAAAAAAAAAAAAAAAAECcAABAnAAAAAAAAAAAAAAAAAAAAAAAAAAAAAAAAAAAAAAAAAAAAABQAAAAAAAAAwMD/AAAAAABkAAAAMgAAAAAAAABkAAAAAAAAAH9/fwAKAAAAIgAAABgAAAAAAAAAAAAAAAAAAAAAAAAAAAAAAAAAAAAkAAAAJAAAAAAAAAAHAAAAAAAAAAAAAAAAAAAAAAAAAAAAAAAAAAAAf39/ACUAAABYAAAAAAAAAAAAAAAAAAAAAAAAAAAAAAAAAAAAAAAAAAAAAAAAAAAAAAAAAAAAAAA/AAAAAAAAAKCGAQAAAAAAAAAAAAAAAAAMAAAAAQAAAAAAAAAAAAAAAAAAAB8AAABUAAAAAAAABQAAAAEAAAAAAAAAAAAAAAAAAAAAAAAAAAAAAAAAAAAAAAAAAAAAAAJ/f38AAAAAA8zMzADAwP8Af39/AAAAAAAAAAAAAAAAAAAAAAAAAAAAIQAAABgAAAAUAAAAQAsAAOgXAADAPwAAsCIAAAAAAAAmAAAACAAAAAEAAAAAAAAA"/>
+              </a:ext>
+            </a:extLst>
+          </p:cNvSpPr>
+          <p:nvPr>
+            <p:ph type="subTitle" idx="1"/>
+          </p:nvPr>
+        </p:nvSpPr>
+        <p:spPr>
+          <a:xfrm>
+            <a:off x="1828800" y="3886200"/>
+            <a:ext cx="8534400" cy="1752600"/>
+          </a:xfrm>
+        </p:spPr>
+        <p:txBody>
+          <a:bodyPr/>
+          <a:lstStyle/>
+          <a:p>
+            <a:pPr/>
+            <a:r>
+              <a:t>Activities involved in Model Comparison</a:t>
+            </a:r>
+          </a:p>
+          <a:p>
+            <a:pPr/>
+            <a:r>
+              <a:t>Points, Description, screenshots - Observations,</a:t>
+            </a:r>
+          </a:p>
+          <a:p>
+            <a:pPr/>
+            <a:r>
+              <a:t>2 slides</a:t>
+            </a:r>
+          </a:p>
+        </p:txBody>
+      </p:sp>
+    </p:spTree>
+  </p:cSld>
+  <p:clrMapOvr>
+    <a:masterClrMapping/>
+  </p:clrMapOvr>
+  <p:timing>
+    <p:tnLst>
+      <p:par>
+        <p:cTn id="1" dur="indefinite" restart="never" nodeType="tmRoot"/>
+      </p:par>
+    </p:tnLst>
+  </p:timing>
+</p:sld>
+</file>
+
+<file path=ppt/slides/slide7.xml><?xml version="1.0" encoding="utf-8"?>
+<p:sld xmlns:p="http://schemas.openxmlformats.org/presentationml/2006/main" xmlns:mc="http://schemas.openxmlformats.org/markup-compatibility/2006" xmlns:p14="http://schemas.microsoft.com/office/powerpoint/2010/main" xmlns:p15="http://schemas.microsoft.com/office/powerpoint/2012/main" xmlns:r="http://schemas.openxmlformats.org/officeDocument/2006/relationships" xmlns:a="http://schemas.openxmlformats.org/drawingml/2006/main" mc:Ignorable="p14">
+  <p:cSld>
+    <p:spTree>
+      <p:nvGrpSpPr>
+        <p:cNvPr id="1" name=""/>
+        <p:cNvGrpSpPr/>
+        <p:nvPr/>
+      </p:nvGrpSpPr>
+      <p:grpSpPr>
+        <a:xfrm>
+          <a:off x="0" y="0"/>
+          <a:ext cx="0" cy="0"/>
+          <a:chOff x="0" y="0"/>
+          <a:chExt cx="0" cy="0"/>
+        </a:xfrm>
+      </p:grpSpPr>
+      <p:sp>
+        <p:nvSpPr>
+          <p:cNvPr id="2" name="SlideTitle1"/>
+          <p:cNvSpPr>
+            <a:spLocks noGrp="1" noChangeArrowheads="1"/>
+            <a:extLst>
+              <a:ext uri="smNativeData">
+                <pr:smNativeData xmlns:pr="smNativeData" xmlns="smNativeData" val="SMDATA_15_ZjATZxMAAAAlAAAAZAAAAA8BAAAAkAAAAEgAAACQAAAASAAAAAAAAAABAAAAAAAAAAEAAABQAAAAAAAAAAAA4D8AAAAAAADgPwAAAAAAAOA/AAAAAAAA4D8AAAAAAADgPwAAAAAAAOA/AAAAAAAA4D8AAAAAAADgPwAAAAAAAOA/AAAAAAAA4D8CAAAAjAAAAAAAAAAAAAAAu+DjDP///wgAAAAAAAAAAAAAAAAAAAAAAAAAAAAAAAAAAAAAZAAAAAEAAABAAAAAAAAAAAAAAAAAAAAAAAAAAAAAAAAAAAAAAAAAAAAAAAAAAAAAAAAAAAAAAAAAAAAAAAAAAAAAAAAAAAAAAAAAAAAAAAAAAAAAAAAAAAAAAAAAAAAAFAAAADwAAAAAAAAAAAAAAAAAAAkUAAAAAQAAABQAAAAUAAAAFAAAAAEAAAAAAAAAZAAAAGQAAAAAAAAAZAAAAGQAAAAVAAAAYAAAAAAAAAAAAAAADwAAACADAAAAAAAAAAAAAAEAAACgMgAAVgcAAKr4//8BAAAAf39/AAEAAABkAAAAAAAAABQAAABAHwAAAAAAACYAAAAAAAAAwOD//wAAAAAmAAAAZAAAABYAAABMAAAAAAAAAAAAAAAEAAAAAAAAAAEAAACAgIAKAAAAACgAAAAoAAAAZAAAAGQAAAAAAAAAzMzMAAAAAABQAAAAUAAAAGQAAABkAAAAAAAAABcAAAAUAAAAAAAAAAAAAAD/fwAA/38AAAAAAAAJAAAABAAAADajAAAeAAAAaAAAAAAAAAAAAAAAAAAAAAAAAAAAAAAAECcAABAnAAAAAAAAAAAAAAAAAAAAAAAAAAAAAAAAAAAAAAAAAAAAABQAAAAAAAAAwMD/AAAAAABkAAAAMgAAAAAAAABkAAAAAAAAAH9/fwAKAAAAIgAAABgAAAAAAAAAAAAAAAAAAAAAAAAAAAAAAAAAAAAkAAAAJAAAAAAAAAAHAAAAAAAAAAAAAAAAAAAAAAAAAAAAAAAAAAAAf39/ACUAAABYAAAAAAAAAAAAAAAAAAAAAAAAAAAAAAAAAAAAAAAAAAAAAAAAAAAAAAAAAAAAAAA/AAAAAAAAAKCGAQAAAAAAAAAAAAAAAAAMAAAAAQAAAAAAAAAAAAAAAAAAAB8AAABUAAAAAAAABQAAAAEAAAAAAAAAAAAAAAAAAAAAAAAAAAAAAAAAAAAAAAAAAAAAAAJ/f38AAAAAA8zMzADAwP8Af39/AAAAAAAAAAAAAAAAAAAAAAAAAAAAIQAAABgAAAAUAAAAoAUAABoNAABgRQAAJhYAAAAAAAAmAAAACAAAAAEAAAAAAAAA"/>
+              </a:ext>
+            </a:extLst>
+          </p:cNvSpPr>
+          <p:nvPr>
+            <p:ph type="ctrTitle"/>
+          </p:nvPr>
+        </p:nvSpPr>
+        <p:spPr>
+          <a:xfrm>
+            <a:off x="914400" y="2129790"/>
+            <a:ext cx="10363200" cy="1470660"/>
+          </a:xfrm>
+        </p:spPr>
+        <p:txBody>
+          <a:bodyPr/>
+          <a:lstStyle/>
+          <a:p>
+            <a:pPr/>
+            <a:r>
+              <a:t>Business Summary</a:t>
+            </a:r>
+          </a:p>
+        </p:txBody>
+      </p:sp>
+      <p:sp>
+        <p:nvSpPr>
+          <p:cNvPr id="3" name="SlideSubtitle1"/>
+          <p:cNvSpPr>
+            <a:spLocks noGrp="1" noChangeArrowheads="1"/>
+            <a:extLst>
+              <a:ext uri="smNativeData">
+                <pr:smNativeData xmlns:pr="smNativeData" xmlns="smNativeData" val="SMDATA_15_ZjATZxMAAAAlAAAAZAAAAA8BAAAAkAAAAEgAAACQAAAASAAAAAAAAAAAAAAAAAAAAAEAAABQAAAAAAAAAAAA4D8AAAAAAADgPwAAAAAAAOA/AAAAAAAA4D8AAAAAAADgPwAAAAAAAOA/AAAAAAAA4D8AAAAAAADgPwAAAAAAAOA/AAAAAAAA4D8CAAAAjAAAAAAAAAAAAAAAu+DjDP///wgAAAAAAAAAAAAAAAAAAAAAAAAAAAAAAAAAAAAAZAAAAAEAAABAAAAAAAAAAAAAAAAAAAAAAAAAAAAAAAAAAAAAAAAAAAAAAAAAAAAAAAAAAAAAAAAAAAAAAAAAAAAAAAAAAAAAAAAAAAAAAAAAAAAAAAAAAAAAAAAAAAAAFAAAADwAAAAAAAAAAAAAAAAAAAkUAAAAAQAAABQAAAAUAAAAFAAAAAEAAAAAAAAAZAAAAGQAAAAAAAAAZAAAAGQAAAAVAAAAYAAAAAAAAAAAAAAADwAAACADAAAAAAAAAAAAAAEAAACgMgAAVgcAAKr4//8BAAAAf39/AAEAAABkAAAAAAAAABQAAABAHwAAAAAAACYAAAAAAAAAwOD//wAAAAAmAAAAZAAAABYAAABMAAAAAAAAAAAAAAAEAAAAAAAAAAEAAACAgIAKAAAAACgAAAAoAAAAZAAAAGQAAAAAAAAAzMzMAAAAAABQAAAAUAAAAGQAAABkAAAAAAAAABcAAAAUAAAAAAAAAAAAAAD/fwAA/38AAAAAAAAJAAAABAAAAD7o2aweAAAAaAAAAAAAAAAAAAAAAAAAAAAAAAAAAAAAECcAABAnAAAAAAAAAAAAAAAAAAAAAAAAAAAAAAAAAAAAAAAAAAAAABQAAAAAAAAAwMD/AAAAAABkAAAAMgAAAAAAAABkAAAAAAAAAH9/fwAKAAAAIgAAABgAAAAAAAAAAAAAAAAAAAAAAAAAAAAAAAAAAAAkAAAAJAAAAAAAAAAHAAAAAAAAAAAAAAAAAAAAAAAAAAAAAAAAAAAAf39/ACUAAABYAAAAAAAAAAAAAAAAAAAAAAAAAAAAAAAAAAAAAAAAAAAAAAAAAAAAAAAAAAAAAAA/AAAAAAAAAKCGAQAAAAAAAAAAAAAAAAAMAAAAAQAAAAAAAAAAAAAAAAAAAB8AAABUAAAAAAAABQAAAAEAAAAAAAAAAAAAAAAAAAAAAAAAAAAAAAAAAAAAAAAAAAAAAAJ/f38AAAAAA8zMzADAwP8Af39/AAAAAAAAAAAAAAAAAAAAAAAAAAAAIQAAABgAAAAUAAAAQAsAAOgXAADAPwAAsCIAAAAAAAAmAAAACAAAAAEAAAAAAAAA"/>
+              </a:ext>
+            </a:extLst>
+          </p:cNvSpPr>
+          <p:nvPr>
+            <p:ph type="subTitle" idx="1"/>
+          </p:nvPr>
+        </p:nvSpPr>
+        <p:spPr>
+          <a:xfrm>
+            <a:off x="1828800" y="3886200"/>
+            <a:ext cx="8534400" cy="1752600"/>
+          </a:xfrm>
+        </p:spPr>
+        <p:txBody>
+          <a:bodyPr/>
+          <a:lstStyle/>
+          <a:p>
+            <a:pPr/>
+            <a:r>
+              <a:t>Holistic view point</a:t>
+            </a:r>
+          </a:p>
+          <a:p>
+            <a:pPr/>
+            <a:r>
+              <a:t>important suggestion, recommendation</a:t>
+            </a:r>
+          </a:p>
+          <a:p>
+            <a:pPr/>
+            <a:r>
+              <a:t>Top features etc..</a:t>
+            </a:r>
+          </a:p>
+          <a:p>
+            <a:pPr/>
+            <a:r>
+              <a:t>1 slide, </a:t>
+            </a:r>
+          </a:p>
+        </p:txBody>
+      </p:sp>
+    </p:spTree>
+  </p:cSld>
+  <p:clrMapOvr>
+    <a:masterClrMapping/>
+  </p:clrMapOvr>
+  <p:timing>
+    <p:tnLst>
+      <p:par>
+        <p:cTn id="1" dur="indefinite" restart="never" nodeType="tmRoot"/>
+      </p:par>
+    </p:tnLst>
+  </p:timing>
+</p:sld>
+</file>
+
+<file path=ppt/slides/slide8.xml><?xml version="1.0" encoding="utf-8"?>
+<p:sld xmlns:p="http://schemas.openxmlformats.org/presentationml/2006/main" xmlns:mc="http://schemas.openxmlformats.org/markup-compatibility/2006" xmlns:p14="http://schemas.microsoft.com/office/powerpoint/2010/main" xmlns:p15="http://schemas.microsoft.com/office/powerpoint/2012/main" xmlns:r="http://schemas.openxmlformats.org/officeDocument/2006/relationships" xmlns:a="http://schemas.openxmlformats.org/drawingml/2006/main" mc:Ignorable="p14">
+  <p:cSld>
+    <p:spTree>
+      <p:nvGrpSpPr>
+        <p:cNvPr id="1" name=""/>
+        <p:cNvGrpSpPr/>
+        <p:nvPr/>
+      </p:nvGrpSpPr>
+      <p:grpSpPr>
+        <a:xfrm>
+          <a:off x="0" y="0"/>
+          <a:ext cx="0" cy="0"/>
+          <a:chOff x="0" y="0"/>
+          <a:chExt cx="0" cy="0"/>
+        </a:xfrm>
+      </p:grpSpPr>
+      <p:sp>
+        <p:nvSpPr>
+          <p:cNvPr id="2" name="SlideTitle1"/>
+          <p:cNvSpPr>
+            <a:spLocks noGrp="1" noChangeArrowheads="1"/>
+            <a:extLst>
+              <a:ext uri="smNativeData">
+                <pr:smNativeData xmlns:pr="smNativeData" xmlns="smNativeData" val="SMDATA_15_ZjATZxMAAAAlAAAAZAAAAA8BAAAAkAAAAEgAAACQAAAASAAAAAAAAAABAAAAAAAAAAEAAABQAAAAAAAAAAAA4D8AAAAAAADgPwAAAAAAAOA/AAAAAAAA4D8AAAAAAADgPwAAAAAAAOA/AAAAAAAA4D8AAAAAAADgPwAAAAAAAOA/AAAAAAAA4D8CAAAAjAAAAAAAAAAAAAAAu+DjDP///wgAAAAAAAAAAAAAAAAAAAAAAAAAAAAAAAAAAAAAZAAAAAEAAABAAAAAAAAAAAAAAAAAAAAAAAAAAAAAAAAAAAAAAAAAAAAAAAAAAAAAAAAAAAAAAAAAAAAAAAAAAAAAAAAAAAAAAAAAAAAAAAAAAAAAAAAAAAAAAAAAAAAAFAAAADwAAAAAAAAAAAAAAAAAAAkUAAAAAQAAABQAAAAUAAAAFAAAAAEAAAAAAAAAZAAAAGQAAAAAAAAAZAAAAGQAAAAVAAAAYAAAAAAAAAAAAAAADwAAACADAAAAAAAAAAAAAAEAAACgMgAAVgcAAKr4//8BAAAAf39/AAEAAABkAAAAAAAAABQAAABAHwAAAAAAACYAAAAAAAAAwOD//wAAAAAmAAAAZAAAABYAAABMAAAAAAAAAAAAAAAEAAAAAAAAAAEAAACAgIAKAAAAACgAAAAoAAAAZAAAAGQAAAAAAAAAzMzMAAAAAABQAAAAUAAAAGQAAABkAAAAAAAAABcAAAAUAAAAAAAAAAAAAAD/fwAA/38AAAAAAAAJAAAABAAAAAAAAAAeAAAAaAAAAAAAAAAAAAAAAAAAAAAAAAAAAAAAECcAABAnAAAAAAAAAAAAAAAAAAAAAAAAAAAAAAAAAAAAAAAAAAAAABQAAAAAAAAAwMD/AAAAAABkAAAAMgAAAAAAAABkAAAAAAAAAH9/fwAKAAAAIgAAABgAAAAAAAAAAAAAAAAAAAAAAAAAAAAAAAAAAAAkAAAAJAAAAAAAAAAHAAAAAAAAAAAAAAAAAAAAAAAAAAAAAAAAAAAAf39/ACUAAABYAAAAAAAAAAAAAAAAAAAAAAAAAAAAAAAAAAAAAAAAAAAAAAAAAAAAAAAAAAAAAAA/AAAAAAAAAKCGAQAAAAAAAAAAAAAAAAAMAAAAAQAAAAAAAAAAAAAAAAAAAB8AAABUAAAAAAAABQAAAAEAAAAAAAAAAAAAAAAAAAAAAAAAAAAAAAAAAAAAAAAAAAAAAAJ/f38AAAAAA8zMzADAwP8Af39/AAAAAAAAAAAAAAAAAAAAAAAAAAAAIQAAABgAAAAUAAAAoAUAABoNAABgRQAAJhYAAAAAAAAmAAAACAAAAAEAAAAAAAAA"/>
+              </a:ext>
+            </a:extLst>
+          </p:cNvSpPr>
+          <p:nvPr>
+            <p:ph type="ctrTitle"/>
+          </p:nvPr>
+        </p:nvSpPr>
+        <p:spPr>
+          <a:xfrm>
+            <a:off x="914400" y="2129790"/>
+            <a:ext cx="10363200" cy="1470660"/>
+          </a:xfrm>
+        </p:spPr>
+        <p:txBody>
+          <a:bodyPr/>
+          <a:lstStyle/>
+          <a:p>
+            <a:pPr/>
+            <a:r>
+              <a:t>Thank You</a:t>
+            </a:r>
+          </a:p>
+        </p:txBody>
+      </p:sp>
+      <p:sp>
+        <p:nvSpPr>
+          <p:cNvPr id="3" name="SlideSubtitle1"/>
+          <p:cNvSpPr>
+            <a:spLocks noGrp="1" noChangeArrowheads="1"/>
+            <a:extLst>
+              <a:ext uri="smNativeData">
+                <pr:smNativeData xmlns:pr="smNativeData" xmlns="smNativeData" val="SMDATA_15_ZjATZxMAAAAlAAAAZAAAAA8BAAAAkAAAAEgAAACQAAAASAAAAAAAAAAAAAAAAAAAAAEAAABQAAAAAAAAAAAA4D8AAAAAAADgPwAAAAAAAOA/AAAAAAAA4D8AAAAAAADgPwAAAAAAAOA/AAAAAAAA4D8AAAAAAADgPwAAAAAAAOA/AAAAAAAA4D8CAAAAjAAAAAAAAAAAAAAAu+DjDP///wgAAAAAAAAAAAAAAAAAAAAAAAAAAAAAAAAAAAAAZAAAAAEAAABAAAAAAAAAAAAAAAAAAAAAAAAAAAAAAAAAAAAAAAAAAAAAAAAAAAAAAAAAAAAAAAAAAAAAAAAAAAAAAAAAAAAAAAAAAAAAAAAAAAAAAAAAAAAAAAAAAAAAFAAAADwAAAAAAAAAAAAAAAAAAAkUAAAAAQAAABQAAAAUAAAAFAAAAAEAAAAAAAAAZAAAAGQAAAAAAAAAZAAAAGQAAAAVAAAAYAAAAAAAAAAAAAAADwAAACADAAAAAAAAAAAAAAEAAACgMgAAVgcAAKr4//8BAAAAf39/AAEAAABkAAAAAAAAABQAAABAHwAAAAAAACYAAAAAAAAAwOD//wAAAAAmAAAAZAAAABYAAABMAAAAAAAAAAAAAAAEAAAAAAAAAAEAAACAgIAKAAAAACgAAAAoAAAAZAAAAGQAAAAAAAAAzMzMAAAAAABQAAAAUAAAAGQAAABkAAAAAAAAABcAAAAUAAAAAAAAAAAAAAD/fwAA/38AAAAAAAAJAAAABAAAAD7o2aweAAAAaAAAAAAAAAAAAAAAAAAAAAAAAAAAAAAAECcAABAnAAAAAAAAAAAAAAAAAAAAAAAAAAAAAAAAAAAAAAAAAAAAABQAAAAAAAAAwMD/AAAAAABkAAAAMgAAAAAAAABkAAAAAAAAAH9/fwAKAAAAIgAAABgAAAAAAAAAAAAAAAAAAAAAAAAAAAAAAAAAAAAkAAAAJAAAAAAAAAAHAAAAAAAAAAAAAAAAAAAAAAAAAAAAAAAAAAAAf39/ACUAAABYAAAAAAAAAAAAAAAAAAAAAAAAAAAAAAAAAAAAAAAAAAAAAAAAAAAAAAAAAAAAAAA/AAAAAAAAAKCGAQAAAAAAAAAAAAAAAAAMAAAAAQAAAAAAAAAAAAAAAAAAAB8AAABUAAAAAAAABQAAAAEAAAAAAAAAAAAAAAAAAAAAAAAAAAAAAAAAAAAAAAAAAAAAAAJ/f38AAAAAA8zMzADAwP8Af39/AAAAAAAAAAAAAAAAAAAAAAAAAAAAIQAAABgAAAAUAAAAQAsAAOgXAADAPwAAsCIAABAAAAAmAAAACAAAAAAAAAAAAAAA"/>
               </a:ext>
             </a:extLst>
           </p:cNvSpPr>
@@ -4632,6 +5452,47 @@
       </a:clrScheme>
       <a:clrMap bg1="lt1" tx1="dk1" bg2="lt2" tx2="dk2" accent1="accent1" accent2="accent2" accent3="accent3" accent4="accent4" accent5="accent5" accent6="accent6" hlink="hlink" folHlink="folHlink"/>
     </a:extraClrScheme>
+    <a:extraClrScheme>
+      <a:clrScheme name="Presentation 16">
+        <a:dk1>
+          <a:srgbClr val="000000"/>
+        </a:dk1>
+        <a:lt1>
+          <a:srgbClr val="FFFFFF"/>
+        </a:lt1>
+        <a:dk2>
+          <a:srgbClr val="000000"/>
+        </a:dk2>
+        <a:lt2>
+          <a:srgbClr val="808080"/>
+        </a:lt2>
+        <a:accent1>
+          <a:srgbClr val="BBE0E3"/>
+        </a:accent1>
+        <a:accent2>
+          <a:srgbClr val="333399"/>
+        </a:accent2>
+        <a:accent3>
+          <a:srgbClr val="535379"/>
+        </a:accent3>
+        <a:accent4>
+          <a:srgbClr val="737359"/>
+        </a:accent4>
+        <a:accent5>
+          <a:srgbClr val="939339"/>
+        </a:accent5>
+        <a:accent6>
+          <a:srgbClr val="B3B319"/>
+        </a:accent6>
+        <a:hlink>
+          <a:srgbClr val="009999"/>
+        </a:hlink>
+        <a:folHlink>
+          <a:srgbClr val="99CC00"/>
+        </a:folHlink>
+      </a:clrScheme>
+      <a:clrMap bg1="lt1" tx1="dk1" bg2="lt2" tx2="dk2" accent1="accent1" accent2="accent2" accent3="accent3" accent4="accent4" accent5="accent5" accent6="accent6" hlink="hlink" folHlink="folHlink"/>
+    </a:extraClrScheme>
   </a:extraClrSchemeLst>
 </a:theme>
 </file>